--- a/clase3/teorica_3.pptx
+++ b/clase3/teorica_3.pptx
@@ -5,59 +5,60 @@
     <p:sldMasterId id="2147483659" r:id="rId1"/>
   </p:sldMasterIdLst>
   <p:notesMasterIdLst>
-    <p:notesMasterId r:id="rId31"/>
+    <p:notesMasterId r:id="rId32"/>
   </p:notesMasterIdLst>
   <p:sldIdLst>
     <p:sldId id="256" r:id="rId2"/>
     <p:sldId id="264" r:id="rId3"/>
-    <p:sldId id="265" r:id="rId4"/>
-    <p:sldId id="267" r:id="rId5"/>
-    <p:sldId id="268" r:id="rId6"/>
-    <p:sldId id="270" r:id="rId7"/>
-    <p:sldId id="272" r:id="rId8"/>
-    <p:sldId id="342" r:id="rId9"/>
-    <p:sldId id="343" r:id="rId10"/>
-    <p:sldId id="344" r:id="rId11"/>
-    <p:sldId id="301" r:id="rId12"/>
-    <p:sldId id="283" r:id="rId13"/>
-    <p:sldId id="335" r:id="rId14"/>
-    <p:sldId id="345" r:id="rId15"/>
-    <p:sldId id="347" r:id="rId16"/>
-    <p:sldId id="346" r:id="rId17"/>
-    <p:sldId id="348" r:id="rId18"/>
-    <p:sldId id="276" r:id="rId19"/>
-    <p:sldId id="277" r:id="rId20"/>
-    <p:sldId id="349" r:id="rId21"/>
-    <p:sldId id="280" r:id="rId22"/>
-    <p:sldId id="338" r:id="rId23"/>
-    <p:sldId id="286" r:id="rId24"/>
-    <p:sldId id="339" r:id="rId25"/>
-    <p:sldId id="288" r:id="rId26"/>
-    <p:sldId id="341" r:id="rId27"/>
-    <p:sldId id="295" r:id="rId28"/>
-    <p:sldId id="296" r:id="rId29"/>
-    <p:sldId id="312" r:id="rId30"/>
+    <p:sldId id="350" r:id="rId4"/>
+    <p:sldId id="265" r:id="rId5"/>
+    <p:sldId id="267" r:id="rId6"/>
+    <p:sldId id="268" r:id="rId7"/>
+    <p:sldId id="270" r:id="rId8"/>
+    <p:sldId id="272" r:id="rId9"/>
+    <p:sldId id="342" r:id="rId10"/>
+    <p:sldId id="343" r:id="rId11"/>
+    <p:sldId id="344" r:id="rId12"/>
+    <p:sldId id="301" r:id="rId13"/>
+    <p:sldId id="283" r:id="rId14"/>
+    <p:sldId id="335" r:id="rId15"/>
+    <p:sldId id="345" r:id="rId16"/>
+    <p:sldId id="347" r:id="rId17"/>
+    <p:sldId id="346" r:id="rId18"/>
+    <p:sldId id="348" r:id="rId19"/>
+    <p:sldId id="276" r:id="rId20"/>
+    <p:sldId id="277" r:id="rId21"/>
+    <p:sldId id="349" r:id="rId22"/>
+    <p:sldId id="280" r:id="rId23"/>
+    <p:sldId id="338" r:id="rId24"/>
+    <p:sldId id="286" r:id="rId25"/>
+    <p:sldId id="339" r:id="rId26"/>
+    <p:sldId id="288" r:id="rId27"/>
+    <p:sldId id="341" r:id="rId28"/>
+    <p:sldId id="295" r:id="rId29"/>
+    <p:sldId id="296" r:id="rId30"/>
+    <p:sldId id="312" r:id="rId31"/>
   </p:sldIdLst>
   <p:sldSz cx="9144000" cy="5143500" type="screen16x9"/>
   <p:notesSz cx="6858000" cy="9144000"/>
   <p:embeddedFontLst>
     <p:embeddedFont>
       <p:font typeface="Cambria Math" panose="02040503050406030204" pitchFamily="18" charset="0"/>
-      <p:regular r:id="rId32"/>
+      <p:regular r:id="rId33"/>
     </p:embeddedFont>
     <p:embeddedFont>
       <p:font typeface="Georgia" panose="02040502050405020303" pitchFamily="18" charset="0"/>
-      <p:regular r:id="rId33"/>
-      <p:bold r:id="rId34"/>
-      <p:italic r:id="rId35"/>
-      <p:boldItalic r:id="rId36"/>
+      <p:regular r:id="rId34"/>
+      <p:bold r:id="rId35"/>
+      <p:italic r:id="rId36"/>
+      <p:boldItalic r:id="rId37"/>
     </p:embeddedFont>
     <p:embeddedFont>
       <p:font typeface="Proxima Nova" panose="020B0604020202020204" charset="0"/>
-      <p:regular r:id="rId37"/>
-      <p:bold r:id="rId38"/>
-      <p:italic r:id="rId39"/>
-      <p:boldItalic r:id="rId40"/>
+      <p:regular r:id="rId38"/>
+      <p:bold r:id="rId39"/>
+      <p:italic r:id="rId40"/>
+      <p:boldItalic r:id="rId41"/>
     </p:embeddedFont>
   </p:embeddedFontLst>
   <p:defaultTextStyle>
@@ -952,6 +953,115 @@
     </p:spTree>
     <p:extLst>
       <p:ext uri="{BB962C8B-B14F-4D97-AF65-F5344CB8AC3E}">
+        <p14:creationId xmlns:p14="http://schemas.microsoft.com/office/powerpoint/2010/main" val="3747526327"/>
+      </p:ext>
+    </p:extLst>
+  </p:cSld>
+  <p:clrMapOvr>
+    <a:masterClrMapping/>
+  </p:clrMapOvr>
+</p:notes>
+</file>
+
+<file path=ppt/notesSlides/notesSlide11.xml><?xml version="1.0" encoding="utf-8"?>
+<p:notes xmlns:a="http://schemas.openxmlformats.org/drawingml/2006/main" xmlns:r="http://schemas.openxmlformats.org/officeDocument/2006/relationships" xmlns:p="http://schemas.openxmlformats.org/presentationml/2006/main" showMasterSp="0" showMasterPhAnim="0">
+  <p:cSld>
+    <p:spTree>
+      <p:nvGrpSpPr>
+        <p:cNvPr id="1" name="Shape 149"/>
+        <p:cNvGrpSpPr/>
+        <p:nvPr/>
+      </p:nvGrpSpPr>
+      <p:grpSpPr>
+        <a:xfrm>
+          <a:off x="0" y="0"/>
+          <a:ext cx="0" cy="0"/>
+          <a:chOff x="0" y="0"/>
+          <a:chExt cx="0" cy="0"/>
+        </a:xfrm>
+      </p:grpSpPr>
+      <p:sp>
+        <p:nvSpPr>
+          <p:cNvPr id="150" name="Google Shape;150;ge626d24df6_0_216:notes"/>
+          <p:cNvSpPr>
+            <a:spLocks noGrp="1" noRot="1" noChangeAspect="1"/>
+          </p:cNvSpPr>
+          <p:nvPr>
+            <p:ph type="sldImg" idx="2"/>
+          </p:nvPr>
+        </p:nvSpPr>
+        <p:spPr>
+          <a:xfrm>
+            <a:off x="381000" y="685800"/>
+            <a:ext cx="6096000" cy="3429000"/>
+          </a:xfrm>
+          <a:custGeom>
+            <a:avLst/>
+            <a:gdLst/>
+            <a:ahLst/>
+            <a:cxnLst/>
+            <a:rect l="l" t="t" r="r" b="b"/>
+            <a:pathLst>
+              <a:path w="120000" h="120000" extrusionOk="0">
+                <a:moveTo>
+                  <a:pt x="0" y="0"/>
+                </a:moveTo>
+                <a:lnTo>
+                  <a:pt x="120000" y="0"/>
+                </a:lnTo>
+                <a:lnTo>
+                  <a:pt x="120000" y="120000"/>
+                </a:lnTo>
+                <a:lnTo>
+                  <a:pt x="0" y="120000"/>
+                </a:lnTo>
+                <a:close/>
+              </a:path>
+            </a:pathLst>
+          </a:custGeom>
+        </p:spPr>
+      </p:sp>
+      <p:sp>
+        <p:nvSpPr>
+          <p:cNvPr id="151" name="Google Shape;151;ge626d24df6_0_216:notes"/>
+          <p:cNvSpPr txBox="1">
+            <a:spLocks noGrp="1"/>
+          </p:cNvSpPr>
+          <p:nvPr>
+            <p:ph type="body" idx="1"/>
+          </p:nvPr>
+        </p:nvSpPr>
+        <p:spPr>
+          <a:xfrm>
+            <a:off x="685800" y="4343400"/>
+            <a:ext cx="5486400" cy="4114800"/>
+          </a:xfrm>
+          <a:prstGeom prst="rect">
+            <a:avLst/>
+          </a:prstGeom>
+        </p:spPr>
+        <p:txBody>
+          <a:bodyPr spcFirstLastPara="1" wrap="square" lIns="91425" tIns="91425" rIns="91425" bIns="91425" anchor="t" anchorCtr="0">
+            <a:noAutofit/>
+          </a:bodyPr>
+          <a:lstStyle/>
+          <a:p>
+            <a:pPr marL="0" lvl="0" indent="0" algn="l" rtl="0">
+              <a:spcBef>
+                <a:spcPts val="0"/>
+              </a:spcBef>
+              <a:spcAft>
+                <a:spcPts val="0"/>
+              </a:spcAft>
+              <a:buNone/>
+            </a:pPr>
+            <a:endParaRPr/>
+          </a:p>
+        </p:txBody>
+      </p:sp>
+    </p:spTree>
+    <p:extLst>
+      <p:ext uri="{BB962C8B-B14F-4D97-AF65-F5344CB8AC3E}">
         <p14:creationId xmlns:p14="http://schemas.microsoft.com/office/powerpoint/2010/main" val="2002730001"/>
       </p:ext>
     </p:extLst>
@@ -962,7 +1072,7 @@
 </p:notes>
 </file>
 
-<file path=ppt/notesSlides/notesSlide11.xml><?xml version="1.0" encoding="utf-8"?>
+<file path=ppt/notesSlides/notesSlide12.xml><?xml version="1.0" encoding="utf-8"?>
 <p:notes xmlns:a="http://schemas.openxmlformats.org/drawingml/2006/main" xmlns:r="http://schemas.openxmlformats.org/officeDocument/2006/relationships" xmlns:p="http://schemas.openxmlformats.org/presentationml/2006/main" showMasterSp="0" showMasterPhAnim="0">
   <p:cSld>
     <p:spTree>
@@ -1091,7 +1201,7 @@
 </p:notes>
 </file>
 
-<file path=ppt/notesSlides/notesSlide12.xml><?xml version="1.0" encoding="utf-8"?>
+<file path=ppt/notesSlides/notesSlide13.xml><?xml version="1.0" encoding="utf-8"?>
 <p:notes xmlns:a="http://schemas.openxmlformats.org/drawingml/2006/main" xmlns:r="http://schemas.openxmlformats.org/officeDocument/2006/relationships" xmlns:p="http://schemas.openxmlformats.org/presentationml/2006/main" showMasterSp="0" showMasterPhAnim="0">
   <p:cSld>
     <p:spTree>
@@ -1191,115 +1301,6 @@
     <p:extLst>
       <p:ext uri="{BB962C8B-B14F-4D97-AF65-F5344CB8AC3E}">
         <p14:creationId xmlns:p14="http://schemas.microsoft.com/office/powerpoint/2010/main" val="3320819091"/>
-      </p:ext>
-    </p:extLst>
-  </p:cSld>
-  <p:clrMapOvr>
-    <a:masterClrMapping/>
-  </p:clrMapOvr>
-</p:notes>
-</file>
-
-<file path=ppt/notesSlides/notesSlide13.xml><?xml version="1.0" encoding="utf-8"?>
-<p:notes xmlns:a="http://schemas.openxmlformats.org/drawingml/2006/main" xmlns:r="http://schemas.openxmlformats.org/officeDocument/2006/relationships" xmlns:p="http://schemas.openxmlformats.org/presentationml/2006/main" showMasterSp="0" showMasterPhAnim="0">
-  <p:cSld>
-    <p:spTree>
-      <p:nvGrpSpPr>
-        <p:cNvPr id="1" name="Shape 149"/>
-        <p:cNvGrpSpPr/>
-        <p:nvPr/>
-      </p:nvGrpSpPr>
-      <p:grpSpPr>
-        <a:xfrm>
-          <a:off x="0" y="0"/>
-          <a:ext cx="0" cy="0"/>
-          <a:chOff x="0" y="0"/>
-          <a:chExt cx="0" cy="0"/>
-        </a:xfrm>
-      </p:grpSpPr>
-      <p:sp>
-        <p:nvSpPr>
-          <p:cNvPr id="150" name="Google Shape;150;ge626d24df6_0_216:notes"/>
-          <p:cNvSpPr>
-            <a:spLocks noGrp="1" noRot="1" noChangeAspect="1"/>
-          </p:cNvSpPr>
-          <p:nvPr>
-            <p:ph type="sldImg" idx="2"/>
-          </p:nvPr>
-        </p:nvSpPr>
-        <p:spPr>
-          <a:xfrm>
-            <a:off x="381000" y="685800"/>
-            <a:ext cx="6096000" cy="3429000"/>
-          </a:xfrm>
-          <a:custGeom>
-            <a:avLst/>
-            <a:gdLst/>
-            <a:ahLst/>
-            <a:cxnLst/>
-            <a:rect l="l" t="t" r="r" b="b"/>
-            <a:pathLst>
-              <a:path w="120000" h="120000" extrusionOk="0">
-                <a:moveTo>
-                  <a:pt x="0" y="0"/>
-                </a:moveTo>
-                <a:lnTo>
-                  <a:pt x="120000" y="0"/>
-                </a:lnTo>
-                <a:lnTo>
-                  <a:pt x="120000" y="120000"/>
-                </a:lnTo>
-                <a:lnTo>
-                  <a:pt x="0" y="120000"/>
-                </a:lnTo>
-                <a:close/>
-              </a:path>
-            </a:pathLst>
-          </a:custGeom>
-        </p:spPr>
-      </p:sp>
-      <p:sp>
-        <p:nvSpPr>
-          <p:cNvPr id="151" name="Google Shape;151;ge626d24df6_0_216:notes"/>
-          <p:cNvSpPr txBox="1">
-            <a:spLocks noGrp="1"/>
-          </p:cNvSpPr>
-          <p:nvPr>
-            <p:ph type="body" idx="1"/>
-          </p:nvPr>
-        </p:nvSpPr>
-        <p:spPr>
-          <a:xfrm>
-            <a:off x="685800" y="4343400"/>
-            <a:ext cx="5486400" cy="4114800"/>
-          </a:xfrm>
-          <a:prstGeom prst="rect">
-            <a:avLst/>
-          </a:prstGeom>
-        </p:spPr>
-        <p:txBody>
-          <a:bodyPr spcFirstLastPara="1" wrap="square" lIns="91425" tIns="91425" rIns="91425" bIns="91425" anchor="t" anchorCtr="0">
-            <a:noAutofit/>
-          </a:bodyPr>
-          <a:lstStyle/>
-          <a:p>
-            <a:pPr marL="0" lvl="0" indent="0" algn="l" rtl="0">
-              <a:spcBef>
-                <a:spcPts val="0"/>
-              </a:spcBef>
-              <a:spcAft>
-                <a:spcPts val="0"/>
-              </a:spcAft>
-              <a:buNone/>
-            </a:pPr>
-            <a:endParaRPr/>
-          </a:p>
-        </p:txBody>
-      </p:sp>
-    </p:spTree>
-    <p:extLst>
-      <p:ext uri="{BB962C8B-B14F-4D97-AF65-F5344CB8AC3E}">
-        <p14:creationId xmlns:p14="http://schemas.microsoft.com/office/powerpoint/2010/main" val="3654540677"/>
       </p:ext>
     </p:extLst>
   </p:cSld>
@@ -1392,92 +1393,6 @@
           </a:bodyPr>
           <a:lstStyle/>
           <a:p>
-            <a:pPr algn="l"/>
-            <a:r>
-              <a:rPr lang="es-MX" b="0" i="1" dirty="0">
-                <a:solidFill>
-                  <a:srgbClr val="333333"/>
-                </a:solidFill>
-                <a:effectLst/>
-                <a:latin typeface="Georgia" panose="02040502050405020303" pitchFamily="18" charset="0"/>
-              </a:rPr>
-              <a:t>Nota 1:</a:t>
-            </a:r>
-            <a:r>
-              <a:rPr lang="es-MX" b="0" i="0" dirty="0">
-                <a:solidFill>
-                  <a:srgbClr val="333333"/>
-                </a:solidFill>
-                <a:effectLst/>
-                <a:latin typeface="Georgia" panose="02040502050405020303" pitchFamily="18" charset="0"/>
-              </a:rPr>
-              <a:t> se usa el sexo biológico con dos categorías para ejemplificar debido a que es aquella variable que generalmente se presenta en las estadísticas para aproximar la información relativa al género.</a:t>
-            </a:r>
-          </a:p>
-          <a:p>
-            <a:pPr algn="l"/>
-            <a:r>
-              <a:rPr lang="es-MX" b="0" i="1" dirty="0">
-                <a:solidFill>
-                  <a:srgbClr val="333333"/>
-                </a:solidFill>
-                <a:effectLst/>
-                <a:latin typeface="Georgia" panose="02040502050405020303" pitchFamily="18" charset="0"/>
-              </a:rPr>
-              <a:t>Nota 2:</a:t>
-            </a:r>
-            <a:r>
-              <a:rPr lang="es-MX" b="0" i="0" dirty="0">
-                <a:solidFill>
-                  <a:srgbClr val="333333"/>
-                </a:solidFill>
-                <a:effectLst/>
-                <a:latin typeface="Georgia" panose="02040502050405020303" pitchFamily="18" charset="0"/>
-              </a:rPr>
-              <a:t> note que </a:t>
-            </a:r>
-            <a:r>
-              <a:rPr lang="es-MX" b="0" i="0" u="none" strike="noStrike" dirty="0">
-                <a:solidFill>
-                  <a:srgbClr val="333333"/>
-                </a:solidFill>
-                <a:effectLst/>
-                <a:latin typeface="MathJax_Math-italic"/>
-              </a:rPr>
-              <a:t>β</a:t>
-            </a:r>
-            <a:r>
-              <a:rPr lang="es-MX" b="0" i="0" u="none" strike="noStrike" dirty="0">
-                <a:solidFill>
-                  <a:srgbClr val="333333"/>
-                </a:solidFill>
-                <a:effectLst/>
-                <a:latin typeface="MathJax_Main"/>
-              </a:rPr>
-              <a:t>2</a:t>
-            </a:r>
-            <a:r>
-              <a:rPr lang="es-MX" b="0" i="0" u="none" strike="noStrike" dirty="0">
-                <a:solidFill>
-                  <a:srgbClr val="333333"/>
-                </a:solidFill>
-                <a:effectLst/>
-                <a:latin typeface="Georgia" panose="02040502050405020303" pitchFamily="18" charset="0"/>
-              </a:rPr>
-              <a:t>�2</a:t>
-            </a:r>
-            <a:r>
-              <a:rPr lang="es-MX" b="0" i="0" dirty="0">
-                <a:solidFill>
-                  <a:srgbClr val="333333"/>
-                </a:solidFill>
-                <a:effectLst/>
-                <a:latin typeface="Georgia" panose="02040502050405020303" pitchFamily="18" charset="0"/>
-              </a:rPr>
-              <a:t> también podría tomar valores negativos, ¿qué se observaría en el gráfico en ese caso?</a:t>
-            </a:r>
-          </a:p>
-          <a:p>
             <a:pPr marL="0" lvl="0" indent="0" algn="l" rtl="0">
               <a:spcBef>
                 <a:spcPts val="0"/>
@@ -1487,14 +1402,14 @@
               </a:spcAft>
               <a:buNone/>
             </a:pPr>
-            <a:endParaRPr dirty="0"/>
+            <a:endParaRPr/>
           </a:p>
         </p:txBody>
       </p:sp>
     </p:spTree>
     <p:extLst>
       <p:ext uri="{BB962C8B-B14F-4D97-AF65-F5344CB8AC3E}">
-        <p14:creationId xmlns:p14="http://schemas.microsoft.com/office/powerpoint/2010/main" val="3148074498"/>
+        <p14:creationId xmlns:p14="http://schemas.microsoft.com/office/powerpoint/2010/main" val="3654540677"/>
       </p:ext>
     </p:extLst>
   </p:cSld>
@@ -1689,7 +1604,7 @@
     </p:spTree>
     <p:extLst>
       <p:ext uri="{BB962C8B-B14F-4D97-AF65-F5344CB8AC3E}">
-        <p14:creationId xmlns:p14="http://schemas.microsoft.com/office/powerpoint/2010/main" val="1034956524"/>
+        <p14:creationId xmlns:p14="http://schemas.microsoft.com/office/powerpoint/2010/main" val="3148074498"/>
       </p:ext>
     </p:extLst>
   </p:cSld>
@@ -1884,7 +1799,7 @@
     </p:spTree>
     <p:extLst>
       <p:ext uri="{BB962C8B-B14F-4D97-AF65-F5344CB8AC3E}">
-        <p14:creationId xmlns:p14="http://schemas.microsoft.com/office/powerpoint/2010/main" val="2496103982"/>
+        <p14:creationId xmlns:p14="http://schemas.microsoft.com/office/powerpoint/2010/main" val="1034956524"/>
       </p:ext>
     </p:extLst>
   </p:cSld>
@@ -1895,427 +1810,6 @@
 </file>
 
 <file path=ppt/notesSlides/notesSlide17.xml><?xml version="1.0" encoding="utf-8"?>
-<p:notes xmlns:a="http://schemas.openxmlformats.org/drawingml/2006/main" xmlns:r="http://schemas.openxmlformats.org/officeDocument/2006/relationships" xmlns:p="http://schemas.openxmlformats.org/presentationml/2006/main" showMasterSp="0" showMasterPhAnim="0">
-  <p:cSld>
-    <p:spTree>
-      <p:nvGrpSpPr>
-        <p:cNvPr id="1" name="Shape 206"/>
-        <p:cNvGrpSpPr/>
-        <p:nvPr/>
-      </p:nvGrpSpPr>
-      <p:grpSpPr>
-        <a:xfrm>
-          <a:off x="0" y="0"/>
-          <a:ext cx="0" cy="0"/>
-          <a:chOff x="0" y="0"/>
-          <a:chExt cx="0" cy="0"/>
-        </a:xfrm>
-      </p:grpSpPr>
-      <p:sp>
-        <p:nvSpPr>
-          <p:cNvPr id="207" name="Google Shape;207;ge626d24df6_0_245:notes"/>
-          <p:cNvSpPr>
-            <a:spLocks noGrp="1" noRot="1" noChangeAspect="1"/>
-          </p:cNvSpPr>
-          <p:nvPr>
-            <p:ph type="sldImg" idx="2"/>
-          </p:nvPr>
-        </p:nvSpPr>
-        <p:spPr>
-          <a:xfrm>
-            <a:off x="381000" y="685800"/>
-            <a:ext cx="6096000" cy="3429000"/>
-          </a:xfrm>
-          <a:custGeom>
-            <a:avLst/>
-            <a:gdLst/>
-            <a:ahLst/>
-            <a:cxnLst/>
-            <a:rect l="l" t="t" r="r" b="b"/>
-            <a:pathLst>
-              <a:path w="120000" h="120000" extrusionOk="0">
-                <a:moveTo>
-                  <a:pt x="0" y="0"/>
-                </a:moveTo>
-                <a:lnTo>
-                  <a:pt x="120000" y="0"/>
-                </a:lnTo>
-                <a:lnTo>
-                  <a:pt x="120000" y="120000"/>
-                </a:lnTo>
-                <a:lnTo>
-                  <a:pt x="0" y="120000"/>
-                </a:lnTo>
-                <a:close/>
-              </a:path>
-            </a:pathLst>
-          </a:custGeom>
-        </p:spPr>
-      </p:sp>
-      <p:sp>
-        <p:nvSpPr>
-          <p:cNvPr id="208" name="Google Shape;208;ge626d24df6_0_245:notes"/>
-          <p:cNvSpPr txBox="1">
-            <a:spLocks noGrp="1"/>
-          </p:cNvSpPr>
-          <p:nvPr>
-            <p:ph type="body" idx="1"/>
-          </p:nvPr>
-        </p:nvSpPr>
-        <p:spPr>
-          <a:xfrm>
-            <a:off x="685800" y="4343400"/>
-            <a:ext cx="5486400" cy="4114800"/>
-          </a:xfrm>
-          <a:prstGeom prst="rect">
-            <a:avLst/>
-          </a:prstGeom>
-        </p:spPr>
-        <p:txBody>
-          <a:bodyPr spcFirstLastPara="1" wrap="square" lIns="91425" tIns="91425" rIns="91425" bIns="91425" anchor="t" anchorCtr="0">
-            <a:noAutofit/>
-          </a:bodyPr>
-          <a:lstStyle/>
-          <a:p>
-            <a:pPr marL="0" lvl="0" indent="0" algn="l" rtl="0">
-              <a:spcBef>
-                <a:spcPts val="0"/>
-              </a:spcBef>
-              <a:spcAft>
-                <a:spcPts val="0"/>
-              </a:spcAft>
-              <a:buNone/>
-            </a:pPr>
-            <a:endParaRPr/>
-          </a:p>
-        </p:txBody>
-      </p:sp>
-    </p:spTree>
-    <p:extLst>
-      <p:ext uri="{BB962C8B-B14F-4D97-AF65-F5344CB8AC3E}">
-        <p14:creationId xmlns:p14="http://schemas.microsoft.com/office/powerpoint/2010/main" val="202791878"/>
-      </p:ext>
-    </p:extLst>
-  </p:cSld>
-  <p:clrMapOvr>
-    <a:masterClrMapping/>
-  </p:clrMapOvr>
-</p:notes>
-</file>
-
-<file path=ppt/notesSlides/notesSlide18.xml><?xml version="1.0" encoding="utf-8"?>
-<p:notes xmlns:a="http://schemas.openxmlformats.org/drawingml/2006/main" xmlns:r="http://schemas.openxmlformats.org/officeDocument/2006/relationships" xmlns:p="http://schemas.openxmlformats.org/presentationml/2006/main" showMasterSp="0" showMasterPhAnim="0">
-  <p:cSld>
-    <p:spTree>
-      <p:nvGrpSpPr>
-        <p:cNvPr id="1" name="Shape 189"/>
-        <p:cNvGrpSpPr/>
-        <p:nvPr/>
-      </p:nvGrpSpPr>
-      <p:grpSpPr>
-        <a:xfrm>
-          <a:off x="0" y="0"/>
-          <a:ext cx="0" cy="0"/>
-          <a:chOff x="0" y="0"/>
-          <a:chExt cx="0" cy="0"/>
-        </a:xfrm>
-      </p:grpSpPr>
-      <p:sp>
-        <p:nvSpPr>
-          <p:cNvPr id="190" name="Google Shape;190;ge626d24df6_0_143:notes"/>
-          <p:cNvSpPr>
-            <a:spLocks noGrp="1" noRot="1" noChangeAspect="1"/>
-          </p:cNvSpPr>
-          <p:nvPr>
-            <p:ph type="sldImg" idx="2"/>
-          </p:nvPr>
-        </p:nvSpPr>
-        <p:spPr>
-          <a:xfrm>
-            <a:off x="381000" y="685800"/>
-            <a:ext cx="6096000" cy="3429000"/>
-          </a:xfrm>
-          <a:custGeom>
-            <a:avLst/>
-            <a:gdLst/>
-            <a:ahLst/>
-            <a:cxnLst/>
-            <a:rect l="l" t="t" r="r" b="b"/>
-            <a:pathLst>
-              <a:path w="120000" h="120000" extrusionOk="0">
-                <a:moveTo>
-                  <a:pt x="0" y="0"/>
-                </a:moveTo>
-                <a:lnTo>
-                  <a:pt x="120000" y="0"/>
-                </a:lnTo>
-                <a:lnTo>
-                  <a:pt x="120000" y="120000"/>
-                </a:lnTo>
-                <a:lnTo>
-                  <a:pt x="0" y="120000"/>
-                </a:lnTo>
-                <a:close/>
-              </a:path>
-            </a:pathLst>
-          </a:custGeom>
-        </p:spPr>
-      </p:sp>
-      <p:sp>
-        <p:nvSpPr>
-          <p:cNvPr id="191" name="Google Shape;191;ge626d24df6_0_143:notes"/>
-          <p:cNvSpPr txBox="1">
-            <a:spLocks noGrp="1"/>
-          </p:cNvSpPr>
-          <p:nvPr>
-            <p:ph type="body" idx="1"/>
-          </p:nvPr>
-        </p:nvSpPr>
-        <p:spPr>
-          <a:xfrm>
-            <a:off x="685800" y="4343400"/>
-            <a:ext cx="5486400" cy="4114800"/>
-          </a:xfrm>
-          <a:prstGeom prst="rect">
-            <a:avLst/>
-          </a:prstGeom>
-        </p:spPr>
-        <p:txBody>
-          <a:bodyPr spcFirstLastPara="1" wrap="square" lIns="91425" tIns="91425" rIns="91425" bIns="91425" anchor="t" anchorCtr="0">
-            <a:noAutofit/>
-          </a:bodyPr>
-          <a:lstStyle/>
-          <a:p>
-            <a:pPr marL="0" lvl="0" indent="0" algn="l" rtl="0">
-              <a:spcBef>
-                <a:spcPts val="0"/>
-              </a:spcBef>
-              <a:spcAft>
-                <a:spcPts val="0"/>
-              </a:spcAft>
-              <a:buNone/>
-            </a:pPr>
-            <a:endParaRPr/>
-          </a:p>
-        </p:txBody>
-      </p:sp>
-    </p:spTree>
-  </p:cSld>
-  <p:clrMapOvr>
-    <a:masterClrMapping/>
-  </p:clrMapOvr>
-</p:notes>
-</file>
-
-<file path=ppt/notesSlides/notesSlide19.xml><?xml version="1.0" encoding="utf-8"?>
-<p:notes xmlns:a="http://schemas.openxmlformats.org/drawingml/2006/main" xmlns:r="http://schemas.openxmlformats.org/officeDocument/2006/relationships" xmlns:p="http://schemas.openxmlformats.org/presentationml/2006/main" showMasterSp="0" showMasterPhAnim="0">
-  <p:cSld>
-    <p:spTree>
-      <p:nvGrpSpPr>
-        <p:cNvPr id="1" name="Shape 194"/>
-        <p:cNvGrpSpPr/>
-        <p:nvPr/>
-      </p:nvGrpSpPr>
-      <p:grpSpPr>
-        <a:xfrm>
-          <a:off x="0" y="0"/>
-          <a:ext cx="0" cy="0"/>
-          <a:chOff x="0" y="0"/>
-          <a:chExt cx="0" cy="0"/>
-        </a:xfrm>
-      </p:grpSpPr>
-      <p:sp>
-        <p:nvSpPr>
-          <p:cNvPr id="195" name="Google Shape;195;ge626d24df6_0_147:notes"/>
-          <p:cNvSpPr>
-            <a:spLocks noGrp="1" noRot="1" noChangeAspect="1"/>
-          </p:cNvSpPr>
-          <p:nvPr>
-            <p:ph type="sldImg" idx="2"/>
-          </p:nvPr>
-        </p:nvSpPr>
-        <p:spPr>
-          <a:xfrm>
-            <a:off x="381000" y="685800"/>
-            <a:ext cx="6096000" cy="3429000"/>
-          </a:xfrm>
-          <a:custGeom>
-            <a:avLst/>
-            <a:gdLst/>
-            <a:ahLst/>
-            <a:cxnLst/>
-            <a:rect l="l" t="t" r="r" b="b"/>
-            <a:pathLst>
-              <a:path w="120000" h="120000" extrusionOk="0">
-                <a:moveTo>
-                  <a:pt x="0" y="0"/>
-                </a:moveTo>
-                <a:lnTo>
-                  <a:pt x="120000" y="0"/>
-                </a:lnTo>
-                <a:lnTo>
-                  <a:pt x="120000" y="120000"/>
-                </a:lnTo>
-                <a:lnTo>
-                  <a:pt x="0" y="120000"/>
-                </a:lnTo>
-                <a:close/>
-              </a:path>
-            </a:pathLst>
-          </a:custGeom>
-        </p:spPr>
-      </p:sp>
-      <p:sp>
-        <p:nvSpPr>
-          <p:cNvPr id="196" name="Google Shape;196;ge626d24df6_0_147:notes"/>
-          <p:cNvSpPr txBox="1">
-            <a:spLocks noGrp="1"/>
-          </p:cNvSpPr>
-          <p:nvPr>
-            <p:ph type="body" idx="1"/>
-          </p:nvPr>
-        </p:nvSpPr>
-        <p:spPr>
-          <a:xfrm>
-            <a:off x="685800" y="4343400"/>
-            <a:ext cx="5486400" cy="4114800"/>
-          </a:xfrm>
-          <a:prstGeom prst="rect">
-            <a:avLst/>
-          </a:prstGeom>
-        </p:spPr>
-        <p:txBody>
-          <a:bodyPr spcFirstLastPara="1" wrap="square" lIns="91425" tIns="91425" rIns="91425" bIns="91425" anchor="t" anchorCtr="0">
-            <a:noAutofit/>
-          </a:bodyPr>
-          <a:lstStyle/>
-          <a:p>
-            <a:pPr marL="0" lvl="0" indent="0" algn="l" rtl="0">
-              <a:spcBef>
-                <a:spcPts val="0"/>
-              </a:spcBef>
-              <a:spcAft>
-                <a:spcPts val="0"/>
-              </a:spcAft>
-              <a:buNone/>
-            </a:pPr>
-            <a:endParaRPr/>
-          </a:p>
-        </p:txBody>
-      </p:sp>
-    </p:spTree>
-  </p:cSld>
-  <p:clrMapOvr>
-    <a:masterClrMapping/>
-  </p:clrMapOvr>
-</p:notes>
-</file>
-
-<file path=ppt/notesSlides/notesSlide2.xml><?xml version="1.0" encoding="utf-8"?>
-<p:notes xmlns:a="http://schemas.openxmlformats.org/drawingml/2006/main" xmlns:r="http://schemas.openxmlformats.org/officeDocument/2006/relationships" xmlns:p="http://schemas.openxmlformats.org/presentationml/2006/main" showMasterSp="0" showMasterPhAnim="0">
-  <p:cSld>
-    <p:spTree>
-      <p:nvGrpSpPr>
-        <p:cNvPr id="1" name="Shape 116"/>
-        <p:cNvGrpSpPr/>
-        <p:nvPr/>
-      </p:nvGrpSpPr>
-      <p:grpSpPr>
-        <a:xfrm>
-          <a:off x="0" y="0"/>
-          <a:ext cx="0" cy="0"/>
-          <a:chOff x="0" y="0"/>
-          <a:chExt cx="0" cy="0"/>
-        </a:xfrm>
-      </p:grpSpPr>
-      <p:sp>
-        <p:nvSpPr>
-          <p:cNvPr id="117" name="Google Shape;117;ge5a1b4e583_0_523:notes"/>
-          <p:cNvSpPr>
-            <a:spLocks noGrp="1" noRot="1" noChangeAspect="1"/>
-          </p:cNvSpPr>
-          <p:nvPr>
-            <p:ph type="sldImg" idx="2"/>
-          </p:nvPr>
-        </p:nvSpPr>
-        <p:spPr>
-          <a:xfrm>
-            <a:off x="381000" y="685800"/>
-            <a:ext cx="6096000" cy="3429000"/>
-          </a:xfrm>
-          <a:custGeom>
-            <a:avLst/>
-            <a:gdLst/>
-            <a:ahLst/>
-            <a:cxnLst/>
-            <a:rect l="l" t="t" r="r" b="b"/>
-            <a:pathLst>
-              <a:path w="120000" h="120000" extrusionOk="0">
-                <a:moveTo>
-                  <a:pt x="0" y="0"/>
-                </a:moveTo>
-                <a:lnTo>
-                  <a:pt x="120000" y="0"/>
-                </a:lnTo>
-                <a:lnTo>
-                  <a:pt x="120000" y="120000"/>
-                </a:lnTo>
-                <a:lnTo>
-                  <a:pt x="0" y="120000"/>
-                </a:lnTo>
-                <a:close/>
-              </a:path>
-            </a:pathLst>
-          </a:custGeom>
-        </p:spPr>
-      </p:sp>
-      <p:sp>
-        <p:nvSpPr>
-          <p:cNvPr id="118" name="Google Shape;118;ge5a1b4e583_0_523:notes"/>
-          <p:cNvSpPr txBox="1">
-            <a:spLocks noGrp="1"/>
-          </p:cNvSpPr>
-          <p:nvPr>
-            <p:ph type="body" idx="1"/>
-          </p:nvPr>
-        </p:nvSpPr>
-        <p:spPr>
-          <a:xfrm>
-            <a:off x="685800" y="4343400"/>
-            <a:ext cx="5486400" cy="4114800"/>
-          </a:xfrm>
-          <a:prstGeom prst="rect">
-            <a:avLst/>
-          </a:prstGeom>
-        </p:spPr>
-        <p:txBody>
-          <a:bodyPr spcFirstLastPara="1" wrap="square" lIns="91425" tIns="91425" rIns="91425" bIns="91425" anchor="t" anchorCtr="0">
-            <a:noAutofit/>
-          </a:bodyPr>
-          <a:lstStyle/>
-          <a:p>
-            <a:pPr marL="0" lvl="0" indent="0" algn="l" rtl="0">
-              <a:spcBef>
-                <a:spcPts val="0"/>
-              </a:spcBef>
-              <a:spcAft>
-                <a:spcPts val="0"/>
-              </a:spcAft>
-              <a:buNone/>
-            </a:pPr>
-            <a:endParaRPr/>
-          </a:p>
-        </p:txBody>
-      </p:sp>
-    </p:spTree>
-  </p:cSld>
-  <p:clrMapOvr>
-    <a:masterClrMapping/>
-  </p:clrMapOvr>
-</p:notes>
-</file>
-
-<file path=ppt/notesSlides/notesSlide20.xml><?xml version="1.0" encoding="utf-8"?>
 <p:notes xmlns:a="http://schemas.openxmlformats.org/drawingml/2006/main" xmlns:r="http://schemas.openxmlformats.org/officeDocument/2006/relationships" xmlns:p="http://schemas.openxmlformats.org/presentationml/2006/main" showMasterSp="0" showMasterPhAnim="0">
   <p:cSld>
     <p:spTree>
@@ -2500,6 +1994,622 @@
     </p:spTree>
     <p:extLst>
       <p:ext uri="{BB962C8B-B14F-4D97-AF65-F5344CB8AC3E}">
+        <p14:creationId xmlns:p14="http://schemas.microsoft.com/office/powerpoint/2010/main" val="2496103982"/>
+      </p:ext>
+    </p:extLst>
+  </p:cSld>
+  <p:clrMapOvr>
+    <a:masterClrMapping/>
+  </p:clrMapOvr>
+</p:notes>
+</file>
+
+<file path=ppt/notesSlides/notesSlide18.xml><?xml version="1.0" encoding="utf-8"?>
+<p:notes xmlns:a="http://schemas.openxmlformats.org/drawingml/2006/main" xmlns:r="http://schemas.openxmlformats.org/officeDocument/2006/relationships" xmlns:p="http://schemas.openxmlformats.org/presentationml/2006/main" showMasterSp="0" showMasterPhAnim="0">
+  <p:cSld>
+    <p:spTree>
+      <p:nvGrpSpPr>
+        <p:cNvPr id="1" name="Shape 206"/>
+        <p:cNvGrpSpPr/>
+        <p:nvPr/>
+      </p:nvGrpSpPr>
+      <p:grpSpPr>
+        <a:xfrm>
+          <a:off x="0" y="0"/>
+          <a:ext cx="0" cy="0"/>
+          <a:chOff x="0" y="0"/>
+          <a:chExt cx="0" cy="0"/>
+        </a:xfrm>
+      </p:grpSpPr>
+      <p:sp>
+        <p:nvSpPr>
+          <p:cNvPr id="207" name="Google Shape;207;ge626d24df6_0_245:notes"/>
+          <p:cNvSpPr>
+            <a:spLocks noGrp="1" noRot="1" noChangeAspect="1"/>
+          </p:cNvSpPr>
+          <p:nvPr>
+            <p:ph type="sldImg" idx="2"/>
+          </p:nvPr>
+        </p:nvSpPr>
+        <p:spPr>
+          <a:xfrm>
+            <a:off x="381000" y="685800"/>
+            <a:ext cx="6096000" cy="3429000"/>
+          </a:xfrm>
+          <a:custGeom>
+            <a:avLst/>
+            <a:gdLst/>
+            <a:ahLst/>
+            <a:cxnLst/>
+            <a:rect l="l" t="t" r="r" b="b"/>
+            <a:pathLst>
+              <a:path w="120000" h="120000" extrusionOk="0">
+                <a:moveTo>
+                  <a:pt x="0" y="0"/>
+                </a:moveTo>
+                <a:lnTo>
+                  <a:pt x="120000" y="0"/>
+                </a:lnTo>
+                <a:lnTo>
+                  <a:pt x="120000" y="120000"/>
+                </a:lnTo>
+                <a:lnTo>
+                  <a:pt x="0" y="120000"/>
+                </a:lnTo>
+                <a:close/>
+              </a:path>
+            </a:pathLst>
+          </a:custGeom>
+        </p:spPr>
+      </p:sp>
+      <p:sp>
+        <p:nvSpPr>
+          <p:cNvPr id="208" name="Google Shape;208;ge626d24df6_0_245:notes"/>
+          <p:cNvSpPr txBox="1">
+            <a:spLocks noGrp="1"/>
+          </p:cNvSpPr>
+          <p:nvPr>
+            <p:ph type="body" idx="1"/>
+          </p:nvPr>
+        </p:nvSpPr>
+        <p:spPr>
+          <a:xfrm>
+            <a:off x="685800" y="4343400"/>
+            <a:ext cx="5486400" cy="4114800"/>
+          </a:xfrm>
+          <a:prstGeom prst="rect">
+            <a:avLst/>
+          </a:prstGeom>
+        </p:spPr>
+        <p:txBody>
+          <a:bodyPr spcFirstLastPara="1" wrap="square" lIns="91425" tIns="91425" rIns="91425" bIns="91425" anchor="t" anchorCtr="0">
+            <a:noAutofit/>
+          </a:bodyPr>
+          <a:lstStyle/>
+          <a:p>
+            <a:pPr marL="0" lvl="0" indent="0" algn="l" rtl="0">
+              <a:spcBef>
+                <a:spcPts val="0"/>
+              </a:spcBef>
+              <a:spcAft>
+                <a:spcPts val="0"/>
+              </a:spcAft>
+              <a:buNone/>
+            </a:pPr>
+            <a:endParaRPr/>
+          </a:p>
+        </p:txBody>
+      </p:sp>
+    </p:spTree>
+    <p:extLst>
+      <p:ext uri="{BB962C8B-B14F-4D97-AF65-F5344CB8AC3E}">
+        <p14:creationId xmlns:p14="http://schemas.microsoft.com/office/powerpoint/2010/main" val="202791878"/>
+      </p:ext>
+    </p:extLst>
+  </p:cSld>
+  <p:clrMapOvr>
+    <a:masterClrMapping/>
+  </p:clrMapOvr>
+</p:notes>
+</file>
+
+<file path=ppt/notesSlides/notesSlide19.xml><?xml version="1.0" encoding="utf-8"?>
+<p:notes xmlns:a="http://schemas.openxmlformats.org/drawingml/2006/main" xmlns:r="http://schemas.openxmlformats.org/officeDocument/2006/relationships" xmlns:p="http://schemas.openxmlformats.org/presentationml/2006/main" showMasterSp="0" showMasterPhAnim="0">
+  <p:cSld>
+    <p:spTree>
+      <p:nvGrpSpPr>
+        <p:cNvPr id="1" name="Shape 189"/>
+        <p:cNvGrpSpPr/>
+        <p:nvPr/>
+      </p:nvGrpSpPr>
+      <p:grpSpPr>
+        <a:xfrm>
+          <a:off x="0" y="0"/>
+          <a:ext cx="0" cy="0"/>
+          <a:chOff x="0" y="0"/>
+          <a:chExt cx="0" cy="0"/>
+        </a:xfrm>
+      </p:grpSpPr>
+      <p:sp>
+        <p:nvSpPr>
+          <p:cNvPr id="190" name="Google Shape;190;ge626d24df6_0_143:notes"/>
+          <p:cNvSpPr>
+            <a:spLocks noGrp="1" noRot="1" noChangeAspect="1"/>
+          </p:cNvSpPr>
+          <p:nvPr>
+            <p:ph type="sldImg" idx="2"/>
+          </p:nvPr>
+        </p:nvSpPr>
+        <p:spPr>
+          <a:xfrm>
+            <a:off x="381000" y="685800"/>
+            <a:ext cx="6096000" cy="3429000"/>
+          </a:xfrm>
+          <a:custGeom>
+            <a:avLst/>
+            <a:gdLst/>
+            <a:ahLst/>
+            <a:cxnLst/>
+            <a:rect l="l" t="t" r="r" b="b"/>
+            <a:pathLst>
+              <a:path w="120000" h="120000" extrusionOk="0">
+                <a:moveTo>
+                  <a:pt x="0" y="0"/>
+                </a:moveTo>
+                <a:lnTo>
+                  <a:pt x="120000" y="0"/>
+                </a:lnTo>
+                <a:lnTo>
+                  <a:pt x="120000" y="120000"/>
+                </a:lnTo>
+                <a:lnTo>
+                  <a:pt x="0" y="120000"/>
+                </a:lnTo>
+                <a:close/>
+              </a:path>
+            </a:pathLst>
+          </a:custGeom>
+        </p:spPr>
+      </p:sp>
+      <p:sp>
+        <p:nvSpPr>
+          <p:cNvPr id="191" name="Google Shape;191;ge626d24df6_0_143:notes"/>
+          <p:cNvSpPr txBox="1">
+            <a:spLocks noGrp="1"/>
+          </p:cNvSpPr>
+          <p:nvPr>
+            <p:ph type="body" idx="1"/>
+          </p:nvPr>
+        </p:nvSpPr>
+        <p:spPr>
+          <a:xfrm>
+            <a:off x="685800" y="4343400"/>
+            <a:ext cx="5486400" cy="4114800"/>
+          </a:xfrm>
+          <a:prstGeom prst="rect">
+            <a:avLst/>
+          </a:prstGeom>
+        </p:spPr>
+        <p:txBody>
+          <a:bodyPr spcFirstLastPara="1" wrap="square" lIns="91425" tIns="91425" rIns="91425" bIns="91425" anchor="t" anchorCtr="0">
+            <a:noAutofit/>
+          </a:bodyPr>
+          <a:lstStyle/>
+          <a:p>
+            <a:pPr marL="0" lvl="0" indent="0" algn="l" rtl="0">
+              <a:spcBef>
+                <a:spcPts val="0"/>
+              </a:spcBef>
+              <a:spcAft>
+                <a:spcPts val="0"/>
+              </a:spcAft>
+              <a:buNone/>
+            </a:pPr>
+            <a:endParaRPr/>
+          </a:p>
+        </p:txBody>
+      </p:sp>
+    </p:spTree>
+  </p:cSld>
+  <p:clrMapOvr>
+    <a:masterClrMapping/>
+  </p:clrMapOvr>
+</p:notes>
+</file>
+
+<file path=ppt/notesSlides/notesSlide2.xml><?xml version="1.0" encoding="utf-8"?>
+<p:notes xmlns:a="http://schemas.openxmlformats.org/drawingml/2006/main" xmlns:r="http://schemas.openxmlformats.org/officeDocument/2006/relationships" xmlns:p="http://schemas.openxmlformats.org/presentationml/2006/main" showMasterSp="0" showMasterPhAnim="0">
+  <p:cSld>
+    <p:spTree>
+      <p:nvGrpSpPr>
+        <p:cNvPr id="1" name="Shape 116"/>
+        <p:cNvGrpSpPr/>
+        <p:nvPr/>
+      </p:nvGrpSpPr>
+      <p:grpSpPr>
+        <a:xfrm>
+          <a:off x="0" y="0"/>
+          <a:ext cx="0" cy="0"/>
+          <a:chOff x="0" y="0"/>
+          <a:chExt cx="0" cy="0"/>
+        </a:xfrm>
+      </p:grpSpPr>
+      <p:sp>
+        <p:nvSpPr>
+          <p:cNvPr id="117" name="Google Shape;117;ge5a1b4e583_0_523:notes"/>
+          <p:cNvSpPr>
+            <a:spLocks noGrp="1" noRot="1" noChangeAspect="1"/>
+          </p:cNvSpPr>
+          <p:nvPr>
+            <p:ph type="sldImg" idx="2"/>
+          </p:nvPr>
+        </p:nvSpPr>
+        <p:spPr>
+          <a:xfrm>
+            <a:off x="381000" y="685800"/>
+            <a:ext cx="6096000" cy="3429000"/>
+          </a:xfrm>
+          <a:custGeom>
+            <a:avLst/>
+            <a:gdLst/>
+            <a:ahLst/>
+            <a:cxnLst/>
+            <a:rect l="l" t="t" r="r" b="b"/>
+            <a:pathLst>
+              <a:path w="120000" h="120000" extrusionOk="0">
+                <a:moveTo>
+                  <a:pt x="0" y="0"/>
+                </a:moveTo>
+                <a:lnTo>
+                  <a:pt x="120000" y="0"/>
+                </a:lnTo>
+                <a:lnTo>
+                  <a:pt x="120000" y="120000"/>
+                </a:lnTo>
+                <a:lnTo>
+                  <a:pt x="0" y="120000"/>
+                </a:lnTo>
+                <a:close/>
+              </a:path>
+            </a:pathLst>
+          </a:custGeom>
+        </p:spPr>
+      </p:sp>
+      <p:sp>
+        <p:nvSpPr>
+          <p:cNvPr id="118" name="Google Shape;118;ge5a1b4e583_0_523:notes"/>
+          <p:cNvSpPr txBox="1">
+            <a:spLocks noGrp="1"/>
+          </p:cNvSpPr>
+          <p:nvPr>
+            <p:ph type="body" idx="1"/>
+          </p:nvPr>
+        </p:nvSpPr>
+        <p:spPr>
+          <a:xfrm>
+            <a:off x="685800" y="4343400"/>
+            <a:ext cx="5486400" cy="4114800"/>
+          </a:xfrm>
+          <a:prstGeom prst="rect">
+            <a:avLst/>
+          </a:prstGeom>
+        </p:spPr>
+        <p:txBody>
+          <a:bodyPr spcFirstLastPara="1" wrap="square" lIns="91425" tIns="91425" rIns="91425" bIns="91425" anchor="t" anchorCtr="0">
+            <a:noAutofit/>
+          </a:bodyPr>
+          <a:lstStyle/>
+          <a:p>
+            <a:pPr marL="0" lvl="0" indent="0" algn="l" rtl="0">
+              <a:spcBef>
+                <a:spcPts val="0"/>
+              </a:spcBef>
+              <a:spcAft>
+                <a:spcPts val="0"/>
+              </a:spcAft>
+              <a:buNone/>
+            </a:pPr>
+            <a:endParaRPr/>
+          </a:p>
+        </p:txBody>
+      </p:sp>
+    </p:spTree>
+  </p:cSld>
+  <p:clrMapOvr>
+    <a:masterClrMapping/>
+  </p:clrMapOvr>
+</p:notes>
+</file>
+
+<file path=ppt/notesSlides/notesSlide20.xml><?xml version="1.0" encoding="utf-8"?>
+<p:notes xmlns:a="http://schemas.openxmlformats.org/drawingml/2006/main" xmlns:r="http://schemas.openxmlformats.org/officeDocument/2006/relationships" xmlns:p="http://schemas.openxmlformats.org/presentationml/2006/main" showMasterSp="0" showMasterPhAnim="0">
+  <p:cSld>
+    <p:spTree>
+      <p:nvGrpSpPr>
+        <p:cNvPr id="1" name="Shape 194"/>
+        <p:cNvGrpSpPr/>
+        <p:nvPr/>
+      </p:nvGrpSpPr>
+      <p:grpSpPr>
+        <a:xfrm>
+          <a:off x="0" y="0"/>
+          <a:ext cx="0" cy="0"/>
+          <a:chOff x="0" y="0"/>
+          <a:chExt cx="0" cy="0"/>
+        </a:xfrm>
+      </p:grpSpPr>
+      <p:sp>
+        <p:nvSpPr>
+          <p:cNvPr id="195" name="Google Shape;195;ge626d24df6_0_147:notes"/>
+          <p:cNvSpPr>
+            <a:spLocks noGrp="1" noRot="1" noChangeAspect="1"/>
+          </p:cNvSpPr>
+          <p:nvPr>
+            <p:ph type="sldImg" idx="2"/>
+          </p:nvPr>
+        </p:nvSpPr>
+        <p:spPr>
+          <a:xfrm>
+            <a:off x="381000" y="685800"/>
+            <a:ext cx="6096000" cy="3429000"/>
+          </a:xfrm>
+          <a:custGeom>
+            <a:avLst/>
+            <a:gdLst/>
+            <a:ahLst/>
+            <a:cxnLst/>
+            <a:rect l="l" t="t" r="r" b="b"/>
+            <a:pathLst>
+              <a:path w="120000" h="120000" extrusionOk="0">
+                <a:moveTo>
+                  <a:pt x="0" y="0"/>
+                </a:moveTo>
+                <a:lnTo>
+                  <a:pt x="120000" y="0"/>
+                </a:lnTo>
+                <a:lnTo>
+                  <a:pt x="120000" y="120000"/>
+                </a:lnTo>
+                <a:lnTo>
+                  <a:pt x="0" y="120000"/>
+                </a:lnTo>
+                <a:close/>
+              </a:path>
+            </a:pathLst>
+          </a:custGeom>
+        </p:spPr>
+      </p:sp>
+      <p:sp>
+        <p:nvSpPr>
+          <p:cNvPr id="196" name="Google Shape;196;ge626d24df6_0_147:notes"/>
+          <p:cNvSpPr txBox="1">
+            <a:spLocks noGrp="1"/>
+          </p:cNvSpPr>
+          <p:nvPr>
+            <p:ph type="body" idx="1"/>
+          </p:nvPr>
+        </p:nvSpPr>
+        <p:spPr>
+          <a:xfrm>
+            <a:off x="685800" y="4343400"/>
+            <a:ext cx="5486400" cy="4114800"/>
+          </a:xfrm>
+          <a:prstGeom prst="rect">
+            <a:avLst/>
+          </a:prstGeom>
+        </p:spPr>
+        <p:txBody>
+          <a:bodyPr spcFirstLastPara="1" wrap="square" lIns="91425" tIns="91425" rIns="91425" bIns="91425" anchor="t" anchorCtr="0">
+            <a:noAutofit/>
+          </a:bodyPr>
+          <a:lstStyle/>
+          <a:p>
+            <a:pPr marL="0" lvl="0" indent="0" algn="l" rtl="0">
+              <a:spcBef>
+                <a:spcPts val="0"/>
+              </a:spcBef>
+              <a:spcAft>
+                <a:spcPts val="0"/>
+              </a:spcAft>
+              <a:buNone/>
+            </a:pPr>
+            <a:endParaRPr/>
+          </a:p>
+        </p:txBody>
+      </p:sp>
+    </p:spTree>
+  </p:cSld>
+  <p:clrMapOvr>
+    <a:masterClrMapping/>
+  </p:clrMapOvr>
+</p:notes>
+</file>
+
+<file path=ppt/notesSlides/notesSlide21.xml><?xml version="1.0" encoding="utf-8"?>
+<p:notes xmlns:a="http://schemas.openxmlformats.org/drawingml/2006/main" xmlns:r="http://schemas.openxmlformats.org/officeDocument/2006/relationships" xmlns:p="http://schemas.openxmlformats.org/presentationml/2006/main" showMasterSp="0" showMasterPhAnim="0">
+  <p:cSld>
+    <p:spTree>
+      <p:nvGrpSpPr>
+        <p:cNvPr id="1" name="Shape 149"/>
+        <p:cNvGrpSpPr/>
+        <p:nvPr/>
+      </p:nvGrpSpPr>
+      <p:grpSpPr>
+        <a:xfrm>
+          <a:off x="0" y="0"/>
+          <a:ext cx="0" cy="0"/>
+          <a:chOff x="0" y="0"/>
+          <a:chExt cx="0" cy="0"/>
+        </a:xfrm>
+      </p:grpSpPr>
+      <p:sp>
+        <p:nvSpPr>
+          <p:cNvPr id="150" name="Google Shape;150;ge626d24df6_0_216:notes"/>
+          <p:cNvSpPr>
+            <a:spLocks noGrp="1" noRot="1" noChangeAspect="1"/>
+          </p:cNvSpPr>
+          <p:nvPr>
+            <p:ph type="sldImg" idx="2"/>
+          </p:nvPr>
+        </p:nvSpPr>
+        <p:spPr>
+          <a:xfrm>
+            <a:off x="381000" y="685800"/>
+            <a:ext cx="6096000" cy="3429000"/>
+          </a:xfrm>
+          <a:custGeom>
+            <a:avLst/>
+            <a:gdLst/>
+            <a:ahLst/>
+            <a:cxnLst/>
+            <a:rect l="l" t="t" r="r" b="b"/>
+            <a:pathLst>
+              <a:path w="120000" h="120000" extrusionOk="0">
+                <a:moveTo>
+                  <a:pt x="0" y="0"/>
+                </a:moveTo>
+                <a:lnTo>
+                  <a:pt x="120000" y="0"/>
+                </a:lnTo>
+                <a:lnTo>
+                  <a:pt x="120000" y="120000"/>
+                </a:lnTo>
+                <a:lnTo>
+                  <a:pt x="0" y="120000"/>
+                </a:lnTo>
+                <a:close/>
+              </a:path>
+            </a:pathLst>
+          </a:custGeom>
+        </p:spPr>
+      </p:sp>
+      <p:sp>
+        <p:nvSpPr>
+          <p:cNvPr id="151" name="Google Shape;151;ge626d24df6_0_216:notes"/>
+          <p:cNvSpPr txBox="1">
+            <a:spLocks noGrp="1"/>
+          </p:cNvSpPr>
+          <p:nvPr>
+            <p:ph type="body" idx="1"/>
+          </p:nvPr>
+        </p:nvSpPr>
+        <p:spPr>
+          <a:xfrm>
+            <a:off x="685800" y="4343400"/>
+            <a:ext cx="5486400" cy="4114800"/>
+          </a:xfrm>
+          <a:prstGeom prst="rect">
+            <a:avLst/>
+          </a:prstGeom>
+        </p:spPr>
+        <p:txBody>
+          <a:bodyPr spcFirstLastPara="1" wrap="square" lIns="91425" tIns="91425" rIns="91425" bIns="91425" anchor="t" anchorCtr="0">
+            <a:noAutofit/>
+          </a:bodyPr>
+          <a:lstStyle/>
+          <a:p>
+            <a:pPr algn="l"/>
+            <a:r>
+              <a:rPr lang="es-MX" b="0" i="1" dirty="0">
+                <a:solidFill>
+                  <a:srgbClr val="333333"/>
+                </a:solidFill>
+                <a:effectLst/>
+                <a:latin typeface="Georgia" panose="02040502050405020303" pitchFamily="18" charset="0"/>
+              </a:rPr>
+              <a:t>Nota 1:</a:t>
+            </a:r>
+            <a:r>
+              <a:rPr lang="es-MX" b="0" i="0" dirty="0">
+                <a:solidFill>
+                  <a:srgbClr val="333333"/>
+                </a:solidFill>
+                <a:effectLst/>
+                <a:latin typeface="Georgia" panose="02040502050405020303" pitchFamily="18" charset="0"/>
+              </a:rPr>
+              <a:t> se usa el sexo biológico con dos categorías para ejemplificar debido a que es aquella variable que generalmente se presenta en las estadísticas para aproximar la información relativa al género.</a:t>
+            </a:r>
+          </a:p>
+          <a:p>
+            <a:pPr algn="l"/>
+            <a:r>
+              <a:rPr lang="es-MX" b="0" i="1" dirty="0">
+                <a:solidFill>
+                  <a:srgbClr val="333333"/>
+                </a:solidFill>
+                <a:effectLst/>
+                <a:latin typeface="Georgia" panose="02040502050405020303" pitchFamily="18" charset="0"/>
+              </a:rPr>
+              <a:t>Nota 2:</a:t>
+            </a:r>
+            <a:r>
+              <a:rPr lang="es-MX" b="0" i="0" dirty="0">
+                <a:solidFill>
+                  <a:srgbClr val="333333"/>
+                </a:solidFill>
+                <a:effectLst/>
+                <a:latin typeface="Georgia" panose="02040502050405020303" pitchFamily="18" charset="0"/>
+              </a:rPr>
+              <a:t> note que </a:t>
+            </a:r>
+            <a:r>
+              <a:rPr lang="es-MX" b="0" i="0" u="none" strike="noStrike" dirty="0">
+                <a:solidFill>
+                  <a:srgbClr val="333333"/>
+                </a:solidFill>
+                <a:effectLst/>
+                <a:latin typeface="MathJax_Math-italic"/>
+              </a:rPr>
+              <a:t>β</a:t>
+            </a:r>
+            <a:r>
+              <a:rPr lang="es-MX" b="0" i="0" u="none" strike="noStrike" dirty="0">
+                <a:solidFill>
+                  <a:srgbClr val="333333"/>
+                </a:solidFill>
+                <a:effectLst/>
+                <a:latin typeface="MathJax_Main"/>
+              </a:rPr>
+              <a:t>2</a:t>
+            </a:r>
+            <a:r>
+              <a:rPr lang="es-MX" b="0" i="0" u="none" strike="noStrike" dirty="0">
+                <a:solidFill>
+                  <a:srgbClr val="333333"/>
+                </a:solidFill>
+                <a:effectLst/>
+                <a:latin typeface="Georgia" panose="02040502050405020303" pitchFamily="18" charset="0"/>
+              </a:rPr>
+              <a:t>�2</a:t>
+            </a:r>
+            <a:r>
+              <a:rPr lang="es-MX" b="0" i="0" dirty="0">
+                <a:solidFill>
+                  <a:srgbClr val="333333"/>
+                </a:solidFill>
+                <a:effectLst/>
+                <a:latin typeface="Georgia" panose="02040502050405020303" pitchFamily="18" charset="0"/>
+              </a:rPr>
+              <a:t> también podría tomar valores negativos, ¿qué se observaría en el gráfico en ese caso?</a:t>
+            </a:r>
+          </a:p>
+          <a:p>
+            <a:pPr marL="0" lvl="0" indent="0" algn="l" rtl="0">
+              <a:spcBef>
+                <a:spcPts val="0"/>
+              </a:spcBef>
+              <a:spcAft>
+                <a:spcPts val="0"/>
+              </a:spcAft>
+              <a:buNone/>
+            </a:pPr>
+            <a:endParaRPr dirty="0"/>
+          </a:p>
+        </p:txBody>
+      </p:sp>
+    </p:spTree>
+    <p:extLst>
+      <p:ext uri="{BB962C8B-B14F-4D97-AF65-F5344CB8AC3E}">
         <p14:creationId xmlns:p14="http://schemas.microsoft.com/office/powerpoint/2010/main" val="814883722"/>
       </p:ext>
     </p:extLst>
@@ -2510,7 +2620,7 @@
 </p:notes>
 </file>
 
-<file path=ppt/notesSlides/notesSlide21.xml><?xml version="1.0" encoding="utf-8"?>
+<file path=ppt/notesSlides/notesSlide22.xml><?xml version="1.0" encoding="utf-8"?>
 <p:notes xmlns:a="http://schemas.openxmlformats.org/drawingml/2006/main" xmlns:r="http://schemas.openxmlformats.org/officeDocument/2006/relationships" xmlns:p="http://schemas.openxmlformats.org/presentationml/2006/main" showMasterSp="0" showMasterPhAnim="0">
   <p:cSld>
     <p:spTree>
@@ -2614,7 +2724,7 @@
 </p:notes>
 </file>
 
-<file path=ppt/notesSlides/notesSlide22.xml><?xml version="1.0" encoding="utf-8"?>
+<file path=ppt/notesSlides/notesSlide23.xml><?xml version="1.0" encoding="utf-8"?>
 <p:notes xmlns:a="http://schemas.openxmlformats.org/drawingml/2006/main" xmlns:r="http://schemas.openxmlformats.org/officeDocument/2006/relationships" xmlns:p="http://schemas.openxmlformats.org/presentationml/2006/main" showMasterSp="0" showMasterPhAnim="0">
   <p:cSld>
     <p:spTree>
@@ -2727,7 +2837,7 @@
 </p:notes>
 </file>
 
-<file path=ppt/notesSlides/notesSlide23.xml><?xml version="1.0" encoding="utf-8"?>
+<file path=ppt/notesSlides/notesSlide24.xml><?xml version="1.0" encoding="utf-8"?>
 <p:notes xmlns:a="http://schemas.openxmlformats.org/drawingml/2006/main" xmlns:r="http://schemas.openxmlformats.org/officeDocument/2006/relationships" xmlns:p="http://schemas.openxmlformats.org/presentationml/2006/main" showMasterSp="0" showMasterPhAnim="0">
   <p:cSld>
     <p:spTree>
@@ -2831,7 +2941,7 @@
 </p:notes>
 </file>
 
-<file path=ppt/notesSlides/notesSlide24.xml><?xml version="1.0" encoding="utf-8"?>
+<file path=ppt/notesSlides/notesSlide25.xml><?xml version="1.0" encoding="utf-8"?>
 <p:notes xmlns:a="http://schemas.openxmlformats.org/drawingml/2006/main" xmlns:r="http://schemas.openxmlformats.org/officeDocument/2006/relationships" xmlns:p="http://schemas.openxmlformats.org/presentationml/2006/main" showMasterSp="0" showMasterPhAnim="0">
   <p:cSld>
     <p:spTree>
@@ -2944,7 +3054,7 @@
 </p:notes>
 </file>
 
-<file path=ppt/notesSlides/notesSlide25.xml><?xml version="1.0" encoding="utf-8"?>
+<file path=ppt/notesSlides/notesSlide26.xml><?xml version="1.0" encoding="utf-8"?>
 <p:notes xmlns:a="http://schemas.openxmlformats.org/drawingml/2006/main" xmlns:r="http://schemas.openxmlformats.org/officeDocument/2006/relationships" xmlns:p="http://schemas.openxmlformats.org/presentationml/2006/main" showMasterSp="0" showMasterPhAnim="0">
   <p:cSld>
     <p:spTree>
@@ -3048,7 +3158,7 @@
 </p:notes>
 </file>
 
-<file path=ppt/notesSlides/notesSlide26.xml><?xml version="1.0" encoding="utf-8"?>
+<file path=ppt/notesSlides/notesSlide27.xml><?xml version="1.0" encoding="utf-8"?>
 <p:notes xmlns:a="http://schemas.openxmlformats.org/drawingml/2006/main" xmlns:r="http://schemas.openxmlformats.org/officeDocument/2006/relationships" xmlns:p="http://schemas.openxmlformats.org/presentationml/2006/main" showMasterSp="0" showMasterPhAnim="0">
   <p:cSld>
     <p:spTree>
@@ -3161,7 +3271,7 @@
 </p:notes>
 </file>
 
-<file path=ppt/notesSlides/notesSlide27.xml><?xml version="1.0" encoding="utf-8"?>
+<file path=ppt/notesSlides/notesSlide28.xml><?xml version="1.0" encoding="utf-8"?>
 <p:notes xmlns:a="http://schemas.openxmlformats.org/drawingml/2006/main" xmlns:r="http://schemas.openxmlformats.org/officeDocument/2006/relationships" xmlns:p="http://schemas.openxmlformats.org/presentationml/2006/main" showMasterSp="0" showMasterPhAnim="0">
   <p:cSld>
     <p:spTree>
@@ -3265,7 +3375,7 @@
 </p:notes>
 </file>
 
-<file path=ppt/notesSlides/notesSlide28.xml><?xml version="1.0" encoding="utf-8"?>
+<file path=ppt/notesSlides/notesSlide29.xml><?xml version="1.0" encoding="utf-8"?>
 <p:notes xmlns:a="http://schemas.openxmlformats.org/drawingml/2006/main" xmlns:r="http://schemas.openxmlformats.org/officeDocument/2006/relationships" xmlns:p="http://schemas.openxmlformats.org/presentationml/2006/main" showMasterSp="0" showMasterPhAnim="0">
   <p:cSld>
     <p:spTree>
@@ -3369,7 +3479,116 @@
 </p:notes>
 </file>
 
-<file path=ppt/notesSlides/notesSlide29.xml><?xml version="1.0" encoding="utf-8"?>
+<file path=ppt/notesSlides/notesSlide3.xml><?xml version="1.0" encoding="utf-8"?>
+<p:notes xmlns:a="http://schemas.openxmlformats.org/drawingml/2006/main" xmlns:r="http://schemas.openxmlformats.org/officeDocument/2006/relationships" xmlns:p="http://schemas.openxmlformats.org/presentationml/2006/main" showMasterSp="0" showMasterPhAnim="0">
+  <p:cSld>
+    <p:spTree>
+      <p:nvGrpSpPr>
+        <p:cNvPr id="1" name="Shape 177"/>
+        <p:cNvGrpSpPr/>
+        <p:nvPr/>
+      </p:nvGrpSpPr>
+      <p:grpSpPr>
+        <a:xfrm>
+          <a:off x="0" y="0"/>
+          <a:ext cx="0" cy="0"/>
+          <a:chOff x="0" y="0"/>
+          <a:chExt cx="0" cy="0"/>
+        </a:xfrm>
+      </p:grpSpPr>
+      <p:sp>
+        <p:nvSpPr>
+          <p:cNvPr id="178" name="Google Shape;178;ge626d24df6_0_272:notes"/>
+          <p:cNvSpPr>
+            <a:spLocks noGrp="1" noRot="1" noChangeAspect="1"/>
+          </p:cNvSpPr>
+          <p:nvPr>
+            <p:ph type="sldImg" idx="2"/>
+          </p:nvPr>
+        </p:nvSpPr>
+        <p:spPr>
+          <a:xfrm>
+            <a:off x="381000" y="685800"/>
+            <a:ext cx="6096000" cy="3429000"/>
+          </a:xfrm>
+          <a:custGeom>
+            <a:avLst/>
+            <a:gdLst/>
+            <a:ahLst/>
+            <a:cxnLst/>
+            <a:rect l="l" t="t" r="r" b="b"/>
+            <a:pathLst>
+              <a:path w="120000" h="120000" extrusionOk="0">
+                <a:moveTo>
+                  <a:pt x="0" y="0"/>
+                </a:moveTo>
+                <a:lnTo>
+                  <a:pt x="120000" y="0"/>
+                </a:lnTo>
+                <a:lnTo>
+                  <a:pt x="120000" y="120000"/>
+                </a:lnTo>
+                <a:lnTo>
+                  <a:pt x="0" y="120000"/>
+                </a:lnTo>
+                <a:close/>
+              </a:path>
+            </a:pathLst>
+          </a:custGeom>
+        </p:spPr>
+      </p:sp>
+      <p:sp>
+        <p:nvSpPr>
+          <p:cNvPr id="179" name="Google Shape;179;ge626d24df6_0_272:notes"/>
+          <p:cNvSpPr txBox="1">
+            <a:spLocks noGrp="1"/>
+          </p:cNvSpPr>
+          <p:nvPr>
+            <p:ph type="body" idx="1"/>
+          </p:nvPr>
+        </p:nvSpPr>
+        <p:spPr>
+          <a:xfrm>
+            <a:off x="685800" y="4343400"/>
+            <a:ext cx="5486400" cy="4114800"/>
+          </a:xfrm>
+          <a:prstGeom prst="rect">
+            <a:avLst/>
+          </a:prstGeom>
+        </p:spPr>
+        <p:txBody>
+          <a:bodyPr spcFirstLastPara="1" wrap="square" lIns="91425" tIns="91425" rIns="91425" bIns="91425" anchor="t" anchorCtr="0">
+            <a:noAutofit/>
+          </a:bodyPr>
+          <a:lstStyle/>
+          <a:p>
+            <a:pPr marL="0" lvl="0" indent="0" algn="l" rtl="0">
+              <a:spcBef>
+                <a:spcPts val="0"/>
+              </a:spcBef>
+              <a:spcAft>
+                <a:spcPts val="0"/>
+              </a:spcAft>
+              <a:buNone/>
+            </a:pPr>
+            <a:endParaRPr/>
+          </a:p>
+        </p:txBody>
+      </p:sp>
+    </p:spTree>
+    <p:extLst>
+      <p:ext uri="{BB962C8B-B14F-4D97-AF65-F5344CB8AC3E}">
+        <p14:creationId xmlns:p14="http://schemas.microsoft.com/office/powerpoint/2010/main" val="2633407010"/>
+      </p:ext>
+    </p:extLst>
+  </p:cSld>
+  <p:clrMapOvr>
+    <a:masterClrMapping/>
+  </p:clrMapOvr>
+</p:notes>
+</file>
+
+<file path=ppt/notesSlides/notesSlide30.xml><?xml version="1.0" encoding="utf-8"?>
 <p:notes xmlns:a="http://schemas.openxmlformats.org/drawingml/2006/main" xmlns:r="http://schemas.openxmlformats.org/officeDocument/2006/relationships" xmlns:p="http://schemas.openxmlformats.org/presentationml/2006/main" showMasterSp="0" showMasterPhAnim="0">
   <p:cSld>
     <p:spTree>
@@ -3478,7 +3697,7 @@
 </p:notes>
 </file>
 
-<file path=ppt/notesSlides/notesSlide3.xml><?xml version="1.0" encoding="utf-8"?>
+<file path=ppt/notesSlides/notesSlide4.xml><?xml version="1.0" encoding="utf-8"?>
 <p:notes xmlns:a="http://schemas.openxmlformats.org/drawingml/2006/main" xmlns:r="http://schemas.openxmlformats.org/officeDocument/2006/relationships" xmlns:p="http://schemas.openxmlformats.org/presentationml/2006/main" showMasterSp="0" showMasterPhAnim="0">
   <p:cSld>
     <p:spTree>
@@ -3582,7 +3801,7 @@
 </p:notes>
 </file>
 
-<file path=ppt/notesSlides/notesSlide4.xml><?xml version="1.0" encoding="utf-8"?>
+<file path=ppt/notesSlides/notesSlide5.xml><?xml version="1.0" encoding="utf-8"?>
 <p:notes xmlns:a="http://schemas.openxmlformats.org/drawingml/2006/main" xmlns:r="http://schemas.openxmlformats.org/officeDocument/2006/relationships" xmlns:p="http://schemas.openxmlformats.org/presentationml/2006/main" showMasterSp="0" showMasterPhAnim="0">
   <p:cSld>
     <p:spTree>
@@ -3686,7 +3905,7 @@
 </p:notes>
 </file>
 
-<file path=ppt/notesSlides/notesSlide5.xml><?xml version="1.0" encoding="utf-8"?>
+<file path=ppt/notesSlides/notesSlide6.xml><?xml version="1.0" encoding="utf-8"?>
 <p:notes xmlns:a="http://schemas.openxmlformats.org/drawingml/2006/main" xmlns:r="http://schemas.openxmlformats.org/officeDocument/2006/relationships" xmlns:p="http://schemas.openxmlformats.org/presentationml/2006/main" showMasterSp="0" showMasterPhAnim="0">
   <p:cSld>
     <p:spTree>
@@ -3790,7 +4009,7 @@
 </p:notes>
 </file>
 
-<file path=ppt/notesSlides/notesSlide6.xml><?xml version="1.0" encoding="utf-8"?>
+<file path=ppt/notesSlides/notesSlide7.xml><?xml version="1.0" encoding="utf-8"?>
 <p:notes xmlns:a="http://schemas.openxmlformats.org/drawingml/2006/main" xmlns:r="http://schemas.openxmlformats.org/officeDocument/2006/relationships" xmlns:p="http://schemas.openxmlformats.org/presentationml/2006/main" showMasterSp="0" showMasterPhAnim="0">
   <p:cSld>
     <p:spTree>
@@ -3894,7 +4113,7 @@
 </p:notes>
 </file>
 
-<file path=ppt/notesSlides/notesSlide7.xml><?xml version="1.0" encoding="utf-8"?>
+<file path=ppt/notesSlides/notesSlide8.xml><?xml version="1.0" encoding="utf-8"?>
 <p:notes xmlns:a="http://schemas.openxmlformats.org/drawingml/2006/main" xmlns:r="http://schemas.openxmlformats.org/officeDocument/2006/relationships" xmlns:p="http://schemas.openxmlformats.org/presentationml/2006/main" showMasterSp="0" showMasterPhAnim="0">
   <p:cSld>
     <p:spTree>
@@ -3991,115 +4210,6 @@
         </p:txBody>
       </p:sp>
     </p:spTree>
-  </p:cSld>
-  <p:clrMapOvr>
-    <a:masterClrMapping/>
-  </p:clrMapOvr>
-</p:notes>
-</file>
-
-<file path=ppt/notesSlides/notesSlide8.xml><?xml version="1.0" encoding="utf-8"?>
-<p:notes xmlns:a="http://schemas.openxmlformats.org/drawingml/2006/main" xmlns:r="http://schemas.openxmlformats.org/officeDocument/2006/relationships" xmlns:p="http://schemas.openxmlformats.org/presentationml/2006/main" showMasterSp="0" showMasterPhAnim="0">
-  <p:cSld>
-    <p:spTree>
-      <p:nvGrpSpPr>
-        <p:cNvPr id="1" name="Shape 149"/>
-        <p:cNvGrpSpPr/>
-        <p:nvPr/>
-      </p:nvGrpSpPr>
-      <p:grpSpPr>
-        <a:xfrm>
-          <a:off x="0" y="0"/>
-          <a:ext cx="0" cy="0"/>
-          <a:chOff x="0" y="0"/>
-          <a:chExt cx="0" cy="0"/>
-        </a:xfrm>
-      </p:grpSpPr>
-      <p:sp>
-        <p:nvSpPr>
-          <p:cNvPr id="150" name="Google Shape;150;ge626d24df6_0_216:notes"/>
-          <p:cNvSpPr>
-            <a:spLocks noGrp="1" noRot="1" noChangeAspect="1"/>
-          </p:cNvSpPr>
-          <p:nvPr>
-            <p:ph type="sldImg" idx="2"/>
-          </p:nvPr>
-        </p:nvSpPr>
-        <p:spPr>
-          <a:xfrm>
-            <a:off x="381000" y="685800"/>
-            <a:ext cx="6096000" cy="3429000"/>
-          </a:xfrm>
-          <a:custGeom>
-            <a:avLst/>
-            <a:gdLst/>
-            <a:ahLst/>
-            <a:cxnLst/>
-            <a:rect l="l" t="t" r="r" b="b"/>
-            <a:pathLst>
-              <a:path w="120000" h="120000" extrusionOk="0">
-                <a:moveTo>
-                  <a:pt x="0" y="0"/>
-                </a:moveTo>
-                <a:lnTo>
-                  <a:pt x="120000" y="0"/>
-                </a:lnTo>
-                <a:lnTo>
-                  <a:pt x="120000" y="120000"/>
-                </a:lnTo>
-                <a:lnTo>
-                  <a:pt x="0" y="120000"/>
-                </a:lnTo>
-                <a:close/>
-              </a:path>
-            </a:pathLst>
-          </a:custGeom>
-        </p:spPr>
-      </p:sp>
-      <p:sp>
-        <p:nvSpPr>
-          <p:cNvPr id="151" name="Google Shape;151;ge626d24df6_0_216:notes"/>
-          <p:cNvSpPr txBox="1">
-            <a:spLocks noGrp="1"/>
-          </p:cNvSpPr>
-          <p:nvPr>
-            <p:ph type="body" idx="1"/>
-          </p:nvPr>
-        </p:nvSpPr>
-        <p:spPr>
-          <a:xfrm>
-            <a:off x="685800" y="4343400"/>
-            <a:ext cx="5486400" cy="4114800"/>
-          </a:xfrm>
-          <a:prstGeom prst="rect">
-            <a:avLst/>
-          </a:prstGeom>
-        </p:spPr>
-        <p:txBody>
-          <a:bodyPr spcFirstLastPara="1" wrap="square" lIns="91425" tIns="91425" rIns="91425" bIns="91425" anchor="t" anchorCtr="0">
-            <a:noAutofit/>
-          </a:bodyPr>
-          <a:lstStyle/>
-          <a:p>
-            <a:pPr marL="0" lvl="0" indent="0" algn="l" rtl="0">
-              <a:spcBef>
-                <a:spcPts val="0"/>
-              </a:spcBef>
-              <a:spcAft>
-                <a:spcPts val="0"/>
-              </a:spcAft>
-              <a:buNone/>
-            </a:pPr>
-            <a:endParaRPr/>
-          </a:p>
-        </p:txBody>
-      </p:sp>
-    </p:spTree>
-    <p:extLst>
-      <p:ext uri="{BB962C8B-B14F-4D97-AF65-F5344CB8AC3E}">
-        <p14:creationId xmlns:p14="http://schemas.microsoft.com/office/powerpoint/2010/main" val="3259554949"/>
-      </p:ext>
-    </p:extLst>
   </p:cSld>
   <p:clrMapOvr>
     <a:masterClrMapping/>
@@ -4206,7 +4316,7 @@
     </p:spTree>
     <p:extLst>
       <p:ext uri="{BB962C8B-B14F-4D97-AF65-F5344CB8AC3E}">
-        <p14:creationId xmlns:p14="http://schemas.microsoft.com/office/powerpoint/2010/main" val="3747526327"/>
+        <p14:creationId xmlns:p14="http://schemas.microsoft.com/office/powerpoint/2010/main" val="3259554949"/>
       </p:ext>
     </p:extLst>
   </p:cSld>
@@ -9862,8 +9972,677 @@
           <a:chExt cx="0" cy="0"/>
         </a:xfrm>
       </p:grpSpPr>
-      <mc:AlternateContent xmlns:mc="http://schemas.openxmlformats.org/markup-compatibility/2006">
-        <mc:Choice xmlns:a14="http://schemas.microsoft.com/office/drawing/2010/main" Requires="a14">
+      <p:sp>
+        <p:nvSpPr>
+          <p:cNvPr id="153" name="Google Shape;153;p27"/>
+          <p:cNvSpPr txBox="1">
+            <a:spLocks noGrp="1"/>
+          </p:cNvSpPr>
+          <p:nvPr>
+            <p:ph type="title"/>
+          </p:nvPr>
+        </p:nvSpPr>
+        <p:spPr>
+          <a:xfrm>
+            <a:off x="311700" y="445025"/>
+            <a:ext cx="8520600" cy="572700"/>
+          </a:xfrm>
+          <a:prstGeom prst="rect">
+            <a:avLst/>
+          </a:prstGeom>
+        </p:spPr>
+        <p:txBody>
+          <a:bodyPr spcFirstLastPara="1" wrap="square" lIns="91425" tIns="91425" rIns="91425" bIns="91425" anchor="t" anchorCtr="0">
+            <a:normAutofit fontScale="90000"/>
+          </a:bodyPr>
+          <a:lstStyle/>
+          <a:p>
+            <a:pPr marL="0" lvl="0" indent="0" algn="l" rtl="0">
+              <a:spcBef>
+                <a:spcPts val="0"/>
+              </a:spcBef>
+              <a:spcAft>
+                <a:spcPts val="0"/>
+              </a:spcAft>
+              <a:buNone/>
+            </a:pPr>
+            <a:r>
+              <a:rPr lang="es-MX" dirty="0"/>
+              <a:t>Interpretación de los coeficientes</a:t>
+            </a:r>
+            <a:endParaRPr dirty="0"/>
+          </a:p>
+        </p:txBody>
+      </p:sp>
+      <mc:AlternateContent xmlns:mc="http://schemas.openxmlformats.org/markup-compatibility/2006" xmlns:a14="http://schemas.microsoft.com/office/drawing/2010/main">
+        <mc:Choice Requires="a14">
+          <p:sp>
+            <p:nvSpPr>
+              <p:cNvPr id="4" name="Google Shape;182;p31">
+                <a:extLst>
+                  <a:ext uri="{FF2B5EF4-FFF2-40B4-BE49-F238E27FC236}">
+                    <a16:creationId xmlns:a16="http://schemas.microsoft.com/office/drawing/2014/main" id="{62D46823-7D9B-461E-8F02-9A44652B71AB}"/>
+                  </a:ext>
+                </a:extLst>
+              </p:cNvPr>
+              <p:cNvSpPr txBox="1">
+                <a:spLocks noGrp="1"/>
+              </p:cNvSpPr>
+              <p:nvPr>
+                <p:ph type="body" idx="1"/>
+              </p:nvPr>
+            </p:nvSpPr>
+            <p:spPr>
+              <a:xfrm>
+                <a:off x="311699" y="1152474"/>
+                <a:ext cx="8520600" cy="3853300"/>
+              </a:xfrm>
+              <a:prstGeom prst="rect">
+                <a:avLst/>
+              </a:prstGeom>
+            </p:spPr>
+            <p:txBody>
+              <a:bodyPr spcFirstLastPara="1" wrap="square" lIns="91425" tIns="91425" rIns="91425" bIns="91425" anchor="t" anchorCtr="0">
+                <a:normAutofit/>
+              </a:bodyPr>
+              <a:lstStyle/>
+              <a:p>
+                <a:pPr marL="285750" indent="-285750">
+                  <a:spcAft>
+                    <a:spcPts val="600"/>
+                  </a:spcAft>
+                  <a:buFont typeface="Wingdings" panose="05000000000000000000" pitchFamily="2" charset="2"/>
+                  <a:buChar char="§"/>
+                </a:pPr>
+                <a:r>
+                  <a:rPr lang="es-MX" dirty="0"/>
+                  <a:t>Se puede demostrar que: </a:t>
+                </a:r>
+              </a:p>
+              <a:p>
+                <a:pPr marL="0" indent="0">
+                  <a:spcAft>
+                    <a:spcPts val="600"/>
+                  </a:spcAft>
+                  <a:buNone/>
+                </a:pPr>
+                <a14:m>
+                  <m:oMathPara xmlns:m="http://schemas.openxmlformats.org/officeDocument/2006/math">
+                    <m:oMathParaPr>
+                      <m:jc m:val="centerGroup"/>
+                    </m:oMathParaPr>
+                    <m:oMath xmlns:m="http://schemas.openxmlformats.org/officeDocument/2006/math">
+                      <m:acc>
+                        <m:accPr>
+                          <m:chr m:val="̂"/>
+                          <m:ctrlPr>
+                            <a:rPr lang="es-MX" sz="1800" b="0" i="1" smtClean="0">
+                              <a:solidFill>
+                                <a:schemeClr val="accent2"/>
+                              </a:solidFill>
+                              <a:latin typeface="Cambria Math" panose="02040503050406030204" pitchFamily="18" charset="0"/>
+                            </a:rPr>
+                          </m:ctrlPr>
+                        </m:accPr>
+                        <m:e>
+                          <m:sSub>
+                            <m:sSubPr>
+                              <m:ctrlPr>
+                                <a:rPr lang="es-MX" sz="1800" b="0" i="1" smtClean="0">
+                                  <a:solidFill>
+                                    <a:schemeClr val="accent2"/>
+                                  </a:solidFill>
+                                  <a:latin typeface="Cambria Math" panose="02040503050406030204" pitchFamily="18" charset="0"/>
+                                </a:rPr>
+                              </m:ctrlPr>
+                            </m:sSubPr>
+                            <m:e>
+                              <m:r>
+                                <a:rPr lang="es-MX" sz="1800" b="0" i="1" smtClean="0">
+                                  <a:solidFill>
+                                    <a:schemeClr val="accent2"/>
+                                  </a:solidFill>
+                                  <a:latin typeface="Cambria Math" panose="02040503050406030204" pitchFamily="18" charset="0"/>
+                                </a:rPr>
+                                <m:t>𝛽</m:t>
+                              </m:r>
+                            </m:e>
+                            <m:sub>
+                              <m:r>
+                                <a:rPr lang="es-MX" sz="1800" b="0" i="1" smtClean="0">
+                                  <a:solidFill>
+                                    <a:schemeClr val="accent2"/>
+                                  </a:solidFill>
+                                  <a:latin typeface="Cambria Math" panose="02040503050406030204" pitchFamily="18" charset="0"/>
+                                </a:rPr>
+                                <m:t>𝑝</m:t>
+                              </m:r>
+                            </m:sub>
+                          </m:sSub>
+                        </m:e>
+                      </m:acc>
+                      <m:r>
+                        <a:rPr lang="es-MX" b="0" i="1" dirty="0" smtClean="0">
+                          <a:solidFill>
+                            <a:schemeClr val="accent2"/>
+                          </a:solidFill>
+                          <a:latin typeface="Cambria Math" panose="02040503050406030204" pitchFamily="18" charset="0"/>
+                        </a:rPr>
+                        <m:t>=</m:t>
+                      </m:r>
+                      <m:f>
+                        <m:fPr>
+                          <m:ctrlPr>
+                            <a:rPr lang="es-MX" b="0" i="1" dirty="0" smtClean="0">
+                              <a:solidFill>
+                                <a:schemeClr val="accent2"/>
+                              </a:solidFill>
+                              <a:latin typeface="Cambria Math" panose="02040503050406030204" pitchFamily="18" charset="0"/>
+                            </a:rPr>
+                          </m:ctrlPr>
+                        </m:fPr>
+                        <m:num>
+                          <m:r>
+                            <a:rPr lang="es-MX" i="1" dirty="0">
+                              <a:solidFill>
+                                <a:schemeClr val="accent2"/>
+                              </a:solidFill>
+                              <a:latin typeface="Cambria Math" panose="02040503050406030204" pitchFamily="18" charset="0"/>
+                            </a:rPr>
+                            <m:t>𝐶𝑜𝑣</m:t>
+                          </m:r>
+                          <m:r>
+                            <a:rPr lang="es-MX" i="1" dirty="0">
+                              <a:solidFill>
+                                <a:schemeClr val="accent2"/>
+                              </a:solidFill>
+                              <a:latin typeface="Cambria Math" panose="02040503050406030204" pitchFamily="18" charset="0"/>
+                            </a:rPr>
+                            <m:t>(</m:t>
+                          </m:r>
+                          <m:r>
+                            <a:rPr lang="es-MX" b="0" i="1" dirty="0" smtClean="0">
+                              <a:solidFill>
+                                <a:schemeClr val="accent2"/>
+                              </a:solidFill>
+                              <a:latin typeface="Cambria Math" panose="02040503050406030204" pitchFamily="18" charset="0"/>
+                            </a:rPr>
+                            <m:t>𝑌</m:t>
+                          </m:r>
+                          <m:r>
+                            <a:rPr lang="es-MX" i="1" dirty="0">
+                              <a:solidFill>
+                                <a:schemeClr val="accent2"/>
+                              </a:solidFill>
+                              <a:latin typeface="Cambria Math" panose="02040503050406030204" pitchFamily="18" charset="0"/>
+                            </a:rPr>
+                            <m:t>,</m:t>
+                          </m:r>
+                          <m:sSubSup>
+                            <m:sSubSupPr>
+                              <m:ctrlPr>
+                                <a:rPr lang="es-MX" i="1" dirty="0">
+                                  <a:solidFill>
+                                    <a:schemeClr val="accent2"/>
+                                  </a:solidFill>
+                                  <a:latin typeface="Cambria Math" panose="02040503050406030204" pitchFamily="18" charset="0"/>
+                                </a:rPr>
+                              </m:ctrlPr>
+                            </m:sSubSupPr>
+                            <m:e>
+                              <m:r>
+                                <a:rPr lang="es-MX" b="0" i="1" dirty="0" smtClean="0">
+                                  <a:solidFill>
+                                    <a:schemeClr val="accent2"/>
+                                  </a:solidFill>
+                                  <a:latin typeface="Cambria Math" panose="02040503050406030204" pitchFamily="18" charset="0"/>
+                                </a:rPr>
+                                <m:t>𝑋</m:t>
+                              </m:r>
+                            </m:e>
+                            <m:sub>
+                              <m:r>
+                                <a:rPr lang="es-MX" i="1" dirty="0">
+                                  <a:solidFill>
+                                    <a:schemeClr val="accent2"/>
+                                  </a:solidFill>
+                                  <a:latin typeface="Cambria Math" panose="02040503050406030204" pitchFamily="18" charset="0"/>
+                                </a:rPr>
+                                <m:t>𝑝</m:t>
+                              </m:r>
+                            </m:sub>
+                            <m:sup>
+                              <m:r>
+                                <a:rPr lang="es-MX" i="1" dirty="0">
+                                  <a:solidFill>
+                                    <a:schemeClr val="accent2"/>
+                                  </a:solidFill>
+                                  <a:latin typeface="Cambria Math" panose="02040503050406030204" pitchFamily="18" charset="0"/>
+                                </a:rPr>
+                                <m:t>′</m:t>
+                              </m:r>
+                            </m:sup>
+                          </m:sSubSup>
+                          <m:r>
+                            <a:rPr lang="es-MX" i="1" dirty="0">
+                              <a:solidFill>
+                                <a:schemeClr val="accent2"/>
+                              </a:solidFill>
+                              <a:latin typeface="Cambria Math" panose="02040503050406030204" pitchFamily="18" charset="0"/>
+                            </a:rPr>
+                            <m:t>)</m:t>
+                          </m:r>
+                          <m:r>
+                            <m:rPr>
+                              <m:nor/>
+                            </m:rPr>
+                            <a:rPr lang="es-MX" dirty="0">
+                              <a:solidFill>
+                                <a:schemeClr val="accent2"/>
+                              </a:solidFill>
+                            </a:rPr>
+                            <m:t> </m:t>
+                          </m:r>
+                        </m:num>
+                        <m:den>
+                          <m:r>
+                            <a:rPr lang="es-MX" b="0" i="1" dirty="0" smtClean="0">
+                              <a:solidFill>
+                                <a:schemeClr val="accent2"/>
+                              </a:solidFill>
+                              <a:latin typeface="Cambria Math" panose="02040503050406030204" pitchFamily="18" charset="0"/>
+                            </a:rPr>
+                            <m:t>𝑉𝑎𝑟</m:t>
+                          </m:r>
+                          <m:r>
+                            <a:rPr lang="es-MX" b="0" i="1" dirty="0" smtClean="0">
+                              <a:solidFill>
+                                <a:schemeClr val="accent2"/>
+                              </a:solidFill>
+                              <a:latin typeface="Cambria Math" panose="02040503050406030204" pitchFamily="18" charset="0"/>
+                            </a:rPr>
+                            <m:t>(</m:t>
+                          </m:r>
+                          <m:sSubSup>
+                            <m:sSubSupPr>
+                              <m:ctrlPr>
+                                <a:rPr lang="es-MX" b="0" i="1" dirty="0" smtClean="0">
+                                  <a:solidFill>
+                                    <a:schemeClr val="accent2"/>
+                                  </a:solidFill>
+                                  <a:latin typeface="Cambria Math" panose="02040503050406030204" pitchFamily="18" charset="0"/>
+                                </a:rPr>
+                              </m:ctrlPr>
+                            </m:sSubSupPr>
+                            <m:e>
+                              <m:r>
+                                <a:rPr lang="es-MX" b="0" i="1" dirty="0" smtClean="0">
+                                  <a:solidFill>
+                                    <a:schemeClr val="accent2"/>
+                                  </a:solidFill>
+                                  <a:latin typeface="Cambria Math" panose="02040503050406030204" pitchFamily="18" charset="0"/>
+                                </a:rPr>
+                                <m:t>𝑋</m:t>
+                              </m:r>
+                            </m:e>
+                            <m:sub>
+                              <m:r>
+                                <a:rPr lang="es-MX" b="0" i="1" dirty="0" smtClean="0">
+                                  <a:solidFill>
+                                    <a:schemeClr val="accent2"/>
+                                  </a:solidFill>
+                                  <a:latin typeface="Cambria Math" panose="02040503050406030204" pitchFamily="18" charset="0"/>
+                                </a:rPr>
+                                <m:t>𝑝</m:t>
+                              </m:r>
+                            </m:sub>
+                            <m:sup>
+                              <m:r>
+                                <a:rPr lang="es-MX" b="0" i="1" dirty="0" smtClean="0">
+                                  <a:solidFill>
+                                    <a:schemeClr val="accent2"/>
+                                  </a:solidFill>
+                                  <a:latin typeface="Cambria Math" panose="02040503050406030204" pitchFamily="18" charset="0"/>
+                                </a:rPr>
+                                <m:t>′</m:t>
+                              </m:r>
+                            </m:sup>
+                          </m:sSubSup>
+                          <m:r>
+                            <a:rPr lang="es-MX" b="0" i="1" dirty="0" smtClean="0">
+                              <a:solidFill>
+                                <a:schemeClr val="accent2"/>
+                              </a:solidFill>
+                              <a:latin typeface="Cambria Math" panose="02040503050406030204" pitchFamily="18" charset="0"/>
+                            </a:rPr>
+                            <m:t>)</m:t>
+                          </m:r>
+                        </m:den>
+                      </m:f>
+                    </m:oMath>
+                  </m:oMathPara>
+                </a14:m>
+                <a:endParaRPr lang="es-MX" dirty="0"/>
+              </a:p>
+              <a:p>
+                <a:pPr marL="0" indent="0">
+                  <a:spcAft>
+                    <a:spcPts val="600"/>
+                  </a:spcAft>
+                  <a:buNone/>
+                </a:pPr>
+                <a:r>
+                  <a:rPr lang="es-MX" dirty="0"/>
+                  <a:t>     donde </a:t>
+                </a:r>
+                <a14:m>
+                  <m:oMath xmlns:m="http://schemas.openxmlformats.org/officeDocument/2006/math">
+                    <m:sSubSup>
+                      <m:sSubSupPr>
+                        <m:ctrlPr>
+                          <a:rPr lang="es-MX" i="1" dirty="0">
+                            <a:latin typeface="Cambria Math" panose="02040503050406030204" pitchFamily="18" charset="0"/>
+                          </a:rPr>
+                        </m:ctrlPr>
+                      </m:sSubSupPr>
+                      <m:e>
+                        <m:r>
+                          <a:rPr lang="es-MX" b="0" i="1" dirty="0" smtClean="0">
+                            <a:latin typeface="Cambria Math" panose="02040503050406030204" pitchFamily="18" charset="0"/>
+                          </a:rPr>
+                          <m:t>𝑋</m:t>
+                        </m:r>
+                      </m:e>
+                      <m:sub>
+                        <m:r>
+                          <a:rPr lang="es-MX" i="1" dirty="0">
+                            <a:latin typeface="Cambria Math" panose="02040503050406030204" pitchFamily="18" charset="0"/>
+                          </a:rPr>
+                          <m:t>𝑝</m:t>
+                        </m:r>
+                      </m:sub>
+                      <m:sup>
+                        <m:r>
+                          <a:rPr lang="es-MX" i="1" dirty="0">
+                            <a:latin typeface="Cambria Math" panose="02040503050406030204" pitchFamily="18" charset="0"/>
+                          </a:rPr>
+                          <m:t>′</m:t>
+                        </m:r>
+                      </m:sup>
+                    </m:sSubSup>
+                  </m:oMath>
+                </a14:m>
+                <a:r>
+                  <a:rPr lang="es-MX" dirty="0"/>
+                  <a:t> es el residuo de regresar </a:t>
+                </a:r>
+                <a14:m>
+                  <m:oMath xmlns:m="http://schemas.openxmlformats.org/officeDocument/2006/math">
+                    <m:sSub>
+                      <m:sSubPr>
+                        <m:ctrlPr>
+                          <a:rPr lang="es-MX" b="0" i="1" smtClean="0">
+                            <a:latin typeface="Cambria Math" panose="02040503050406030204" pitchFamily="18" charset="0"/>
+                          </a:rPr>
+                        </m:ctrlPr>
+                      </m:sSubPr>
+                      <m:e>
+                        <m:r>
+                          <a:rPr lang="es-MX" b="0" i="1" smtClean="0">
+                            <a:latin typeface="Cambria Math" panose="02040503050406030204" pitchFamily="18" charset="0"/>
+                          </a:rPr>
+                          <m:t>𝑋</m:t>
+                        </m:r>
+                      </m:e>
+                      <m:sub>
+                        <m:r>
+                          <a:rPr lang="es-MX" b="0" i="1" smtClean="0">
+                            <a:latin typeface="Cambria Math" panose="02040503050406030204" pitchFamily="18" charset="0"/>
+                          </a:rPr>
+                          <m:t>𝑝</m:t>
+                        </m:r>
+                      </m:sub>
+                    </m:sSub>
+                  </m:oMath>
+                </a14:m>
+                <a:r>
+                  <a:rPr lang="es-MX" dirty="0"/>
+                  <a:t> sobre el resto de las </a:t>
+                </a:r>
+                <a14:m>
+                  <m:oMath xmlns:m="http://schemas.openxmlformats.org/officeDocument/2006/math">
+                    <m:r>
+                      <a:rPr lang="es-MX" i="1" dirty="0" smtClean="0">
+                        <a:latin typeface="Cambria Math" panose="02040503050406030204" pitchFamily="18" charset="0"/>
+                      </a:rPr>
+                      <m:t>𝑋</m:t>
+                    </m:r>
+                  </m:oMath>
+                </a14:m>
+                <a:r>
+                  <a:rPr lang="es-MX" dirty="0"/>
+                  <a:t>.</a:t>
+                </a:r>
+              </a:p>
+              <a:p>
+                <a:pPr marL="285750" indent="-285750">
+                  <a:spcAft>
+                    <a:spcPts val="600"/>
+                  </a:spcAft>
+                  <a:buFont typeface="Wingdings" panose="05000000000000000000" pitchFamily="2" charset="2"/>
+                  <a:buChar char="§"/>
+                </a:pPr>
+                <a:r>
+                  <a:rPr lang="es-MX" dirty="0"/>
+                  <a:t>Es decir que el beta de una regresión múltiple nos muestra la asociación entre la </a:t>
+                </a:r>
+                <a14:m>
+                  <m:oMath xmlns:m="http://schemas.openxmlformats.org/officeDocument/2006/math">
+                    <m:r>
+                      <a:rPr lang="es-MX" i="1" dirty="0" smtClean="0">
+                        <a:latin typeface="Cambria Math" panose="02040503050406030204" pitchFamily="18" charset="0"/>
+                      </a:rPr>
+                      <m:t>𝑌</m:t>
+                    </m:r>
+                  </m:oMath>
+                </a14:m>
+                <a:r>
+                  <a:rPr lang="es-MX" dirty="0"/>
+                  <a:t> </a:t>
+                </a:r>
+                <a:r>
+                  <a:rPr lang="es-MX" dirty="0" err="1"/>
+                  <a:t>y</a:t>
+                </a:r>
+                <a:r>
+                  <a:rPr lang="es-MX" dirty="0"/>
+                  <a:t> la parte de </a:t>
+                </a:r>
+                <a14:m>
+                  <m:oMath xmlns:m="http://schemas.openxmlformats.org/officeDocument/2006/math">
+                    <m:sSub>
+                      <m:sSubPr>
+                        <m:ctrlPr>
+                          <a:rPr lang="es-MX" b="0" i="1" dirty="0" smtClean="0">
+                            <a:latin typeface="Cambria Math" panose="02040503050406030204" pitchFamily="18" charset="0"/>
+                          </a:rPr>
+                        </m:ctrlPr>
+                      </m:sSubPr>
+                      <m:e>
+                        <m:r>
+                          <a:rPr lang="es-MX" i="1" dirty="0" smtClean="0">
+                            <a:latin typeface="Cambria Math" panose="02040503050406030204" pitchFamily="18" charset="0"/>
+                          </a:rPr>
+                          <m:t>𝑋</m:t>
+                        </m:r>
+                      </m:e>
+                      <m:sub>
+                        <m:r>
+                          <a:rPr lang="es-MX" b="0" i="1" dirty="0" smtClean="0">
+                            <a:latin typeface="Cambria Math" panose="02040503050406030204" pitchFamily="18" charset="0"/>
+                          </a:rPr>
+                          <m:t>𝑝</m:t>
+                        </m:r>
+                      </m:sub>
+                    </m:sSub>
+                  </m:oMath>
+                </a14:m>
+                <a:r>
+                  <a:rPr lang="es-MX" dirty="0"/>
+                  <a:t> que no está explicada por el resto de las variables.</a:t>
+                </a:r>
+              </a:p>
+              <a:p>
+                <a:pPr marL="285750" indent="-285750">
+                  <a:spcAft>
+                    <a:spcPts val="600"/>
+                  </a:spcAft>
+                  <a:buFont typeface="Wingdings" panose="05000000000000000000" pitchFamily="2" charset="2"/>
+                  <a:buChar char="§"/>
+                </a:pPr>
+                <a:r>
+                  <a:rPr lang="es-MX" dirty="0"/>
+                  <a:t>Al incluir nuevas variables, estamos “limpiando” el beta, sacándole la parte que se debe a asociaciones entre </a:t>
+                </a:r>
+                <a14:m>
+                  <m:oMath xmlns:m="http://schemas.openxmlformats.org/officeDocument/2006/math">
+                    <m:sSub>
+                      <m:sSubPr>
+                        <m:ctrlPr>
+                          <a:rPr lang="es-MX" i="1" dirty="0" smtClean="0">
+                            <a:latin typeface="Cambria Math" panose="02040503050406030204" pitchFamily="18" charset="0"/>
+                          </a:rPr>
+                        </m:ctrlPr>
+                      </m:sSubPr>
+                      <m:e>
+                        <m:r>
+                          <a:rPr lang="es-MX" i="1" dirty="0" smtClean="0">
+                            <a:latin typeface="Cambria Math" panose="02040503050406030204" pitchFamily="18" charset="0"/>
+                          </a:rPr>
+                          <m:t>𝑋</m:t>
+                        </m:r>
+                      </m:e>
+                      <m:sub>
+                        <m:r>
+                          <a:rPr lang="es-MX" i="1" dirty="0" smtClean="0">
+                            <a:latin typeface="Cambria Math" panose="02040503050406030204" pitchFamily="18" charset="0"/>
+                          </a:rPr>
+                          <m:t>𝑝</m:t>
+                        </m:r>
+                      </m:sub>
+                    </m:sSub>
+                  </m:oMath>
+                </a14:m>
+                <a:r>
+                  <a:rPr lang="es-MX" dirty="0"/>
+                  <a:t> y otras </a:t>
+                </a:r>
+                <a14:m>
+                  <m:oMath xmlns:m="http://schemas.openxmlformats.org/officeDocument/2006/math">
+                    <m:r>
+                      <a:rPr lang="es-MX" i="1" dirty="0" smtClean="0">
+                        <a:latin typeface="Cambria Math" panose="02040503050406030204" pitchFamily="18" charset="0"/>
+                      </a:rPr>
+                      <m:t>𝑋</m:t>
+                    </m:r>
+                  </m:oMath>
+                </a14:m>
+                <a:r>
+                  <a:rPr lang="es-MX" dirty="0"/>
+                  <a:t>.</a:t>
+                </a:r>
+              </a:p>
+              <a:p>
+                <a:pPr marL="0" indent="0">
+                  <a:spcAft>
+                    <a:spcPts val="600"/>
+                  </a:spcAft>
+                  <a:buNone/>
+                </a:pPr>
+                <a:endParaRPr dirty="0"/>
+              </a:p>
+            </p:txBody>
+          </p:sp>
+        </mc:Choice>
+        <mc:Fallback xmlns="">
+          <p:sp>
+            <p:nvSpPr>
+              <p:cNvPr id="4" name="Google Shape;182;p31">
+                <a:extLst>
+                  <a:ext uri="{FF2B5EF4-FFF2-40B4-BE49-F238E27FC236}">
+                    <a16:creationId xmlns:a16="http://schemas.microsoft.com/office/drawing/2014/main" id="{62D46823-7D9B-461E-8F02-9A44652B71AB}"/>
+                  </a:ext>
+                </a:extLst>
+              </p:cNvPr>
+              <p:cNvSpPr txBox="1">
+                <a:spLocks noGrp="1" noRot="1" noChangeAspect="1" noMove="1" noResize="1" noEditPoints="1" noAdjustHandles="1" noChangeArrowheads="1" noChangeShapeType="1" noTextEdit="1"/>
+              </p:cNvSpPr>
+              <p:nvPr>
+                <p:ph type="body" idx="1"/>
+              </p:nvPr>
+            </p:nvSpPr>
+            <p:spPr>
+              <a:xfrm>
+                <a:off x="311699" y="1152474"/>
+                <a:ext cx="8520600" cy="3853300"/>
+              </a:xfrm>
+              <a:prstGeom prst="rect">
+                <a:avLst/>
+              </a:prstGeom>
+              <a:blipFill>
+                <a:blip r:embed="rId3"/>
+                <a:stretch>
+                  <a:fillRect l="-429" r="-1216"/>
+                </a:stretch>
+              </a:blipFill>
+            </p:spPr>
+            <p:txBody>
+              <a:bodyPr/>
+              <a:lstStyle/>
+              <a:p>
+                <a:r>
+                  <a:rPr lang="es-AR">
+                    <a:noFill/>
+                  </a:rPr>
+                  <a:t> </a:t>
+                </a:r>
+              </a:p>
+            </p:txBody>
+          </p:sp>
+        </mc:Fallback>
+      </mc:AlternateContent>
+    </p:spTree>
+    <p:extLst>
+      <p:ext uri="{BB962C8B-B14F-4D97-AF65-F5344CB8AC3E}">
+        <p14:creationId xmlns:p14="http://schemas.microsoft.com/office/powerpoint/2010/main" val="1323817534"/>
+      </p:ext>
+    </p:extLst>
+  </p:cSld>
+  <p:clrMapOvr>
+    <a:masterClrMapping/>
+  </p:clrMapOvr>
+</p:sld>
+</file>
+
+<file path=ppt/slides/slide11.xml><?xml version="1.0" encoding="utf-8"?>
+<p:sld xmlns:a="http://schemas.openxmlformats.org/drawingml/2006/main" xmlns:r="http://schemas.openxmlformats.org/officeDocument/2006/relationships" xmlns:p="http://schemas.openxmlformats.org/presentationml/2006/main">
+  <p:cSld>
+    <p:spTree>
+      <p:nvGrpSpPr>
+        <p:cNvPr id="1" name="Shape 152"/>
+        <p:cNvGrpSpPr/>
+        <p:nvPr/>
+      </p:nvGrpSpPr>
+      <p:grpSpPr>
+        <a:xfrm>
+          <a:off x="0" y="0"/>
+          <a:ext cx="0" cy="0"/>
+          <a:chOff x="0" y="0"/>
+          <a:chExt cx="0" cy="0"/>
+        </a:xfrm>
+      </p:grpSpPr>
+      <mc:AlternateContent xmlns:mc="http://schemas.openxmlformats.org/markup-compatibility/2006" xmlns:a14="http://schemas.microsoft.com/office/drawing/2010/main">
+        <mc:Choice Requires="a14">
           <p:sp>
             <p:nvSpPr>
               <p:cNvPr id="4" name="Google Shape;182;p31">
@@ -10128,7 +10907,7 @@
             </p:txBody>
           </p:sp>
         </mc:Choice>
-        <mc:Fallback>
+        <mc:Fallback xmlns="">
           <p:sp>
             <p:nvSpPr>
               <p:cNvPr id="4" name="Google Shape;182;p31">
@@ -10540,8 +11319,8 @@
           </a:fontRef>
         </p:style>
       </p:cxnSp>
-      <mc:AlternateContent xmlns:mc="http://schemas.openxmlformats.org/markup-compatibility/2006">
-        <mc:Choice xmlns:a14="http://schemas.microsoft.com/office/drawing/2010/main" Requires="a14">
+      <mc:AlternateContent xmlns:mc="http://schemas.openxmlformats.org/markup-compatibility/2006" xmlns:a14="http://schemas.microsoft.com/office/drawing/2010/main">
+        <mc:Choice Requires="a14">
           <p:sp>
             <p:nvSpPr>
               <p:cNvPr id="17" name="CuadroTexto 16">
@@ -10618,7 +11397,7 @@
             </p:txBody>
           </p:sp>
         </mc:Choice>
-        <mc:Fallback>
+        <mc:Fallback xmlns="">
           <p:sp>
             <p:nvSpPr>
               <p:cNvPr id="17" name="CuadroTexto 16">
@@ -10663,8 +11442,8 @@
           </p:sp>
         </mc:Fallback>
       </mc:AlternateContent>
-      <mc:AlternateContent xmlns:mc="http://schemas.openxmlformats.org/markup-compatibility/2006">
-        <mc:Choice xmlns:a14="http://schemas.microsoft.com/office/drawing/2010/main" Requires="a14">
+      <mc:AlternateContent xmlns:mc="http://schemas.openxmlformats.org/markup-compatibility/2006" xmlns:a14="http://schemas.microsoft.com/office/drawing/2010/main">
+        <mc:Choice Requires="a14">
           <p:sp>
             <p:nvSpPr>
               <p:cNvPr id="18" name="CuadroTexto 17">
@@ -10733,7 +11512,7 @@
             </p:txBody>
           </p:sp>
         </mc:Choice>
-        <mc:Fallback>
+        <mc:Fallback xmlns="">
           <p:sp>
             <p:nvSpPr>
               <p:cNvPr id="18" name="CuadroTexto 17">
@@ -10778,8 +11557,8 @@
           </p:sp>
         </mc:Fallback>
       </mc:AlternateContent>
-      <mc:AlternateContent xmlns:mc="http://schemas.openxmlformats.org/markup-compatibility/2006">
-        <mc:Choice xmlns:a14="http://schemas.microsoft.com/office/drawing/2010/main" Requires="a14">
+      <mc:AlternateContent xmlns:mc="http://schemas.openxmlformats.org/markup-compatibility/2006" xmlns:a14="http://schemas.microsoft.com/office/drawing/2010/main">
+        <mc:Choice Requires="a14">
           <p:sp>
             <p:nvSpPr>
               <p:cNvPr id="20" name="CuadroTexto 19">
@@ -11043,7 +11822,7 @@
             </p:txBody>
           </p:sp>
         </mc:Choice>
-        <mc:Fallback>
+        <mc:Fallback xmlns="">
           <p:sp>
             <p:nvSpPr>
               <p:cNvPr id="20" name="CuadroTexto 19">
@@ -11101,7 +11880,7 @@
 </p:sld>
 </file>
 
-<file path=ppt/slides/slide11.xml><?xml version="1.0" encoding="utf-8"?>
+<file path=ppt/slides/slide12.xml><?xml version="1.0" encoding="utf-8"?>
 <p:sld xmlns:a="http://schemas.openxmlformats.org/drawingml/2006/main" xmlns:r="http://schemas.openxmlformats.org/officeDocument/2006/relationships" xmlns:p="http://schemas.openxmlformats.org/presentationml/2006/main">
   <p:cSld>
     <p:bg>
@@ -11185,7 +11964,7 @@
 </p:sld>
 </file>
 
-<file path=ppt/slides/slide12.xml><?xml version="1.0" encoding="utf-8"?>
+<file path=ppt/slides/slide13.xml><?xml version="1.0" encoding="utf-8"?>
 <p:sld xmlns:a="http://schemas.openxmlformats.org/drawingml/2006/main" xmlns:r="http://schemas.openxmlformats.org/officeDocument/2006/relationships" xmlns:p="http://schemas.openxmlformats.org/presentationml/2006/main">
   <p:cSld>
     <p:spTree>
@@ -11269,7 +12048,7 @@
 </p:sld>
 </file>
 
-<file path=ppt/slides/slide13.xml><?xml version="1.0" encoding="utf-8"?>
+<file path=ppt/slides/slide14.xml><?xml version="1.0" encoding="utf-8"?>
 <p:sld xmlns:a="http://schemas.openxmlformats.org/drawingml/2006/main" xmlns:r="http://schemas.openxmlformats.org/officeDocument/2006/relationships" xmlns:p="http://schemas.openxmlformats.org/presentationml/2006/main">
   <p:cSld>
     <p:spTree>
@@ -11328,8 +12107,8 @@
           </a:p>
         </p:txBody>
       </p:sp>
-      <mc:AlternateContent xmlns:mc="http://schemas.openxmlformats.org/markup-compatibility/2006">
-        <mc:Choice xmlns:a14="http://schemas.microsoft.com/office/drawing/2010/main" Requires="a14">
+      <mc:AlternateContent xmlns:mc="http://schemas.openxmlformats.org/markup-compatibility/2006" xmlns:a14="http://schemas.microsoft.com/office/drawing/2010/main">
+        <mc:Choice Requires="a14">
           <p:sp>
             <p:nvSpPr>
               <p:cNvPr id="6" name="Google Shape;182;p31">
@@ -11691,7 +12470,7 @@
             </p:txBody>
           </p:sp>
         </mc:Choice>
-        <mc:Fallback>
+        <mc:Fallback xmlns="">
           <p:sp>
             <p:nvSpPr>
               <p:cNvPr id="6" name="Google Shape;182;p31">
@@ -11751,7 +12530,7 @@
 </p:sld>
 </file>
 
-<file path=ppt/slides/slide14.xml><?xml version="1.0" encoding="utf-8"?>
+<file path=ppt/slides/slide15.xml><?xml version="1.0" encoding="utf-8"?>
 <p:sld xmlns:a="http://schemas.openxmlformats.org/drawingml/2006/main" xmlns:r="http://schemas.openxmlformats.org/officeDocument/2006/relationships" xmlns:p="http://schemas.openxmlformats.org/presentationml/2006/main">
   <p:cSld>
     <p:spTree>
@@ -11846,8 +12625,8 @@
           </a:p>
         </p:txBody>
       </p:sp>
-      <mc:AlternateContent xmlns:mc="http://schemas.openxmlformats.org/markup-compatibility/2006">
-        <mc:Choice xmlns:a14="http://schemas.microsoft.com/office/drawing/2010/main" Requires="a14">
+      <mc:AlternateContent xmlns:mc="http://schemas.openxmlformats.org/markup-compatibility/2006" xmlns:a14="http://schemas.microsoft.com/office/drawing/2010/main">
+        <mc:Choice Requires="a14">
           <p:sp>
             <p:nvSpPr>
               <p:cNvPr id="6" name="Google Shape;182;p31">
@@ -12125,13 +12904,7 @@
                       <a:rPr lang="es-MX" b="0" i="1" smtClean="0">
                         <a:latin typeface="Cambria Math" panose="02040503050406030204" pitchFamily="18" charset="0"/>
                       </a:rPr>
-                      <m:t>=</m:t>
-                    </m:r>
-                    <m:r>
-                      <a:rPr lang="es-MX" b="0" i="1" smtClean="0">
-                        <a:latin typeface="Cambria Math" panose="02040503050406030204" pitchFamily="18" charset="0"/>
-                      </a:rPr>
-                      <m:t>0</m:t>
+                      <m:t>=0</m:t>
                     </m:r>
                   </m:oMath>
                 </a14:m>
@@ -12309,7 +13082,7 @@
             </p:txBody>
           </p:sp>
         </mc:Choice>
-        <mc:Fallback>
+        <mc:Fallback xmlns="">
           <p:sp>
             <p:nvSpPr>
               <p:cNvPr id="6" name="Google Shape;182;p31">
@@ -12429,8 +13202,8 @@
           </a:fontRef>
         </p:style>
       </p:cxnSp>
-      <mc:AlternateContent xmlns:mc="http://schemas.openxmlformats.org/markup-compatibility/2006">
-        <mc:Choice xmlns:a14="http://schemas.microsoft.com/office/drawing/2010/main" Requires="a14">
+      <mc:AlternateContent xmlns:mc="http://schemas.openxmlformats.org/markup-compatibility/2006" xmlns:a14="http://schemas.microsoft.com/office/drawing/2010/main">
+        <mc:Choice Requires="a14">
           <p:sp>
             <p:nvSpPr>
               <p:cNvPr id="13" name="CuadroTexto 12">
@@ -12502,7 +13275,7 @@
             </p:txBody>
           </p:sp>
         </mc:Choice>
-        <mc:Fallback>
+        <mc:Fallback xmlns="">
           <p:sp>
             <p:nvSpPr>
               <p:cNvPr id="13" name="CuadroTexto 12">
@@ -12560,7 +13333,7 @@
 </p:sld>
 </file>
 
-<file path=ppt/slides/slide15.xml><?xml version="1.0" encoding="utf-8"?>
+<file path=ppt/slides/slide16.xml><?xml version="1.0" encoding="utf-8"?>
 <p:sld xmlns:a="http://schemas.openxmlformats.org/drawingml/2006/main" xmlns:r="http://schemas.openxmlformats.org/officeDocument/2006/relationships" xmlns:p="http://schemas.openxmlformats.org/presentationml/2006/main">
   <p:cSld>
     <p:spTree>
@@ -12619,8 +13392,8 @@
           </a:p>
         </p:txBody>
       </p:sp>
-      <mc:AlternateContent xmlns:mc="http://schemas.openxmlformats.org/markup-compatibility/2006">
-        <mc:Choice xmlns:a14="http://schemas.microsoft.com/office/drawing/2010/main" Requires="a14">
+      <mc:AlternateContent xmlns:mc="http://schemas.openxmlformats.org/markup-compatibility/2006" xmlns:a14="http://schemas.microsoft.com/office/drawing/2010/main">
+        <mc:Choice Requires="a14">
           <p:sp>
             <p:nvSpPr>
               <p:cNvPr id="6" name="Google Shape;182;p31">
@@ -12769,7 +13542,7 @@
             </p:txBody>
           </p:sp>
         </mc:Choice>
-        <mc:Fallback>
+        <mc:Fallback xmlns="">
           <p:sp>
             <p:nvSpPr>
               <p:cNvPr id="6" name="Google Shape;182;p31">
@@ -12929,7 +13702,7 @@
 </p:sld>
 </file>
 
-<file path=ppt/slides/slide16.xml><?xml version="1.0" encoding="utf-8"?>
+<file path=ppt/slides/slide17.xml><?xml version="1.0" encoding="utf-8"?>
 <p:sld xmlns:a="http://schemas.openxmlformats.org/drawingml/2006/main" xmlns:r="http://schemas.openxmlformats.org/officeDocument/2006/relationships" xmlns:p="http://schemas.openxmlformats.org/presentationml/2006/main">
   <p:cSld>
     <p:spTree>
@@ -12988,8 +13761,8 @@
           </a:p>
         </p:txBody>
       </p:sp>
-      <mc:AlternateContent xmlns:mc="http://schemas.openxmlformats.org/markup-compatibility/2006">
-        <mc:Choice xmlns:a14="http://schemas.microsoft.com/office/drawing/2010/main" Requires="a14">
+      <mc:AlternateContent xmlns:mc="http://schemas.openxmlformats.org/markup-compatibility/2006" xmlns:a14="http://schemas.microsoft.com/office/drawing/2010/main">
+        <mc:Choice Requires="a14">
           <p:sp>
             <p:nvSpPr>
               <p:cNvPr id="6" name="Google Shape;182;p31">
@@ -13338,7 +14111,7 @@
             </p:txBody>
           </p:sp>
         </mc:Choice>
-        <mc:Fallback>
+        <mc:Fallback xmlns="">
           <p:sp>
             <p:nvSpPr>
               <p:cNvPr id="6" name="Google Shape;182;p31">
@@ -13434,7 +14207,7 @@
 </p:sld>
 </file>
 
-<file path=ppt/slides/slide17.xml><?xml version="1.0" encoding="utf-8"?>
+<file path=ppt/slides/slide18.xml><?xml version="1.0" encoding="utf-8"?>
 <p:sld xmlns:a="http://schemas.openxmlformats.org/drawingml/2006/main" xmlns:r="http://schemas.openxmlformats.org/officeDocument/2006/relationships" xmlns:p="http://schemas.openxmlformats.org/presentationml/2006/main">
   <p:cSld>
     <p:spTree>
@@ -13538,7 +14311,7 @@
 </p:sld>
 </file>
 
-<file path=ppt/slides/slide18.xml><?xml version="1.0" encoding="utf-8"?>
+<file path=ppt/slides/slide19.xml><?xml version="1.0" encoding="utf-8"?>
 <p:sld xmlns:a="http://schemas.openxmlformats.org/drawingml/2006/main" xmlns:r="http://schemas.openxmlformats.org/officeDocument/2006/relationships" xmlns:p="http://schemas.openxmlformats.org/presentationml/2006/main">
   <p:cSld>
     <p:spTree>
@@ -13609,814 +14382,6 @@
           </a:p>
         </p:txBody>
       </p:sp>
-    </p:spTree>
-  </p:cSld>
-  <p:clrMapOvr>
-    <a:masterClrMapping/>
-  </p:clrMapOvr>
-</p:sld>
-</file>
-
-<file path=ppt/slides/slide19.xml><?xml version="1.0" encoding="utf-8"?>
-<p:sld xmlns:a="http://schemas.openxmlformats.org/drawingml/2006/main" xmlns:r="http://schemas.openxmlformats.org/officeDocument/2006/relationships" xmlns:p="http://schemas.openxmlformats.org/presentationml/2006/main">
-  <p:cSld>
-    <p:spTree>
-      <p:nvGrpSpPr>
-        <p:cNvPr id="1" name="Shape 197"/>
-        <p:cNvGrpSpPr/>
-        <p:nvPr/>
-      </p:nvGrpSpPr>
-      <p:grpSpPr>
-        <a:xfrm>
-          <a:off x="0" y="0"/>
-          <a:ext cx="0" cy="0"/>
-          <a:chOff x="0" y="0"/>
-          <a:chExt cx="0" cy="0"/>
-        </a:xfrm>
-      </p:grpSpPr>
-      <mc:AlternateContent xmlns:mc="http://schemas.openxmlformats.org/markup-compatibility/2006">
-        <mc:Choice xmlns:a14="http://schemas.microsoft.com/office/drawing/2010/main" Requires="a14">
-          <p:sp>
-            <p:nvSpPr>
-              <p:cNvPr id="198" name="Google Shape;198;p34"/>
-              <p:cNvSpPr txBox="1">
-                <a:spLocks noGrp="1"/>
-              </p:cNvSpPr>
-              <p:nvPr>
-                <p:ph type="title"/>
-              </p:nvPr>
-            </p:nvSpPr>
-            <p:spPr>
-              <a:xfrm>
-                <a:off x="311700" y="445025"/>
-                <a:ext cx="8520600" cy="572700"/>
-              </a:xfrm>
-              <a:prstGeom prst="rect">
-                <a:avLst/>
-              </a:prstGeom>
-            </p:spPr>
-            <p:txBody>
-              <a:bodyPr spcFirstLastPara="1" wrap="square" lIns="91425" tIns="91425" rIns="91425" bIns="91425" anchor="t" anchorCtr="0">
-                <a:normAutofit fontScale="90000"/>
-              </a:bodyPr>
-              <a:lstStyle/>
-              <a:p>
-                <a:pPr marL="0" lvl="0" indent="0" algn="l" rtl="0">
-                  <a:spcBef>
-                    <a:spcPts val="0"/>
-                  </a:spcBef>
-                  <a:spcAft>
-                    <a:spcPts val="0"/>
-                  </a:spcAft>
-                  <a:buNone/>
-                </a:pPr>
-                <a14:m>
-                  <m:oMathPara xmlns:m="http://schemas.openxmlformats.org/officeDocument/2006/math">
-                    <m:oMathParaPr>
-                      <m:jc m:val="centerGroup"/>
-                    </m:oMathParaPr>
-                    <m:oMath xmlns:m="http://schemas.openxmlformats.org/officeDocument/2006/math">
-                      <m:r>
-                        <a:rPr lang="es-MX" b="0" i="1" smtClean="0">
-                          <a:latin typeface="Cambria Math" panose="02040503050406030204" pitchFamily="18" charset="0"/>
-                        </a:rPr>
-                        <m:t>𝑌</m:t>
-                      </m:r>
-                      <m:r>
-                        <a:rPr lang="es-MX" b="0" i="1" smtClean="0">
-                          <a:latin typeface="Cambria Math" panose="02040503050406030204" pitchFamily="18" charset="0"/>
-                        </a:rPr>
-                        <m:t>=</m:t>
-                      </m:r>
-                      <m:sSub>
-                        <m:sSubPr>
-                          <m:ctrlPr>
-                            <a:rPr lang="es-MX" b="0" i="1" smtClean="0">
-                              <a:latin typeface="Cambria Math" panose="02040503050406030204" pitchFamily="18" charset="0"/>
-                            </a:rPr>
-                          </m:ctrlPr>
-                        </m:sSubPr>
-                        <m:e>
-                          <m:r>
-                            <a:rPr lang="es-MX" b="0" i="1" smtClean="0">
-                              <a:latin typeface="Cambria Math" panose="02040503050406030204" pitchFamily="18" charset="0"/>
-                            </a:rPr>
-                            <m:t>𝛽</m:t>
-                          </m:r>
-                        </m:e>
-                        <m:sub>
-                          <m:r>
-                            <a:rPr lang="es-MX" b="0" i="1" smtClean="0">
-                              <a:latin typeface="Cambria Math" panose="02040503050406030204" pitchFamily="18" charset="0"/>
-                            </a:rPr>
-                            <m:t>0</m:t>
-                          </m:r>
-                        </m:sub>
-                      </m:sSub>
-                      <m:r>
-                        <a:rPr lang="es-MX" b="0" i="1" smtClean="0">
-                          <a:latin typeface="Cambria Math" panose="02040503050406030204" pitchFamily="18" charset="0"/>
-                        </a:rPr>
-                        <m:t>+</m:t>
-                      </m:r>
-                      <m:sSub>
-                        <m:sSubPr>
-                          <m:ctrlPr>
-                            <a:rPr lang="es-MX" b="0" i="1" smtClean="0">
-                              <a:latin typeface="Cambria Math" panose="02040503050406030204" pitchFamily="18" charset="0"/>
-                            </a:rPr>
-                          </m:ctrlPr>
-                        </m:sSubPr>
-                        <m:e>
-                          <m:r>
-                            <a:rPr lang="es-MX" b="0" i="1" smtClean="0">
-                              <a:latin typeface="Cambria Math" panose="02040503050406030204" pitchFamily="18" charset="0"/>
-                            </a:rPr>
-                            <m:t>𝛽</m:t>
-                          </m:r>
-                        </m:e>
-                        <m:sub>
-                          <m:r>
-                            <a:rPr lang="es-MX" b="0" i="1" smtClean="0">
-                              <a:latin typeface="Cambria Math" panose="02040503050406030204" pitchFamily="18" charset="0"/>
-                            </a:rPr>
-                            <m:t>1</m:t>
-                          </m:r>
-                        </m:sub>
-                      </m:sSub>
-                      <m:sSub>
-                        <m:sSubPr>
-                          <m:ctrlPr>
-                            <a:rPr lang="es-MX" b="0" i="1" smtClean="0">
-                              <a:latin typeface="Cambria Math" panose="02040503050406030204" pitchFamily="18" charset="0"/>
-                            </a:rPr>
-                          </m:ctrlPr>
-                        </m:sSubPr>
-                        <m:e>
-                          <m:r>
-                            <a:rPr lang="es-MX" b="0" i="1" smtClean="0">
-                              <a:latin typeface="Cambria Math" panose="02040503050406030204" pitchFamily="18" charset="0"/>
-                            </a:rPr>
-                            <m:t>𝑋</m:t>
-                          </m:r>
-                        </m:e>
-                        <m:sub>
-                          <m:r>
-                            <a:rPr lang="es-MX" b="0" i="1" smtClean="0">
-                              <a:latin typeface="Cambria Math" panose="02040503050406030204" pitchFamily="18" charset="0"/>
-                            </a:rPr>
-                            <m:t>1</m:t>
-                          </m:r>
-                        </m:sub>
-                      </m:sSub>
-                      <m:r>
-                        <a:rPr lang="es-MX" b="0" i="1" smtClean="0">
-                          <a:latin typeface="Cambria Math" panose="02040503050406030204" pitchFamily="18" charset="0"/>
-                        </a:rPr>
-                        <m:t>+</m:t>
-                      </m:r>
-                      <m:sSub>
-                        <m:sSubPr>
-                          <m:ctrlPr>
-                            <a:rPr lang="es-MX" b="0" i="1" smtClean="0">
-                              <a:latin typeface="Cambria Math" panose="02040503050406030204" pitchFamily="18" charset="0"/>
-                            </a:rPr>
-                          </m:ctrlPr>
-                        </m:sSubPr>
-                        <m:e>
-                          <m:r>
-                            <a:rPr lang="es-MX" b="0" i="1" smtClean="0">
-                              <a:latin typeface="Cambria Math" panose="02040503050406030204" pitchFamily="18" charset="0"/>
-                            </a:rPr>
-                            <m:t>𝛽</m:t>
-                          </m:r>
-                        </m:e>
-                        <m:sub>
-                          <m:r>
-                            <a:rPr lang="es-MX" b="0" i="1" smtClean="0">
-                              <a:latin typeface="Cambria Math" panose="02040503050406030204" pitchFamily="18" charset="0"/>
-                            </a:rPr>
-                            <m:t>2</m:t>
-                          </m:r>
-                        </m:sub>
-                      </m:sSub>
-                      <m:sSub>
-                        <m:sSubPr>
-                          <m:ctrlPr>
-                            <a:rPr lang="es-MX" b="0" i="1" smtClean="0">
-                              <a:latin typeface="Cambria Math" panose="02040503050406030204" pitchFamily="18" charset="0"/>
-                            </a:rPr>
-                          </m:ctrlPr>
-                        </m:sSubPr>
-                        <m:e>
-                          <m:r>
-                            <a:rPr lang="es-MX" b="0" i="1" smtClean="0">
-                              <a:latin typeface="Cambria Math" panose="02040503050406030204" pitchFamily="18" charset="0"/>
-                            </a:rPr>
-                            <m:t>𝑋</m:t>
-                          </m:r>
-                        </m:e>
-                        <m:sub>
-                          <m:r>
-                            <a:rPr lang="es-MX" b="0" i="1" smtClean="0">
-                              <a:latin typeface="Cambria Math" panose="02040503050406030204" pitchFamily="18" charset="0"/>
-                            </a:rPr>
-                            <m:t>2</m:t>
-                          </m:r>
-                        </m:sub>
-                      </m:sSub>
-                      <m:r>
-                        <a:rPr lang="es-MX" b="0" i="1" smtClean="0">
-                          <a:latin typeface="Cambria Math" panose="02040503050406030204" pitchFamily="18" charset="0"/>
-                        </a:rPr>
-                        <m:t>+</m:t>
-                      </m:r>
-                      <m:sSub>
-                        <m:sSubPr>
-                          <m:ctrlPr>
-                            <a:rPr lang="es-MX" b="0" i="1" smtClean="0">
-                              <a:latin typeface="Cambria Math" panose="02040503050406030204" pitchFamily="18" charset="0"/>
-                            </a:rPr>
-                          </m:ctrlPr>
-                        </m:sSubPr>
-                        <m:e>
-                          <m:r>
-                            <a:rPr lang="es-MX" b="0" i="1" smtClean="0">
-                              <a:latin typeface="Cambria Math" panose="02040503050406030204" pitchFamily="18" charset="0"/>
-                            </a:rPr>
-                            <m:t>𝛽</m:t>
-                          </m:r>
-                        </m:e>
-                        <m:sub>
-                          <m:r>
-                            <a:rPr lang="es-MX" b="0" i="1" smtClean="0">
-                              <a:latin typeface="Cambria Math" panose="02040503050406030204" pitchFamily="18" charset="0"/>
-                            </a:rPr>
-                            <m:t>3</m:t>
-                          </m:r>
-                        </m:sub>
-                      </m:sSub>
-                      <m:sSub>
-                        <m:sSubPr>
-                          <m:ctrlPr>
-                            <a:rPr lang="es-MX" b="0" i="1" smtClean="0">
-                              <a:latin typeface="Cambria Math" panose="02040503050406030204" pitchFamily="18" charset="0"/>
-                            </a:rPr>
-                          </m:ctrlPr>
-                        </m:sSubPr>
-                        <m:e>
-                          <m:r>
-                            <a:rPr lang="es-MX" b="0" i="1" smtClean="0">
-                              <a:latin typeface="Cambria Math" panose="02040503050406030204" pitchFamily="18" charset="0"/>
-                            </a:rPr>
-                            <m:t>𝑋</m:t>
-                          </m:r>
-                        </m:e>
-                        <m:sub>
-                          <m:r>
-                            <a:rPr lang="es-MX" b="0" i="1" smtClean="0">
-                              <a:latin typeface="Cambria Math" panose="02040503050406030204" pitchFamily="18" charset="0"/>
-                            </a:rPr>
-                            <m:t>1</m:t>
-                          </m:r>
-                        </m:sub>
-                      </m:sSub>
-                      <m:sSub>
-                        <m:sSubPr>
-                          <m:ctrlPr>
-                            <a:rPr lang="es-MX" b="0" i="1" smtClean="0">
-                              <a:latin typeface="Cambria Math" panose="02040503050406030204" pitchFamily="18" charset="0"/>
-                            </a:rPr>
-                          </m:ctrlPr>
-                        </m:sSubPr>
-                        <m:e>
-                          <m:r>
-                            <a:rPr lang="es-MX" b="0" i="1" smtClean="0">
-                              <a:latin typeface="Cambria Math" panose="02040503050406030204" pitchFamily="18" charset="0"/>
-                            </a:rPr>
-                            <m:t>𝑋</m:t>
-                          </m:r>
-                        </m:e>
-                        <m:sub>
-                          <m:r>
-                            <a:rPr lang="es-MX" b="0" i="1" smtClean="0">
-                              <a:latin typeface="Cambria Math" panose="02040503050406030204" pitchFamily="18" charset="0"/>
-                            </a:rPr>
-                            <m:t>2</m:t>
-                          </m:r>
-                        </m:sub>
-                      </m:sSub>
-                      <m:r>
-                        <a:rPr lang="es-MX" b="0" i="1" smtClean="0">
-                          <a:latin typeface="Cambria Math" panose="02040503050406030204" pitchFamily="18" charset="0"/>
-                        </a:rPr>
-                        <m:t>+</m:t>
-                      </m:r>
-                      <m:r>
-                        <a:rPr lang="es-MX" b="0" i="1" smtClean="0">
-                          <a:latin typeface="Cambria Math" panose="02040503050406030204" pitchFamily="18" charset="0"/>
-                        </a:rPr>
-                        <m:t>𝜖</m:t>
-                      </m:r>
-                    </m:oMath>
-                  </m:oMathPara>
-                </a14:m>
-                <a:endParaRPr dirty="0"/>
-              </a:p>
-            </p:txBody>
-          </p:sp>
-        </mc:Choice>
-        <mc:Fallback>
-          <p:sp>
-            <p:nvSpPr>
-              <p:cNvPr id="198" name="Google Shape;198;p34"/>
-              <p:cNvSpPr txBox="1">
-                <a:spLocks noGrp="1" noRot="1" noChangeAspect="1" noMove="1" noResize="1" noEditPoints="1" noAdjustHandles="1" noChangeArrowheads="1" noChangeShapeType="1" noTextEdit="1"/>
-              </p:cNvSpPr>
-              <p:nvPr>
-                <p:ph type="title"/>
-              </p:nvPr>
-            </p:nvSpPr>
-            <p:spPr>
-              <a:xfrm>
-                <a:off x="311700" y="445025"/>
-                <a:ext cx="8520600" cy="572700"/>
-              </a:xfrm>
-              <a:prstGeom prst="rect">
-                <a:avLst/>
-              </a:prstGeom>
-              <a:blipFill>
-                <a:blip r:embed="rId3"/>
-                <a:stretch>
-                  <a:fillRect b="-4255"/>
-                </a:stretch>
-              </a:blipFill>
-            </p:spPr>
-            <p:txBody>
-              <a:bodyPr/>
-              <a:lstStyle/>
-              <a:p>
-                <a:r>
-                  <a:rPr lang="es-AR">
-                    <a:noFill/>
-                  </a:rPr>
-                  <a:t> </a:t>
-                </a:r>
-              </a:p>
-            </p:txBody>
-          </p:sp>
-        </mc:Fallback>
-      </mc:AlternateContent>
-      <mc:AlternateContent xmlns:mc="http://schemas.openxmlformats.org/markup-compatibility/2006">
-        <mc:Choice xmlns:a14="http://schemas.microsoft.com/office/drawing/2010/main" Requires="a14">
-          <p:sp>
-            <p:nvSpPr>
-              <p:cNvPr id="7" name="Google Shape;182;p31">
-                <a:extLst>
-                  <a:ext uri="{FF2B5EF4-FFF2-40B4-BE49-F238E27FC236}">
-                    <a16:creationId xmlns:a16="http://schemas.microsoft.com/office/drawing/2014/main" id="{3C23CEED-6DAE-4156-A93D-4E4151381AA7}"/>
-                  </a:ext>
-                </a:extLst>
-              </p:cNvPr>
-              <p:cNvSpPr txBox="1">
-                <a:spLocks/>
-              </p:cNvSpPr>
-              <p:nvPr/>
-            </p:nvSpPr>
-            <p:spPr>
-              <a:xfrm>
-                <a:off x="311699" y="1152474"/>
-                <a:ext cx="8435062" cy="3644377"/>
-              </a:xfrm>
-              <a:prstGeom prst="rect">
-                <a:avLst/>
-              </a:prstGeom>
-              <a:noFill/>
-              <a:ln>
-                <a:noFill/>
-              </a:ln>
-            </p:spPr>
-            <p:txBody>
-              <a:bodyPr spcFirstLastPara="1" wrap="square" lIns="91425" tIns="91425" rIns="91425" bIns="91425" anchor="t" anchorCtr="0">
-                <a:normAutofit/>
-              </a:bodyPr>
-              <a:lstStyle>
-                <a:defPPr marR="0" lvl="0" algn="l" rtl="0">
-                  <a:lnSpc>
-                    <a:spcPct val="100000"/>
-                  </a:lnSpc>
-                  <a:spcBef>
-                    <a:spcPts val="0"/>
-                  </a:spcBef>
-                  <a:spcAft>
-                    <a:spcPts val="0"/>
-                  </a:spcAft>
-                </a:defPPr>
-                <a:lvl1pPr marL="457200" marR="0" lvl="0" indent="-342900" algn="l" rtl="0">
-                  <a:lnSpc>
-                    <a:spcPct val="115000"/>
-                  </a:lnSpc>
-                  <a:spcBef>
-                    <a:spcPts val="0"/>
-                  </a:spcBef>
-                  <a:spcAft>
-                    <a:spcPts val="0"/>
-                  </a:spcAft>
-                  <a:buClr>
-                    <a:schemeClr val="accent3"/>
-                  </a:buClr>
-                  <a:buSzPts val="1800"/>
-                  <a:buFont typeface="Proxima Nova"/>
-                  <a:buChar char="●"/>
-                  <a:defRPr sz="1800" b="0" i="0" u="none" strike="noStrike" cap="none">
-                    <a:solidFill>
-                      <a:schemeClr val="accent3"/>
-                    </a:solidFill>
-                    <a:latin typeface="Proxima Nova"/>
-                    <a:ea typeface="Proxima Nova"/>
-                    <a:cs typeface="Proxima Nova"/>
-                    <a:sym typeface="Proxima Nova"/>
-                  </a:defRPr>
-                </a:lvl1pPr>
-                <a:lvl2pPr marL="914400" marR="0" lvl="1" indent="-317500" algn="l" rtl="0">
-                  <a:lnSpc>
-                    <a:spcPct val="115000"/>
-                  </a:lnSpc>
-                  <a:spcBef>
-                    <a:spcPts val="0"/>
-                  </a:spcBef>
-                  <a:spcAft>
-                    <a:spcPts val="0"/>
-                  </a:spcAft>
-                  <a:buClr>
-                    <a:schemeClr val="accent3"/>
-                  </a:buClr>
-                  <a:buSzPts val="1400"/>
-                  <a:buFont typeface="Proxima Nova"/>
-                  <a:buChar char="○"/>
-                  <a:defRPr sz="1400" b="0" i="0" u="none" strike="noStrike" cap="none">
-                    <a:solidFill>
-                      <a:schemeClr val="accent3"/>
-                    </a:solidFill>
-                    <a:latin typeface="Proxima Nova"/>
-                    <a:ea typeface="Proxima Nova"/>
-                    <a:cs typeface="Proxima Nova"/>
-                    <a:sym typeface="Proxima Nova"/>
-                  </a:defRPr>
-                </a:lvl2pPr>
-                <a:lvl3pPr marL="1371600" marR="0" lvl="2" indent="-317500" algn="l" rtl="0">
-                  <a:lnSpc>
-                    <a:spcPct val="115000"/>
-                  </a:lnSpc>
-                  <a:spcBef>
-                    <a:spcPts val="0"/>
-                  </a:spcBef>
-                  <a:spcAft>
-                    <a:spcPts val="0"/>
-                  </a:spcAft>
-                  <a:buClr>
-                    <a:schemeClr val="accent3"/>
-                  </a:buClr>
-                  <a:buSzPts val="1400"/>
-                  <a:buFont typeface="Proxima Nova"/>
-                  <a:buChar char="■"/>
-                  <a:defRPr sz="1400" b="0" i="0" u="none" strike="noStrike" cap="none">
-                    <a:solidFill>
-                      <a:schemeClr val="accent3"/>
-                    </a:solidFill>
-                    <a:latin typeface="Proxima Nova"/>
-                    <a:ea typeface="Proxima Nova"/>
-                    <a:cs typeface="Proxima Nova"/>
-                    <a:sym typeface="Proxima Nova"/>
-                  </a:defRPr>
-                </a:lvl3pPr>
-                <a:lvl4pPr marL="1828800" marR="0" lvl="3" indent="-317500" algn="l" rtl="0">
-                  <a:lnSpc>
-                    <a:spcPct val="115000"/>
-                  </a:lnSpc>
-                  <a:spcBef>
-                    <a:spcPts val="0"/>
-                  </a:spcBef>
-                  <a:spcAft>
-                    <a:spcPts val="0"/>
-                  </a:spcAft>
-                  <a:buClr>
-                    <a:schemeClr val="accent3"/>
-                  </a:buClr>
-                  <a:buSzPts val="1400"/>
-                  <a:buFont typeface="Proxima Nova"/>
-                  <a:buChar char="●"/>
-                  <a:defRPr sz="1400" b="0" i="0" u="none" strike="noStrike" cap="none">
-                    <a:solidFill>
-                      <a:schemeClr val="accent3"/>
-                    </a:solidFill>
-                    <a:latin typeface="Proxima Nova"/>
-                    <a:ea typeface="Proxima Nova"/>
-                    <a:cs typeface="Proxima Nova"/>
-                    <a:sym typeface="Proxima Nova"/>
-                  </a:defRPr>
-                </a:lvl4pPr>
-                <a:lvl5pPr marL="2286000" marR="0" lvl="4" indent="-317500" algn="l" rtl="0">
-                  <a:lnSpc>
-                    <a:spcPct val="115000"/>
-                  </a:lnSpc>
-                  <a:spcBef>
-                    <a:spcPts val="0"/>
-                  </a:spcBef>
-                  <a:spcAft>
-                    <a:spcPts val="0"/>
-                  </a:spcAft>
-                  <a:buClr>
-                    <a:schemeClr val="accent3"/>
-                  </a:buClr>
-                  <a:buSzPts val="1400"/>
-                  <a:buFont typeface="Proxima Nova"/>
-                  <a:buChar char="○"/>
-                  <a:defRPr sz="1400" b="0" i="0" u="none" strike="noStrike" cap="none">
-                    <a:solidFill>
-                      <a:schemeClr val="accent3"/>
-                    </a:solidFill>
-                    <a:latin typeface="Proxima Nova"/>
-                    <a:ea typeface="Proxima Nova"/>
-                    <a:cs typeface="Proxima Nova"/>
-                    <a:sym typeface="Proxima Nova"/>
-                  </a:defRPr>
-                </a:lvl5pPr>
-                <a:lvl6pPr marL="2743200" marR="0" lvl="5" indent="-317500" algn="l" rtl="0">
-                  <a:lnSpc>
-                    <a:spcPct val="115000"/>
-                  </a:lnSpc>
-                  <a:spcBef>
-                    <a:spcPts val="0"/>
-                  </a:spcBef>
-                  <a:spcAft>
-                    <a:spcPts val="0"/>
-                  </a:spcAft>
-                  <a:buClr>
-                    <a:schemeClr val="accent3"/>
-                  </a:buClr>
-                  <a:buSzPts val="1400"/>
-                  <a:buFont typeface="Proxima Nova"/>
-                  <a:buChar char="■"/>
-                  <a:defRPr sz="1400" b="0" i="0" u="none" strike="noStrike" cap="none">
-                    <a:solidFill>
-                      <a:schemeClr val="accent3"/>
-                    </a:solidFill>
-                    <a:latin typeface="Proxima Nova"/>
-                    <a:ea typeface="Proxima Nova"/>
-                    <a:cs typeface="Proxima Nova"/>
-                    <a:sym typeface="Proxima Nova"/>
-                  </a:defRPr>
-                </a:lvl6pPr>
-                <a:lvl7pPr marL="3200400" marR="0" lvl="6" indent="-317500" algn="l" rtl="0">
-                  <a:lnSpc>
-                    <a:spcPct val="115000"/>
-                  </a:lnSpc>
-                  <a:spcBef>
-                    <a:spcPts val="0"/>
-                  </a:spcBef>
-                  <a:spcAft>
-                    <a:spcPts val="0"/>
-                  </a:spcAft>
-                  <a:buClr>
-                    <a:schemeClr val="accent3"/>
-                  </a:buClr>
-                  <a:buSzPts val="1400"/>
-                  <a:buFont typeface="Proxima Nova"/>
-                  <a:buChar char="●"/>
-                  <a:defRPr sz="1400" b="0" i="0" u="none" strike="noStrike" cap="none">
-                    <a:solidFill>
-                      <a:schemeClr val="accent3"/>
-                    </a:solidFill>
-                    <a:latin typeface="Proxima Nova"/>
-                    <a:ea typeface="Proxima Nova"/>
-                    <a:cs typeface="Proxima Nova"/>
-                    <a:sym typeface="Proxima Nova"/>
-                  </a:defRPr>
-                </a:lvl7pPr>
-                <a:lvl8pPr marL="3657600" marR="0" lvl="7" indent="-317500" algn="l" rtl="0">
-                  <a:lnSpc>
-                    <a:spcPct val="115000"/>
-                  </a:lnSpc>
-                  <a:spcBef>
-                    <a:spcPts val="0"/>
-                  </a:spcBef>
-                  <a:spcAft>
-                    <a:spcPts val="0"/>
-                  </a:spcAft>
-                  <a:buClr>
-                    <a:schemeClr val="accent3"/>
-                  </a:buClr>
-                  <a:buSzPts val="1400"/>
-                  <a:buFont typeface="Proxima Nova"/>
-                  <a:buChar char="○"/>
-                  <a:defRPr sz="1400" b="0" i="0" u="none" strike="noStrike" cap="none">
-                    <a:solidFill>
-                      <a:schemeClr val="accent3"/>
-                    </a:solidFill>
-                    <a:latin typeface="Proxima Nova"/>
-                    <a:ea typeface="Proxima Nova"/>
-                    <a:cs typeface="Proxima Nova"/>
-                    <a:sym typeface="Proxima Nova"/>
-                  </a:defRPr>
-                </a:lvl8pPr>
-                <a:lvl9pPr marL="4114800" marR="0" lvl="8" indent="-317500" algn="l" rtl="0">
-                  <a:lnSpc>
-                    <a:spcPct val="115000"/>
-                  </a:lnSpc>
-                  <a:spcBef>
-                    <a:spcPts val="0"/>
-                  </a:spcBef>
-                  <a:spcAft>
-                    <a:spcPts val="0"/>
-                  </a:spcAft>
-                  <a:buClr>
-                    <a:schemeClr val="accent3"/>
-                  </a:buClr>
-                  <a:buSzPts val="1400"/>
-                  <a:buFont typeface="Proxima Nova"/>
-                  <a:buChar char="■"/>
-                  <a:defRPr sz="1400" b="0" i="0" u="none" strike="noStrike" cap="none">
-                    <a:solidFill>
-                      <a:schemeClr val="accent3"/>
-                    </a:solidFill>
-                    <a:latin typeface="Proxima Nova"/>
-                    <a:ea typeface="Proxima Nova"/>
-                    <a:cs typeface="Proxima Nova"/>
-                    <a:sym typeface="Proxima Nova"/>
-                  </a:defRPr>
-                </a:lvl9pPr>
-              </a:lstStyle>
-              <a:p>
-                <a:pPr marL="285750" indent="-285750">
-                  <a:spcAft>
-                    <a:spcPts val="1200"/>
-                  </a:spcAft>
-                  <a:buFont typeface="Wingdings" panose="05000000000000000000" pitchFamily="2" charset="2"/>
-                  <a:buChar char="§"/>
-                </a:pPr>
-                <a:r>
-                  <a:rPr lang="es-MX" dirty="0"/>
-                  <a:t>Un término de interacción nos permite capturar que los efectos de una variable (por ejemplo, </a:t>
-                </a:r>
-                <a14:m>
-                  <m:oMath xmlns:m="http://schemas.openxmlformats.org/officeDocument/2006/math">
-                    <m:sSub>
-                      <m:sSubPr>
-                        <m:ctrlPr>
-                          <a:rPr lang="es-MX" b="0" i="1" smtClean="0">
-                            <a:latin typeface="Cambria Math" panose="02040503050406030204" pitchFamily="18" charset="0"/>
-                          </a:rPr>
-                        </m:ctrlPr>
-                      </m:sSubPr>
-                      <m:e>
-                        <m:r>
-                          <a:rPr lang="es-MX" b="0" i="1" smtClean="0">
-                            <a:latin typeface="Cambria Math" panose="02040503050406030204" pitchFamily="18" charset="0"/>
-                          </a:rPr>
-                          <m:t>𝑋</m:t>
-                        </m:r>
-                      </m:e>
-                      <m:sub>
-                        <m:r>
-                          <a:rPr lang="es-MX" b="0" i="1" smtClean="0">
-                            <a:latin typeface="Cambria Math" panose="02040503050406030204" pitchFamily="18" charset="0"/>
-                          </a:rPr>
-                          <m:t>1</m:t>
-                        </m:r>
-                      </m:sub>
-                    </m:sSub>
-                  </m:oMath>
-                </a14:m>
-                <a:r>
-                  <a:rPr lang="es-MX" dirty="0"/>
-                  <a:t>) sobre </a:t>
-                </a:r>
-                <a14:m>
-                  <m:oMath xmlns:m="http://schemas.openxmlformats.org/officeDocument/2006/math">
-                    <m:r>
-                      <a:rPr lang="es-MX" i="1">
-                        <a:latin typeface="Cambria Math" panose="02040503050406030204" pitchFamily="18" charset="0"/>
-                      </a:rPr>
-                      <m:t>𝑌</m:t>
-                    </m:r>
-                  </m:oMath>
-                </a14:m>
-                <a:r>
-                  <a:rPr lang="es-MX" dirty="0"/>
-                  <a:t> pueden depender de otra variable (</a:t>
-                </a:r>
-                <a14:m>
-                  <m:oMath xmlns:m="http://schemas.openxmlformats.org/officeDocument/2006/math">
-                    <m:sSub>
-                      <m:sSubPr>
-                        <m:ctrlPr>
-                          <a:rPr lang="es-MX" b="0" i="1" smtClean="0">
-                            <a:latin typeface="Cambria Math" panose="02040503050406030204" pitchFamily="18" charset="0"/>
-                          </a:rPr>
-                        </m:ctrlPr>
-                      </m:sSubPr>
-                      <m:e>
-                        <m:r>
-                          <a:rPr lang="es-MX" b="0" i="1" smtClean="0">
-                            <a:latin typeface="Cambria Math" panose="02040503050406030204" pitchFamily="18" charset="0"/>
-                          </a:rPr>
-                          <m:t>𝑋</m:t>
-                        </m:r>
-                      </m:e>
-                      <m:sub>
-                        <m:r>
-                          <a:rPr lang="es-MX" b="0" i="1" smtClean="0">
-                            <a:latin typeface="Cambria Math" panose="02040503050406030204" pitchFamily="18" charset="0"/>
-                          </a:rPr>
-                          <m:t>2</m:t>
-                        </m:r>
-                      </m:sub>
-                    </m:sSub>
-                  </m:oMath>
-                </a14:m>
-                <a:r>
-                  <a:rPr lang="es-MX" dirty="0"/>
-                  <a:t>).</a:t>
-                </a:r>
-              </a:p>
-              <a:p>
-                <a:pPr marL="285750" indent="-285750">
-                  <a:spcAft>
-                    <a:spcPts val="1200"/>
-                  </a:spcAft>
-                  <a:buFont typeface="Wingdings" panose="05000000000000000000" pitchFamily="2" charset="2"/>
-                  <a:buChar char="§"/>
-                </a:pPr>
-                <a:r>
-                  <a:rPr lang="es-MX" dirty="0"/>
-                  <a:t>Podría pasar que sumar horas de trabajo remunerado tuviese un efecto distinto para mujeres y varones.</a:t>
-                </a:r>
-              </a:p>
-              <a:p>
-                <a:pPr marL="285750" indent="-285750">
-                  <a:spcAft>
-                    <a:spcPts val="1200"/>
-                  </a:spcAft>
-                  <a:buFont typeface="Wingdings" panose="05000000000000000000" pitchFamily="2" charset="2"/>
-                  <a:buChar char="§"/>
-                </a:pPr>
-                <a:r>
-                  <a:rPr lang="es-MX" dirty="0"/>
-                  <a:t>Con solo incorporar la variable sexo, sabemos que a igual cantidad de horas los varones ganan más. Pero podría suceder que la relación entre ambas variables fuese más compleja, y la diferencia se volviera más/menos pronunciada a medida que aumentan/disminuyen las horas trabajadas.</a:t>
-                </a:r>
-              </a:p>
-            </p:txBody>
-          </p:sp>
-        </mc:Choice>
-        <mc:Fallback>
-          <p:sp>
-            <p:nvSpPr>
-              <p:cNvPr id="7" name="Google Shape;182;p31">
-                <a:extLst>
-                  <a:ext uri="{FF2B5EF4-FFF2-40B4-BE49-F238E27FC236}">
-                    <a16:creationId xmlns:a16="http://schemas.microsoft.com/office/drawing/2014/main" id="{3C23CEED-6DAE-4156-A93D-4E4151381AA7}"/>
-                  </a:ext>
-                </a:extLst>
-              </p:cNvPr>
-              <p:cNvSpPr txBox="1">
-                <a:spLocks noRot="1" noChangeAspect="1" noMove="1" noResize="1" noEditPoints="1" noAdjustHandles="1" noChangeArrowheads="1" noChangeShapeType="1" noTextEdit="1"/>
-              </p:cNvSpPr>
-              <p:nvPr/>
-            </p:nvSpPr>
-            <p:spPr>
-              <a:xfrm>
-                <a:off x="311699" y="1152474"/>
-                <a:ext cx="8435062" cy="3644377"/>
-              </a:xfrm>
-              <a:prstGeom prst="rect">
-                <a:avLst/>
-              </a:prstGeom>
-              <a:blipFill>
-                <a:blip r:embed="rId4"/>
-                <a:stretch>
-                  <a:fillRect l="-434" r="-723"/>
-                </a:stretch>
-              </a:blipFill>
-              <a:ln>
-                <a:noFill/>
-              </a:ln>
-            </p:spPr>
-            <p:txBody>
-              <a:bodyPr/>
-              <a:lstStyle/>
-              <a:p>
-                <a:r>
-                  <a:rPr lang="es-AR">
-                    <a:noFill/>
-                  </a:rPr>
-                  <a:t> </a:t>
-                </a:r>
-              </a:p>
-            </p:txBody>
-          </p:sp>
-        </mc:Fallback>
-      </mc:AlternateContent>
     </p:spTree>
   </p:cSld>
   <p:clrMapOvr>
@@ -14491,7 +14456,7 @@
           <p:nvPr>
             <p:extLst>
               <p:ext uri="{D42A27DB-BD31-4B8C-83A1-F6EECF244321}">
-                <p14:modId xmlns:p14="http://schemas.microsoft.com/office/powerpoint/2010/main" val="3340503281"/>
+                <p14:modId xmlns:p14="http://schemas.microsoft.com/office/powerpoint/2010/main" val="556933559"/>
               </p:ext>
             </p:extLst>
           </p:nvPr>
@@ -15550,10 +15515,10 @@
                           <a:cs typeface="Proxima Nova"/>
                           <a:sym typeface="Proxima Nova"/>
                         </a:rPr>
-                        <a:t>Caps</a:t>
+                        <a:t>Cap</a:t>
                       </a:r>
                       <a:r>
-                        <a:rPr lang="es-AR" sz="1200" dirty="0">
+                        <a:rPr lang="es-AR" sz="1200">
                           <a:solidFill>
                             <a:schemeClr val="tx1"/>
                           </a:solidFill>
@@ -15562,10 +15527,10 @@
                           <a:cs typeface="Proxima Nova"/>
                           <a:sym typeface="Proxima Nova"/>
                         </a:rPr>
-                        <a:t> 3 y 13.1 </a:t>
+                        <a:t> 3 </a:t>
                       </a:r>
                       <a:r>
-                        <a:rPr lang="en-GB" sz="1200" dirty="0">
+                        <a:rPr lang="en-GB" sz="1200">
                           <a:solidFill>
                             <a:schemeClr val="tx1"/>
                           </a:solidFill>
@@ -16395,7 +16360,7 @@
                           <a:cs typeface="Proxima Nova"/>
                           <a:sym typeface="Proxima Nova"/>
                         </a:rPr>
-                        <a:t> 4 </a:t>
+                        <a:t> 4.1 a 4.3 </a:t>
                       </a:r>
                       <a:r>
                         <a:rPr lang="en-GB" sz="1200" dirty="0">
@@ -16669,7 +16634,7 @@
                           <a:cs typeface="Proxima Nova"/>
                           <a:sym typeface="Proxima Nova"/>
                         </a:rPr>
-                        <a:t> 2 - KNN</a:t>
+                        <a:t> 2 – KNN y LDA</a:t>
                       </a:r>
                       <a:endParaRPr dirty="0">
                         <a:latin typeface="Proxima Nova"/>
@@ -16747,7 +16712,7 @@
                           <a:cs typeface="Proxima Nova"/>
                           <a:sym typeface="Proxima Nova"/>
                         </a:rPr>
-                        <a:t>Caps</a:t>
+                        <a:t>Cap</a:t>
                       </a:r>
                       <a:r>
                         <a:rPr lang="es-AR" sz="1200" dirty="0">
@@ -16756,7 +16721,7 @@
                           <a:cs typeface="Proxima Nova"/>
                           <a:sym typeface="Proxima Nova"/>
                         </a:rPr>
-                        <a:t> 4 y 12 </a:t>
+                        <a:t> 4.4 </a:t>
                       </a:r>
                       <a:r>
                         <a:rPr lang="en-GB" sz="1200" dirty="0">
@@ -17206,6 +17171,814 @@
   <p:cSld>
     <p:spTree>
       <p:nvGrpSpPr>
+        <p:cNvPr id="1" name="Shape 197"/>
+        <p:cNvGrpSpPr/>
+        <p:nvPr/>
+      </p:nvGrpSpPr>
+      <p:grpSpPr>
+        <a:xfrm>
+          <a:off x="0" y="0"/>
+          <a:ext cx="0" cy="0"/>
+          <a:chOff x="0" y="0"/>
+          <a:chExt cx="0" cy="0"/>
+        </a:xfrm>
+      </p:grpSpPr>
+      <mc:AlternateContent xmlns:mc="http://schemas.openxmlformats.org/markup-compatibility/2006" xmlns:a14="http://schemas.microsoft.com/office/drawing/2010/main">
+        <mc:Choice Requires="a14">
+          <p:sp>
+            <p:nvSpPr>
+              <p:cNvPr id="198" name="Google Shape;198;p34"/>
+              <p:cNvSpPr txBox="1">
+                <a:spLocks noGrp="1"/>
+              </p:cNvSpPr>
+              <p:nvPr>
+                <p:ph type="title"/>
+              </p:nvPr>
+            </p:nvSpPr>
+            <p:spPr>
+              <a:xfrm>
+                <a:off x="311700" y="445025"/>
+                <a:ext cx="8520600" cy="572700"/>
+              </a:xfrm>
+              <a:prstGeom prst="rect">
+                <a:avLst/>
+              </a:prstGeom>
+            </p:spPr>
+            <p:txBody>
+              <a:bodyPr spcFirstLastPara="1" wrap="square" lIns="91425" tIns="91425" rIns="91425" bIns="91425" anchor="t" anchorCtr="0">
+                <a:normAutofit fontScale="90000"/>
+              </a:bodyPr>
+              <a:lstStyle/>
+              <a:p>
+                <a:pPr marL="0" lvl="0" indent="0" algn="l" rtl="0">
+                  <a:spcBef>
+                    <a:spcPts val="0"/>
+                  </a:spcBef>
+                  <a:spcAft>
+                    <a:spcPts val="0"/>
+                  </a:spcAft>
+                  <a:buNone/>
+                </a:pPr>
+                <a14:m>
+                  <m:oMathPara xmlns:m="http://schemas.openxmlformats.org/officeDocument/2006/math">
+                    <m:oMathParaPr>
+                      <m:jc m:val="centerGroup"/>
+                    </m:oMathParaPr>
+                    <m:oMath xmlns:m="http://schemas.openxmlformats.org/officeDocument/2006/math">
+                      <m:r>
+                        <a:rPr lang="es-MX" b="0" i="1" smtClean="0">
+                          <a:latin typeface="Cambria Math" panose="02040503050406030204" pitchFamily="18" charset="0"/>
+                        </a:rPr>
+                        <m:t>𝑌</m:t>
+                      </m:r>
+                      <m:r>
+                        <a:rPr lang="es-MX" b="0" i="1" smtClean="0">
+                          <a:latin typeface="Cambria Math" panose="02040503050406030204" pitchFamily="18" charset="0"/>
+                        </a:rPr>
+                        <m:t>=</m:t>
+                      </m:r>
+                      <m:sSub>
+                        <m:sSubPr>
+                          <m:ctrlPr>
+                            <a:rPr lang="es-MX" b="0" i="1" smtClean="0">
+                              <a:latin typeface="Cambria Math" panose="02040503050406030204" pitchFamily="18" charset="0"/>
+                            </a:rPr>
+                          </m:ctrlPr>
+                        </m:sSubPr>
+                        <m:e>
+                          <m:r>
+                            <a:rPr lang="es-MX" b="0" i="1" smtClean="0">
+                              <a:latin typeface="Cambria Math" panose="02040503050406030204" pitchFamily="18" charset="0"/>
+                            </a:rPr>
+                            <m:t>𝛽</m:t>
+                          </m:r>
+                        </m:e>
+                        <m:sub>
+                          <m:r>
+                            <a:rPr lang="es-MX" b="0" i="1" smtClean="0">
+                              <a:latin typeface="Cambria Math" panose="02040503050406030204" pitchFamily="18" charset="0"/>
+                            </a:rPr>
+                            <m:t>0</m:t>
+                          </m:r>
+                        </m:sub>
+                      </m:sSub>
+                      <m:r>
+                        <a:rPr lang="es-MX" b="0" i="1" smtClean="0">
+                          <a:latin typeface="Cambria Math" panose="02040503050406030204" pitchFamily="18" charset="0"/>
+                        </a:rPr>
+                        <m:t>+</m:t>
+                      </m:r>
+                      <m:sSub>
+                        <m:sSubPr>
+                          <m:ctrlPr>
+                            <a:rPr lang="es-MX" b="0" i="1" smtClean="0">
+                              <a:latin typeface="Cambria Math" panose="02040503050406030204" pitchFamily="18" charset="0"/>
+                            </a:rPr>
+                          </m:ctrlPr>
+                        </m:sSubPr>
+                        <m:e>
+                          <m:r>
+                            <a:rPr lang="es-MX" b="0" i="1" smtClean="0">
+                              <a:latin typeface="Cambria Math" panose="02040503050406030204" pitchFamily="18" charset="0"/>
+                            </a:rPr>
+                            <m:t>𝛽</m:t>
+                          </m:r>
+                        </m:e>
+                        <m:sub>
+                          <m:r>
+                            <a:rPr lang="es-MX" b="0" i="1" smtClean="0">
+                              <a:latin typeface="Cambria Math" panose="02040503050406030204" pitchFamily="18" charset="0"/>
+                            </a:rPr>
+                            <m:t>1</m:t>
+                          </m:r>
+                        </m:sub>
+                      </m:sSub>
+                      <m:sSub>
+                        <m:sSubPr>
+                          <m:ctrlPr>
+                            <a:rPr lang="es-MX" b="0" i="1" smtClean="0">
+                              <a:latin typeface="Cambria Math" panose="02040503050406030204" pitchFamily="18" charset="0"/>
+                            </a:rPr>
+                          </m:ctrlPr>
+                        </m:sSubPr>
+                        <m:e>
+                          <m:r>
+                            <a:rPr lang="es-MX" b="0" i="1" smtClean="0">
+                              <a:latin typeface="Cambria Math" panose="02040503050406030204" pitchFamily="18" charset="0"/>
+                            </a:rPr>
+                            <m:t>𝑋</m:t>
+                          </m:r>
+                        </m:e>
+                        <m:sub>
+                          <m:r>
+                            <a:rPr lang="es-MX" b="0" i="1" smtClean="0">
+                              <a:latin typeface="Cambria Math" panose="02040503050406030204" pitchFamily="18" charset="0"/>
+                            </a:rPr>
+                            <m:t>1</m:t>
+                          </m:r>
+                        </m:sub>
+                      </m:sSub>
+                      <m:r>
+                        <a:rPr lang="es-MX" b="0" i="1" smtClean="0">
+                          <a:latin typeface="Cambria Math" panose="02040503050406030204" pitchFamily="18" charset="0"/>
+                        </a:rPr>
+                        <m:t>+</m:t>
+                      </m:r>
+                      <m:sSub>
+                        <m:sSubPr>
+                          <m:ctrlPr>
+                            <a:rPr lang="es-MX" b="0" i="1" smtClean="0">
+                              <a:latin typeface="Cambria Math" panose="02040503050406030204" pitchFamily="18" charset="0"/>
+                            </a:rPr>
+                          </m:ctrlPr>
+                        </m:sSubPr>
+                        <m:e>
+                          <m:r>
+                            <a:rPr lang="es-MX" b="0" i="1" smtClean="0">
+                              <a:latin typeface="Cambria Math" panose="02040503050406030204" pitchFamily="18" charset="0"/>
+                            </a:rPr>
+                            <m:t>𝛽</m:t>
+                          </m:r>
+                        </m:e>
+                        <m:sub>
+                          <m:r>
+                            <a:rPr lang="es-MX" b="0" i="1" smtClean="0">
+                              <a:latin typeface="Cambria Math" panose="02040503050406030204" pitchFamily="18" charset="0"/>
+                            </a:rPr>
+                            <m:t>2</m:t>
+                          </m:r>
+                        </m:sub>
+                      </m:sSub>
+                      <m:sSub>
+                        <m:sSubPr>
+                          <m:ctrlPr>
+                            <a:rPr lang="es-MX" b="0" i="1" smtClean="0">
+                              <a:latin typeface="Cambria Math" panose="02040503050406030204" pitchFamily="18" charset="0"/>
+                            </a:rPr>
+                          </m:ctrlPr>
+                        </m:sSubPr>
+                        <m:e>
+                          <m:r>
+                            <a:rPr lang="es-MX" b="0" i="1" smtClean="0">
+                              <a:latin typeface="Cambria Math" panose="02040503050406030204" pitchFamily="18" charset="0"/>
+                            </a:rPr>
+                            <m:t>𝑋</m:t>
+                          </m:r>
+                        </m:e>
+                        <m:sub>
+                          <m:r>
+                            <a:rPr lang="es-MX" b="0" i="1" smtClean="0">
+                              <a:latin typeface="Cambria Math" panose="02040503050406030204" pitchFamily="18" charset="0"/>
+                            </a:rPr>
+                            <m:t>2</m:t>
+                          </m:r>
+                        </m:sub>
+                      </m:sSub>
+                      <m:r>
+                        <a:rPr lang="es-MX" b="0" i="1" smtClean="0">
+                          <a:latin typeface="Cambria Math" panose="02040503050406030204" pitchFamily="18" charset="0"/>
+                        </a:rPr>
+                        <m:t>+</m:t>
+                      </m:r>
+                      <m:sSub>
+                        <m:sSubPr>
+                          <m:ctrlPr>
+                            <a:rPr lang="es-MX" b="0" i="1" smtClean="0">
+                              <a:latin typeface="Cambria Math" panose="02040503050406030204" pitchFamily="18" charset="0"/>
+                            </a:rPr>
+                          </m:ctrlPr>
+                        </m:sSubPr>
+                        <m:e>
+                          <m:r>
+                            <a:rPr lang="es-MX" b="0" i="1" smtClean="0">
+                              <a:latin typeface="Cambria Math" panose="02040503050406030204" pitchFamily="18" charset="0"/>
+                            </a:rPr>
+                            <m:t>𝛽</m:t>
+                          </m:r>
+                        </m:e>
+                        <m:sub>
+                          <m:r>
+                            <a:rPr lang="es-MX" b="0" i="1" smtClean="0">
+                              <a:latin typeface="Cambria Math" panose="02040503050406030204" pitchFamily="18" charset="0"/>
+                            </a:rPr>
+                            <m:t>3</m:t>
+                          </m:r>
+                        </m:sub>
+                      </m:sSub>
+                      <m:sSub>
+                        <m:sSubPr>
+                          <m:ctrlPr>
+                            <a:rPr lang="es-MX" b="0" i="1" smtClean="0">
+                              <a:latin typeface="Cambria Math" panose="02040503050406030204" pitchFamily="18" charset="0"/>
+                            </a:rPr>
+                          </m:ctrlPr>
+                        </m:sSubPr>
+                        <m:e>
+                          <m:r>
+                            <a:rPr lang="es-MX" b="0" i="1" smtClean="0">
+                              <a:latin typeface="Cambria Math" panose="02040503050406030204" pitchFamily="18" charset="0"/>
+                            </a:rPr>
+                            <m:t>𝑋</m:t>
+                          </m:r>
+                        </m:e>
+                        <m:sub>
+                          <m:r>
+                            <a:rPr lang="es-MX" b="0" i="1" smtClean="0">
+                              <a:latin typeface="Cambria Math" panose="02040503050406030204" pitchFamily="18" charset="0"/>
+                            </a:rPr>
+                            <m:t>1</m:t>
+                          </m:r>
+                        </m:sub>
+                      </m:sSub>
+                      <m:sSub>
+                        <m:sSubPr>
+                          <m:ctrlPr>
+                            <a:rPr lang="es-MX" b="0" i="1" smtClean="0">
+                              <a:latin typeface="Cambria Math" panose="02040503050406030204" pitchFamily="18" charset="0"/>
+                            </a:rPr>
+                          </m:ctrlPr>
+                        </m:sSubPr>
+                        <m:e>
+                          <m:r>
+                            <a:rPr lang="es-MX" b="0" i="1" smtClean="0">
+                              <a:latin typeface="Cambria Math" panose="02040503050406030204" pitchFamily="18" charset="0"/>
+                            </a:rPr>
+                            <m:t>𝑋</m:t>
+                          </m:r>
+                        </m:e>
+                        <m:sub>
+                          <m:r>
+                            <a:rPr lang="es-MX" b="0" i="1" smtClean="0">
+                              <a:latin typeface="Cambria Math" panose="02040503050406030204" pitchFamily="18" charset="0"/>
+                            </a:rPr>
+                            <m:t>2</m:t>
+                          </m:r>
+                        </m:sub>
+                      </m:sSub>
+                      <m:r>
+                        <a:rPr lang="es-MX" b="0" i="1" smtClean="0">
+                          <a:latin typeface="Cambria Math" panose="02040503050406030204" pitchFamily="18" charset="0"/>
+                        </a:rPr>
+                        <m:t>+</m:t>
+                      </m:r>
+                      <m:r>
+                        <a:rPr lang="es-MX" b="0" i="1" smtClean="0">
+                          <a:latin typeface="Cambria Math" panose="02040503050406030204" pitchFamily="18" charset="0"/>
+                        </a:rPr>
+                        <m:t>𝜖</m:t>
+                      </m:r>
+                    </m:oMath>
+                  </m:oMathPara>
+                </a14:m>
+                <a:endParaRPr dirty="0"/>
+              </a:p>
+            </p:txBody>
+          </p:sp>
+        </mc:Choice>
+        <mc:Fallback xmlns="">
+          <p:sp>
+            <p:nvSpPr>
+              <p:cNvPr id="198" name="Google Shape;198;p34"/>
+              <p:cNvSpPr txBox="1">
+                <a:spLocks noGrp="1" noRot="1" noChangeAspect="1" noMove="1" noResize="1" noEditPoints="1" noAdjustHandles="1" noChangeArrowheads="1" noChangeShapeType="1" noTextEdit="1"/>
+              </p:cNvSpPr>
+              <p:nvPr>
+                <p:ph type="title"/>
+              </p:nvPr>
+            </p:nvSpPr>
+            <p:spPr>
+              <a:xfrm>
+                <a:off x="311700" y="445025"/>
+                <a:ext cx="8520600" cy="572700"/>
+              </a:xfrm>
+              <a:prstGeom prst="rect">
+                <a:avLst/>
+              </a:prstGeom>
+              <a:blipFill>
+                <a:blip r:embed="rId3"/>
+                <a:stretch>
+                  <a:fillRect b="-4255"/>
+                </a:stretch>
+              </a:blipFill>
+            </p:spPr>
+            <p:txBody>
+              <a:bodyPr/>
+              <a:lstStyle/>
+              <a:p>
+                <a:r>
+                  <a:rPr lang="es-AR">
+                    <a:noFill/>
+                  </a:rPr>
+                  <a:t> </a:t>
+                </a:r>
+              </a:p>
+            </p:txBody>
+          </p:sp>
+        </mc:Fallback>
+      </mc:AlternateContent>
+      <mc:AlternateContent xmlns:mc="http://schemas.openxmlformats.org/markup-compatibility/2006" xmlns:a14="http://schemas.microsoft.com/office/drawing/2010/main">
+        <mc:Choice Requires="a14">
+          <p:sp>
+            <p:nvSpPr>
+              <p:cNvPr id="7" name="Google Shape;182;p31">
+                <a:extLst>
+                  <a:ext uri="{FF2B5EF4-FFF2-40B4-BE49-F238E27FC236}">
+                    <a16:creationId xmlns:a16="http://schemas.microsoft.com/office/drawing/2014/main" id="{3C23CEED-6DAE-4156-A93D-4E4151381AA7}"/>
+                  </a:ext>
+                </a:extLst>
+              </p:cNvPr>
+              <p:cNvSpPr txBox="1">
+                <a:spLocks/>
+              </p:cNvSpPr>
+              <p:nvPr/>
+            </p:nvSpPr>
+            <p:spPr>
+              <a:xfrm>
+                <a:off x="311699" y="1152474"/>
+                <a:ext cx="8435062" cy="3644377"/>
+              </a:xfrm>
+              <a:prstGeom prst="rect">
+                <a:avLst/>
+              </a:prstGeom>
+              <a:noFill/>
+              <a:ln>
+                <a:noFill/>
+              </a:ln>
+            </p:spPr>
+            <p:txBody>
+              <a:bodyPr spcFirstLastPara="1" wrap="square" lIns="91425" tIns="91425" rIns="91425" bIns="91425" anchor="t" anchorCtr="0">
+                <a:normAutofit/>
+              </a:bodyPr>
+              <a:lstStyle>
+                <a:defPPr marR="0" lvl="0" algn="l" rtl="0">
+                  <a:lnSpc>
+                    <a:spcPct val="100000"/>
+                  </a:lnSpc>
+                  <a:spcBef>
+                    <a:spcPts val="0"/>
+                  </a:spcBef>
+                  <a:spcAft>
+                    <a:spcPts val="0"/>
+                  </a:spcAft>
+                </a:defPPr>
+                <a:lvl1pPr marL="457200" marR="0" lvl="0" indent="-342900" algn="l" rtl="0">
+                  <a:lnSpc>
+                    <a:spcPct val="115000"/>
+                  </a:lnSpc>
+                  <a:spcBef>
+                    <a:spcPts val="0"/>
+                  </a:spcBef>
+                  <a:spcAft>
+                    <a:spcPts val="0"/>
+                  </a:spcAft>
+                  <a:buClr>
+                    <a:schemeClr val="accent3"/>
+                  </a:buClr>
+                  <a:buSzPts val="1800"/>
+                  <a:buFont typeface="Proxima Nova"/>
+                  <a:buChar char="●"/>
+                  <a:defRPr sz="1800" b="0" i="0" u="none" strike="noStrike" cap="none">
+                    <a:solidFill>
+                      <a:schemeClr val="accent3"/>
+                    </a:solidFill>
+                    <a:latin typeface="Proxima Nova"/>
+                    <a:ea typeface="Proxima Nova"/>
+                    <a:cs typeface="Proxima Nova"/>
+                    <a:sym typeface="Proxima Nova"/>
+                  </a:defRPr>
+                </a:lvl1pPr>
+                <a:lvl2pPr marL="914400" marR="0" lvl="1" indent="-317500" algn="l" rtl="0">
+                  <a:lnSpc>
+                    <a:spcPct val="115000"/>
+                  </a:lnSpc>
+                  <a:spcBef>
+                    <a:spcPts val="0"/>
+                  </a:spcBef>
+                  <a:spcAft>
+                    <a:spcPts val="0"/>
+                  </a:spcAft>
+                  <a:buClr>
+                    <a:schemeClr val="accent3"/>
+                  </a:buClr>
+                  <a:buSzPts val="1400"/>
+                  <a:buFont typeface="Proxima Nova"/>
+                  <a:buChar char="○"/>
+                  <a:defRPr sz="1400" b="0" i="0" u="none" strike="noStrike" cap="none">
+                    <a:solidFill>
+                      <a:schemeClr val="accent3"/>
+                    </a:solidFill>
+                    <a:latin typeface="Proxima Nova"/>
+                    <a:ea typeface="Proxima Nova"/>
+                    <a:cs typeface="Proxima Nova"/>
+                    <a:sym typeface="Proxima Nova"/>
+                  </a:defRPr>
+                </a:lvl2pPr>
+                <a:lvl3pPr marL="1371600" marR="0" lvl="2" indent="-317500" algn="l" rtl="0">
+                  <a:lnSpc>
+                    <a:spcPct val="115000"/>
+                  </a:lnSpc>
+                  <a:spcBef>
+                    <a:spcPts val="0"/>
+                  </a:spcBef>
+                  <a:spcAft>
+                    <a:spcPts val="0"/>
+                  </a:spcAft>
+                  <a:buClr>
+                    <a:schemeClr val="accent3"/>
+                  </a:buClr>
+                  <a:buSzPts val="1400"/>
+                  <a:buFont typeface="Proxima Nova"/>
+                  <a:buChar char="■"/>
+                  <a:defRPr sz="1400" b="0" i="0" u="none" strike="noStrike" cap="none">
+                    <a:solidFill>
+                      <a:schemeClr val="accent3"/>
+                    </a:solidFill>
+                    <a:latin typeface="Proxima Nova"/>
+                    <a:ea typeface="Proxima Nova"/>
+                    <a:cs typeface="Proxima Nova"/>
+                    <a:sym typeface="Proxima Nova"/>
+                  </a:defRPr>
+                </a:lvl3pPr>
+                <a:lvl4pPr marL="1828800" marR="0" lvl="3" indent="-317500" algn="l" rtl="0">
+                  <a:lnSpc>
+                    <a:spcPct val="115000"/>
+                  </a:lnSpc>
+                  <a:spcBef>
+                    <a:spcPts val="0"/>
+                  </a:spcBef>
+                  <a:spcAft>
+                    <a:spcPts val="0"/>
+                  </a:spcAft>
+                  <a:buClr>
+                    <a:schemeClr val="accent3"/>
+                  </a:buClr>
+                  <a:buSzPts val="1400"/>
+                  <a:buFont typeface="Proxima Nova"/>
+                  <a:buChar char="●"/>
+                  <a:defRPr sz="1400" b="0" i="0" u="none" strike="noStrike" cap="none">
+                    <a:solidFill>
+                      <a:schemeClr val="accent3"/>
+                    </a:solidFill>
+                    <a:latin typeface="Proxima Nova"/>
+                    <a:ea typeface="Proxima Nova"/>
+                    <a:cs typeface="Proxima Nova"/>
+                    <a:sym typeface="Proxima Nova"/>
+                  </a:defRPr>
+                </a:lvl4pPr>
+                <a:lvl5pPr marL="2286000" marR="0" lvl="4" indent="-317500" algn="l" rtl="0">
+                  <a:lnSpc>
+                    <a:spcPct val="115000"/>
+                  </a:lnSpc>
+                  <a:spcBef>
+                    <a:spcPts val="0"/>
+                  </a:spcBef>
+                  <a:spcAft>
+                    <a:spcPts val="0"/>
+                  </a:spcAft>
+                  <a:buClr>
+                    <a:schemeClr val="accent3"/>
+                  </a:buClr>
+                  <a:buSzPts val="1400"/>
+                  <a:buFont typeface="Proxima Nova"/>
+                  <a:buChar char="○"/>
+                  <a:defRPr sz="1400" b="0" i="0" u="none" strike="noStrike" cap="none">
+                    <a:solidFill>
+                      <a:schemeClr val="accent3"/>
+                    </a:solidFill>
+                    <a:latin typeface="Proxima Nova"/>
+                    <a:ea typeface="Proxima Nova"/>
+                    <a:cs typeface="Proxima Nova"/>
+                    <a:sym typeface="Proxima Nova"/>
+                  </a:defRPr>
+                </a:lvl5pPr>
+                <a:lvl6pPr marL="2743200" marR="0" lvl="5" indent="-317500" algn="l" rtl="0">
+                  <a:lnSpc>
+                    <a:spcPct val="115000"/>
+                  </a:lnSpc>
+                  <a:spcBef>
+                    <a:spcPts val="0"/>
+                  </a:spcBef>
+                  <a:spcAft>
+                    <a:spcPts val="0"/>
+                  </a:spcAft>
+                  <a:buClr>
+                    <a:schemeClr val="accent3"/>
+                  </a:buClr>
+                  <a:buSzPts val="1400"/>
+                  <a:buFont typeface="Proxima Nova"/>
+                  <a:buChar char="■"/>
+                  <a:defRPr sz="1400" b="0" i="0" u="none" strike="noStrike" cap="none">
+                    <a:solidFill>
+                      <a:schemeClr val="accent3"/>
+                    </a:solidFill>
+                    <a:latin typeface="Proxima Nova"/>
+                    <a:ea typeface="Proxima Nova"/>
+                    <a:cs typeface="Proxima Nova"/>
+                    <a:sym typeface="Proxima Nova"/>
+                  </a:defRPr>
+                </a:lvl6pPr>
+                <a:lvl7pPr marL="3200400" marR="0" lvl="6" indent="-317500" algn="l" rtl="0">
+                  <a:lnSpc>
+                    <a:spcPct val="115000"/>
+                  </a:lnSpc>
+                  <a:spcBef>
+                    <a:spcPts val="0"/>
+                  </a:spcBef>
+                  <a:spcAft>
+                    <a:spcPts val="0"/>
+                  </a:spcAft>
+                  <a:buClr>
+                    <a:schemeClr val="accent3"/>
+                  </a:buClr>
+                  <a:buSzPts val="1400"/>
+                  <a:buFont typeface="Proxima Nova"/>
+                  <a:buChar char="●"/>
+                  <a:defRPr sz="1400" b="0" i="0" u="none" strike="noStrike" cap="none">
+                    <a:solidFill>
+                      <a:schemeClr val="accent3"/>
+                    </a:solidFill>
+                    <a:latin typeface="Proxima Nova"/>
+                    <a:ea typeface="Proxima Nova"/>
+                    <a:cs typeface="Proxima Nova"/>
+                    <a:sym typeface="Proxima Nova"/>
+                  </a:defRPr>
+                </a:lvl7pPr>
+                <a:lvl8pPr marL="3657600" marR="0" lvl="7" indent="-317500" algn="l" rtl="0">
+                  <a:lnSpc>
+                    <a:spcPct val="115000"/>
+                  </a:lnSpc>
+                  <a:spcBef>
+                    <a:spcPts val="0"/>
+                  </a:spcBef>
+                  <a:spcAft>
+                    <a:spcPts val="0"/>
+                  </a:spcAft>
+                  <a:buClr>
+                    <a:schemeClr val="accent3"/>
+                  </a:buClr>
+                  <a:buSzPts val="1400"/>
+                  <a:buFont typeface="Proxima Nova"/>
+                  <a:buChar char="○"/>
+                  <a:defRPr sz="1400" b="0" i="0" u="none" strike="noStrike" cap="none">
+                    <a:solidFill>
+                      <a:schemeClr val="accent3"/>
+                    </a:solidFill>
+                    <a:latin typeface="Proxima Nova"/>
+                    <a:ea typeface="Proxima Nova"/>
+                    <a:cs typeface="Proxima Nova"/>
+                    <a:sym typeface="Proxima Nova"/>
+                  </a:defRPr>
+                </a:lvl8pPr>
+                <a:lvl9pPr marL="4114800" marR="0" lvl="8" indent="-317500" algn="l" rtl="0">
+                  <a:lnSpc>
+                    <a:spcPct val="115000"/>
+                  </a:lnSpc>
+                  <a:spcBef>
+                    <a:spcPts val="0"/>
+                  </a:spcBef>
+                  <a:spcAft>
+                    <a:spcPts val="0"/>
+                  </a:spcAft>
+                  <a:buClr>
+                    <a:schemeClr val="accent3"/>
+                  </a:buClr>
+                  <a:buSzPts val="1400"/>
+                  <a:buFont typeface="Proxima Nova"/>
+                  <a:buChar char="■"/>
+                  <a:defRPr sz="1400" b="0" i="0" u="none" strike="noStrike" cap="none">
+                    <a:solidFill>
+                      <a:schemeClr val="accent3"/>
+                    </a:solidFill>
+                    <a:latin typeface="Proxima Nova"/>
+                    <a:ea typeface="Proxima Nova"/>
+                    <a:cs typeface="Proxima Nova"/>
+                    <a:sym typeface="Proxima Nova"/>
+                  </a:defRPr>
+                </a:lvl9pPr>
+              </a:lstStyle>
+              <a:p>
+                <a:pPr marL="285750" indent="-285750">
+                  <a:spcAft>
+                    <a:spcPts val="1200"/>
+                  </a:spcAft>
+                  <a:buFont typeface="Wingdings" panose="05000000000000000000" pitchFamily="2" charset="2"/>
+                  <a:buChar char="§"/>
+                </a:pPr>
+                <a:r>
+                  <a:rPr lang="es-MX" dirty="0"/>
+                  <a:t>Un término de interacción nos permite capturar que los efectos de una variable (por ejemplo, </a:t>
+                </a:r>
+                <a14:m>
+                  <m:oMath xmlns:m="http://schemas.openxmlformats.org/officeDocument/2006/math">
+                    <m:sSub>
+                      <m:sSubPr>
+                        <m:ctrlPr>
+                          <a:rPr lang="es-MX" b="0" i="1" smtClean="0">
+                            <a:latin typeface="Cambria Math" panose="02040503050406030204" pitchFamily="18" charset="0"/>
+                          </a:rPr>
+                        </m:ctrlPr>
+                      </m:sSubPr>
+                      <m:e>
+                        <m:r>
+                          <a:rPr lang="es-MX" b="0" i="1" smtClean="0">
+                            <a:latin typeface="Cambria Math" panose="02040503050406030204" pitchFamily="18" charset="0"/>
+                          </a:rPr>
+                          <m:t>𝑋</m:t>
+                        </m:r>
+                      </m:e>
+                      <m:sub>
+                        <m:r>
+                          <a:rPr lang="es-MX" b="0" i="1" smtClean="0">
+                            <a:latin typeface="Cambria Math" panose="02040503050406030204" pitchFamily="18" charset="0"/>
+                          </a:rPr>
+                          <m:t>1</m:t>
+                        </m:r>
+                      </m:sub>
+                    </m:sSub>
+                  </m:oMath>
+                </a14:m>
+                <a:r>
+                  <a:rPr lang="es-MX" dirty="0"/>
+                  <a:t>) sobre </a:t>
+                </a:r>
+                <a14:m>
+                  <m:oMath xmlns:m="http://schemas.openxmlformats.org/officeDocument/2006/math">
+                    <m:r>
+                      <a:rPr lang="es-MX" i="1">
+                        <a:latin typeface="Cambria Math" panose="02040503050406030204" pitchFamily="18" charset="0"/>
+                      </a:rPr>
+                      <m:t>𝑌</m:t>
+                    </m:r>
+                  </m:oMath>
+                </a14:m>
+                <a:r>
+                  <a:rPr lang="es-MX" dirty="0"/>
+                  <a:t> pueden depender de otra variable (</a:t>
+                </a:r>
+                <a14:m>
+                  <m:oMath xmlns:m="http://schemas.openxmlformats.org/officeDocument/2006/math">
+                    <m:sSub>
+                      <m:sSubPr>
+                        <m:ctrlPr>
+                          <a:rPr lang="es-MX" b="0" i="1" smtClean="0">
+                            <a:latin typeface="Cambria Math" panose="02040503050406030204" pitchFamily="18" charset="0"/>
+                          </a:rPr>
+                        </m:ctrlPr>
+                      </m:sSubPr>
+                      <m:e>
+                        <m:r>
+                          <a:rPr lang="es-MX" b="0" i="1" smtClean="0">
+                            <a:latin typeface="Cambria Math" panose="02040503050406030204" pitchFamily="18" charset="0"/>
+                          </a:rPr>
+                          <m:t>𝑋</m:t>
+                        </m:r>
+                      </m:e>
+                      <m:sub>
+                        <m:r>
+                          <a:rPr lang="es-MX" b="0" i="1" smtClean="0">
+                            <a:latin typeface="Cambria Math" panose="02040503050406030204" pitchFamily="18" charset="0"/>
+                          </a:rPr>
+                          <m:t>2</m:t>
+                        </m:r>
+                      </m:sub>
+                    </m:sSub>
+                  </m:oMath>
+                </a14:m>
+                <a:r>
+                  <a:rPr lang="es-MX" dirty="0"/>
+                  <a:t>).</a:t>
+                </a:r>
+              </a:p>
+              <a:p>
+                <a:pPr marL="285750" indent="-285750">
+                  <a:spcAft>
+                    <a:spcPts val="1200"/>
+                  </a:spcAft>
+                  <a:buFont typeface="Wingdings" panose="05000000000000000000" pitchFamily="2" charset="2"/>
+                  <a:buChar char="§"/>
+                </a:pPr>
+                <a:r>
+                  <a:rPr lang="es-MX" dirty="0"/>
+                  <a:t>Podría pasar que sumar horas de trabajo remunerado tuviese un efecto distinto para mujeres y varones.</a:t>
+                </a:r>
+              </a:p>
+              <a:p>
+                <a:pPr marL="285750" indent="-285750">
+                  <a:spcAft>
+                    <a:spcPts val="1200"/>
+                  </a:spcAft>
+                  <a:buFont typeface="Wingdings" panose="05000000000000000000" pitchFamily="2" charset="2"/>
+                  <a:buChar char="§"/>
+                </a:pPr>
+                <a:r>
+                  <a:rPr lang="es-MX" dirty="0"/>
+                  <a:t>Con solo incorporar la variable sexo, sabemos que a igual cantidad de horas los varones ganan más. Pero podría suceder que la relación entre ambas variables fuese más compleja, y la diferencia se volviera más/menos pronunciada a medida que aumentan/disminuyen las horas trabajadas.</a:t>
+                </a:r>
+              </a:p>
+            </p:txBody>
+          </p:sp>
+        </mc:Choice>
+        <mc:Fallback xmlns="">
+          <p:sp>
+            <p:nvSpPr>
+              <p:cNvPr id="7" name="Google Shape;182;p31">
+                <a:extLst>
+                  <a:ext uri="{FF2B5EF4-FFF2-40B4-BE49-F238E27FC236}">
+                    <a16:creationId xmlns:a16="http://schemas.microsoft.com/office/drawing/2014/main" id="{3C23CEED-6DAE-4156-A93D-4E4151381AA7}"/>
+                  </a:ext>
+                </a:extLst>
+              </p:cNvPr>
+              <p:cNvSpPr txBox="1">
+                <a:spLocks noRot="1" noChangeAspect="1" noMove="1" noResize="1" noEditPoints="1" noAdjustHandles="1" noChangeArrowheads="1" noChangeShapeType="1" noTextEdit="1"/>
+              </p:cNvSpPr>
+              <p:nvPr/>
+            </p:nvSpPr>
+            <p:spPr>
+              <a:xfrm>
+                <a:off x="311699" y="1152474"/>
+                <a:ext cx="8435062" cy="3644377"/>
+              </a:xfrm>
+              <a:prstGeom prst="rect">
+                <a:avLst/>
+              </a:prstGeom>
+              <a:blipFill>
+                <a:blip r:embed="rId4"/>
+                <a:stretch>
+                  <a:fillRect l="-434" r="-723"/>
+                </a:stretch>
+              </a:blipFill>
+              <a:ln>
+                <a:noFill/>
+              </a:ln>
+            </p:spPr>
+            <p:txBody>
+              <a:bodyPr/>
+              <a:lstStyle/>
+              <a:p>
+                <a:r>
+                  <a:rPr lang="es-AR">
+                    <a:noFill/>
+                  </a:rPr>
+                  <a:t> </a:t>
+                </a:r>
+              </a:p>
+            </p:txBody>
+          </p:sp>
+        </mc:Fallback>
+      </mc:AlternateContent>
+    </p:spTree>
+  </p:cSld>
+  <p:clrMapOvr>
+    <a:masterClrMapping/>
+  </p:clrMapOvr>
+</p:sld>
+</file>
+
+<file path=ppt/slides/slide21.xml><?xml version="1.0" encoding="utf-8"?>
+<p:sld xmlns:a="http://schemas.openxmlformats.org/drawingml/2006/main" xmlns:r="http://schemas.openxmlformats.org/officeDocument/2006/relationships" xmlns:p="http://schemas.openxmlformats.org/presentationml/2006/main">
+  <p:cSld>
+    <p:spTree>
+      <p:nvGrpSpPr>
         <p:cNvPr id="1" name="Shape 152"/>
         <p:cNvGrpSpPr/>
         <p:nvPr/>
@@ -17296,8 +18069,8 @@
           </a:p>
         </p:txBody>
       </p:sp>
-      <mc:AlternateContent xmlns:mc="http://schemas.openxmlformats.org/markup-compatibility/2006">
-        <mc:Choice xmlns:a14="http://schemas.microsoft.com/office/drawing/2010/main" Requires="a14">
+      <mc:AlternateContent xmlns:mc="http://schemas.openxmlformats.org/markup-compatibility/2006" xmlns:a14="http://schemas.microsoft.com/office/drawing/2010/main">
+        <mc:Choice Requires="a14">
           <p:sp>
             <p:nvSpPr>
               <p:cNvPr id="6" name="Google Shape;182;p31">
@@ -17858,13 +18631,7 @@
                       <a:rPr lang="es-MX" b="0" i="1" smtClean="0">
                         <a:latin typeface="Cambria Math" panose="02040503050406030204" pitchFamily="18" charset="0"/>
                       </a:rPr>
-                      <m:t>=</m:t>
-                    </m:r>
-                    <m:r>
-                      <a:rPr lang="es-MX" b="0" i="1" smtClean="0">
-                        <a:latin typeface="Cambria Math" panose="02040503050406030204" pitchFamily="18" charset="0"/>
-                      </a:rPr>
-                      <m:t>0</m:t>
+                      <m:t>=0</m:t>
                     </m:r>
                   </m:oMath>
                 </a14:m>
@@ -18024,7 +18791,7 @@
             </p:txBody>
           </p:sp>
         </mc:Choice>
-        <mc:Fallback>
+        <mc:Fallback xmlns="">
           <p:sp>
             <p:nvSpPr>
               <p:cNvPr id="6" name="Google Shape;182;p31">
@@ -18110,8 +18877,8 @@
           </a:fontRef>
         </p:style>
       </p:cxnSp>
-      <mc:AlternateContent xmlns:mc="http://schemas.openxmlformats.org/markup-compatibility/2006">
-        <mc:Choice xmlns:a14="http://schemas.microsoft.com/office/drawing/2010/main" Requires="a14">
+      <mc:AlternateContent xmlns:mc="http://schemas.openxmlformats.org/markup-compatibility/2006" xmlns:a14="http://schemas.microsoft.com/office/drawing/2010/main">
+        <mc:Choice Requires="a14">
           <p:sp>
             <p:nvSpPr>
               <p:cNvPr id="13" name="CuadroTexto 12">
@@ -18183,7 +18950,7 @@
             </p:txBody>
           </p:sp>
         </mc:Choice>
-        <mc:Fallback>
+        <mc:Fallback xmlns="">
           <p:sp>
             <p:nvSpPr>
               <p:cNvPr id="13" name="CuadroTexto 12">
@@ -18228,8 +18995,8 @@
           </p:sp>
         </mc:Fallback>
       </mc:AlternateContent>
-      <mc:AlternateContent xmlns:mc="http://schemas.openxmlformats.org/markup-compatibility/2006">
-        <mc:Choice xmlns:a14="http://schemas.microsoft.com/office/drawing/2010/main" Requires="a14">
+      <mc:AlternateContent xmlns:mc="http://schemas.openxmlformats.org/markup-compatibility/2006" xmlns:a14="http://schemas.microsoft.com/office/drawing/2010/main">
+        <mc:Choice Requires="a14">
           <p:sp>
             <p:nvSpPr>
               <p:cNvPr id="11" name="CuadroTexto 10">
@@ -18371,7 +19138,7 @@
             </p:txBody>
           </p:sp>
         </mc:Choice>
-        <mc:Fallback>
+        <mc:Fallback xmlns="">
           <p:sp>
             <p:nvSpPr>
               <p:cNvPr id="11" name="CuadroTexto 10">
@@ -18455,8 +19222,8 @@
           </a:fontRef>
         </p:style>
       </p:cxnSp>
-      <mc:AlternateContent xmlns:mc="http://schemas.openxmlformats.org/markup-compatibility/2006">
-        <mc:Choice xmlns:a14="http://schemas.microsoft.com/office/drawing/2010/main" Requires="a14">
+      <mc:AlternateContent xmlns:mc="http://schemas.openxmlformats.org/markup-compatibility/2006" xmlns:a14="http://schemas.microsoft.com/office/drawing/2010/main">
+        <mc:Choice Requires="a14">
           <p:sp>
             <p:nvSpPr>
               <p:cNvPr id="14" name="CuadroTexto 13">
@@ -18608,7 +19375,7 @@
             </p:txBody>
           </p:sp>
         </mc:Choice>
-        <mc:Fallback>
+        <mc:Fallback xmlns="">
           <p:sp>
             <p:nvSpPr>
               <p:cNvPr id="14" name="CuadroTexto 13">
@@ -18653,8 +19420,8 @@
           </p:sp>
         </mc:Fallback>
       </mc:AlternateContent>
-      <mc:AlternateContent xmlns:mc="http://schemas.openxmlformats.org/markup-compatibility/2006">
-        <mc:Choice xmlns:a14="http://schemas.microsoft.com/office/drawing/2010/main" Requires="a14">
+      <mc:AlternateContent xmlns:mc="http://schemas.openxmlformats.org/markup-compatibility/2006" xmlns:a14="http://schemas.microsoft.com/office/drawing/2010/main">
+        <mc:Choice Requires="a14">
           <p:sp>
             <p:nvSpPr>
               <p:cNvPr id="15" name="CuadroTexto 14">
@@ -18759,7 +19526,7 @@
             </p:txBody>
           </p:sp>
         </mc:Choice>
-        <mc:Fallback>
+        <mc:Fallback xmlns="">
           <p:sp>
             <p:nvSpPr>
               <p:cNvPr id="15" name="CuadroTexto 14">
@@ -18861,7 +19628,7 @@
 </p:sld>
 </file>
 
-<file path=ppt/slides/slide21.xml><?xml version="1.0" encoding="utf-8"?>
+<file path=ppt/slides/slide22.xml><?xml version="1.0" encoding="utf-8"?>
 <p:sld xmlns:a="http://schemas.openxmlformats.org/drawingml/2006/main" xmlns:r="http://schemas.openxmlformats.org/officeDocument/2006/relationships" xmlns:p="http://schemas.openxmlformats.org/presentationml/2006/main">
   <p:cSld>
     <p:spTree>
@@ -18944,7 +19711,7 @@
 </p:sld>
 </file>
 
-<file path=ppt/slides/slide22.xml><?xml version="1.0" encoding="utf-8"?>
+<file path=ppt/slides/slide23.xml><?xml version="1.0" encoding="utf-8"?>
 <p:sld xmlns:a="http://schemas.openxmlformats.org/drawingml/2006/main" xmlns:r="http://schemas.openxmlformats.org/officeDocument/2006/relationships" xmlns:p="http://schemas.openxmlformats.org/presentationml/2006/main">
   <p:cSld>
     <p:spTree>
@@ -18961,8 +19728,8 @@
           <a:chExt cx="0" cy="0"/>
         </a:xfrm>
       </p:grpSpPr>
-      <mc:AlternateContent xmlns:mc="http://schemas.openxmlformats.org/markup-compatibility/2006">
-        <mc:Choice xmlns:a14="http://schemas.microsoft.com/office/drawing/2010/main" Requires="a14">
+      <mc:AlternateContent xmlns:mc="http://schemas.openxmlformats.org/markup-compatibility/2006" xmlns:a14="http://schemas.microsoft.com/office/drawing/2010/main">
+        <mc:Choice Requires="a14">
           <p:sp>
             <p:nvSpPr>
               <p:cNvPr id="6" name="Google Shape;182;p31">
@@ -19139,7 +19906,7 @@
             </p:txBody>
           </p:sp>
         </mc:Choice>
-        <mc:Fallback>
+        <mc:Fallback xmlns="">
           <p:sp>
             <p:nvSpPr>
               <p:cNvPr id="6" name="Google Shape;182;p31">
@@ -19186,8 +19953,8 @@
           </p:sp>
         </mc:Fallback>
       </mc:AlternateContent>
-      <mc:AlternateContent xmlns:mc="http://schemas.openxmlformats.org/markup-compatibility/2006">
-        <mc:Choice xmlns:a14="http://schemas.microsoft.com/office/drawing/2010/main" Requires="a14">
+      <mc:AlternateContent xmlns:mc="http://schemas.openxmlformats.org/markup-compatibility/2006" xmlns:a14="http://schemas.microsoft.com/office/drawing/2010/main">
+        <mc:Choice Requires="a14">
           <p:sp>
             <p:nvSpPr>
               <p:cNvPr id="153" name="Google Shape;153;p27"/>
@@ -19245,7 +20012,7 @@
             </p:txBody>
           </p:sp>
         </mc:Choice>
-        <mc:Fallback>
+        <mc:Fallback xmlns="">
           <p:sp>
             <p:nvSpPr>
               <p:cNvPr id="153" name="Google Shape;153;p27"/>
@@ -19286,8 +20053,8 @@
           </p:sp>
         </mc:Fallback>
       </mc:AlternateContent>
-      <mc:AlternateContent xmlns:mc="http://schemas.openxmlformats.org/markup-compatibility/2006">
-        <mc:Choice xmlns:a14="http://schemas.microsoft.com/office/drawing/2010/main" Requires="a14">
+      <mc:AlternateContent xmlns:mc="http://schemas.openxmlformats.org/markup-compatibility/2006" xmlns:a14="http://schemas.microsoft.com/office/drawing/2010/main">
+        <mc:Choice Requires="a14">
           <p:sp>
             <p:nvSpPr>
               <p:cNvPr id="3" name="CuadroTexto 2">
@@ -19402,16 +20169,7 @@
                         </a:solidFill>
                         <a:latin typeface="Cambria Math" panose="02040503050406030204" pitchFamily="18" charset="0"/>
                       </a:rPr>
-                      <m:t>=0</m:t>
-                    </m:r>
-                    <m:r>
-                      <a:rPr lang="es-MX" sz="1600" b="0" i="1" smtClean="0">
-                        <a:solidFill>
-                          <a:schemeClr val="accent3"/>
-                        </a:solidFill>
-                        <a:latin typeface="Cambria Math" panose="02040503050406030204" pitchFamily="18" charset="0"/>
-                      </a:rPr>
-                      <m:t> ∀</m:t>
+                      <m:t>=0 ∀</m:t>
                     </m:r>
                     <m:r>
                       <a:rPr lang="es-MX" sz="1600" b="0" i="1" smtClean="0">
@@ -19437,7 +20195,7 @@
             </p:txBody>
           </p:sp>
         </mc:Choice>
-        <mc:Fallback>
+        <mc:Fallback xmlns="">
           <p:sp>
             <p:nvSpPr>
               <p:cNvPr id="3" name="CuadroTexto 2">
@@ -19482,8 +20240,8 @@
           </p:sp>
         </mc:Fallback>
       </mc:AlternateContent>
-      <mc:AlternateContent xmlns:mc="http://schemas.openxmlformats.org/markup-compatibility/2006">
-        <mc:Choice xmlns:a14="http://schemas.microsoft.com/office/drawing/2010/main" Requires="a14">
+      <mc:AlternateContent xmlns:mc="http://schemas.openxmlformats.org/markup-compatibility/2006" xmlns:a14="http://schemas.microsoft.com/office/drawing/2010/main">
+        <mc:Choice Requires="a14">
           <p:sp>
             <p:nvSpPr>
               <p:cNvPr id="21" name="CuadroTexto 20">
@@ -19651,7 +20409,7 @@
             </p:txBody>
           </p:sp>
         </mc:Choice>
-        <mc:Fallback>
+        <mc:Fallback xmlns="">
           <p:sp>
             <p:nvSpPr>
               <p:cNvPr id="21" name="CuadroTexto 20">
@@ -19709,7 +20467,7 @@
 </p:sld>
 </file>
 
-<file path=ppt/slides/slide23.xml><?xml version="1.0" encoding="utf-8"?>
+<file path=ppt/slides/slide24.xml><?xml version="1.0" encoding="utf-8"?>
 <p:sld xmlns:a="http://schemas.openxmlformats.org/drawingml/2006/main" xmlns:r="http://schemas.openxmlformats.org/officeDocument/2006/relationships" xmlns:p="http://schemas.openxmlformats.org/presentationml/2006/main">
   <p:cSld>
     <p:spTree>
@@ -19780,7 +20538,7 @@
 </p:sld>
 </file>
 
-<file path=ppt/slides/slide24.xml><?xml version="1.0" encoding="utf-8"?>
+<file path=ppt/slides/slide25.xml><?xml version="1.0" encoding="utf-8"?>
 <p:sld xmlns:a="http://schemas.openxmlformats.org/drawingml/2006/main" xmlns:r="http://schemas.openxmlformats.org/officeDocument/2006/relationships" xmlns:p="http://schemas.openxmlformats.org/presentationml/2006/main">
   <p:cSld>
     <p:spTree>
@@ -19947,8 +20705,8 @@
           </a:p>
         </p:txBody>
       </p:sp>
-      <mc:AlternateContent xmlns:mc="http://schemas.openxmlformats.org/markup-compatibility/2006">
-        <mc:Choice xmlns:a14="http://schemas.microsoft.com/office/drawing/2010/main" Requires="a14">
+      <mc:AlternateContent xmlns:mc="http://schemas.openxmlformats.org/markup-compatibility/2006" xmlns:a14="http://schemas.microsoft.com/office/drawing/2010/main">
+        <mc:Choice Requires="a14">
           <p:sp>
             <p:nvSpPr>
               <p:cNvPr id="153" name="Google Shape;153;p27"/>
@@ -20026,7 +20784,7 @@
             </p:txBody>
           </p:sp>
         </mc:Choice>
-        <mc:Fallback>
+        <mc:Fallback xmlns="">
           <p:sp>
             <p:nvSpPr>
               <p:cNvPr id="153" name="Google Shape;153;p27"/>
@@ -20080,7 +20838,7 @@
 </p:sld>
 </file>
 
-<file path=ppt/slides/slide25.xml><?xml version="1.0" encoding="utf-8"?>
+<file path=ppt/slides/slide26.xml><?xml version="1.0" encoding="utf-8"?>
 <p:sld xmlns:a="http://schemas.openxmlformats.org/drawingml/2006/main" xmlns:r="http://schemas.openxmlformats.org/officeDocument/2006/relationships" xmlns:p="http://schemas.openxmlformats.org/presentationml/2006/main">
   <p:cSld>
     <p:spTree>
@@ -20097,8 +20855,8 @@
           <a:chExt cx="0" cy="0"/>
         </a:xfrm>
       </p:grpSpPr>
-      <mc:AlternateContent xmlns:mc="http://schemas.openxmlformats.org/markup-compatibility/2006">
-        <mc:Choice xmlns:a14="http://schemas.microsoft.com/office/drawing/2010/main" Requires="a14">
+      <mc:AlternateContent xmlns:mc="http://schemas.openxmlformats.org/markup-compatibility/2006" xmlns:a14="http://schemas.microsoft.com/office/drawing/2010/main">
+        <mc:Choice Requires="a14">
           <p:sp>
             <p:nvSpPr>
               <p:cNvPr id="262" name="Google Shape;262;p45"/>
@@ -20199,7 +20957,7 @@
             </p:txBody>
           </p:sp>
         </mc:Choice>
-        <mc:Fallback>
+        <mc:Fallback xmlns="">
           <p:sp>
             <p:nvSpPr>
               <p:cNvPr id="262" name="Google Shape;262;p45"/>
@@ -20248,7 +21006,7 @@
 </p:sld>
 </file>
 
-<file path=ppt/slides/slide26.xml><?xml version="1.0" encoding="utf-8"?>
+<file path=ppt/slides/slide27.xml><?xml version="1.0" encoding="utf-8"?>
 <p:sld xmlns:a="http://schemas.openxmlformats.org/drawingml/2006/main" xmlns:r="http://schemas.openxmlformats.org/officeDocument/2006/relationships" xmlns:p="http://schemas.openxmlformats.org/presentationml/2006/main">
   <p:cSld>
     <p:spTree>
@@ -20265,8 +21023,8 @@
           <a:chExt cx="0" cy="0"/>
         </a:xfrm>
       </p:grpSpPr>
-      <mc:AlternateContent xmlns:mc="http://schemas.openxmlformats.org/markup-compatibility/2006">
-        <mc:Choice xmlns:a14="http://schemas.microsoft.com/office/drawing/2010/main" Requires="a14">
+      <mc:AlternateContent xmlns:mc="http://schemas.openxmlformats.org/markup-compatibility/2006" xmlns:a14="http://schemas.microsoft.com/office/drawing/2010/main">
+        <mc:Choice Requires="a14">
           <p:sp>
             <p:nvSpPr>
               <p:cNvPr id="6" name="Google Shape;182;p31">
@@ -20667,7 +21425,7 @@
             </p:txBody>
           </p:sp>
         </mc:Choice>
-        <mc:Fallback>
+        <mc:Fallback xmlns="">
           <p:sp>
             <p:nvSpPr>
               <p:cNvPr id="6" name="Google Shape;182;p31">
@@ -20825,7 +21583,7 @@
 </p:sld>
 </file>
 
-<file path=ppt/slides/slide27.xml><?xml version="1.0" encoding="utf-8"?>
+<file path=ppt/slides/slide28.xml><?xml version="1.0" encoding="utf-8"?>
 <p:sld xmlns:a="http://schemas.openxmlformats.org/drawingml/2006/main" xmlns:r="http://schemas.openxmlformats.org/officeDocument/2006/relationships" xmlns:p="http://schemas.openxmlformats.org/presentationml/2006/main">
   <p:cSld>
     <p:spTree>
@@ -20892,7 +21650,7 @@
 </p:sld>
 </file>
 
-<file path=ppt/slides/slide28.xml><?xml version="1.0" encoding="utf-8"?>
+<file path=ppt/slides/slide29.xml><?xml version="1.0" encoding="utf-8"?>
 <p:sld xmlns:a="http://schemas.openxmlformats.org/drawingml/2006/main" xmlns:r="http://schemas.openxmlformats.org/officeDocument/2006/relationships" xmlns:p="http://schemas.openxmlformats.org/presentationml/2006/main">
   <p:cSld>
     <p:spTree>
@@ -20921,7 +21679,7 @@
         </p:nvSpPr>
         <p:spPr>
           <a:xfrm>
-            <a:off x="311700" y="445025"/>
+            <a:off x="311700" y="156100"/>
             <a:ext cx="8520600" cy="572700"/>
           </a:xfrm>
           <a:prstGeom prst="rect">
@@ -20975,7 +21733,7 @@
         </p:nvSpPr>
         <p:spPr>
           <a:xfrm>
-            <a:off x="311700" y="1152475"/>
+            <a:off x="311700" y="728800"/>
             <a:ext cx="8520600" cy="3416400"/>
           </a:xfrm>
           <a:prstGeom prst="rect">
@@ -21074,6 +21832,1065 @@
           </a:p>
         </p:txBody>
       </p:sp>
+      <p:sp>
+        <p:nvSpPr>
+          <p:cNvPr id="4" name="Rectángulo: esquinas redondeadas 3">
+            <a:extLst>
+              <a:ext uri="{FF2B5EF4-FFF2-40B4-BE49-F238E27FC236}">
+                <a16:creationId xmlns:a16="http://schemas.microsoft.com/office/drawing/2014/main" id="{C145B3FB-7342-4E71-9BFC-E11EAF6C5DF5}"/>
+              </a:ext>
+            </a:extLst>
+          </p:cNvPr>
+          <p:cNvSpPr/>
+          <p:nvPr/>
+        </p:nvSpPr>
+        <p:spPr>
+          <a:xfrm>
+            <a:off x="3290341" y="1723993"/>
+            <a:ext cx="1828800" cy="457200"/>
+          </a:xfrm>
+          <a:prstGeom prst="roundRect">
+            <a:avLst/>
+          </a:prstGeom>
+          <a:noFill/>
+          <a:ln w="12700">
+            <a:solidFill>
+              <a:schemeClr val="accent4"/>
+            </a:solidFill>
+          </a:ln>
+        </p:spPr>
+        <p:style>
+          <a:lnRef idx="2">
+            <a:schemeClr val="accent1">
+              <a:shade val="50000"/>
+            </a:schemeClr>
+          </a:lnRef>
+          <a:fillRef idx="1">
+            <a:schemeClr val="accent1"/>
+          </a:fillRef>
+          <a:effectRef idx="0">
+            <a:schemeClr val="accent1"/>
+          </a:effectRef>
+          <a:fontRef idx="minor">
+            <a:schemeClr val="lt1"/>
+          </a:fontRef>
+        </p:style>
+        <p:txBody>
+          <a:bodyPr rtlCol="0" anchor="ctr"/>
+          <a:lstStyle/>
+          <a:p>
+            <a:pPr algn="ctr"/>
+            <a:r>
+              <a:rPr lang="es-MX" dirty="0">
+                <a:solidFill>
+                  <a:schemeClr val="accent2"/>
+                </a:solidFill>
+                <a:latin typeface="Proxima Nova" panose="020B0604020202020204" charset="0"/>
+              </a:rPr>
+              <a:t>Aprendizaje supervisado</a:t>
+            </a:r>
+            <a:endParaRPr lang="es-AR" dirty="0">
+              <a:solidFill>
+                <a:schemeClr val="accent2"/>
+              </a:solidFill>
+              <a:latin typeface="Proxima Nova" panose="020B0604020202020204" charset="0"/>
+            </a:endParaRPr>
+          </a:p>
+        </p:txBody>
+      </p:sp>
+      <p:sp>
+        <p:nvSpPr>
+          <p:cNvPr id="5" name="Rectángulo: esquinas redondeadas 4">
+            <a:extLst>
+              <a:ext uri="{FF2B5EF4-FFF2-40B4-BE49-F238E27FC236}">
+                <a16:creationId xmlns:a16="http://schemas.microsoft.com/office/drawing/2014/main" id="{FB632E5A-4EC9-41C2-BBFC-9766265C44FE}"/>
+              </a:ext>
+            </a:extLst>
+          </p:cNvPr>
+          <p:cNvSpPr/>
+          <p:nvPr/>
+        </p:nvSpPr>
+        <p:spPr>
+          <a:xfrm>
+            <a:off x="1176728" y="2438545"/>
+            <a:ext cx="1828800" cy="457200"/>
+          </a:xfrm>
+          <a:prstGeom prst="roundRect">
+            <a:avLst/>
+          </a:prstGeom>
+          <a:noFill/>
+          <a:ln w="12700">
+            <a:solidFill>
+              <a:schemeClr val="accent4"/>
+            </a:solidFill>
+          </a:ln>
+        </p:spPr>
+        <p:style>
+          <a:lnRef idx="2">
+            <a:schemeClr val="accent1">
+              <a:shade val="50000"/>
+            </a:schemeClr>
+          </a:lnRef>
+          <a:fillRef idx="1">
+            <a:schemeClr val="accent1"/>
+          </a:fillRef>
+          <a:effectRef idx="0">
+            <a:schemeClr val="accent1"/>
+          </a:effectRef>
+          <a:fontRef idx="minor">
+            <a:schemeClr val="lt1"/>
+          </a:fontRef>
+        </p:style>
+        <p:txBody>
+          <a:bodyPr rtlCol="0" anchor="ctr"/>
+          <a:lstStyle/>
+          <a:p>
+            <a:pPr algn="ctr"/>
+            <a:r>
+              <a:rPr lang="es-MX" dirty="0">
+                <a:solidFill>
+                  <a:schemeClr val="accent2"/>
+                </a:solidFill>
+                <a:latin typeface="Proxima Nova" panose="020B0604020202020204" charset="0"/>
+              </a:rPr>
+              <a:t>Regresión</a:t>
+            </a:r>
+            <a:endParaRPr lang="es-AR" dirty="0">
+              <a:solidFill>
+                <a:schemeClr val="accent2"/>
+              </a:solidFill>
+              <a:latin typeface="Proxima Nova" panose="020B0604020202020204" charset="0"/>
+            </a:endParaRPr>
+          </a:p>
+        </p:txBody>
+      </p:sp>
+      <p:sp>
+        <p:nvSpPr>
+          <p:cNvPr id="6" name="Rectángulo: esquinas redondeadas 5">
+            <a:extLst>
+              <a:ext uri="{FF2B5EF4-FFF2-40B4-BE49-F238E27FC236}">
+                <a16:creationId xmlns:a16="http://schemas.microsoft.com/office/drawing/2014/main" id="{E47F4ABD-0674-4258-A285-FBF3C6E93617}"/>
+              </a:ext>
+            </a:extLst>
+          </p:cNvPr>
+          <p:cNvSpPr/>
+          <p:nvPr/>
+        </p:nvSpPr>
+        <p:spPr>
+          <a:xfrm>
+            <a:off x="4204741" y="2437608"/>
+            <a:ext cx="1828800" cy="457200"/>
+          </a:xfrm>
+          <a:prstGeom prst="roundRect">
+            <a:avLst/>
+          </a:prstGeom>
+          <a:noFill/>
+          <a:ln w="12700">
+            <a:solidFill>
+              <a:schemeClr val="accent4"/>
+            </a:solidFill>
+          </a:ln>
+        </p:spPr>
+        <p:style>
+          <a:lnRef idx="2">
+            <a:schemeClr val="accent1">
+              <a:shade val="50000"/>
+            </a:schemeClr>
+          </a:lnRef>
+          <a:fillRef idx="1">
+            <a:schemeClr val="accent1"/>
+          </a:fillRef>
+          <a:effectRef idx="0">
+            <a:schemeClr val="accent1"/>
+          </a:effectRef>
+          <a:fontRef idx="minor">
+            <a:schemeClr val="lt1"/>
+          </a:fontRef>
+        </p:style>
+        <p:txBody>
+          <a:bodyPr rtlCol="0" anchor="ctr"/>
+          <a:lstStyle/>
+          <a:p>
+            <a:pPr algn="ctr"/>
+            <a:r>
+              <a:rPr lang="es-MX" dirty="0">
+                <a:solidFill>
+                  <a:schemeClr val="accent2"/>
+                </a:solidFill>
+                <a:latin typeface="Proxima Nova" panose="020B0604020202020204" charset="0"/>
+              </a:rPr>
+              <a:t>Clasificación</a:t>
+            </a:r>
+            <a:endParaRPr lang="es-AR" dirty="0">
+              <a:solidFill>
+                <a:schemeClr val="accent2"/>
+              </a:solidFill>
+              <a:latin typeface="Proxima Nova" panose="020B0604020202020204" charset="0"/>
+            </a:endParaRPr>
+          </a:p>
+        </p:txBody>
+      </p:sp>
+      <p:sp>
+        <p:nvSpPr>
+          <p:cNvPr id="7" name="Hexágono 6">
+            <a:extLst>
+              <a:ext uri="{FF2B5EF4-FFF2-40B4-BE49-F238E27FC236}">
+                <a16:creationId xmlns:a16="http://schemas.microsoft.com/office/drawing/2014/main" id="{B4A15687-AEF3-4D6D-8F47-03315C779737}"/>
+              </a:ext>
+            </a:extLst>
+          </p:cNvPr>
+          <p:cNvSpPr/>
+          <p:nvPr/>
+        </p:nvSpPr>
+        <p:spPr>
+          <a:xfrm>
+            <a:off x="1054011" y="3269424"/>
+            <a:ext cx="1008000" cy="720000"/>
+          </a:xfrm>
+          <a:prstGeom prst="hexagon">
+            <a:avLst/>
+          </a:prstGeom>
+          <a:noFill/>
+          <a:ln w="12700">
+            <a:solidFill>
+              <a:srgbClr val="999999"/>
+            </a:solidFill>
+          </a:ln>
+        </p:spPr>
+        <p:style>
+          <a:lnRef idx="2">
+            <a:schemeClr val="accent1">
+              <a:shade val="50000"/>
+            </a:schemeClr>
+          </a:lnRef>
+          <a:fillRef idx="1">
+            <a:schemeClr val="accent1"/>
+          </a:fillRef>
+          <a:effectRef idx="0">
+            <a:schemeClr val="accent1"/>
+          </a:effectRef>
+          <a:fontRef idx="minor">
+            <a:schemeClr val="lt1"/>
+          </a:fontRef>
+        </p:style>
+        <p:txBody>
+          <a:bodyPr rtlCol="0" anchor="ctr"/>
+          <a:lstStyle/>
+          <a:p>
+            <a:pPr algn="ctr"/>
+            <a:r>
+              <a:rPr lang="es-MX" sz="1050" dirty="0">
+                <a:solidFill>
+                  <a:schemeClr val="accent2"/>
+                </a:solidFill>
+                <a:latin typeface="Proxima Nova" panose="020B0604020202020204" charset="0"/>
+              </a:rPr>
+              <a:t>Simple</a:t>
+            </a:r>
+            <a:endParaRPr lang="es-AR" sz="1050" dirty="0">
+              <a:solidFill>
+                <a:schemeClr val="accent2"/>
+              </a:solidFill>
+              <a:latin typeface="Proxima Nova" panose="020B0604020202020204" charset="0"/>
+            </a:endParaRPr>
+          </a:p>
+        </p:txBody>
+      </p:sp>
+      <p:sp>
+        <p:nvSpPr>
+          <p:cNvPr id="8" name="Hexágono 7">
+            <a:extLst>
+              <a:ext uri="{FF2B5EF4-FFF2-40B4-BE49-F238E27FC236}">
+                <a16:creationId xmlns:a16="http://schemas.microsoft.com/office/drawing/2014/main" id="{3BF65DD4-EAEA-4B1C-BBF0-5A68EE730321}"/>
+              </a:ext>
+            </a:extLst>
+          </p:cNvPr>
+          <p:cNvSpPr/>
+          <p:nvPr/>
+        </p:nvSpPr>
+        <p:spPr>
+          <a:xfrm>
+            <a:off x="2124945" y="3269424"/>
+            <a:ext cx="1008000" cy="720000"/>
+          </a:xfrm>
+          <a:prstGeom prst="hexagon">
+            <a:avLst/>
+          </a:prstGeom>
+          <a:noFill/>
+          <a:ln w="12700">
+            <a:solidFill>
+              <a:schemeClr val="accent4"/>
+            </a:solidFill>
+          </a:ln>
+        </p:spPr>
+        <p:style>
+          <a:lnRef idx="2">
+            <a:schemeClr val="accent1">
+              <a:shade val="50000"/>
+            </a:schemeClr>
+          </a:lnRef>
+          <a:fillRef idx="1">
+            <a:schemeClr val="accent1"/>
+          </a:fillRef>
+          <a:effectRef idx="0">
+            <a:schemeClr val="accent1"/>
+          </a:effectRef>
+          <a:fontRef idx="minor">
+            <a:schemeClr val="lt1"/>
+          </a:fontRef>
+        </p:style>
+        <p:txBody>
+          <a:bodyPr rtlCol="0" anchor="ctr"/>
+          <a:lstStyle/>
+          <a:p>
+            <a:pPr algn="ctr"/>
+            <a:r>
+              <a:rPr lang="es-MX" sz="1050" dirty="0">
+                <a:solidFill>
+                  <a:schemeClr val="accent2"/>
+                </a:solidFill>
+                <a:latin typeface="Proxima Nova" panose="020B0604020202020204" charset="0"/>
+              </a:rPr>
+              <a:t>Múltiple</a:t>
+            </a:r>
+            <a:endParaRPr lang="es-AR" sz="1050" dirty="0">
+              <a:solidFill>
+                <a:schemeClr val="accent2"/>
+              </a:solidFill>
+              <a:latin typeface="Proxima Nova" panose="020B0604020202020204" charset="0"/>
+            </a:endParaRPr>
+          </a:p>
+        </p:txBody>
+      </p:sp>
+      <p:sp>
+        <p:nvSpPr>
+          <p:cNvPr id="9" name="Hexágono 8">
+            <a:extLst>
+              <a:ext uri="{FF2B5EF4-FFF2-40B4-BE49-F238E27FC236}">
+                <a16:creationId xmlns:a16="http://schemas.microsoft.com/office/drawing/2014/main" id="{8E3DFAA5-19CC-4E19-84AF-C732D5125847}"/>
+              </a:ext>
+            </a:extLst>
+          </p:cNvPr>
+          <p:cNvSpPr/>
+          <p:nvPr/>
+        </p:nvSpPr>
+        <p:spPr>
+          <a:xfrm>
+            <a:off x="3813168" y="4258723"/>
+            <a:ext cx="1087946" cy="720000"/>
+          </a:xfrm>
+          <a:prstGeom prst="hexagon">
+            <a:avLst/>
+          </a:prstGeom>
+          <a:noFill/>
+          <a:ln w="12700">
+            <a:solidFill>
+              <a:srgbClr val="999999"/>
+            </a:solidFill>
+          </a:ln>
+        </p:spPr>
+        <p:style>
+          <a:lnRef idx="2">
+            <a:schemeClr val="accent1">
+              <a:shade val="50000"/>
+            </a:schemeClr>
+          </a:lnRef>
+          <a:fillRef idx="1">
+            <a:schemeClr val="accent1"/>
+          </a:fillRef>
+          <a:effectRef idx="0">
+            <a:schemeClr val="accent1"/>
+          </a:effectRef>
+          <a:fontRef idx="minor">
+            <a:schemeClr val="lt1"/>
+          </a:fontRef>
+        </p:style>
+        <p:txBody>
+          <a:bodyPr rtlCol="0" anchor="ctr"/>
+          <a:lstStyle/>
+          <a:p>
+            <a:pPr algn="ctr"/>
+            <a:r>
+              <a:rPr lang="es-MX" sz="1050" dirty="0">
+                <a:solidFill>
+                  <a:schemeClr val="accent2"/>
+                </a:solidFill>
+                <a:latin typeface="Proxima Nova" panose="020B0604020202020204" charset="0"/>
+              </a:rPr>
+              <a:t>KNN</a:t>
+            </a:r>
+            <a:endParaRPr lang="es-AR" sz="1050" dirty="0">
+              <a:solidFill>
+                <a:schemeClr val="accent2"/>
+              </a:solidFill>
+              <a:latin typeface="Proxima Nova" panose="020B0604020202020204" charset="0"/>
+            </a:endParaRPr>
+          </a:p>
+        </p:txBody>
+      </p:sp>
+      <p:sp>
+        <p:nvSpPr>
+          <p:cNvPr id="10" name="Hexágono 9">
+            <a:extLst>
+              <a:ext uri="{FF2B5EF4-FFF2-40B4-BE49-F238E27FC236}">
+                <a16:creationId xmlns:a16="http://schemas.microsoft.com/office/drawing/2014/main" id="{3569D53F-B37E-4B91-8D03-20B641EEBBF9}"/>
+              </a:ext>
+            </a:extLst>
+          </p:cNvPr>
+          <p:cNvSpPr/>
+          <p:nvPr/>
+        </p:nvSpPr>
+        <p:spPr>
+          <a:xfrm>
+            <a:off x="5275378" y="4266840"/>
+            <a:ext cx="1087946" cy="720000"/>
+          </a:xfrm>
+          <a:prstGeom prst="hexagon">
+            <a:avLst/>
+          </a:prstGeom>
+          <a:noFill/>
+          <a:ln w="28575">
+            <a:solidFill>
+              <a:schemeClr val="tx2"/>
+            </a:solidFill>
+          </a:ln>
+        </p:spPr>
+        <p:style>
+          <a:lnRef idx="2">
+            <a:schemeClr val="accent1">
+              <a:shade val="50000"/>
+            </a:schemeClr>
+          </a:lnRef>
+          <a:fillRef idx="1">
+            <a:schemeClr val="accent1"/>
+          </a:fillRef>
+          <a:effectRef idx="0">
+            <a:schemeClr val="accent1"/>
+          </a:effectRef>
+          <a:fontRef idx="minor">
+            <a:schemeClr val="lt1"/>
+          </a:fontRef>
+        </p:style>
+        <p:txBody>
+          <a:bodyPr rtlCol="0" anchor="ctr"/>
+          <a:lstStyle/>
+          <a:p>
+            <a:pPr algn="ctr"/>
+            <a:r>
+              <a:rPr lang="es-MX" sz="1050" dirty="0">
+                <a:solidFill>
+                  <a:schemeClr val="accent2"/>
+                </a:solidFill>
+                <a:latin typeface="Proxima Nova" panose="020B0604020202020204" charset="0"/>
+              </a:rPr>
+              <a:t>Regresión logística</a:t>
+            </a:r>
+            <a:endParaRPr lang="es-AR" sz="1050" dirty="0">
+              <a:solidFill>
+                <a:schemeClr val="accent2"/>
+              </a:solidFill>
+              <a:latin typeface="Proxima Nova" panose="020B0604020202020204" charset="0"/>
+            </a:endParaRPr>
+          </a:p>
+        </p:txBody>
+      </p:sp>
+      <p:sp>
+        <p:nvSpPr>
+          <p:cNvPr id="11" name="Hexágono 10">
+            <a:extLst>
+              <a:ext uri="{FF2B5EF4-FFF2-40B4-BE49-F238E27FC236}">
+                <a16:creationId xmlns:a16="http://schemas.microsoft.com/office/drawing/2014/main" id="{224B2766-599F-4EDD-BB2E-66E05E651653}"/>
+              </a:ext>
+            </a:extLst>
+          </p:cNvPr>
+          <p:cNvSpPr/>
+          <p:nvPr/>
+        </p:nvSpPr>
+        <p:spPr>
+          <a:xfrm>
+            <a:off x="6403968" y="4266840"/>
+            <a:ext cx="1087946" cy="720000"/>
+          </a:xfrm>
+          <a:prstGeom prst="hexagon">
+            <a:avLst/>
+          </a:prstGeom>
+          <a:noFill/>
+          <a:ln w="12700">
+            <a:solidFill>
+              <a:schemeClr val="accent4"/>
+            </a:solidFill>
+          </a:ln>
+        </p:spPr>
+        <p:style>
+          <a:lnRef idx="2">
+            <a:schemeClr val="accent1">
+              <a:shade val="50000"/>
+            </a:schemeClr>
+          </a:lnRef>
+          <a:fillRef idx="1">
+            <a:schemeClr val="accent1"/>
+          </a:fillRef>
+          <a:effectRef idx="0">
+            <a:schemeClr val="accent1"/>
+          </a:effectRef>
+          <a:fontRef idx="minor">
+            <a:schemeClr val="lt1"/>
+          </a:fontRef>
+        </p:style>
+        <p:txBody>
+          <a:bodyPr rtlCol="0" anchor="ctr"/>
+          <a:lstStyle/>
+          <a:p>
+            <a:pPr algn="ctr"/>
+            <a:r>
+              <a:rPr lang="es-MX" sz="1050" dirty="0">
+                <a:solidFill>
+                  <a:schemeClr val="accent2"/>
+                </a:solidFill>
+                <a:latin typeface="Proxima Nova" panose="020B0604020202020204" charset="0"/>
+              </a:rPr>
+              <a:t>LDA</a:t>
+            </a:r>
+            <a:endParaRPr lang="es-AR" sz="1050" dirty="0">
+              <a:solidFill>
+                <a:schemeClr val="accent2"/>
+              </a:solidFill>
+              <a:latin typeface="Proxima Nova" panose="020B0604020202020204" charset="0"/>
+            </a:endParaRPr>
+          </a:p>
+        </p:txBody>
+      </p:sp>
+      <p:sp>
+        <p:nvSpPr>
+          <p:cNvPr id="12" name="Rectángulo: esquinas redondeadas 11">
+            <a:extLst>
+              <a:ext uri="{FF2B5EF4-FFF2-40B4-BE49-F238E27FC236}">
+                <a16:creationId xmlns:a16="http://schemas.microsoft.com/office/drawing/2014/main" id="{E6F16667-71CD-4624-95E1-607FBD7D6ACF}"/>
+              </a:ext>
+            </a:extLst>
+          </p:cNvPr>
+          <p:cNvSpPr/>
+          <p:nvPr/>
+        </p:nvSpPr>
+        <p:spPr>
+          <a:xfrm>
+            <a:off x="3442741" y="3534116"/>
+            <a:ext cx="1828800" cy="457200"/>
+          </a:xfrm>
+          <a:prstGeom prst="roundRect">
+            <a:avLst/>
+          </a:prstGeom>
+          <a:noFill/>
+          <a:ln w="12700">
+            <a:solidFill>
+              <a:schemeClr val="accent4"/>
+            </a:solidFill>
+          </a:ln>
+        </p:spPr>
+        <p:style>
+          <a:lnRef idx="2">
+            <a:schemeClr val="accent1">
+              <a:shade val="50000"/>
+            </a:schemeClr>
+          </a:lnRef>
+          <a:fillRef idx="1">
+            <a:schemeClr val="accent1"/>
+          </a:fillRef>
+          <a:effectRef idx="0">
+            <a:schemeClr val="accent1"/>
+          </a:effectRef>
+          <a:fontRef idx="minor">
+            <a:schemeClr val="lt1"/>
+          </a:fontRef>
+        </p:style>
+        <p:txBody>
+          <a:bodyPr rtlCol="0" anchor="ctr"/>
+          <a:lstStyle/>
+          <a:p>
+            <a:pPr algn="ctr"/>
+            <a:r>
+              <a:rPr lang="es-MX" dirty="0">
+                <a:solidFill>
+                  <a:schemeClr val="accent2"/>
+                </a:solidFill>
+                <a:latin typeface="Proxima Nova" panose="020B0604020202020204" charset="0"/>
+              </a:rPr>
+              <a:t>No paramétricos</a:t>
+            </a:r>
+            <a:endParaRPr lang="es-AR" dirty="0">
+              <a:solidFill>
+                <a:schemeClr val="accent2"/>
+              </a:solidFill>
+              <a:latin typeface="Proxima Nova" panose="020B0604020202020204" charset="0"/>
+            </a:endParaRPr>
+          </a:p>
+        </p:txBody>
+      </p:sp>
+      <p:sp>
+        <p:nvSpPr>
+          <p:cNvPr id="13" name="Rectángulo: esquinas redondeadas 12">
+            <a:extLst>
+              <a:ext uri="{FF2B5EF4-FFF2-40B4-BE49-F238E27FC236}">
+                <a16:creationId xmlns:a16="http://schemas.microsoft.com/office/drawing/2014/main" id="{F0C0A2D5-0C0B-4E99-BC5A-D714607EBEAC}"/>
+              </a:ext>
+            </a:extLst>
+          </p:cNvPr>
+          <p:cNvSpPr/>
+          <p:nvPr/>
+        </p:nvSpPr>
+        <p:spPr>
+          <a:xfrm>
+            <a:off x="5431437" y="3532224"/>
+            <a:ext cx="1828800" cy="457200"/>
+          </a:xfrm>
+          <a:prstGeom prst="roundRect">
+            <a:avLst/>
+          </a:prstGeom>
+          <a:noFill/>
+          <a:ln w="12700">
+            <a:solidFill>
+              <a:schemeClr val="accent4"/>
+            </a:solidFill>
+          </a:ln>
+        </p:spPr>
+        <p:style>
+          <a:lnRef idx="2">
+            <a:schemeClr val="accent1">
+              <a:shade val="50000"/>
+            </a:schemeClr>
+          </a:lnRef>
+          <a:fillRef idx="1">
+            <a:schemeClr val="accent1"/>
+          </a:fillRef>
+          <a:effectRef idx="0">
+            <a:schemeClr val="accent1"/>
+          </a:effectRef>
+          <a:fontRef idx="minor">
+            <a:schemeClr val="lt1"/>
+          </a:fontRef>
+        </p:style>
+        <p:txBody>
+          <a:bodyPr rtlCol="0" anchor="ctr"/>
+          <a:lstStyle/>
+          <a:p>
+            <a:pPr algn="ctr"/>
+            <a:r>
+              <a:rPr lang="es-MX" dirty="0">
+                <a:solidFill>
+                  <a:schemeClr val="accent2"/>
+                </a:solidFill>
+                <a:latin typeface="Proxima Nova" panose="020B0604020202020204" charset="0"/>
+              </a:rPr>
+              <a:t>Paramétricos</a:t>
+            </a:r>
+            <a:endParaRPr lang="es-AR" dirty="0">
+              <a:solidFill>
+                <a:schemeClr val="accent2"/>
+              </a:solidFill>
+              <a:latin typeface="Proxima Nova" panose="020B0604020202020204" charset="0"/>
+            </a:endParaRPr>
+          </a:p>
+        </p:txBody>
+      </p:sp>
+      <p:cxnSp>
+        <p:nvCxnSpPr>
+          <p:cNvPr id="14" name="Conector recto 13">
+            <a:extLst>
+              <a:ext uri="{FF2B5EF4-FFF2-40B4-BE49-F238E27FC236}">
+                <a16:creationId xmlns:a16="http://schemas.microsoft.com/office/drawing/2014/main" id="{E165C982-3D86-4661-A8BF-8DE48886B6E1}"/>
+              </a:ext>
+            </a:extLst>
+          </p:cNvPr>
+          <p:cNvCxnSpPr>
+            <a:stCxn id="5" idx="2"/>
+          </p:cNvCxnSpPr>
+          <p:nvPr/>
+        </p:nvCxnSpPr>
+        <p:spPr>
+          <a:xfrm flipH="1">
+            <a:off x="1558011" y="2895745"/>
+            <a:ext cx="533117" cy="373679"/>
+          </a:xfrm>
+          <a:prstGeom prst="line">
+            <a:avLst/>
+          </a:prstGeom>
+          <a:ln>
+            <a:solidFill>
+              <a:schemeClr val="accent4"/>
+            </a:solidFill>
+          </a:ln>
+        </p:spPr>
+        <p:style>
+          <a:lnRef idx="1">
+            <a:schemeClr val="accent1"/>
+          </a:lnRef>
+          <a:fillRef idx="0">
+            <a:schemeClr val="accent1"/>
+          </a:fillRef>
+          <a:effectRef idx="0">
+            <a:schemeClr val="accent1"/>
+          </a:effectRef>
+          <a:fontRef idx="minor">
+            <a:schemeClr val="tx1"/>
+          </a:fontRef>
+        </p:style>
+      </p:cxnSp>
+      <p:cxnSp>
+        <p:nvCxnSpPr>
+          <p:cNvPr id="15" name="Conector recto 14">
+            <a:extLst>
+              <a:ext uri="{FF2B5EF4-FFF2-40B4-BE49-F238E27FC236}">
+                <a16:creationId xmlns:a16="http://schemas.microsoft.com/office/drawing/2014/main" id="{5F94F15C-9794-4B1A-B648-4907956D0C58}"/>
+              </a:ext>
+            </a:extLst>
+          </p:cNvPr>
+          <p:cNvCxnSpPr>
+            <a:cxnSpLocks/>
+            <a:stCxn id="5" idx="2"/>
+          </p:cNvCxnSpPr>
+          <p:nvPr/>
+        </p:nvCxnSpPr>
+        <p:spPr>
+          <a:xfrm>
+            <a:off x="2091128" y="2895745"/>
+            <a:ext cx="547038" cy="373679"/>
+          </a:xfrm>
+          <a:prstGeom prst="line">
+            <a:avLst/>
+          </a:prstGeom>
+          <a:ln>
+            <a:solidFill>
+              <a:schemeClr val="accent4"/>
+            </a:solidFill>
+          </a:ln>
+        </p:spPr>
+        <p:style>
+          <a:lnRef idx="1">
+            <a:schemeClr val="accent1"/>
+          </a:lnRef>
+          <a:fillRef idx="0">
+            <a:schemeClr val="accent1"/>
+          </a:fillRef>
+          <a:effectRef idx="0">
+            <a:schemeClr val="accent1"/>
+          </a:effectRef>
+          <a:fontRef idx="minor">
+            <a:schemeClr val="tx1"/>
+          </a:fontRef>
+        </p:style>
+      </p:cxnSp>
+      <p:cxnSp>
+        <p:nvCxnSpPr>
+          <p:cNvPr id="16" name="Conector recto 15">
+            <a:extLst>
+              <a:ext uri="{FF2B5EF4-FFF2-40B4-BE49-F238E27FC236}">
+                <a16:creationId xmlns:a16="http://schemas.microsoft.com/office/drawing/2014/main" id="{2CB6318D-3F7F-4FAF-A4D3-33B8935422D3}"/>
+              </a:ext>
+            </a:extLst>
+          </p:cNvPr>
+          <p:cNvCxnSpPr>
+            <a:cxnSpLocks/>
+            <a:stCxn id="4" idx="2"/>
+            <a:endCxn id="5" idx="0"/>
+          </p:cNvCxnSpPr>
+          <p:nvPr/>
+        </p:nvCxnSpPr>
+        <p:spPr>
+          <a:xfrm flipH="1">
+            <a:off x="2091128" y="2181193"/>
+            <a:ext cx="2113613" cy="257352"/>
+          </a:xfrm>
+          <a:prstGeom prst="line">
+            <a:avLst/>
+          </a:prstGeom>
+          <a:ln>
+            <a:solidFill>
+              <a:schemeClr val="accent4"/>
+            </a:solidFill>
+          </a:ln>
+        </p:spPr>
+        <p:style>
+          <a:lnRef idx="1">
+            <a:schemeClr val="accent1"/>
+          </a:lnRef>
+          <a:fillRef idx="0">
+            <a:schemeClr val="accent1"/>
+          </a:fillRef>
+          <a:effectRef idx="0">
+            <a:schemeClr val="accent1"/>
+          </a:effectRef>
+          <a:fontRef idx="minor">
+            <a:schemeClr val="tx1"/>
+          </a:fontRef>
+        </p:style>
+      </p:cxnSp>
+      <p:cxnSp>
+        <p:nvCxnSpPr>
+          <p:cNvPr id="17" name="Conector recto 16">
+            <a:extLst>
+              <a:ext uri="{FF2B5EF4-FFF2-40B4-BE49-F238E27FC236}">
+                <a16:creationId xmlns:a16="http://schemas.microsoft.com/office/drawing/2014/main" id="{E9EBF89C-6C64-450C-979E-FE87BAAB9EF1}"/>
+              </a:ext>
+            </a:extLst>
+          </p:cNvPr>
+          <p:cNvCxnSpPr>
+            <a:cxnSpLocks/>
+            <a:stCxn id="4" idx="2"/>
+            <a:endCxn id="6" idx="0"/>
+          </p:cNvCxnSpPr>
+          <p:nvPr/>
+        </p:nvCxnSpPr>
+        <p:spPr>
+          <a:xfrm>
+            <a:off x="4204741" y="2181193"/>
+            <a:ext cx="914400" cy="256415"/>
+          </a:xfrm>
+          <a:prstGeom prst="line">
+            <a:avLst/>
+          </a:prstGeom>
+          <a:ln>
+            <a:solidFill>
+              <a:schemeClr val="accent4"/>
+            </a:solidFill>
+          </a:ln>
+        </p:spPr>
+        <p:style>
+          <a:lnRef idx="1">
+            <a:schemeClr val="accent1"/>
+          </a:lnRef>
+          <a:fillRef idx="0">
+            <a:schemeClr val="accent1"/>
+          </a:fillRef>
+          <a:effectRef idx="0">
+            <a:schemeClr val="accent1"/>
+          </a:effectRef>
+          <a:fontRef idx="minor">
+            <a:schemeClr val="tx1"/>
+          </a:fontRef>
+        </p:style>
+      </p:cxnSp>
+      <p:cxnSp>
+        <p:nvCxnSpPr>
+          <p:cNvPr id="18" name="Conector recto 17">
+            <a:extLst>
+              <a:ext uri="{FF2B5EF4-FFF2-40B4-BE49-F238E27FC236}">
+                <a16:creationId xmlns:a16="http://schemas.microsoft.com/office/drawing/2014/main" id="{BE67496B-E5E3-4BB5-B5AD-9E9E323F3564}"/>
+              </a:ext>
+            </a:extLst>
+          </p:cNvPr>
+          <p:cNvCxnSpPr>
+            <a:cxnSpLocks/>
+            <a:stCxn id="6" idx="2"/>
+            <a:endCxn id="12" idx="0"/>
+          </p:cNvCxnSpPr>
+          <p:nvPr/>
+        </p:nvCxnSpPr>
+        <p:spPr>
+          <a:xfrm flipH="1">
+            <a:off x="4357141" y="2894808"/>
+            <a:ext cx="762000" cy="639308"/>
+          </a:xfrm>
+          <a:prstGeom prst="line">
+            <a:avLst/>
+          </a:prstGeom>
+          <a:ln>
+            <a:solidFill>
+              <a:schemeClr val="accent4"/>
+            </a:solidFill>
+          </a:ln>
+        </p:spPr>
+        <p:style>
+          <a:lnRef idx="1">
+            <a:schemeClr val="accent1"/>
+          </a:lnRef>
+          <a:fillRef idx="0">
+            <a:schemeClr val="accent1"/>
+          </a:fillRef>
+          <a:effectRef idx="0">
+            <a:schemeClr val="accent1"/>
+          </a:effectRef>
+          <a:fontRef idx="minor">
+            <a:schemeClr val="tx1"/>
+          </a:fontRef>
+        </p:style>
+      </p:cxnSp>
+      <p:cxnSp>
+        <p:nvCxnSpPr>
+          <p:cNvPr id="19" name="Conector recto 18">
+            <a:extLst>
+              <a:ext uri="{FF2B5EF4-FFF2-40B4-BE49-F238E27FC236}">
+                <a16:creationId xmlns:a16="http://schemas.microsoft.com/office/drawing/2014/main" id="{DD41F7D8-A71A-4F43-9BF8-33342DAA53C9}"/>
+              </a:ext>
+            </a:extLst>
+          </p:cNvPr>
+          <p:cNvCxnSpPr>
+            <a:cxnSpLocks/>
+            <a:stCxn id="6" idx="2"/>
+            <a:endCxn id="13" idx="0"/>
+          </p:cNvCxnSpPr>
+          <p:nvPr/>
+        </p:nvCxnSpPr>
+        <p:spPr>
+          <a:xfrm>
+            <a:off x="5119141" y="2894808"/>
+            <a:ext cx="1226696" cy="637416"/>
+          </a:xfrm>
+          <a:prstGeom prst="line">
+            <a:avLst/>
+          </a:prstGeom>
+          <a:ln>
+            <a:solidFill>
+              <a:schemeClr val="accent4"/>
+            </a:solidFill>
+          </a:ln>
+        </p:spPr>
+        <p:style>
+          <a:lnRef idx="1">
+            <a:schemeClr val="accent1"/>
+          </a:lnRef>
+          <a:fillRef idx="0">
+            <a:schemeClr val="accent1"/>
+          </a:fillRef>
+          <a:effectRef idx="0">
+            <a:schemeClr val="accent1"/>
+          </a:effectRef>
+          <a:fontRef idx="minor">
+            <a:schemeClr val="tx1"/>
+          </a:fontRef>
+        </p:style>
+      </p:cxnSp>
+      <p:cxnSp>
+        <p:nvCxnSpPr>
+          <p:cNvPr id="20" name="Conector recto 19">
+            <a:extLst>
+              <a:ext uri="{FF2B5EF4-FFF2-40B4-BE49-F238E27FC236}">
+                <a16:creationId xmlns:a16="http://schemas.microsoft.com/office/drawing/2014/main" id="{CB6668D4-DBA9-4C53-92E4-93562A0F9523}"/>
+              </a:ext>
+            </a:extLst>
+          </p:cNvPr>
+          <p:cNvCxnSpPr>
+            <a:cxnSpLocks/>
+            <a:stCxn id="12" idx="2"/>
+          </p:cNvCxnSpPr>
+          <p:nvPr/>
+        </p:nvCxnSpPr>
+        <p:spPr>
+          <a:xfrm>
+            <a:off x="4357141" y="3991316"/>
+            <a:ext cx="0" cy="252000"/>
+          </a:xfrm>
+          <a:prstGeom prst="line">
+            <a:avLst/>
+          </a:prstGeom>
+          <a:ln>
+            <a:solidFill>
+              <a:schemeClr val="accent4"/>
+            </a:solidFill>
+          </a:ln>
+        </p:spPr>
+        <p:style>
+          <a:lnRef idx="1">
+            <a:schemeClr val="accent1"/>
+          </a:lnRef>
+          <a:fillRef idx="0">
+            <a:schemeClr val="accent1"/>
+          </a:fillRef>
+          <a:effectRef idx="0">
+            <a:schemeClr val="accent1"/>
+          </a:effectRef>
+          <a:fontRef idx="minor">
+            <a:schemeClr val="tx1"/>
+          </a:fontRef>
+        </p:style>
+      </p:cxnSp>
+      <p:cxnSp>
+        <p:nvCxnSpPr>
+          <p:cNvPr id="21" name="Conector recto 20">
+            <a:extLst>
+              <a:ext uri="{FF2B5EF4-FFF2-40B4-BE49-F238E27FC236}">
+                <a16:creationId xmlns:a16="http://schemas.microsoft.com/office/drawing/2014/main" id="{FDB4E981-4F2D-45D8-BC19-6A62718307A9}"/>
+              </a:ext>
+            </a:extLst>
+          </p:cNvPr>
+          <p:cNvCxnSpPr>
+            <a:cxnSpLocks/>
+            <a:stCxn id="13" idx="2"/>
+          </p:cNvCxnSpPr>
+          <p:nvPr/>
+        </p:nvCxnSpPr>
+        <p:spPr>
+          <a:xfrm flipH="1">
+            <a:off x="5819351" y="3989424"/>
+            <a:ext cx="526486" cy="275524"/>
+          </a:xfrm>
+          <a:prstGeom prst="line">
+            <a:avLst/>
+          </a:prstGeom>
+          <a:ln>
+            <a:solidFill>
+              <a:schemeClr val="accent4"/>
+            </a:solidFill>
+          </a:ln>
+        </p:spPr>
+        <p:style>
+          <a:lnRef idx="1">
+            <a:schemeClr val="accent1"/>
+          </a:lnRef>
+          <a:fillRef idx="0">
+            <a:schemeClr val="accent1"/>
+          </a:fillRef>
+          <a:effectRef idx="0">
+            <a:schemeClr val="accent1"/>
+          </a:effectRef>
+          <a:fontRef idx="minor">
+            <a:schemeClr val="tx1"/>
+          </a:fontRef>
+        </p:style>
+      </p:cxnSp>
+      <p:cxnSp>
+        <p:nvCxnSpPr>
+          <p:cNvPr id="22" name="Conector recto 21">
+            <a:extLst>
+              <a:ext uri="{FF2B5EF4-FFF2-40B4-BE49-F238E27FC236}">
+                <a16:creationId xmlns:a16="http://schemas.microsoft.com/office/drawing/2014/main" id="{317BC04E-4DB1-4223-BEAF-009EBC94DF0E}"/>
+              </a:ext>
+            </a:extLst>
+          </p:cNvPr>
+          <p:cNvCxnSpPr>
+            <a:cxnSpLocks/>
+            <a:stCxn id="13" idx="2"/>
+          </p:cNvCxnSpPr>
+          <p:nvPr/>
+        </p:nvCxnSpPr>
+        <p:spPr>
+          <a:xfrm>
+            <a:off x="6345837" y="3989424"/>
+            <a:ext cx="602104" cy="275524"/>
+          </a:xfrm>
+          <a:prstGeom prst="line">
+            <a:avLst/>
+          </a:prstGeom>
+          <a:ln>
+            <a:solidFill>
+              <a:schemeClr val="accent4"/>
+            </a:solidFill>
+          </a:ln>
+        </p:spPr>
+        <p:style>
+          <a:lnRef idx="1">
+            <a:schemeClr val="accent1"/>
+          </a:lnRef>
+          <a:fillRef idx="0">
+            <a:schemeClr val="accent1"/>
+          </a:fillRef>
+          <a:effectRef idx="0">
+            <a:schemeClr val="accent1"/>
+          </a:effectRef>
+          <a:fontRef idx="minor">
+            <a:schemeClr val="tx1"/>
+          </a:fontRef>
+        </p:style>
+      </p:cxnSp>
     </p:spTree>
   </p:cSld>
   <p:clrMapOvr>
@@ -21082,7 +22899,1591 @@
 </p:sld>
 </file>
 
-<file path=ppt/slides/slide29.xml><?xml version="1.0" encoding="utf-8"?>
+<file path=ppt/slides/slide3.xml><?xml version="1.0" encoding="utf-8"?>
+<p:sld xmlns:a="http://schemas.openxmlformats.org/drawingml/2006/main" xmlns:r="http://schemas.openxmlformats.org/officeDocument/2006/relationships" xmlns:p="http://schemas.openxmlformats.org/presentationml/2006/main">
+  <p:cSld>
+    <p:spTree>
+      <p:nvGrpSpPr>
+        <p:cNvPr id="1" name="Shape 180"/>
+        <p:cNvGrpSpPr/>
+        <p:nvPr/>
+      </p:nvGrpSpPr>
+      <p:grpSpPr>
+        <a:xfrm>
+          <a:off x="0" y="0"/>
+          <a:ext cx="0" cy="0"/>
+          <a:chOff x="0" y="0"/>
+          <a:chExt cx="0" cy="0"/>
+        </a:xfrm>
+      </p:grpSpPr>
+      <p:sp>
+        <p:nvSpPr>
+          <p:cNvPr id="181" name="Google Shape;181;p31"/>
+          <p:cNvSpPr txBox="1">
+            <a:spLocks noGrp="1"/>
+          </p:cNvSpPr>
+          <p:nvPr>
+            <p:ph type="title"/>
+          </p:nvPr>
+        </p:nvSpPr>
+        <p:spPr>
+          <a:xfrm>
+            <a:off x="311700" y="158675"/>
+            <a:ext cx="8520600" cy="572700"/>
+          </a:xfrm>
+          <a:prstGeom prst="rect">
+            <a:avLst/>
+          </a:prstGeom>
+        </p:spPr>
+        <p:txBody>
+          <a:bodyPr spcFirstLastPara="1" wrap="square" lIns="91425" tIns="91425" rIns="91425" bIns="91425" anchor="t" anchorCtr="0">
+            <a:normAutofit/>
+          </a:bodyPr>
+          <a:lstStyle/>
+          <a:p>
+            <a:pPr marL="0" lvl="0" indent="0" algn="l" rtl="0">
+              <a:spcBef>
+                <a:spcPts val="0"/>
+              </a:spcBef>
+              <a:spcAft>
+                <a:spcPts val="0"/>
+              </a:spcAft>
+              <a:buNone/>
+            </a:pPr>
+            <a:r>
+              <a:rPr lang="en-GB" sz="2500" dirty="0"/>
+              <a:t>Nuestra </a:t>
+            </a:r>
+            <a:r>
+              <a:rPr lang="en-GB" sz="2500" dirty="0" err="1"/>
+              <a:t>hoja</a:t>
+            </a:r>
+            <a:r>
+              <a:rPr lang="en-GB" sz="2500" dirty="0"/>
+              <a:t> de </a:t>
+            </a:r>
+            <a:r>
+              <a:rPr lang="en-GB" sz="2500" dirty="0" err="1"/>
+              <a:t>ruta</a:t>
+            </a:r>
+            <a:endParaRPr sz="2500" dirty="0"/>
+          </a:p>
+        </p:txBody>
+      </p:sp>
+      <p:sp>
+        <p:nvSpPr>
+          <p:cNvPr id="5" name="Rectángulo: esquinas redondeadas 4">
+            <a:extLst>
+              <a:ext uri="{FF2B5EF4-FFF2-40B4-BE49-F238E27FC236}">
+                <a16:creationId xmlns:a16="http://schemas.microsoft.com/office/drawing/2014/main" id="{4D990B10-D7C9-44AC-9FD0-2E27B3A75CC4}"/>
+              </a:ext>
+            </a:extLst>
+          </p:cNvPr>
+          <p:cNvSpPr/>
+          <p:nvPr/>
+        </p:nvSpPr>
+        <p:spPr>
+          <a:xfrm>
+            <a:off x="4309672" y="713242"/>
+            <a:ext cx="1828800" cy="457200"/>
+          </a:xfrm>
+          <a:prstGeom prst="roundRect">
+            <a:avLst/>
+          </a:prstGeom>
+          <a:noFill/>
+          <a:ln w="12700">
+            <a:solidFill>
+              <a:schemeClr val="accent4"/>
+            </a:solidFill>
+          </a:ln>
+        </p:spPr>
+        <p:style>
+          <a:lnRef idx="2">
+            <a:schemeClr val="accent1">
+              <a:shade val="50000"/>
+            </a:schemeClr>
+          </a:lnRef>
+          <a:fillRef idx="1">
+            <a:schemeClr val="accent1"/>
+          </a:fillRef>
+          <a:effectRef idx="0">
+            <a:schemeClr val="accent1"/>
+          </a:effectRef>
+          <a:fontRef idx="minor">
+            <a:schemeClr val="lt1"/>
+          </a:fontRef>
+        </p:style>
+        <p:txBody>
+          <a:bodyPr rtlCol="0" anchor="ctr"/>
+          <a:lstStyle/>
+          <a:p>
+            <a:pPr algn="ctr"/>
+            <a:r>
+              <a:rPr lang="es-MX" dirty="0">
+                <a:solidFill>
+                  <a:schemeClr val="accent2"/>
+                </a:solidFill>
+                <a:latin typeface="Proxima Nova" panose="020B0604020202020204" charset="0"/>
+              </a:rPr>
+              <a:t>Modelización</a:t>
+            </a:r>
+            <a:endParaRPr lang="es-AR" dirty="0">
+              <a:solidFill>
+                <a:schemeClr val="accent2"/>
+              </a:solidFill>
+              <a:latin typeface="Proxima Nova" panose="020B0604020202020204" charset="0"/>
+            </a:endParaRPr>
+          </a:p>
+        </p:txBody>
+      </p:sp>
+      <p:sp>
+        <p:nvSpPr>
+          <p:cNvPr id="9" name="Rectángulo: esquinas redondeadas 8">
+            <a:extLst>
+              <a:ext uri="{FF2B5EF4-FFF2-40B4-BE49-F238E27FC236}">
+                <a16:creationId xmlns:a16="http://schemas.microsoft.com/office/drawing/2014/main" id="{4A276890-EAB7-4F68-A4F0-5961C18E2333}"/>
+              </a:ext>
+            </a:extLst>
+          </p:cNvPr>
+          <p:cNvSpPr/>
+          <p:nvPr/>
+        </p:nvSpPr>
+        <p:spPr>
+          <a:xfrm>
+            <a:off x="2480872" y="1400935"/>
+            <a:ext cx="1828800" cy="457200"/>
+          </a:xfrm>
+          <a:prstGeom prst="roundRect">
+            <a:avLst/>
+          </a:prstGeom>
+          <a:noFill/>
+          <a:ln w="12700">
+            <a:solidFill>
+              <a:schemeClr val="accent4"/>
+            </a:solidFill>
+          </a:ln>
+        </p:spPr>
+        <p:style>
+          <a:lnRef idx="2">
+            <a:schemeClr val="accent1">
+              <a:shade val="50000"/>
+            </a:schemeClr>
+          </a:lnRef>
+          <a:fillRef idx="1">
+            <a:schemeClr val="accent1"/>
+          </a:fillRef>
+          <a:effectRef idx="0">
+            <a:schemeClr val="accent1"/>
+          </a:effectRef>
+          <a:fontRef idx="minor">
+            <a:schemeClr val="lt1"/>
+          </a:fontRef>
+        </p:style>
+        <p:txBody>
+          <a:bodyPr rtlCol="0" anchor="ctr"/>
+          <a:lstStyle/>
+          <a:p>
+            <a:pPr algn="ctr"/>
+            <a:r>
+              <a:rPr lang="es-MX" dirty="0">
+                <a:solidFill>
+                  <a:schemeClr val="accent2"/>
+                </a:solidFill>
+                <a:latin typeface="Proxima Nova" panose="020B0604020202020204" charset="0"/>
+              </a:rPr>
+              <a:t>Aprendizaje supervisado</a:t>
+            </a:r>
+            <a:endParaRPr lang="es-AR" dirty="0">
+              <a:solidFill>
+                <a:schemeClr val="accent2"/>
+              </a:solidFill>
+              <a:latin typeface="Proxima Nova" panose="020B0604020202020204" charset="0"/>
+            </a:endParaRPr>
+          </a:p>
+        </p:txBody>
+      </p:sp>
+      <p:sp>
+        <p:nvSpPr>
+          <p:cNvPr id="10" name="Rectángulo: esquinas redondeadas 9">
+            <a:extLst>
+              <a:ext uri="{FF2B5EF4-FFF2-40B4-BE49-F238E27FC236}">
+                <a16:creationId xmlns:a16="http://schemas.microsoft.com/office/drawing/2014/main" id="{B649CADF-86CA-4D53-8604-119C91D962C1}"/>
+              </a:ext>
+            </a:extLst>
+          </p:cNvPr>
+          <p:cNvSpPr/>
+          <p:nvPr/>
+        </p:nvSpPr>
+        <p:spPr>
+          <a:xfrm>
+            <a:off x="6138472" y="1400935"/>
+            <a:ext cx="1828800" cy="457200"/>
+          </a:xfrm>
+          <a:prstGeom prst="roundRect">
+            <a:avLst/>
+          </a:prstGeom>
+          <a:noFill/>
+          <a:ln w="12700">
+            <a:solidFill>
+              <a:schemeClr val="accent4"/>
+            </a:solidFill>
+          </a:ln>
+        </p:spPr>
+        <p:style>
+          <a:lnRef idx="2">
+            <a:schemeClr val="accent1">
+              <a:shade val="50000"/>
+            </a:schemeClr>
+          </a:lnRef>
+          <a:fillRef idx="1">
+            <a:schemeClr val="accent1"/>
+          </a:fillRef>
+          <a:effectRef idx="0">
+            <a:schemeClr val="accent1"/>
+          </a:effectRef>
+          <a:fontRef idx="minor">
+            <a:schemeClr val="lt1"/>
+          </a:fontRef>
+        </p:style>
+        <p:txBody>
+          <a:bodyPr rtlCol="0" anchor="ctr"/>
+          <a:lstStyle/>
+          <a:p>
+            <a:pPr algn="ctr"/>
+            <a:r>
+              <a:rPr lang="es-MX" dirty="0">
+                <a:solidFill>
+                  <a:schemeClr val="accent2"/>
+                </a:solidFill>
+                <a:latin typeface="Proxima Nova" panose="020B0604020202020204" charset="0"/>
+              </a:rPr>
+              <a:t>Aprendizaje no supervisado</a:t>
+            </a:r>
+            <a:endParaRPr lang="es-AR" dirty="0">
+              <a:solidFill>
+                <a:schemeClr val="accent2"/>
+              </a:solidFill>
+              <a:latin typeface="Proxima Nova" panose="020B0604020202020204" charset="0"/>
+            </a:endParaRPr>
+          </a:p>
+        </p:txBody>
+      </p:sp>
+      <p:sp>
+        <p:nvSpPr>
+          <p:cNvPr id="11" name="Rectángulo: esquinas redondeadas 10">
+            <a:extLst>
+              <a:ext uri="{FF2B5EF4-FFF2-40B4-BE49-F238E27FC236}">
+                <a16:creationId xmlns:a16="http://schemas.microsoft.com/office/drawing/2014/main" id="{84C45660-C9E1-4682-8D24-67D65EDC5AD7}"/>
+              </a:ext>
+            </a:extLst>
+          </p:cNvPr>
+          <p:cNvSpPr/>
+          <p:nvPr/>
+        </p:nvSpPr>
+        <p:spPr>
+          <a:xfrm>
+            <a:off x="367259" y="2115487"/>
+            <a:ext cx="1828800" cy="457200"/>
+          </a:xfrm>
+          <a:prstGeom prst="roundRect">
+            <a:avLst/>
+          </a:prstGeom>
+          <a:noFill/>
+          <a:ln w="12700">
+            <a:solidFill>
+              <a:schemeClr val="accent4"/>
+            </a:solidFill>
+          </a:ln>
+        </p:spPr>
+        <p:style>
+          <a:lnRef idx="2">
+            <a:schemeClr val="accent1">
+              <a:shade val="50000"/>
+            </a:schemeClr>
+          </a:lnRef>
+          <a:fillRef idx="1">
+            <a:schemeClr val="accent1"/>
+          </a:fillRef>
+          <a:effectRef idx="0">
+            <a:schemeClr val="accent1"/>
+          </a:effectRef>
+          <a:fontRef idx="minor">
+            <a:schemeClr val="lt1"/>
+          </a:fontRef>
+        </p:style>
+        <p:txBody>
+          <a:bodyPr rtlCol="0" anchor="ctr"/>
+          <a:lstStyle/>
+          <a:p>
+            <a:pPr algn="ctr"/>
+            <a:r>
+              <a:rPr lang="es-MX" dirty="0">
+                <a:solidFill>
+                  <a:schemeClr val="accent2"/>
+                </a:solidFill>
+                <a:latin typeface="Proxima Nova" panose="020B0604020202020204" charset="0"/>
+              </a:rPr>
+              <a:t>Regresión</a:t>
+            </a:r>
+            <a:endParaRPr lang="es-AR" dirty="0">
+              <a:solidFill>
+                <a:schemeClr val="accent2"/>
+              </a:solidFill>
+              <a:latin typeface="Proxima Nova" panose="020B0604020202020204" charset="0"/>
+            </a:endParaRPr>
+          </a:p>
+        </p:txBody>
+      </p:sp>
+      <p:sp>
+        <p:nvSpPr>
+          <p:cNvPr id="12" name="Rectángulo: esquinas redondeadas 11">
+            <a:extLst>
+              <a:ext uri="{FF2B5EF4-FFF2-40B4-BE49-F238E27FC236}">
+                <a16:creationId xmlns:a16="http://schemas.microsoft.com/office/drawing/2014/main" id="{71A5A473-C51D-457B-9320-56B40E145AED}"/>
+              </a:ext>
+            </a:extLst>
+          </p:cNvPr>
+          <p:cNvSpPr/>
+          <p:nvPr/>
+        </p:nvSpPr>
+        <p:spPr>
+          <a:xfrm>
+            <a:off x="3395272" y="2114550"/>
+            <a:ext cx="1828800" cy="457200"/>
+          </a:xfrm>
+          <a:prstGeom prst="roundRect">
+            <a:avLst/>
+          </a:prstGeom>
+          <a:noFill/>
+          <a:ln w="12700">
+            <a:solidFill>
+              <a:schemeClr val="accent4"/>
+            </a:solidFill>
+          </a:ln>
+        </p:spPr>
+        <p:style>
+          <a:lnRef idx="2">
+            <a:schemeClr val="accent1">
+              <a:shade val="50000"/>
+            </a:schemeClr>
+          </a:lnRef>
+          <a:fillRef idx="1">
+            <a:schemeClr val="accent1"/>
+          </a:fillRef>
+          <a:effectRef idx="0">
+            <a:schemeClr val="accent1"/>
+          </a:effectRef>
+          <a:fontRef idx="minor">
+            <a:schemeClr val="lt1"/>
+          </a:fontRef>
+        </p:style>
+        <p:txBody>
+          <a:bodyPr rtlCol="0" anchor="ctr"/>
+          <a:lstStyle/>
+          <a:p>
+            <a:pPr algn="ctr"/>
+            <a:r>
+              <a:rPr lang="es-MX" dirty="0">
+                <a:solidFill>
+                  <a:schemeClr val="accent2"/>
+                </a:solidFill>
+                <a:latin typeface="Proxima Nova" panose="020B0604020202020204" charset="0"/>
+              </a:rPr>
+              <a:t>Clasificación</a:t>
+            </a:r>
+            <a:endParaRPr lang="es-AR" dirty="0">
+              <a:solidFill>
+                <a:schemeClr val="accent2"/>
+              </a:solidFill>
+              <a:latin typeface="Proxima Nova" panose="020B0604020202020204" charset="0"/>
+            </a:endParaRPr>
+          </a:p>
+        </p:txBody>
+      </p:sp>
+      <p:sp>
+        <p:nvSpPr>
+          <p:cNvPr id="15" name="Hexágono 14">
+            <a:extLst>
+              <a:ext uri="{FF2B5EF4-FFF2-40B4-BE49-F238E27FC236}">
+                <a16:creationId xmlns:a16="http://schemas.microsoft.com/office/drawing/2014/main" id="{F6141949-D737-4BE2-9122-26956F8C60B8}"/>
+              </a:ext>
+            </a:extLst>
+          </p:cNvPr>
+          <p:cNvSpPr/>
+          <p:nvPr/>
+        </p:nvSpPr>
+        <p:spPr>
+          <a:xfrm>
+            <a:off x="244542" y="2946366"/>
+            <a:ext cx="1008000" cy="720000"/>
+          </a:xfrm>
+          <a:prstGeom prst="hexagon">
+            <a:avLst/>
+          </a:prstGeom>
+          <a:noFill/>
+          <a:ln w="12700">
+            <a:solidFill>
+              <a:srgbClr val="999999"/>
+            </a:solidFill>
+          </a:ln>
+        </p:spPr>
+        <p:style>
+          <a:lnRef idx="2">
+            <a:schemeClr val="accent1">
+              <a:shade val="50000"/>
+            </a:schemeClr>
+          </a:lnRef>
+          <a:fillRef idx="1">
+            <a:schemeClr val="accent1"/>
+          </a:fillRef>
+          <a:effectRef idx="0">
+            <a:schemeClr val="accent1"/>
+          </a:effectRef>
+          <a:fontRef idx="minor">
+            <a:schemeClr val="lt1"/>
+          </a:fontRef>
+        </p:style>
+        <p:txBody>
+          <a:bodyPr rtlCol="0" anchor="ctr"/>
+          <a:lstStyle/>
+          <a:p>
+            <a:pPr algn="ctr"/>
+            <a:r>
+              <a:rPr lang="es-MX" sz="1050" dirty="0">
+                <a:solidFill>
+                  <a:schemeClr val="accent2"/>
+                </a:solidFill>
+                <a:latin typeface="Proxima Nova" panose="020B0604020202020204" charset="0"/>
+              </a:rPr>
+              <a:t>Simple</a:t>
+            </a:r>
+            <a:endParaRPr lang="es-AR" sz="1050" dirty="0">
+              <a:solidFill>
+                <a:schemeClr val="accent2"/>
+              </a:solidFill>
+              <a:latin typeface="Proxima Nova" panose="020B0604020202020204" charset="0"/>
+            </a:endParaRPr>
+          </a:p>
+        </p:txBody>
+      </p:sp>
+      <p:sp>
+        <p:nvSpPr>
+          <p:cNvPr id="16" name="Hexágono 15">
+            <a:extLst>
+              <a:ext uri="{FF2B5EF4-FFF2-40B4-BE49-F238E27FC236}">
+                <a16:creationId xmlns:a16="http://schemas.microsoft.com/office/drawing/2014/main" id="{9961A3D7-B739-4884-8B84-3074ECF546FC}"/>
+              </a:ext>
+            </a:extLst>
+          </p:cNvPr>
+          <p:cNvSpPr/>
+          <p:nvPr/>
+        </p:nvSpPr>
+        <p:spPr>
+          <a:xfrm>
+            <a:off x="1315476" y="2946366"/>
+            <a:ext cx="1008000" cy="720000"/>
+          </a:xfrm>
+          <a:prstGeom prst="hexagon">
+            <a:avLst/>
+          </a:prstGeom>
+          <a:noFill/>
+          <a:ln w="28575">
+            <a:solidFill>
+              <a:schemeClr val="tx2"/>
+            </a:solidFill>
+          </a:ln>
+        </p:spPr>
+        <p:style>
+          <a:lnRef idx="2">
+            <a:schemeClr val="accent1">
+              <a:shade val="50000"/>
+            </a:schemeClr>
+          </a:lnRef>
+          <a:fillRef idx="1">
+            <a:schemeClr val="accent1"/>
+          </a:fillRef>
+          <a:effectRef idx="0">
+            <a:schemeClr val="accent1"/>
+          </a:effectRef>
+          <a:fontRef idx="minor">
+            <a:schemeClr val="lt1"/>
+          </a:fontRef>
+        </p:style>
+        <p:txBody>
+          <a:bodyPr rtlCol="0" anchor="ctr"/>
+          <a:lstStyle/>
+          <a:p>
+            <a:pPr algn="ctr"/>
+            <a:r>
+              <a:rPr lang="es-MX" sz="1050" dirty="0">
+                <a:solidFill>
+                  <a:schemeClr val="accent2"/>
+                </a:solidFill>
+                <a:latin typeface="Proxima Nova" panose="020B0604020202020204" charset="0"/>
+              </a:rPr>
+              <a:t>Múltiple</a:t>
+            </a:r>
+            <a:endParaRPr lang="es-AR" sz="1050" dirty="0">
+              <a:solidFill>
+                <a:schemeClr val="accent2"/>
+              </a:solidFill>
+              <a:latin typeface="Proxima Nova" panose="020B0604020202020204" charset="0"/>
+            </a:endParaRPr>
+          </a:p>
+        </p:txBody>
+      </p:sp>
+      <p:sp>
+        <p:nvSpPr>
+          <p:cNvPr id="18" name="Hexágono 17">
+            <a:extLst>
+              <a:ext uri="{FF2B5EF4-FFF2-40B4-BE49-F238E27FC236}">
+                <a16:creationId xmlns:a16="http://schemas.microsoft.com/office/drawing/2014/main" id="{C9932A63-2CAB-4E2D-9825-0475BF88F7A0}"/>
+              </a:ext>
+            </a:extLst>
+          </p:cNvPr>
+          <p:cNvSpPr/>
+          <p:nvPr/>
+        </p:nvSpPr>
+        <p:spPr>
+          <a:xfrm>
+            <a:off x="6026046" y="2133912"/>
+            <a:ext cx="1087946" cy="720000"/>
+          </a:xfrm>
+          <a:prstGeom prst="hexagon">
+            <a:avLst/>
+          </a:prstGeom>
+          <a:noFill/>
+          <a:ln w="12700">
+            <a:solidFill>
+              <a:schemeClr val="accent4"/>
+            </a:solidFill>
+          </a:ln>
+        </p:spPr>
+        <p:style>
+          <a:lnRef idx="2">
+            <a:schemeClr val="accent1">
+              <a:shade val="50000"/>
+            </a:schemeClr>
+          </a:lnRef>
+          <a:fillRef idx="1">
+            <a:schemeClr val="accent1"/>
+          </a:fillRef>
+          <a:effectRef idx="0">
+            <a:schemeClr val="accent1"/>
+          </a:effectRef>
+          <a:fontRef idx="minor">
+            <a:schemeClr val="lt1"/>
+          </a:fontRef>
+        </p:style>
+        <p:txBody>
+          <a:bodyPr rtlCol="0" anchor="ctr"/>
+          <a:lstStyle/>
+          <a:p>
+            <a:pPr algn="ctr"/>
+            <a:r>
+              <a:rPr lang="es-MX" sz="1050" dirty="0" err="1">
+                <a:solidFill>
+                  <a:schemeClr val="accent2"/>
+                </a:solidFill>
+                <a:latin typeface="Proxima Nova" panose="020B0604020202020204" charset="0"/>
+              </a:rPr>
+              <a:t>Clustering</a:t>
+            </a:r>
+            <a:endParaRPr lang="es-AR" sz="1050" dirty="0">
+              <a:solidFill>
+                <a:schemeClr val="accent2"/>
+              </a:solidFill>
+              <a:latin typeface="Proxima Nova" panose="020B0604020202020204" charset="0"/>
+            </a:endParaRPr>
+          </a:p>
+        </p:txBody>
+      </p:sp>
+      <p:sp>
+        <p:nvSpPr>
+          <p:cNvPr id="19" name="Hexágono 18">
+            <a:extLst>
+              <a:ext uri="{FF2B5EF4-FFF2-40B4-BE49-F238E27FC236}">
+                <a16:creationId xmlns:a16="http://schemas.microsoft.com/office/drawing/2014/main" id="{29BDC7DB-4962-4B47-83B4-B72C48164E29}"/>
+              </a:ext>
+            </a:extLst>
+          </p:cNvPr>
+          <p:cNvSpPr/>
+          <p:nvPr/>
+        </p:nvSpPr>
+        <p:spPr>
+          <a:xfrm>
+            <a:off x="7199411" y="2133912"/>
+            <a:ext cx="1008000" cy="720000"/>
+          </a:xfrm>
+          <a:prstGeom prst="hexagon">
+            <a:avLst/>
+          </a:prstGeom>
+          <a:noFill/>
+          <a:ln w="12700">
+            <a:solidFill>
+              <a:schemeClr val="accent4"/>
+            </a:solidFill>
+          </a:ln>
+        </p:spPr>
+        <p:style>
+          <a:lnRef idx="2">
+            <a:schemeClr val="accent1">
+              <a:shade val="50000"/>
+            </a:schemeClr>
+          </a:lnRef>
+          <a:fillRef idx="1">
+            <a:schemeClr val="accent1"/>
+          </a:fillRef>
+          <a:effectRef idx="0">
+            <a:schemeClr val="accent1"/>
+          </a:effectRef>
+          <a:fontRef idx="minor">
+            <a:schemeClr val="lt1"/>
+          </a:fontRef>
+        </p:style>
+        <p:txBody>
+          <a:bodyPr rtlCol="0" anchor="ctr"/>
+          <a:lstStyle/>
+          <a:p>
+            <a:pPr algn="ctr"/>
+            <a:r>
+              <a:rPr lang="es-MX" sz="1050" dirty="0">
+                <a:solidFill>
+                  <a:schemeClr val="accent2"/>
+                </a:solidFill>
+                <a:latin typeface="Proxima Nova" panose="020B0604020202020204" charset="0"/>
+              </a:rPr>
+              <a:t>PCA</a:t>
+            </a:r>
+            <a:endParaRPr lang="es-AR" sz="1050" dirty="0">
+              <a:solidFill>
+                <a:schemeClr val="accent2"/>
+              </a:solidFill>
+              <a:latin typeface="Proxima Nova" panose="020B0604020202020204" charset="0"/>
+            </a:endParaRPr>
+          </a:p>
+        </p:txBody>
+      </p:sp>
+      <p:sp>
+        <p:nvSpPr>
+          <p:cNvPr id="20" name="Hexágono 19">
+            <a:extLst>
+              <a:ext uri="{FF2B5EF4-FFF2-40B4-BE49-F238E27FC236}">
+                <a16:creationId xmlns:a16="http://schemas.microsoft.com/office/drawing/2014/main" id="{C213F2BA-31F1-48E9-92AE-02682E122CBA}"/>
+              </a:ext>
+            </a:extLst>
+          </p:cNvPr>
+          <p:cNvSpPr/>
+          <p:nvPr/>
+        </p:nvSpPr>
+        <p:spPr>
+          <a:xfrm>
+            <a:off x="3003699" y="3935665"/>
+            <a:ext cx="1087946" cy="720000"/>
+          </a:xfrm>
+          <a:prstGeom prst="hexagon">
+            <a:avLst/>
+          </a:prstGeom>
+          <a:noFill/>
+          <a:ln w="12700">
+            <a:solidFill>
+              <a:schemeClr val="accent4"/>
+            </a:solidFill>
+          </a:ln>
+        </p:spPr>
+        <p:style>
+          <a:lnRef idx="2">
+            <a:schemeClr val="accent1">
+              <a:shade val="50000"/>
+            </a:schemeClr>
+          </a:lnRef>
+          <a:fillRef idx="1">
+            <a:schemeClr val="accent1"/>
+          </a:fillRef>
+          <a:effectRef idx="0">
+            <a:schemeClr val="accent1"/>
+          </a:effectRef>
+          <a:fontRef idx="minor">
+            <a:schemeClr val="lt1"/>
+          </a:fontRef>
+        </p:style>
+        <p:txBody>
+          <a:bodyPr rtlCol="0" anchor="ctr"/>
+          <a:lstStyle/>
+          <a:p>
+            <a:pPr algn="ctr"/>
+            <a:r>
+              <a:rPr lang="es-MX" sz="1050" dirty="0">
+                <a:solidFill>
+                  <a:schemeClr val="accent2"/>
+                </a:solidFill>
+                <a:latin typeface="Proxima Nova" panose="020B0604020202020204" charset="0"/>
+              </a:rPr>
+              <a:t>KNN</a:t>
+            </a:r>
+            <a:endParaRPr lang="es-AR" sz="1050" dirty="0">
+              <a:solidFill>
+                <a:schemeClr val="accent2"/>
+              </a:solidFill>
+              <a:latin typeface="Proxima Nova" panose="020B0604020202020204" charset="0"/>
+            </a:endParaRPr>
+          </a:p>
+        </p:txBody>
+      </p:sp>
+      <p:sp>
+        <p:nvSpPr>
+          <p:cNvPr id="21" name="Hexágono 20">
+            <a:extLst>
+              <a:ext uri="{FF2B5EF4-FFF2-40B4-BE49-F238E27FC236}">
+                <a16:creationId xmlns:a16="http://schemas.microsoft.com/office/drawing/2014/main" id="{97216F1F-A4F2-4D04-B1C8-9E2FFD92A4E4}"/>
+              </a:ext>
+            </a:extLst>
+          </p:cNvPr>
+          <p:cNvSpPr/>
+          <p:nvPr/>
+        </p:nvSpPr>
+        <p:spPr>
+          <a:xfrm>
+            <a:off x="4465909" y="3943782"/>
+            <a:ext cx="1087946" cy="720000"/>
+          </a:xfrm>
+          <a:prstGeom prst="hexagon">
+            <a:avLst/>
+          </a:prstGeom>
+          <a:noFill/>
+          <a:ln w="12700">
+            <a:solidFill>
+              <a:schemeClr val="accent4"/>
+            </a:solidFill>
+          </a:ln>
+        </p:spPr>
+        <p:style>
+          <a:lnRef idx="2">
+            <a:schemeClr val="accent1">
+              <a:shade val="50000"/>
+            </a:schemeClr>
+          </a:lnRef>
+          <a:fillRef idx="1">
+            <a:schemeClr val="accent1"/>
+          </a:fillRef>
+          <a:effectRef idx="0">
+            <a:schemeClr val="accent1"/>
+          </a:effectRef>
+          <a:fontRef idx="minor">
+            <a:schemeClr val="lt1"/>
+          </a:fontRef>
+        </p:style>
+        <p:txBody>
+          <a:bodyPr rtlCol="0" anchor="ctr"/>
+          <a:lstStyle/>
+          <a:p>
+            <a:pPr algn="ctr"/>
+            <a:r>
+              <a:rPr lang="es-MX" sz="1050" dirty="0">
+                <a:solidFill>
+                  <a:schemeClr val="accent2"/>
+                </a:solidFill>
+                <a:latin typeface="Proxima Nova" panose="020B0604020202020204" charset="0"/>
+              </a:rPr>
+              <a:t>Regresión logística</a:t>
+            </a:r>
+            <a:endParaRPr lang="es-AR" sz="1050" dirty="0">
+              <a:solidFill>
+                <a:schemeClr val="accent2"/>
+              </a:solidFill>
+              <a:latin typeface="Proxima Nova" panose="020B0604020202020204" charset="0"/>
+            </a:endParaRPr>
+          </a:p>
+        </p:txBody>
+      </p:sp>
+      <p:sp>
+        <p:nvSpPr>
+          <p:cNvPr id="22" name="Hexágono 21">
+            <a:extLst>
+              <a:ext uri="{FF2B5EF4-FFF2-40B4-BE49-F238E27FC236}">
+                <a16:creationId xmlns:a16="http://schemas.microsoft.com/office/drawing/2014/main" id="{9448D5DB-40E2-440C-B311-7317E78E6ED1}"/>
+              </a:ext>
+            </a:extLst>
+          </p:cNvPr>
+          <p:cNvSpPr/>
+          <p:nvPr/>
+        </p:nvSpPr>
+        <p:spPr>
+          <a:xfrm>
+            <a:off x="5594499" y="3943782"/>
+            <a:ext cx="1087946" cy="720000"/>
+          </a:xfrm>
+          <a:prstGeom prst="hexagon">
+            <a:avLst/>
+          </a:prstGeom>
+          <a:noFill/>
+          <a:ln w="12700">
+            <a:solidFill>
+              <a:schemeClr val="accent4"/>
+            </a:solidFill>
+          </a:ln>
+        </p:spPr>
+        <p:style>
+          <a:lnRef idx="2">
+            <a:schemeClr val="accent1">
+              <a:shade val="50000"/>
+            </a:schemeClr>
+          </a:lnRef>
+          <a:fillRef idx="1">
+            <a:schemeClr val="accent1"/>
+          </a:fillRef>
+          <a:effectRef idx="0">
+            <a:schemeClr val="accent1"/>
+          </a:effectRef>
+          <a:fontRef idx="minor">
+            <a:schemeClr val="lt1"/>
+          </a:fontRef>
+        </p:style>
+        <p:txBody>
+          <a:bodyPr rtlCol="0" anchor="ctr"/>
+          <a:lstStyle/>
+          <a:p>
+            <a:pPr algn="ctr"/>
+            <a:r>
+              <a:rPr lang="es-MX" sz="1050" dirty="0">
+                <a:solidFill>
+                  <a:schemeClr val="accent2"/>
+                </a:solidFill>
+                <a:latin typeface="Proxima Nova" panose="020B0604020202020204" charset="0"/>
+              </a:rPr>
+              <a:t>LDA</a:t>
+            </a:r>
+            <a:endParaRPr lang="es-AR" sz="1050" dirty="0">
+              <a:solidFill>
+                <a:schemeClr val="accent2"/>
+              </a:solidFill>
+              <a:latin typeface="Proxima Nova" panose="020B0604020202020204" charset="0"/>
+            </a:endParaRPr>
+          </a:p>
+        </p:txBody>
+      </p:sp>
+      <p:sp>
+        <p:nvSpPr>
+          <p:cNvPr id="23" name="Rectángulo: esquinas redondeadas 22">
+            <a:extLst>
+              <a:ext uri="{FF2B5EF4-FFF2-40B4-BE49-F238E27FC236}">
+                <a16:creationId xmlns:a16="http://schemas.microsoft.com/office/drawing/2014/main" id="{B9A89CBC-6B47-41DB-9701-F40FC126C137}"/>
+              </a:ext>
+            </a:extLst>
+          </p:cNvPr>
+          <p:cNvSpPr/>
+          <p:nvPr/>
+        </p:nvSpPr>
+        <p:spPr>
+          <a:xfrm>
+            <a:off x="2633272" y="3211058"/>
+            <a:ext cx="1828800" cy="457200"/>
+          </a:xfrm>
+          <a:prstGeom prst="roundRect">
+            <a:avLst/>
+          </a:prstGeom>
+          <a:noFill/>
+          <a:ln w="12700">
+            <a:solidFill>
+              <a:schemeClr val="accent4"/>
+            </a:solidFill>
+          </a:ln>
+        </p:spPr>
+        <p:style>
+          <a:lnRef idx="2">
+            <a:schemeClr val="accent1">
+              <a:shade val="50000"/>
+            </a:schemeClr>
+          </a:lnRef>
+          <a:fillRef idx="1">
+            <a:schemeClr val="accent1"/>
+          </a:fillRef>
+          <a:effectRef idx="0">
+            <a:schemeClr val="accent1"/>
+          </a:effectRef>
+          <a:fontRef idx="minor">
+            <a:schemeClr val="lt1"/>
+          </a:fontRef>
+        </p:style>
+        <p:txBody>
+          <a:bodyPr rtlCol="0" anchor="ctr"/>
+          <a:lstStyle/>
+          <a:p>
+            <a:pPr algn="ctr"/>
+            <a:r>
+              <a:rPr lang="es-MX" dirty="0">
+                <a:solidFill>
+                  <a:schemeClr val="accent2"/>
+                </a:solidFill>
+                <a:latin typeface="Proxima Nova" panose="020B0604020202020204" charset="0"/>
+              </a:rPr>
+              <a:t>No paramétricos</a:t>
+            </a:r>
+            <a:endParaRPr lang="es-AR" dirty="0">
+              <a:solidFill>
+                <a:schemeClr val="accent2"/>
+              </a:solidFill>
+              <a:latin typeface="Proxima Nova" panose="020B0604020202020204" charset="0"/>
+            </a:endParaRPr>
+          </a:p>
+        </p:txBody>
+      </p:sp>
+      <p:sp>
+        <p:nvSpPr>
+          <p:cNvPr id="24" name="Rectángulo: esquinas redondeadas 23">
+            <a:extLst>
+              <a:ext uri="{FF2B5EF4-FFF2-40B4-BE49-F238E27FC236}">
+                <a16:creationId xmlns:a16="http://schemas.microsoft.com/office/drawing/2014/main" id="{39E022CC-60EF-4D14-A8D8-A2272C00939F}"/>
+              </a:ext>
+            </a:extLst>
+          </p:cNvPr>
+          <p:cNvSpPr/>
+          <p:nvPr/>
+        </p:nvSpPr>
+        <p:spPr>
+          <a:xfrm>
+            <a:off x="4621968" y="3209166"/>
+            <a:ext cx="1828800" cy="457200"/>
+          </a:xfrm>
+          <a:prstGeom prst="roundRect">
+            <a:avLst/>
+          </a:prstGeom>
+          <a:noFill/>
+          <a:ln w="12700">
+            <a:solidFill>
+              <a:schemeClr val="accent4"/>
+            </a:solidFill>
+          </a:ln>
+        </p:spPr>
+        <p:style>
+          <a:lnRef idx="2">
+            <a:schemeClr val="accent1">
+              <a:shade val="50000"/>
+            </a:schemeClr>
+          </a:lnRef>
+          <a:fillRef idx="1">
+            <a:schemeClr val="accent1"/>
+          </a:fillRef>
+          <a:effectRef idx="0">
+            <a:schemeClr val="accent1"/>
+          </a:effectRef>
+          <a:fontRef idx="minor">
+            <a:schemeClr val="lt1"/>
+          </a:fontRef>
+        </p:style>
+        <p:txBody>
+          <a:bodyPr rtlCol="0" anchor="ctr"/>
+          <a:lstStyle/>
+          <a:p>
+            <a:pPr algn="ctr"/>
+            <a:r>
+              <a:rPr lang="es-MX" dirty="0">
+                <a:solidFill>
+                  <a:schemeClr val="accent2"/>
+                </a:solidFill>
+                <a:latin typeface="Proxima Nova" panose="020B0604020202020204" charset="0"/>
+              </a:rPr>
+              <a:t>Paramétricos</a:t>
+            </a:r>
+            <a:endParaRPr lang="es-AR" dirty="0">
+              <a:solidFill>
+                <a:schemeClr val="accent2"/>
+              </a:solidFill>
+              <a:latin typeface="Proxima Nova" panose="020B0604020202020204" charset="0"/>
+            </a:endParaRPr>
+          </a:p>
+        </p:txBody>
+      </p:sp>
+      <p:cxnSp>
+        <p:nvCxnSpPr>
+          <p:cNvPr id="27" name="Conector recto 26">
+            <a:extLst>
+              <a:ext uri="{FF2B5EF4-FFF2-40B4-BE49-F238E27FC236}">
+                <a16:creationId xmlns:a16="http://schemas.microsoft.com/office/drawing/2014/main" id="{77E1FACB-771C-4678-8AEC-39BF517E1D99}"/>
+              </a:ext>
+            </a:extLst>
+          </p:cNvPr>
+          <p:cNvCxnSpPr>
+            <a:stCxn id="11" idx="2"/>
+          </p:cNvCxnSpPr>
+          <p:nvPr/>
+        </p:nvCxnSpPr>
+        <p:spPr>
+          <a:xfrm flipH="1">
+            <a:off x="748542" y="2572687"/>
+            <a:ext cx="533117" cy="373679"/>
+          </a:xfrm>
+          <a:prstGeom prst="line">
+            <a:avLst/>
+          </a:prstGeom>
+          <a:ln w="12700">
+            <a:solidFill>
+              <a:schemeClr val="accent4"/>
+            </a:solidFill>
+          </a:ln>
+        </p:spPr>
+        <p:style>
+          <a:lnRef idx="1">
+            <a:schemeClr val="accent1"/>
+          </a:lnRef>
+          <a:fillRef idx="0">
+            <a:schemeClr val="accent1"/>
+          </a:fillRef>
+          <a:effectRef idx="0">
+            <a:schemeClr val="accent1"/>
+          </a:effectRef>
+          <a:fontRef idx="minor">
+            <a:schemeClr val="tx1"/>
+          </a:fontRef>
+        </p:style>
+      </p:cxnSp>
+      <p:cxnSp>
+        <p:nvCxnSpPr>
+          <p:cNvPr id="30" name="Conector recto 29">
+            <a:extLst>
+              <a:ext uri="{FF2B5EF4-FFF2-40B4-BE49-F238E27FC236}">
+                <a16:creationId xmlns:a16="http://schemas.microsoft.com/office/drawing/2014/main" id="{0F40D13E-8445-47B1-A87F-A5950F6CF87E}"/>
+              </a:ext>
+            </a:extLst>
+          </p:cNvPr>
+          <p:cNvCxnSpPr>
+            <a:cxnSpLocks/>
+            <a:stCxn id="11" idx="2"/>
+          </p:cNvCxnSpPr>
+          <p:nvPr/>
+        </p:nvCxnSpPr>
+        <p:spPr>
+          <a:xfrm>
+            <a:off x="1281659" y="2572687"/>
+            <a:ext cx="547038" cy="373679"/>
+          </a:xfrm>
+          <a:prstGeom prst="line">
+            <a:avLst/>
+          </a:prstGeom>
+          <a:ln w="12700">
+            <a:solidFill>
+              <a:schemeClr val="accent4"/>
+            </a:solidFill>
+          </a:ln>
+        </p:spPr>
+        <p:style>
+          <a:lnRef idx="1">
+            <a:schemeClr val="accent1"/>
+          </a:lnRef>
+          <a:fillRef idx="0">
+            <a:schemeClr val="accent1"/>
+          </a:fillRef>
+          <a:effectRef idx="0">
+            <a:schemeClr val="accent1"/>
+          </a:effectRef>
+          <a:fontRef idx="minor">
+            <a:schemeClr val="tx1"/>
+          </a:fontRef>
+        </p:style>
+      </p:cxnSp>
+      <p:cxnSp>
+        <p:nvCxnSpPr>
+          <p:cNvPr id="33" name="Conector recto 32">
+            <a:extLst>
+              <a:ext uri="{FF2B5EF4-FFF2-40B4-BE49-F238E27FC236}">
+                <a16:creationId xmlns:a16="http://schemas.microsoft.com/office/drawing/2014/main" id="{7CEEF7BB-59F9-4FD2-B3AB-532406514BF7}"/>
+              </a:ext>
+            </a:extLst>
+          </p:cNvPr>
+          <p:cNvCxnSpPr>
+            <a:cxnSpLocks/>
+            <a:stCxn id="9" idx="2"/>
+            <a:endCxn id="11" idx="0"/>
+          </p:cNvCxnSpPr>
+          <p:nvPr/>
+        </p:nvCxnSpPr>
+        <p:spPr>
+          <a:xfrm flipH="1">
+            <a:off x="1281659" y="1858135"/>
+            <a:ext cx="2113613" cy="257352"/>
+          </a:xfrm>
+          <a:prstGeom prst="line">
+            <a:avLst/>
+          </a:prstGeom>
+          <a:ln w="12700">
+            <a:solidFill>
+              <a:schemeClr val="accent4"/>
+            </a:solidFill>
+          </a:ln>
+        </p:spPr>
+        <p:style>
+          <a:lnRef idx="1">
+            <a:schemeClr val="accent1"/>
+          </a:lnRef>
+          <a:fillRef idx="0">
+            <a:schemeClr val="accent1"/>
+          </a:fillRef>
+          <a:effectRef idx="0">
+            <a:schemeClr val="accent1"/>
+          </a:effectRef>
+          <a:fontRef idx="minor">
+            <a:schemeClr val="tx1"/>
+          </a:fontRef>
+        </p:style>
+      </p:cxnSp>
+      <p:cxnSp>
+        <p:nvCxnSpPr>
+          <p:cNvPr id="36" name="Conector recto 35">
+            <a:extLst>
+              <a:ext uri="{FF2B5EF4-FFF2-40B4-BE49-F238E27FC236}">
+                <a16:creationId xmlns:a16="http://schemas.microsoft.com/office/drawing/2014/main" id="{E6DF477B-E1A1-420E-99FE-F4FEFB8B0159}"/>
+              </a:ext>
+            </a:extLst>
+          </p:cNvPr>
+          <p:cNvCxnSpPr>
+            <a:cxnSpLocks/>
+            <a:stCxn id="9" idx="2"/>
+            <a:endCxn id="12" idx="0"/>
+          </p:cNvCxnSpPr>
+          <p:nvPr/>
+        </p:nvCxnSpPr>
+        <p:spPr>
+          <a:xfrm>
+            <a:off x="3395272" y="1858135"/>
+            <a:ext cx="914400" cy="256415"/>
+          </a:xfrm>
+          <a:prstGeom prst="line">
+            <a:avLst/>
+          </a:prstGeom>
+          <a:ln w="12700">
+            <a:solidFill>
+              <a:schemeClr val="accent4"/>
+            </a:solidFill>
+          </a:ln>
+        </p:spPr>
+        <p:style>
+          <a:lnRef idx="1">
+            <a:schemeClr val="accent1"/>
+          </a:lnRef>
+          <a:fillRef idx="0">
+            <a:schemeClr val="accent1"/>
+          </a:fillRef>
+          <a:effectRef idx="0">
+            <a:schemeClr val="accent1"/>
+          </a:effectRef>
+          <a:fontRef idx="minor">
+            <a:schemeClr val="tx1"/>
+          </a:fontRef>
+        </p:style>
+      </p:cxnSp>
+      <p:cxnSp>
+        <p:nvCxnSpPr>
+          <p:cNvPr id="39" name="Conector recto 38">
+            <a:extLst>
+              <a:ext uri="{FF2B5EF4-FFF2-40B4-BE49-F238E27FC236}">
+                <a16:creationId xmlns:a16="http://schemas.microsoft.com/office/drawing/2014/main" id="{8DED36CA-EBB0-4414-9220-3514866BE20E}"/>
+              </a:ext>
+            </a:extLst>
+          </p:cNvPr>
+          <p:cNvCxnSpPr>
+            <a:cxnSpLocks/>
+            <a:stCxn id="5" idx="2"/>
+            <a:endCxn id="9" idx="0"/>
+          </p:cNvCxnSpPr>
+          <p:nvPr/>
+        </p:nvCxnSpPr>
+        <p:spPr>
+          <a:xfrm flipH="1">
+            <a:off x="3395272" y="1170442"/>
+            <a:ext cx="1828800" cy="230493"/>
+          </a:xfrm>
+          <a:prstGeom prst="line">
+            <a:avLst/>
+          </a:prstGeom>
+          <a:ln w="12700">
+            <a:solidFill>
+              <a:schemeClr val="accent4"/>
+            </a:solidFill>
+          </a:ln>
+        </p:spPr>
+        <p:style>
+          <a:lnRef idx="1">
+            <a:schemeClr val="accent1"/>
+          </a:lnRef>
+          <a:fillRef idx="0">
+            <a:schemeClr val="accent1"/>
+          </a:fillRef>
+          <a:effectRef idx="0">
+            <a:schemeClr val="accent1"/>
+          </a:effectRef>
+          <a:fontRef idx="minor">
+            <a:schemeClr val="tx1"/>
+          </a:fontRef>
+        </p:style>
+      </p:cxnSp>
+      <p:cxnSp>
+        <p:nvCxnSpPr>
+          <p:cNvPr id="42" name="Conector recto 41">
+            <a:extLst>
+              <a:ext uri="{FF2B5EF4-FFF2-40B4-BE49-F238E27FC236}">
+                <a16:creationId xmlns:a16="http://schemas.microsoft.com/office/drawing/2014/main" id="{36296CC0-4538-4702-BAE5-618BF6EC547F}"/>
+              </a:ext>
+            </a:extLst>
+          </p:cNvPr>
+          <p:cNvCxnSpPr>
+            <a:cxnSpLocks/>
+            <a:stCxn id="5" idx="2"/>
+            <a:endCxn id="10" idx="0"/>
+          </p:cNvCxnSpPr>
+          <p:nvPr/>
+        </p:nvCxnSpPr>
+        <p:spPr>
+          <a:xfrm>
+            <a:off x="5224072" y="1170442"/>
+            <a:ext cx="1828800" cy="230493"/>
+          </a:xfrm>
+          <a:prstGeom prst="line">
+            <a:avLst/>
+          </a:prstGeom>
+          <a:ln w="12700">
+            <a:solidFill>
+              <a:schemeClr val="accent4"/>
+            </a:solidFill>
+          </a:ln>
+        </p:spPr>
+        <p:style>
+          <a:lnRef idx="1">
+            <a:schemeClr val="accent1"/>
+          </a:lnRef>
+          <a:fillRef idx="0">
+            <a:schemeClr val="accent1"/>
+          </a:fillRef>
+          <a:effectRef idx="0">
+            <a:schemeClr val="accent1"/>
+          </a:effectRef>
+          <a:fontRef idx="minor">
+            <a:schemeClr val="tx1"/>
+          </a:fontRef>
+        </p:style>
+      </p:cxnSp>
+      <p:cxnSp>
+        <p:nvCxnSpPr>
+          <p:cNvPr id="45" name="Conector recto 44">
+            <a:extLst>
+              <a:ext uri="{FF2B5EF4-FFF2-40B4-BE49-F238E27FC236}">
+                <a16:creationId xmlns:a16="http://schemas.microsoft.com/office/drawing/2014/main" id="{0A0F49A6-13A2-455D-BE09-F1DA863A84CA}"/>
+              </a:ext>
+            </a:extLst>
+          </p:cNvPr>
+          <p:cNvCxnSpPr>
+            <a:cxnSpLocks/>
+            <a:stCxn id="12" idx="2"/>
+            <a:endCxn id="23" idx="0"/>
+          </p:cNvCxnSpPr>
+          <p:nvPr/>
+        </p:nvCxnSpPr>
+        <p:spPr>
+          <a:xfrm flipH="1">
+            <a:off x="3547672" y="2571750"/>
+            <a:ext cx="762000" cy="639308"/>
+          </a:xfrm>
+          <a:prstGeom prst="line">
+            <a:avLst/>
+          </a:prstGeom>
+          <a:ln w="12700">
+            <a:solidFill>
+              <a:schemeClr val="accent4"/>
+            </a:solidFill>
+          </a:ln>
+        </p:spPr>
+        <p:style>
+          <a:lnRef idx="1">
+            <a:schemeClr val="accent1"/>
+          </a:lnRef>
+          <a:fillRef idx="0">
+            <a:schemeClr val="accent1"/>
+          </a:fillRef>
+          <a:effectRef idx="0">
+            <a:schemeClr val="accent1"/>
+          </a:effectRef>
+          <a:fontRef idx="minor">
+            <a:schemeClr val="tx1"/>
+          </a:fontRef>
+        </p:style>
+      </p:cxnSp>
+      <p:cxnSp>
+        <p:nvCxnSpPr>
+          <p:cNvPr id="48" name="Conector recto 47">
+            <a:extLst>
+              <a:ext uri="{FF2B5EF4-FFF2-40B4-BE49-F238E27FC236}">
+                <a16:creationId xmlns:a16="http://schemas.microsoft.com/office/drawing/2014/main" id="{CE8EE3FF-AC20-4199-88E8-E4E59FB51FDC}"/>
+              </a:ext>
+            </a:extLst>
+          </p:cNvPr>
+          <p:cNvCxnSpPr>
+            <a:cxnSpLocks/>
+            <a:stCxn id="12" idx="2"/>
+            <a:endCxn id="24" idx="0"/>
+          </p:cNvCxnSpPr>
+          <p:nvPr/>
+        </p:nvCxnSpPr>
+        <p:spPr>
+          <a:xfrm>
+            <a:off x="4309672" y="2571750"/>
+            <a:ext cx="1226696" cy="637416"/>
+          </a:xfrm>
+          <a:prstGeom prst="line">
+            <a:avLst/>
+          </a:prstGeom>
+          <a:ln w="12700">
+            <a:solidFill>
+              <a:schemeClr val="accent4"/>
+            </a:solidFill>
+          </a:ln>
+        </p:spPr>
+        <p:style>
+          <a:lnRef idx="1">
+            <a:schemeClr val="accent1"/>
+          </a:lnRef>
+          <a:fillRef idx="0">
+            <a:schemeClr val="accent1"/>
+          </a:fillRef>
+          <a:effectRef idx="0">
+            <a:schemeClr val="accent1"/>
+          </a:effectRef>
+          <a:fontRef idx="minor">
+            <a:schemeClr val="tx1"/>
+          </a:fontRef>
+        </p:style>
+      </p:cxnSp>
+      <p:cxnSp>
+        <p:nvCxnSpPr>
+          <p:cNvPr id="52" name="Conector recto 51">
+            <a:extLst>
+              <a:ext uri="{FF2B5EF4-FFF2-40B4-BE49-F238E27FC236}">
+                <a16:creationId xmlns:a16="http://schemas.microsoft.com/office/drawing/2014/main" id="{D05382A2-D7D6-4418-91FA-F06975755EFA}"/>
+              </a:ext>
+            </a:extLst>
+          </p:cNvPr>
+          <p:cNvCxnSpPr>
+            <a:cxnSpLocks/>
+            <a:stCxn id="23" idx="2"/>
+          </p:cNvCxnSpPr>
+          <p:nvPr/>
+        </p:nvCxnSpPr>
+        <p:spPr>
+          <a:xfrm>
+            <a:off x="3547672" y="3668258"/>
+            <a:ext cx="0" cy="252000"/>
+          </a:xfrm>
+          <a:prstGeom prst="line">
+            <a:avLst/>
+          </a:prstGeom>
+          <a:ln w="12700">
+            <a:solidFill>
+              <a:schemeClr val="accent4"/>
+            </a:solidFill>
+          </a:ln>
+        </p:spPr>
+        <p:style>
+          <a:lnRef idx="1">
+            <a:schemeClr val="accent1"/>
+          </a:lnRef>
+          <a:fillRef idx="0">
+            <a:schemeClr val="accent1"/>
+          </a:fillRef>
+          <a:effectRef idx="0">
+            <a:schemeClr val="accent1"/>
+          </a:effectRef>
+          <a:fontRef idx="minor">
+            <a:schemeClr val="tx1"/>
+          </a:fontRef>
+        </p:style>
+      </p:cxnSp>
+      <p:cxnSp>
+        <p:nvCxnSpPr>
+          <p:cNvPr id="55" name="Conector recto 54">
+            <a:extLst>
+              <a:ext uri="{FF2B5EF4-FFF2-40B4-BE49-F238E27FC236}">
+                <a16:creationId xmlns:a16="http://schemas.microsoft.com/office/drawing/2014/main" id="{1C9CA186-BA11-44F3-BB42-E6592CADB14F}"/>
+              </a:ext>
+            </a:extLst>
+          </p:cNvPr>
+          <p:cNvCxnSpPr>
+            <a:cxnSpLocks/>
+            <a:stCxn id="24" idx="2"/>
+          </p:cNvCxnSpPr>
+          <p:nvPr/>
+        </p:nvCxnSpPr>
+        <p:spPr>
+          <a:xfrm flipH="1">
+            <a:off x="5009882" y="3666366"/>
+            <a:ext cx="526486" cy="275524"/>
+          </a:xfrm>
+          <a:prstGeom prst="line">
+            <a:avLst/>
+          </a:prstGeom>
+          <a:ln w="12700">
+            <a:solidFill>
+              <a:schemeClr val="accent4"/>
+            </a:solidFill>
+          </a:ln>
+        </p:spPr>
+        <p:style>
+          <a:lnRef idx="1">
+            <a:schemeClr val="accent1"/>
+          </a:lnRef>
+          <a:fillRef idx="0">
+            <a:schemeClr val="accent1"/>
+          </a:fillRef>
+          <a:effectRef idx="0">
+            <a:schemeClr val="accent1"/>
+          </a:effectRef>
+          <a:fontRef idx="minor">
+            <a:schemeClr val="tx1"/>
+          </a:fontRef>
+        </p:style>
+      </p:cxnSp>
+      <p:cxnSp>
+        <p:nvCxnSpPr>
+          <p:cNvPr id="58" name="Conector recto 57">
+            <a:extLst>
+              <a:ext uri="{FF2B5EF4-FFF2-40B4-BE49-F238E27FC236}">
+                <a16:creationId xmlns:a16="http://schemas.microsoft.com/office/drawing/2014/main" id="{BCF97D6B-32FC-4C6B-B0A5-7FC37875742B}"/>
+              </a:ext>
+            </a:extLst>
+          </p:cNvPr>
+          <p:cNvCxnSpPr>
+            <a:cxnSpLocks/>
+            <a:stCxn id="24" idx="2"/>
+          </p:cNvCxnSpPr>
+          <p:nvPr/>
+        </p:nvCxnSpPr>
+        <p:spPr>
+          <a:xfrm>
+            <a:off x="5536368" y="3666366"/>
+            <a:ext cx="602104" cy="275524"/>
+          </a:xfrm>
+          <a:prstGeom prst="line">
+            <a:avLst/>
+          </a:prstGeom>
+          <a:ln w="12700">
+            <a:solidFill>
+              <a:schemeClr val="accent4"/>
+            </a:solidFill>
+          </a:ln>
+        </p:spPr>
+        <p:style>
+          <a:lnRef idx="1">
+            <a:schemeClr val="accent1"/>
+          </a:lnRef>
+          <a:fillRef idx="0">
+            <a:schemeClr val="accent1"/>
+          </a:fillRef>
+          <a:effectRef idx="0">
+            <a:schemeClr val="accent1"/>
+          </a:effectRef>
+          <a:fontRef idx="minor">
+            <a:schemeClr val="tx1"/>
+          </a:fontRef>
+        </p:style>
+      </p:cxnSp>
+      <p:cxnSp>
+        <p:nvCxnSpPr>
+          <p:cNvPr id="60" name="Conector recto 59">
+            <a:extLst>
+              <a:ext uri="{FF2B5EF4-FFF2-40B4-BE49-F238E27FC236}">
+                <a16:creationId xmlns:a16="http://schemas.microsoft.com/office/drawing/2014/main" id="{3E819977-5368-4D96-9F5B-91B50EC716FF}"/>
+              </a:ext>
+            </a:extLst>
+          </p:cNvPr>
+          <p:cNvCxnSpPr>
+            <a:stCxn id="10" idx="2"/>
+          </p:cNvCxnSpPr>
+          <p:nvPr/>
+        </p:nvCxnSpPr>
+        <p:spPr>
+          <a:xfrm flipH="1">
+            <a:off x="6570019" y="1858135"/>
+            <a:ext cx="482853" cy="275777"/>
+          </a:xfrm>
+          <a:prstGeom prst="line">
+            <a:avLst/>
+          </a:prstGeom>
+          <a:ln w="12700">
+            <a:solidFill>
+              <a:schemeClr val="accent4"/>
+            </a:solidFill>
+          </a:ln>
+        </p:spPr>
+        <p:style>
+          <a:lnRef idx="1">
+            <a:schemeClr val="accent1"/>
+          </a:lnRef>
+          <a:fillRef idx="0">
+            <a:schemeClr val="accent1"/>
+          </a:fillRef>
+          <a:effectRef idx="0">
+            <a:schemeClr val="accent1"/>
+          </a:effectRef>
+          <a:fontRef idx="minor">
+            <a:schemeClr val="tx1"/>
+          </a:fontRef>
+        </p:style>
+      </p:cxnSp>
+      <p:cxnSp>
+        <p:nvCxnSpPr>
+          <p:cNvPr id="63" name="Conector recto 62">
+            <a:extLst>
+              <a:ext uri="{FF2B5EF4-FFF2-40B4-BE49-F238E27FC236}">
+                <a16:creationId xmlns:a16="http://schemas.microsoft.com/office/drawing/2014/main" id="{74C57113-C9A9-45EB-B72F-220236E69265}"/>
+              </a:ext>
+            </a:extLst>
+          </p:cNvPr>
+          <p:cNvCxnSpPr>
+            <a:cxnSpLocks/>
+            <a:stCxn id="10" idx="2"/>
+          </p:cNvCxnSpPr>
+          <p:nvPr/>
+        </p:nvCxnSpPr>
+        <p:spPr>
+          <a:xfrm>
+            <a:off x="7052872" y="1858135"/>
+            <a:ext cx="650539" cy="275777"/>
+          </a:xfrm>
+          <a:prstGeom prst="line">
+            <a:avLst/>
+          </a:prstGeom>
+          <a:ln w="12700">
+            <a:solidFill>
+              <a:schemeClr val="accent4"/>
+            </a:solidFill>
+          </a:ln>
+        </p:spPr>
+        <p:style>
+          <a:lnRef idx="1">
+            <a:schemeClr val="accent1"/>
+          </a:lnRef>
+          <a:fillRef idx="0">
+            <a:schemeClr val="accent1"/>
+          </a:fillRef>
+          <a:effectRef idx="0">
+            <a:schemeClr val="accent1"/>
+          </a:effectRef>
+          <a:fontRef idx="minor">
+            <a:schemeClr val="tx1"/>
+          </a:fontRef>
+        </p:style>
+      </p:cxnSp>
+    </p:spTree>
+    <p:extLst>
+      <p:ext uri="{BB962C8B-B14F-4D97-AF65-F5344CB8AC3E}">
+        <p14:creationId xmlns:p14="http://schemas.microsoft.com/office/powerpoint/2010/main" val="1640414692"/>
+      </p:ext>
+    </p:extLst>
+  </p:cSld>
+  <p:clrMapOvr>
+    <a:masterClrMapping/>
+  </p:clrMapOvr>
+</p:sld>
+</file>
+
+<file path=ppt/slides/slide30.xml><?xml version="1.0" encoding="utf-8"?>
 <p:sld xmlns:a="http://schemas.openxmlformats.org/drawingml/2006/main" xmlns:r="http://schemas.openxmlformats.org/officeDocument/2006/relationships" xmlns:p="http://schemas.openxmlformats.org/presentationml/2006/main">
   <p:cSld>
     <p:spTree>
@@ -21154,7 +24555,7 @@
 </p:sld>
 </file>
 
-<file path=ppt/slides/slide3.xml><?xml version="1.0" encoding="utf-8"?>
+<file path=ppt/slides/slide4.xml><?xml version="1.0" encoding="utf-8"?>
 <p:sld xmlns:a="http://schemas.openxmlformats.org/drawingml/2006/main" xmlns:r="http://schemas.openxmlformats.org/officeDocument/2006/relationships" xmlns:p="http://schemas.openxmlformats.org/presentationml/2006/main">
   <p:cSld>
     <p:spTree>
@@ -21229,7 +24630,7 @@
 </p:sld>
 </file>
 
-<file path=ppt/slides/slide4.xml><?xml version="1.0" encoding="utf-8"?>
+<file path=ppt/slides/slide5.xml><?xml version="1.0" encoding="utf-8"?>
 <p:sld xmlns:a="http://schemas.openxmlformats.org/drawingml/2006/main" xmlns:r="http://schemas.openxmlformats.org/officeDocument/2006/relationships" xmlns:p="http://schemas.openxmlformats.org/presentationml/2006/main">
   <p:cSld>
     <p:spTree>
@@ -21288,8 +24689,8 @@
           </a:p>
         </p:txBody>
       </p:sp>
-      <mc:AlternateContent xmlns:mc="http://schemas.openxmlformats.org/markup-compatibility/2006">
-        <mc:Choice xmlns:a14="http://schemas.microsoft.com/office/drawing/2010/main" Requires="a14">
+      <mc:AlternateContent xmlns:mc="http://schemas.openxmlformats.org/markup-compatibility/2006" xmlns:a14="http://schemas.microsoft.com/office/drawing/2010/main">
+        <mc:Choice Requires="a14">
           <p:sp>
             <p:nvSpPr>
               <p:cNvPr id="137" name="Google Shape;137;p24"/>
@@ -21540,7 +24941,7 @@
             </p:txBody>
           </p:sp>
         </mc:Choice>
-        <mc:Fallback>
+        <mc:Fallback xmlns="">
           <p:sp>
             <p:nvSpPr>
               <p:cNvPr id="137" name="Google Shape;137;p24"/>
@@ -21589,7 +24990,7 @@
 </p:sld>
 </file>
 
-<file path=ppt/slides/slide5.xml><?xml version="1.0" encoding="utf-8"?>
+<file path=ppt/slides/slide6.xml><?xml version="1.0" encoding="utf-8"?>
 <p:sld xmlns:a="http://schemas.openxmlformats.org/drawingml/2006/main" xmlns:r="http://schemas.openxmlformats.org/officeDocument/2006/relationships" xmlns:p="http://schemas.openxmlformats.org/presentationml/2006/main">
   <p:cSld>
     <p:spTree>
@@ -21660,7 +25061,7 @@
 </p:sld>
 </file>
 
-<file path=ppt/slides/slide6.xml><?xml version="1.0" encoding="utf-8"?>
+<file path=ppt/slides/slide7.xml><?xml version="1.0" encoding="utf-8"?>
 <p:sld xmlns:a="http://schemas.openxmlformats.org/drawingml/2006/main" xmlns:r="http://schemas.openxmlformats.org/officeDocument/2006/relationships" xmlns:p="http://schemas.openxmlformats.org/presentationml/2006/main">
   <p:cSld>
     <p:spTree>
@@ -21719,8 +25120,8 @@
           </a:p>
         </p:txBody>
       </p:sp>
-      <mc:AlternateContent xmlns:mc="http://schemas.openxmlformats.org/markup-compatibility/2006">
-        <mc:Choice xmlns:a14="http://schemas.microsoft.com/office/drawing/2010/main" Requires="a14">
+      <mc:AlternateContent xmlns:mc="http://schemas.openxmlformats.org/markup-compatibility/2006" xmlns:a14="http://schemas.microsoft.com/office/drawing/2010/main">
+        <mc:Choice Requires="a14">
           <p:sp>
             <p:nvSpPr>
               <p:cNvPr id="4" name="Google Shape;182;p31">
@@ -22044,7 +25445,7 @@
             </p:txBody>
           </p:sp>
         </mc:Choice>
-        <mc:Fallback>
+        <mc:Fallback xmlns="">
           <p:sp>
             <p:nvSpPr>
               <p:cNvPr id="4" name="Google Shape;182;p31">
@@ -22099,7 +25500,7 @@
 </p:sld>
 </file>
 
-<file path=ppt/slides/slide7.xml><?xml version="1.0" encoding="utf-8"?>
+<file path=ppt/slides/slide8.xml><?xml version="1.0" encoding="utf-8"?>
 <p:sld xmlns:a="http://schemas.openxmlformats.org/drawingml/2006/main" xmlns:r="http://schemas.openxmlformats.org/officeDocument/2006/relationships" xmlns:p="http://schemas.openxmlformats.org/presentationml/2006/main">
   <p:cSld>
     <p:spTree>
@@ -22178,7 +25579,7 @@
 </p:sld>
 </file>
 
-<file path=ppt/slides/slide8.xml><?xml version="1.0" encoding="utf-8"?>
+<file path=ppt/slides/slide9.xml><?xml version="1.0" encoding="utf-8"?>
 <p:sld xmlns:a="http://schemas.openxmlformats.org/drawingml/2006/main" xmlns:r="http://schemas.openxmlformats.org/officeDocument/2006/relationships" xmlns:p="http://schemas.openxmlformats.org/presentationml/2006/main">
   <p:cSld>
     <p:spTree>
@@ -22237,8 +25638,8 @@
           </a:p>
         </p:txBody>
       </p:sp>
-      <mc:AlternateContent xmlns:mc="http://schemas.openxmlformats.org/markup-compatibility/2006">
-        <mc:Choice xmlns:a14="http://schemas.microsoft.com/office/drawing/2010/main" Requires="a14">
+      <mc:AlternateContent xmlns:mc="http://schemas.openxmlformats.org/markup-compatibility/2006" xmlns:a14="http://schemas.microsoft.com/office/drawing/2010/main">
+        <mc:Choice Requires="a14">
           <p:sp>
             <p:nvSpPr>
               <p:cNvPr id="4" name="Google Shape;182;p31">
@@ -22661,7 +26062,7 @@
             </p:txBody>
           </p:sp>
         </mc:Choice>
-        <mc:Fallback>
+        <mc:Fallback xmlns="">
           <p:sp>
             <p:nvSpPr>
               <p:cNvPr id="4" name="Google Shape;182;p31">
@@ -22712,675 +26113,6 @@
     <p:extLst>
       <p:ext uri="{BB962C8B-B14F-4D97-AF65-F5344CB8AC3E}">
         <p14:creationId xmlns:p14="http://schemas.microsoft.com/office/powerpoint/2010/main" val="2743063914"/>
-      </p:ext>
-    </p:extLst>
-  </p:cSld>
-  <p:clrMapOvr>
-    <a:masterClrMapping/>
-  </p:clrMapOvr>
-</p:sld>
-</file>
-
-<file path=ppt/slides/slide9.xml><?xml version="1.0" encoding="utf-8"?>
-<p:sld xmlns:a="http://schemas.openxmlformats.org/drawingml/2006/main" xmlns:r="http://schemas.openxmlformats.org/officeDocument/2006/relationships" xmlns:p="http://schemas.openxmlformats.org/presentationml/2006/main">
-  <p:cSld>
-    <p:spTree>
-      <p:nvGrpSpPr>
-        <p:cNvPr id="1" name="Shape 152"/>
-        <p:cNvGrpSpPr/>
-        <p:nvPr/>
-      </p:nvGrpSpPr>
-      <p:grpSpPr>
-        <a:xfrm>
-          <a:off x="0" y="0"/>
-          <a:ext cx="0" cy="0"/>
-          <a:chOff x="0" y="0"/>
-          <a:chExt cx="0" cy="0"/>
-        </a:xfrm>
-      </p:grpSpPr>
-      <p:sp>
-        <p:nvSpPr>
-          <p:cNvPr id="153" name="Google Shape;153;p27"/>
-          <p:cNvSpPr txBox="1">
-            <a:spLocks noGrp="1"/>
-          </p:cNvSpPr>
-          <p:nvPr>
-            <p:ph type="title"/>
-          </p:nvPr>
-        </p:nvSpPr>
-        <p:spPr>
-          <a:xfrm>
-            <a:off x="311700" y="445025"/>
-            <a:ext cx="8520600" cy="572700"/>
-          </a:xfrm>
-          <a:prstGeom prst="rect">
-            <a:avLst/>
-          </a:prstGeom>
-        </p:spPr>
-        <p:txBody>
-          <a:bodyPr spcFirstLastPara="1" wrap="square" lIns="91425" tIns="91425" rIns="91425" bIns="91425" anchor="t" anchorCtr="0">
-            <a:normAutofit fontScale="90000"/>
-          </a:bodyPr>
-          <a:lstStyle/>
-          <a:p>
-            <a:pPr marL="0" lvl="0" indent="0" algn="l" rtl="0">
-              <a:spcBef>
-                <a:spcPts val="0"/>
-              </a:spcBef>
-              <a:spcAft>
-                <a:spcPts val="0"/>
-              </a:spcAft>
-              <a:buNone/>
-            </a:pPr>
-            <a:r>
-              <a:rPr lang="es-MX" dirty="0"/>
-              <a:t>Interpretación de los coeficientes</a:t>
-            </a:r>
-            <a:endParaRPr dirty="0"/>
-          </a:p>
-        </p:txBody>
-      </p:sp>
-      <mc:AlternateContent xmlns:mc="http://schemas.openxmlformats.org/markup-compatibility/2006">
-        <mc:Choice xmlns:a14="http://schemas.microsoft.com/office/drawing/2010/main" Requires="a14">
-          <p:sp>
-            <p:nvSpPr>
-              <p:cNvPr id="4" name="Google Shape;182;p31">
-                <a:extLst>
-                  <a:ext uri="{FF2B5EF4-FFF2-40B4-BE49-F238E27FC236}">
-                    <a16:creationId xmlns:a16="http://schemas.microsoft.com/office/drawing/2014/main" id="{62D46823-7D9B-461E-8F02-9A44652B71AB}"/>
-                  </a:ext>
-                </a:extLst>
-              </p:cNvPr>
-              <p:cNvSpPr txBox="1">
-                <a:spLocks noGrp="1"/>
-              </p:cNvSpPr>
-              <p:nvPr>
-                <p:ph type="body" idx="1"/>
-              </p:nvPr>
-            </p:nvSpPr>
-            <p:spPr>
-              <a:xfrm>
-                <a:off x="311699" y="1152474"/>
-                <a:ext cx="8520600" cy="3853300"/>
-              </a:xfrm>
-              <a:prstGeom prst="rect">
-                <a:avLst/>
-              </a:prstGeom>
-            </p:spPr>
-            <p:txBody>
-              <a:bodyPr spcFirstLastPara="1" wrap="square" lIns="91425" tIns="91425" rIns="91425" bIns="91425" anchor="t" anchorCtr="0">
-                <a:normAutofit/>
-              </a:bodyPr>
-              <a:lstStyle/>
-              <a:p>
-                <a:pPr marL="285750" indent="-285750">
-                  <a:spcAft>
-                    <a:spcPts val="600"/>
-                  </a:spcAft>
-                  <a:buFont typeface="Wingdings" panose="05000000000000000000" pitchFamily="2" charset="2"/>
-                  <a:buChar char="§"/>
-                </a:pPr>
-                <a:r>
-                  <a:rPr lang="es-MX" dirty="0"/>
-                  <a:t>Se puede demostrar que: </a:t>
-                </a:r>
-              </a:p>
-              <a:p>
-                <a:pPr marL="0" indent="0">
-                  <a:spcAft>
-                    <a:spcPts val="600"/>
-                  </a:spcAft>
-                  <a:buNone/>
-                </a:pPr>
-                <a14:m>
-                  <m:oMathPara xmlns:m="http://schemas.openxmlformats.org/officeDocument/2006/math">
-                    <m:oMathParaPr>
-                      <m:jc m:val="centerGroup"/>
-                    </m:oMathParaPr>
-                    <m:oMath xmlns:m="http://schemas.openxmlformats.org/officeDocument/2006/math">
-                      <m:acc>
-                        <m:accPr>
-                          <m:chr m:val="̂"/>
-                          <m:ctrlPr>
-                            <a:rPr lang="es-MX" sz="1800" b="0" i="1" smtClean="0">
-                              <a:solidFill>
-                                <a:schemeClr val="accent2"/>
-                              </a:solidFill>
-                              <a:latin typeface="Cambria Math" panose="02040503050406030204" pitchFamily="18" charset="0"/>
-                            </a:rPr>
-                          </m:ctrlPr>
-                        </m:accPr>
-                        <m:e>
-                          <m:sSub>
-                            <m:sSubPr>
-                              <m:ctrlPr>
-                                <a:rPr lang="es-MX" sz="1800" b="0" i="1" smtClean="0">
-                                  <a:solidFill>
-                                    <a:schemeClr val="accent2"/>
-                                  </a:solidFill>
-                                  <a:latin typeface="Cambria Math" panose="02040503050406030204" pitchFamily="18" charset="0"/>
-                                </a:rPr>
-                              </m:ctrlPr>
-                            </m:sSubPr>
-                            <m:e>
-                              <m:r>
-                                <a:rPr lang="es-MX" sz="1800" b="0" i="1" smtClean="0">
-                                  <a:solidFill>
-                                    <a:schemeClr val="accent2"/>
-                                  </a:solidFill>
-                                  <a:latin typeface="Cambria Math" panose="02040503050406030204" pitchFamily="18" charset="0"/>
-                                </a:rPr>
-                                <m:t>𝛽</m:t>
-                              </m:r>
-                            </m:e>
-                            <m:sub>
-                              <m:r>
-                                <a:rPr lang="es-MX" sz="1800" b="0" i="1" smtClean="0">
-                                  <a:solidFill>
-                                    <a:schemeClr val="accent2"/>
-                                  </a:solidFill>
-                                  <a:latin typeface="Cambria Math" panose="02040503050406030204" pitchFamily="18" charset="0"/>
-                                </a:rPr>
-                                <m:t>𝑝</m:t>
-                              </m:r>
-                            </m:sub>
-                          </m:sSub>
-                        </m:e>
-                      </m:acc>
-                      <m:r>
-                        <a:rPr lang="es-MX" b="0" i="1" dirty="0" smtClean="0">
-                          <a:solidFill>
-                            <a:schemeClr val="accent2"/>
-                          </a:solidFill>
-                          <a:latin typeface="Cambria Math" panose="02040503050406030204" pitchFamily="18" charset="0"/>
-                        </a:rPr>
-                        <m:t>=</m:t>
-                      </m:r>
-                      <m:f>
-                        <m:fPr>
-                          <m:ctrlPr>
-                            <a:rPr lang="es-MX" b="0" i="1" dirty="0" smtClean="0">
-                              <a:solidFill>
-                                <a:schemeClr val="accent2"/>
-                              </a:solidFill>
-                              <a:latin typeface="Cambria Math" panose="02040503050406030204" pitchFamily="18" charset="0"/>
-                            </a:rPr>
-                          </m:ctrlPr>
-                        </m:fPr>
-                        <m:num>
-                          <m:r>
-                            <a:rPr lang="es-MX" i="1" dirty="0">
-                              <a:solidFill>
-                                <a:schemeClr val="accent2"/>
-                              </a:solidFill>
-                              <a:latin typeface="Cambria Math" panose="02040503050406030204" pitchFamily="18" charset="0"/>
-                            </a:rPr>
-                            <m:t>𝐶𝑜𝑣</m:t>
-                          </m:r>
-                          <m:r>
-                            <a:rPr lang="es-MX" i="1" dirty="0">
-                              <a:solidFill>
-                                <a:schemeClr val="accent2"/>
-                              </a:solidFill>
-                              <a:latin typeface="Cambria Math" panose="02040503050406030204" pitchFamily="18" charset="0"/>
-                            </a:rPr>
-                            <m:t>(</m:t>
-                          </m:r>
-                          <m:r>
-                            <a:rPr lang="es-MX" b="0" i="1" dirty="0" smtClean="0">
-                              <a:solidFill>
-                                <a:schemeClr val="accent2"/>
-                              </a:solidFill>
-                              <a:latin typeface="Cambria Math" panose="02040503050406030204" pitchFamily="18" charset="0"/>
-                            </a:rPr>
-                            <m:t>𝑌</m:t>
-                          </m:r>
-                          <m:r>
-                            <a:rPr lang="es-MX" i="1" dirty="0">
-                              <a:solidFill>
-                                <a:schemeClr val="accent2"/>
-                              </a:solidFill>
-                              <a:latin typeface="Cambria Math" panose="02040503050406030204" pitchFamily="18" charset="0"/>
-                            </a:rPr>
-                            <m:t>,</m:t>
-                          </m:r>
-                          <m:sSubSup>
-                            <m:sSubSupPr>
-                              <m:ctrlPr>
-                                <a:rPr lang="es-MX" i="1" dirty="0">
-                                  <a:solidFill>
-                                    <a:schemeClr val="accent2"/>
-                                  </a:solidFill>
-                                  <a:latin typeface="Cambria Math" panose="02040503050406030204" pitchFamily="18" charset="0"/>
-                                </a:rPr>
-                              </m:ctrlPr>
-                            </m:sSubSupPr>
-                            <m:e>
-                              <m:r>
-                                <a:rPr lang="es-MX" b="0" i="1" dirty="0" smtClean="0">
-                                  <a:solidFill>
-                                    <a:schemeClr val="accent2"/>
-                                  </a:solidFill>
-                                  <a:latin typeface="Cambria Math" panose="02040503050406030204" pitchFamily="18" charset="0"/>
-                                </a:rPr>
-                                <m:t>𝑋</m:t>
-                              </m:r>
-                            </m:e>
-                            <m:sub>
-                              <m:r>
-                                <a:rPr lang="es-MX" i="1" dirty="0">
-                                  <a:solidFill>
-                                    <a:schemeClr val="accent2"/>
-                                  </a:solidFill>
-                                  <a:latin typeface="Cambria Math" panose="02040503050406030204" pitchFamily="18" charset="0"/>
-                                </a:rPr>
-                                <m:t>𝑝</m:t>
-                              </m:r>
-                            </m:sub>
-                            <m:sup>
-                              <m:r>
-                                <a:rPr lang="es-MX" i="1" dirty="0">
-                                  <a:solidFill>
-                                    <a:schemeClr val="accent2"/>
-                                  </a:solidFill>
-                                  <a:latin typeface="Cambria Math" panose="02040503050406030204" pitchFamily="18" charset="0"/>
-                                </a:rPr>
-                                <m:t>′</m:t>
-                              </m:r>
-                            </m:sup>
-                          </m:sSubSup>
-                          <m:r>
-                            <a:rPr lang="es-MX" i="1" dirty="0">
-                              <a:solidFill>
-                                <a:schemeClr val="accent2"/>
-                              </a:solidFill>
-                              <a:latin typeface="Cambria Math" panose="02040503050406030204" pitchFamily="18" charset="0"/>
-                            </a:rPr>
-                            <m:t>)</m:t>
-                          </m:r>
-                          <m:r>
-                            <m:rPr>
-                              <m:nor/>
-                            </m:rPr>
-                            <a:rPr lang="es-MX" dirty="0">
-                              <a:solidFill>
-                                <a:schemeClr val="accent2"/>
-                              </a:solidFill>
-                            </a:rPr>
-                            <m:t> </m:t>
-                          </m:r>
-                        </m:num>
-                        <m:den>
-                          <m:r>
-                            <a:rPr lang="es-MX" b="0" i="1" dirty="0" smtClean="0">
-                              <a:solidFill>
-                                <a:schemeClr val="accent2"/>
-                              </a:solidFill>
-                              <a:latin typeface="Cambria Math" panose="02040503050406030204" pitchFamily="18" charset="0"/>
-                            </a:rPr>
-                            <m:t>𝑉𝑎𝑟</m:t>
-                          </m:r>
-                          <m:r>
-                            <a:rPr lang="es-MX" b="0" i="1" dirty="0" smtClean="0">
-                              <a:solidFill>
-                                <a:schemeClr val="accent2"/>
-                              </a:solidFill>
-                              <a:latin typeface="Cambria Math" panose="02040503050406030204" pitchFamily="18" charset="0"/>
-                            </a:rPr>
-                            <m:t>(</m:t>
-                          </m:r>
-                          <m:sSubSup>
-                            <m:sSubSupPr>
-                              <m:ctrlPr>
-                                <a:rPr lang="es-MX" b="0" i="1" dirty="0" smtClean="0">
-                                  <a:solidFill>
-                                    <a:schemeClr val="accent2"/>
-                                  </a:solidFill>
-                                  <a:latin typeface="Cambria Math" panose="02040503050406030204" pitchFamily="18" charset="0"/>
-                                </a:rPr>
-                              </m:ctrlPr>
-                            </m:sSubSupPr>
-                            <m:e>
-                              <m:r>
-                                <a:rPr lang="es-MX" b="0" i="1" dirty="0" smtClean="0">
-                                  <a:solidFill>
-                                    <a:schemeClr val="accent2"/>
-                                  </a:solidFill>
-                                  <a:latin typeface="Cambria Math" panose="02040503050406030204" pitchFamily="18" charset="0"/>
-                                </a:rPr>
-                                <m:t>𝑋</m:t>
-                              </m:r>
-                            </m:e>
-                            <m:sub>
-                              <m:r>
-                                <a:rPr lang="es-MX" b="0" i="1" dirty="0" smtClean="0">
-                                  <a:solidFill>
-                                    <a:schemeClr val="accent2"/>
-                                  </a:solidFill>
-                                  <a:latin typeface="Cambria Math" panose="02040503050406030204" pitchFamily="18" charset="0"/>
-                                </a:rPr>
-                                <m:t>𝑝</m:t>
-                              </m:r>
-                            </m:sub>
-                            <m:sup>
-                              <m:r>
-                                <a:rPr lang="es-MX" b="0" i="1" dirty="0" smtClean="0">
-                                  <a:solidFill>
-                                    <a:schemeClr val="accent2"/>
-                                  </a:solidFill>
-                                  <a:latin typeface="Cambria Math" panose="02040503050406030204" pitchFamily="18" charset="0"/>
-                                </a:rPr>
-                                <m:t>′</m:t>
-                              </m:r>
-                            </m:sup>
-                          </m:sSubSup>
-                          <m:r>
-                            <a:rPr lang="es-MX" b="0" i="1" dirty="0" smtClean="0">
-                              <a:solidFill>
-                                <a:schemeClr val="accent2"/>
-                              </a:solidFill>
-                              <a:latin typeface="Cambria Math" panose="02040503050406030204" pitchFamily="18" charset="0"/>
-                            </a:rPr>
-                            <m:t>)</m:t>
-                          </m:r>
-                        </m:den>
-                      </m:f>
-                    </m:oMath>
-                  </m:oMathPara>
-                </a14:m>
-                <a:endParaRPr lang="es-MX" dirty="0"/>
-              </a:p>
-              <a:p>
-                <a:pPr marL="0" indent="0">
-                  <a:spcAft>
-                    <a:spcPts val="600"/>
-                  </a:spcAft>
-                  <a:buNone/>
-                </a:pPr>
-                <a:r>
-                  <a:rPr lang="es-MX" dirty="0"/>
-                  <a:t>     donde </a:t>
-                </a:r>
-                <a14:m>
-                  <m:oMath xmlns:m="http://schemas.openxmlformats.org/officeDocument/2006/math">
-                    <m:sSubSup>
-                      <m:sSubSupPr>
-                        <m:ctrlPr>
-                          <a:rPr lang="es-MX" i="1" dirty="0">
-                            <a:latin typeface="Cambria Math" panose="02040503050406030204" pitchFamily="18" charset="0"/>
-                          </a:rPr>
-                        </m:ctrlPr>
-                      </m:sSubSupPr>
-                      <m:e>
-                        <m:r>
-                          <a:rPr lang="es-MX" b="0" i="1" dirty="0" smtClean="0">
-                            <a:latin typeface="Cambria Math" panose="02040503050406030204" pitchFamily="18" charset="0"/>
-                          </a:rPr>
-                          <m:t>𝑋</m:t>
-                        </m:r>
-                      </m:e>
-                      <m:sub>
-                        <m:r>
-                          <a:rPr lang="es-MX" i="1" dirty="0">
-                            <a:latin typeface="Cambria Math" panose="02040503050406030204" pitchFamily="18" charset="0"/>
-                          </a:rPr>
-                          <m:t>𝑝</m:t>
-                        </m:r>
-                      </m:sub>
-                      <m:sup>
-                        <m:r>
-                          <a:rPr lang="es-MX" i="1" dirty="0">
-                            <a:latin typeface="Cambria Math" panose="02040503050406030204" pitchFamily="18" charset="0"/>
-                          </a:rPr>
-                          <m:t>′</m:t>
-                        </m:r>
-                      </m:sup>
-                    </m:sSubSup>
-                  </m:oMath>
-                </a14:m>
-                <a:r>
-                  <a:rPr lang="es-MX" dirty="0"/>
-                  <a:t> es el residuo de regresar </a:t>
-                </a:r>
-                <a14:m>
-                  <m:oMath xmlns:m="http://schemas.openxmlformats.org/officeDocument/2006/math">
-                    <m:sSub>
-                      <m:sSubPr>
-                        <m:ctrlPr>
-                          <a:rPr lang="es-MX" b="0" i="1" smtClean="0">
-                            <a:latin typeface="Cambria Math" panose="02040503050406030204" pitchFamily="18" charset="0"/>
-                          </a:rPr>
-                        </m:ctrlPr>
-                      </m:sSubPr>
-                      <m:e>
-                        <m:r>
-                          <a:rPr lang="es-MX" b="0" i="1" smtClean="0">
-                            <a:latin typeface="Cambria Math" panose="02040503050406030204" pitchFamily="18" charset="0"/>
-                          </a:rPr>
-                          <m:t>𝑋</m:t>
-                        </m:r>
-                      </m:e>
-                      <m:sub>
-                        <m:r>
-                          <a:rPr lang="es-MX" b="0" i="1" smtClean="0">
-                            <a:latin typeface="Cambria Math" panose="02040503050406030204" pitchFamily="18" charset="0"/>
-                          </a:rPr>
-                          <m:t>𝑝</m:t>
-                        </m:r>
-                      </m:sub>
-                    </m:sSub>
-                  </m:oMath>
-                </a14:m>
-                <a:r>
-                  <a:rPr lang="es-MX" dirty="0"/>
-                  <a:t> sobre el resto de las </a:t>
-                </a:r>
-                <a14:m>
-                  <m:oMath xmlns:m="http://schemas.openxmlformats.org/officeDocument/2006/math">
-                    <m:r>
-                      <a:rPr lang="es-MX" i="1" dirty="0" smtClean="0">
-                        <a:latin typeface="Cambria Math" panose="02040503050406030204" pitchFamily="18" charset="0"/>
-                      </a:rPr>
-                      <m:t>𝑋</m:t>
-                    </m:r>
-                  </m:oMath>
-                </a14:m>
-                <a:r>
-                  <a:rPr lang="es-MX" dirty="0"/>
-                  <a:t>.</a:t>
-                </a:r>
-              </a:p>
-              <a:p>
-                <a:pPr marL="285750" indent="-285750">
-                  <a:spcAft>
-                    <a:spcPts val="600"/>
-                  </a:spcAft>
-                  <a:buFont typeface="Wingdings" panose="05000000000000000000" pitchFamily="2" charset="2"/>
-                  <a:buChar char="§"/>
-                </a:pPr>
-                <a:r>
-                  <a:rPr lang="es-MX" dirty="0"/>
-                  <a:t>Es decir que el beta de una regresión múltiple nos muestra la asociación entre la </a:t>
-                </a:r>
-                <a14:m>
-                  <m:oMath xmlns:m="http://schemas.openxmlformats.org/officeDocument/2006/math">
-                    <m:r>
-                      <a:rPr lang="es-MX" i="1" dirty="0" smtClean="0">
-                        <a:latin typeface="Cambria Math" panose="02040503050406030204" pitchFamily="18" charset="0"/>
-                      </a:rPr>
-                      <m:t>𝑌</m:t>
-                    </m:r>
-                  </m:oMath>
-                </a14:m>
-                <a:r>
-                  <a:rPr lang="es-MX" dirty="0"/>
-                  <a:t> </a:t>
-                </a:r>
-                <a:r>
-                  <a:rPr lang="es-MX" dirty="0" err="1"/>
-                  <a:t>y</a:t>
-                </a:r>
-                <a:r>
-                  <a:rPr lang="es-MX" dirty="0"/>
-                  <a:t> la parte de </a:t>
-                </a:r>
-                <a14:m>
-                  <m:oMath xmlns:m="http://schemas.openxmlformats.org/officeDocument/2006/math">
-                    <m:sSub>
-                      <m:sSubPr>
-                        <m:ctrlPr>
-                          <a:rPr lang="es-MX" b="0" i="1" dirty="0" smtClean="0">
-                            <a:latin typeface="Cambria Math" panose="02040503050406030204" pitchFamily="18" charset="0"/>
-                          </a:rPr>
-                        </m:ctrlPr>
-                      </m:sSubPr>
-                      <m:e>
-                        <m:r>
-                          <a:rPr lang="es-MX" i="1" dirty="0" smtClean="0">
-                            <a:latin typeface="Cambria Math" panose="02040503050406030204" pitchFamily="18" charset="0"/>
-                          </a:rPr>
-                          <m:t>𝑋</m:t>
-                        </m:r>
-                      </m:e>
-                      <m:sub>
-                        <m:r>
-                          <a:rPr lang="es-MX" b="0" i="1" dirty="0" smtClean="0">
-                            <a:latin typeface="Cambria Math" panose="02040503050406030204" pitchFamily="18" charset="0"/>
-                          </a:rPr>
-                          <m:t>𝑝</m:t>
-                        </m:r>
-                      </m:sub>
-                    </m:sSub>
-                  </m:oMath>
-                </a14:m>
-                <a:r>
-                  <a:rPr lang="es-MX" dirty="0"/>
-                  <a:t> que no está explicada por el resto de las variables.</a:t>
-                </a:r>
-              </a:p>
-              <a:p>
-                <a:pPr marL="285750" indent="-285750">
-                  <a:spcAft>
-                    <a:spcPts val="600"/>
-                  </a:spcAft>
-                  <a:buFont typeface="Wingdings" panose="05000000000000000000" pitchFamily="2" charset="2"/>
-                  <a:buChar char="§"/>
-                </a:pPr>
-                <a:r>
-                  <a:rPr lang="es-MX" dirty="0"/>
-                  <a:t>Al incluir nuevas variables, estamos “limpiando” el beta, sacándole la parte que se debe a asociaciones entre </a:t>
-                </a:r>
-                <a14:m>
-                  <m:oMath xmlns:m="http://schemas.openxmlformats.org/officeDocument/2006/math">
-                    <m:sSub>
-                      <m:sSubPr>
-                        <m:ctrlPr>
-                          <a:rPr lang="es-MX" i="1" dirty="0" smtClean="0">
-                            <a:latin typeface="Cambria Math" panose="02040503050406030204" pitchFamily="18" charset="0"/>
-                          </a:rPr>
-                        </m:ctrlPr>
-                      </m:sSubPr>
-                      <m:e>
-                        <m:r>
-                          <a:rPr lang="es-MX" i="1" dirty="0" smtClean="0">
-                            <a:latin typeface="Cambria Math" panose="02040503050406030204" pitchFamily="18" charset="0"/>
-                          </a:rPr>
-                          <m:t>𝑋</m:t>
-                        </m:r>
-                      </m:e>
-                      <m:sub>
-                        <m:r>
-                          <a:rPr lang="es-MX" i="1" dirty="0" smtClean="0">
-                            <a:latin typeface="Cambria Math" panose="02040503050406030204" pitchFamily="18" charset="0"/>
-                          </a:rPr>
-                          <m:t>𝑝</m:t>
-                        </m:r>
-                      </m:sub>
-                    </m:sSub>
-                  </m:oMath>
-                </a14:m>
-                <a:r>
-                  <a:rPr lang="es-MX" dirty="0"/>
-                  <a:t> y otras </a:t>
-                </a:r>
-                <a14:m>
-                  <m:oMath xmlns:m="http://schemas.openxmlformats.org/officeDocument/2006/math">
-                    <m:r>
-                      <a:rPr lang="es-MX" i="1" dirty="0" smtClean="0">
-                        <a:latin typeface="Cambria Math" panose="02040503050406030204" pitchFamily="18" charset="0"/>
-                      </a:rPr>
-                      <m:t>𝑋</m:t>
-                    </m:r>
-                  </m:oMath>
-                </a14:m>
-                <a:r>
-                  <a:rPr lang="es-MX" dirty="0"/>
-                  <a:t>.</a:t>
-                </a:r>
-              </a:p>
-              <a:p>
-                <a:pPr marL="0" indent="0">
-                  <a:spcAft>
-                    <a:spcPts val="600"/>
-                  </a:spcAft>
-                  <a:buNone/>
-                </a:pPr>
-                <a:endParaRPr dirty="0"/>
-              </a:p>
-            </p:txBody>
-          </p:sp>
-        </mc:Choice>
-        <mc:Fallback>
-          <p:sp>
-            <p:nvSpPr>
-              <p:cNvPr id="4" name="Google Shape;182;p31">
-                <a:extLst>
-                  <a:ext uri="{FF2B5EF4-FFF2-40B4-BE49-F238E27FC236}">
-                    <a16:creationId xmlns:a16="http://schemas.microsoft.com/office/drawing/2014/main" id="{62D46823-7D9B-461E-8F02-9A44652B71AB}"/>
-                  </a:ext>
-                </a:extLst>
-              </p:cNvPr>
-              <p:cNvSpPr txBox="1">
-                <a:spLocks noGrp="1" noRot="1" noChangeAspect="1" noMove="1" noResize="1" noEditPoints="1" noAdjustHandles="1" noChangeArrowheads="1" noChangeShapeType="1" noTextEdit="1"/>
-              </p:cNvSpPr>
-              <p:nvPr>
-                <p:ph type="body" idx="1"/>
-              </p:nvPr>
-            </p:nvSpPr>
-            <p:spPr>
-              <a:xfrm>
-                <a:off x="311699" y="1152474"/>
-                <a:ext cx="8520600" cy="3853300"/>
-              </a:xfrm>
-              <a:prstGeom prst="rect">
-                <a:avLst/>
-              </a:prstGeom>
-              <a:blipFill>
-                <a:blip r:embed="rId3"/>
-                <a:stretch>
-                  <a:fillRect l="-429" r="-1216"/>
-                </a:stretch>
-              </a:blipFill>
-            </p:spPr>
-            <p:txBody>
-              <a:bodyPr/>
-              <a:lstStyle/>
-              <a:p>
-                <a:r>
-                  <a:rPr lang="es-AR">
-                    <a:noFill/>
-                  </a:rPr>
-                  <a:t> </a:t>
-                </a:r>
-              </a:p>
-            </p:txBody>
-          </p:sp>
-        </mc:Fallback>
-      </mc:AlternateContent>
-    </p:spTree>
-    <p:extLst>
-      <p:ext uri="{BB962C8B-B14F-4D97-AF65-F5344CB8AC3E}">
-        <p14:creationId xmlns:p14="http://schemas.microsoft.com/office/powerpoint/2010/main" val="1323817534"/>
       </p:ext>
     </p:extLst>
   </p:cSld>

--- a/clase3/teorica_3.pptx
+++ b/clase3/teorica_3.pptx
@@ -22164,204 +22164,6 @@
       </p:sp>
       <p:sp>
         <p:nvSpPr>
-          <p:cNvPr id="9" name="Hexágono 8">
-            <a:extLst>
-              <a:ext uri="{FF2B5EF4-FFF2-40B4-BE49-F238E27FC236}">
-                <a16:creationId xmlns:a16="http://schemas.microsoft.com/office/drawing/2014/main" id="{8E3DFAA5-19CC-4E19-84AF-C732D5125847}"/>
-              </a:ext>
-            </a:extLst>
-          </p:cNvPr>
-          <p:cNvSpPr/>
-          <p:nvPr/>
-        </p:nvSpPr>
-        <p:spPr>
-          <a:xfrm>
-            <a:off x="3813168" y="4258723"/>
-            <a:ext cx="1087946" cy="720000"/>
-          </a:xfrm>
-          <a:prstGeom prst="hexagon">
-            <a:avLst/>
-          </a:prstGeom>
-          <a:noFill/>
-          <a:ln w="12700">
-            <a:solidFill>
-              <a:srgbClr val="999999"/>
-            </a:solidFill>
-          </a:ln>
-        </p:spPr>
-        <p:style>
-          <a:lnRef idx="2">
-            <a:schemeClr val="accent1">
-              <a:shade val="50000"/>
-            </a:schemeClr>
-          </a:lnRef>
-          <a:fillRef idx="1">
-            <a:schemeClr val="accent1"/>
-          </a:fillRef>
-          <a:effectRef idx="0">
-            <a:schemeClr val="accent1"/>
-          </a:effectRef>
-          <a:fontRef idx="minor">
-            <a:schemeClr val="lt1"/>
-          </a:fontRef>
-        </p:style>
-        <p:txBody>
-          <a:bodyPr rtlCol="0" anchor="ctr"/>
-          <a:lstStyle/>
-          <a:p>
-            <a:pPr algn="ctr"/>
-            <a:r>
-              <a:rPr lang="es-MX" sz="1050" dirty="0">
-                <a:solidFill>
-                  <a:schemeClr val="accent2"/>
-                </a:solidFill>
-                <a:latin typeface="Proxima Nova" panose="020B0604020202020204" charset="0"/>
-              </a:rPr>
-              <a:t>KNN</a:t>
-            </a:r>
-            <a:endParaRPr lang="es-AR" sz="1050" dirty="0">
-              <a:solidFill>
-                <a:schemeClr val="accent2"/>
-              </a:solidFill>
-              <a:latin typeface="Proxima Nova" panose="020B0604020202020204" charset="0"/>
-            </a:endParaRPr>
-          </a:p>
-        </p:txBody>
-      </p:sp>
-      <p:sp>
-        <p:nvSpPr>
-          <p:cNvPr id="10" name="Hexágono 9">
-            <a:extLst>
-              <a:ext uri="{FF2B5EF4-FFF2-40B4-BE49-F238E27FC236}">
-                <a16:creationId xmlns:a16="http://schemas.microsoft.com/office/drawing/2014/main" id="{3569D53F-B37E-4B91-8D03-20B641EEBBF9}"/>
-              </a:ext>
-            </a:extLst>
-          </p:cNvPr>
-          <p:cNvSpPr/>
-          <p:nvPr/>
-        </p:nvSpPr>
-        <p:spPr>
-          <a:xfrm>
-            <a:off x="5275378" y="4266840"/>
-            <a:ext cx="1087946" cy="720000"/>
-          </a:xfrm>
-          <a:prstGeom prst="hexagon">
-            <a:avLst/>
-          </a:prstGeom>
-          <a:noFill/>
-          <a:ln w="28575">
-            <a:solidFill>
-              <a:schemeClr val="tx2"/>
-            </a:solidFill>
-          </a:ln>
-        </p:spPr>
-        <p:style>
-          <a:lnRef idx="2">
-            <a:schemeClr val="accent1">
-              <a:shade val="50000"/>
-            </a:schemeClr>
-          </a:lnRef>
-          <a:fillRef idx="1">
-            <a:schemeClr val="accent1"/>
-          </a:fillRef>
-          <a:effectRef idx="0">
-            <a:schemeClr val="accent1"/>
-          </a:effectRef>
-          <a:fontRef idx="minor">
-            <a:schemeClr val="lt1"/>
-          </a:fontRef>
-        </p:style>
-        <p:txBody>
-          <a:bodyPr rtlCol="0" anchor="ctr"/>
-          <a:lstStyle/>
-          <a:p>
-            <a:pPr algn="ctr"/>
-            <a:r>
-              <a:rPr lang="es-MX" sz="1050" dirty="0">
-                <a:solidFill>
-                  <a:schemeClr val="accent2"/>
-                </a:solidFill>
-                <a:latin typeface="Proxima Nova" panose="020B0604020202020204" charset="0"/>
-              </a:rPr>
-              <a:t>Regresión logística</a:t>
-            </a:r>
-            <a:endParaRPr lang="es-AR" sz="1050" dirty="0">
-              <a:solidFill>
-                <a:schemeClr val="accent2"/>
-              </a:solidFill>
-              <a:latin typeface="Proxima Nova" panose="020B0604020202020204" charset="0"/>
-            </a:endParaRPr>
-          </a:p>
-        </p:txBody>
-      </p:sp>
-      <p:sp>
-        <p:nvSpPr>
-          <p:cNvPr id="11" name="Hexágono 10">
-            <a:extLst>
-              <a:ext uri="{FF2B5EF4-FFF2-40B4-BE49-F238E27FC236}">
-                <a16:creationId xmlns:a16="http://schemas.microsoft.com/office/drawing/2014/main" id="{224B2766-599F-4EDD-BB2E-66E05E651653}"/>
-              </a:ext>
-            </a:extLst>
-          </p:cNvPr>
-          <p:cNvSpPr/>
-          <p:nvPr/>
-        </p:nvSpPr>
-        <p:spPr>
-          <a:xfrm>
-            <a:off x="6403968" y="4266840"/>
-            <a:ext cx="1087946" cy="720000"/>
-          </a:xfrm>
-          <a:prstGeom prst="hexagon">
-            <a:avLst/>
-          </a:prstGeom>
-          <a:noFill/>
-          <a:ln w="12700">
-            <a:solidFill>
-              <a:schemeClr val="accent4"/>
-            </a:solidFill>
-          </a:ln>
-        </p:spPr>
-        <p:style>
-          <a:lnRef idx="2">
-            <a:schemeClr val="accent1">
-              <a:shade val="50000"/>
-            </a:schemeClr>
-          </a:lnRef>
-          <a:fillRef idx="1">
-            <a:schemeClr val="accent1"/>
-          </a:fillRef>
-          <a:effectRef idx="0">
-            <a:schemeClr val="accent1"/>
-          </a:effectRef>
-          <a:fontRef idx="minor">
-            <a:schemeClr val="lt1"/>
-          </a:fontRef>
-        </p:style>
-        <p:txBody>
-          <a:bodyPr rtlCol="0" anchor="ctr"/>
-          <a:lstStyle/>
-          <a:p>
-            <a:pPr algn="ctr"/>
-            <a:r>
-              <a:rPr lang="es-MX" sz="1050" dirty="0">
-                <a:solidFill>
-                  <a:schemeClr val="accent2"/>
-                </a:solidFill>
-                <a:latin typeface="Proxima Nova" panose="020B0604020202020204" charset="0"/>
-              </a:rPr>
-              <a:t>LDA</a:t>
-            </a:r>
-            <a:endParaRPr lang="es-AR" sz="1050" dirty="0">
-              <a:solidFill>
-                <a:schemeClr val="accent2"/>
-              </a:solidFill>
-              <a:latin typeface="Proxima Nova" panose="020B0604020202020204" charset="0"/>
-            </a:endParaRPr>
-          </a:p>
-        </p:txBody>
-      </p:sp>
-      <p:sp>
-        <p:nvSpPr>
           <p:cNvPr id="12" name="Rectángulo: esquinas redondeadas 11">
             <a:extLst>
               <a:ext uri="{FF2B5EF4-FFF2-40B4-BE49-F238E27FC236}">
@@ -22759,138 +22561,472 @@
           </a:fontRef>
         </p:style>
       </p:cxnSp>
-      <p:cxnSp>
-        <p:nvCxnSpPr>
-          <p:cNvPr id="20" name="Conector recto 19">
+      <p:grpSp>
+        <p:nvGrpSpPr>
+          <p:cNvPr id="23" name="Grupo 22">
             <a:extLst>
               <a:ext uri="{FF2B5EF4-FFF2-40B4-BE49-F238E27FC236}">
-                <a16:creationId xmlns:a16="http://schemas.microsoft.com/office/drawing/2014/main" id="{CB6668D4-DBA9-4C53-92E4-93562A0F9523}"/>
+                <a16:creationId xmlns:a16="http://schemas.microsoft.com/office/drawing/2014/main" id="{5C32465C-EC74-46DD-B8A3-9C1C008D8E9F}"/>
               </a:ext>
             </a:extLst>
           </p:cNvPr>
-          <p:cNvCxnSpPr>
-            <a:cxnSpLocks/>
-            <a:stCxn id="12" idx="2"/>
-          </p:cNvCxnSpPr>
+          <p:cNvGrpSpPr/>
           <p:nvPr/>
-        </p:nvCxnSpPr>
-        <p:spPr>
+        </p:nvGrpSpPr>
+        <p:grpSpPr>
           <a:xfrm>
-            <a:off x="4357141" y="3991316"/>
-            <a:ext cx="0" cy="252000"/>
+            <a:off x="3132945" y="3982722"/>
+            <a:ext cx="4451377" cy="993357"/>
+            <a:chOff x="2231068" y="3666366"/>
+            <a:chExt cx="4451377" cy="993357"/>
           </a:xfrm>
-          <a:prstGeom prst="line">
-            <a:avLst/>
-          </a:prstGeom>
-          <a:ln>
-            <a:solidFill>
-              <a:schemeClr val="accent4"/>
-            </a:solidFill>
-          </a:ln>
-        </p:spPr>
-        <p:style>
-          <a:lnRef idx="1">
-            <a:schemeClr val="accent1"/>
-          </a:lnRef>
-          <a:fillRef idx="0">
-            <a:schemeClr val="accent1"/>
-          </a:fillRef>
-          <a:effectRef idx="0">
-            <a:schemeClr val="accent1"/>
-          </a:effectRef>
-          <a:fontRef idx="minor">
-            <a:schemeClr val="tx1"/>
-          </a:fontRef>
-        </p:style>
-      </p:cxnSp>
-      <p:cxnSp>
-        <p:nvCxnSpPr>
-          <p:cNvPr id="21" name="Conector recto 20">
-            <a:extLst>
-              <a:ext uri="{FF2B5EF4-FFF2-40B4-BE49-F238E27FC236}">
-                <a16:creationId xmlns:a16="http://schemas.microsoft.com/office/drawing/2014/main" id="{FDB4E981-4F2D-45D8-BC19-6A62718307A9}"/>
-              </a:ext>
-            </a:extLst>
-          </p:cNvPr>
-          <p:cNvCxnSpPr>
-            <a:cxnSpLocks/>
-            <a:stCxn id="13" idx="2"/>
-          </p:cNvCxnSpPr>
-          <p:nvPr/>
-        </p:nvCxnSpPr>
-        <p:spPr>
-          <a:xfrm flipH="1">
-            <a:off x="5819351" y="3989424"/>
-            <a:ext cx="526486" cy="275524"/>
-          </a:xfrm>
-          <a:prstGeom prst="line">
-            <a:avLst/>
-          </a:prstGeom>
-          <a:ln>
-            <a:solidFill>
-              <a:schemeClr val="accent4"/>
-            </a:solidFill>
-          </a:ln>
-        </p:spPr>
-        <p:style>
-          <a:lnRef idx="1">
-            <a:schemeClr val="accent1"/>
-          </a:lnRef>
-          <a:fillRef idx="0">
-            <a:schemeClr val="accent1"/>
-          </a:fillRef>
-          <a:effectRef idx="0">
-            <a:schemeClr val="accent1"/>
-          </a:effectRef>
-          <a:fontRef idx="minor">
-            <a:schemeClr val="tx1"/>
-          </a:fontRef>
-        </p:style>
-      </p:cxnSp>
-      <p:cxnSp>
-        <p:nvCxnSpPr>
-          <p:cNvPr id="22" name="Conector recto 21">
-            <a:extLst>
-              <a:ext uri="{FF2B5EF4-FFF2-40B4-BE49-F238E27FC236}">
-                <a16:creationId xmlns:a16="http://schemas.microsoft.com/office/drawing/2014/main" id="{317BC04E-4DB1-4223-BEAF-009EBC94DF0E}"/>
-              </a:ext>
-            </a:extLst>
-          </p:cNvPr>
-          <p:cNvCxnSpPr>
-            <a:cxnSpLocks/>
-            <a:stCxn id="13" idx="2"/>
-          </p:cNvCxnSpPr>
-          <p:nvPr/>
-        </p:nvCxnSpPr>
-        <p:spPr>
-          <a:xfrm>
-            <a:off x="6345837" y="3989424"/>
-            <a:ext cx="602104" cy="275524"/>
-          </a:xfrm>
-          <a:prstGeom prst="line">
-            <a:avLst/>
-          </a:prstGeom>
-          <a:ln>
-            <a:solidFill>
-              <a:schemeClr val="accent4"/>
-            </a:solidFill>
-          </a:ln>
-        </p:spPr>
-        <p:style>
-          <a:lnRef idx="1">
-            <a:schemeClr val="accent1"/>
-          </a:lnRef>
-          <a:fillRef idx="0">
-            <a:schemeClr val="accent1"/>
-          </a:fillRef>
-          <a:effectRef idx="0">
-            <a:schemeClr val="accent1"/>
-          </a:effectRef>
-          <a:fontRef idx="minor">
-            <a:schemeClr val="tx1"/>
-          </a:fontRef>
-        </p:style>
-      </p:cxnSp>
+        </p:grpSpPr>
+        <p:sp>
+          <p:nvSpPr>
+            <p:cNvPr id="24" name="Hexágono 23">
+              <a:extLst>
+                <a:ext uri="{FF2B5EF4-FFF2-40B4-BE49-F238E27FC236}">
+                  <a16:creationId xmlns:a16="http://schemas.microsoft.com/office/drawing/2014/main" id="{66AD62AA-624E-4CB1-A739-3E8BCEB1733F}"/>
+                </a:ext>
+              </a:extLst>
+            </p:cNvPr>
+            <p:cNvSpPr/>
+            <p:nvPr/>
+          </p:nvSpPr>
+          <p:spPr>
+            <a:xfrm>
+              <a:off x="2231068" y="3939723"/>
+              <a:ext cx="1087946" cy="720000"/>
+            </a:xfrm>
+            <a:prstGeom prst="hexagon">
+              <a:avLst/>
+            </a:prstGeom>
+            <a:noFill/>
+            <a:ln w="12700">
+              <a:solidFill>
+                <a:schemeClr val="accent4"/>
+              </a:solidFill>
+            </a:ln>
+          </p:spPr>
+          <p:style>
+            <a:lnRef idx="2">
+              <a:schemeClr val="accent1">
+                <a:shade val="50000"/>
+              </a:schemeClr>
+            </a:lnRef>
+            <a:fillRef idx="1">
+              <a:schemeClr val="accent1"/>
+            </a:fillRef>
+            <a:effectRef idx="0">
+              <a:schemeClr val="accent1"/>
+            </a:effectRef>
+            <a:fontRef idx="minor">
+              <a:schemeClr val="lt1"/>
+            </a:fontRef>
+          </p:style>
+          <p:txBody>
+            <a:bodyPr rtlCol="0" anchor="ctr"/>
+            <a:lstStyle/>
+            <a:p>
+              <a:pPr algn="ctr"/>
+              <a:r>
+                <a:rPr lang="es-MX" sz="1050">
+                  <a:solidFill>
+                    <a:schemeClr val="accent2"/>
+                  </a:solidFill>
+                  <a:latin typeface="Proxima Nova" panose="020B0604020202020204" charset="0"/>
+                </a:rPr>
+                <a:t>KNN</a:t>
+              </a:r>
+              <a:endParaRPr lang="es-AR" sz="1050" dirty="0">
+                <a:solidFill>
+                  <a:schemeClr val="accent2"/>
+                </a:solidFill>
+                <a:latin typeface="Proxima Nova" panose="020B0604020202020204" charset="0"/>
+              </a:endParaRPr>
+            </a:p>
+          </p:txBody>
+        </p:sp>
+        <p:sp>
+          <p:nvSpPr>
+            <p:cNvPr id="25" name="Hexágono 24">
+              <a:extLst>
+                <a:ext uri="{FF2B5EF4-FFF2-40B4-BE49-F238E27FC236}">
+                  <a16:creationId xmlns:a16="http://schemas.microsoft.com/office/drawing/2014/main" id="{B6DEBD11-C370-43EB-B5CD-A85BE9A5D856}"/>
+                </a:ext>
+              </a:extLst>
+            </p:cNvPr>
+            <p:cNvSpPr/>
+            <p:nvPr/>
+          </p:nvSpPr>
+          <p:spPr>
+            <a:xfrm>
+              <a:off x="4465909" y="3939723"/>
+              <a:ext cx="1087946" cy="720000"/>
+            </a:xfrm>
+            <a:prstGeom prst="hexagon">
+              <a:avLst/>
+            </a:prstGeom>
+            <a:noFill/>
+            <a:ln w="28575">
+              <a:solidFill>
+                <a:srgbClr val="63D297"/>
+              </a:solidFill>
+            </a:ln>
+          </p:spPr>
+          <p:style>
+            <a:lnRef idx="2">
+              <a:schemeClr val="accent1">
+                <a:shade val="50000"/>
+              </a:schemeClr>
+            </a:lnRef>
+            <a:fillRef idx="1">
+              <a:schemeClr val="accent1"/>
+            </a:fillRef>
+            <a:effectRef idx="0">
+              <a:schemeClr val="accent1"/>
+            </a:effectRef>
+            <a:fontRef idx="minor">
+              <a:schemeClr val="lt1"/>
+            </a:fontRef>
+          </p:style>
+          <p:txBody>
+            <a:bodyPr rtlCol="0" anchor="ctr"/>
+            <a:lstStyle/>
+            <a:p>
+              <a:pPr algn="ctr"/>
+              <a:r>
+                <a:rPr lang="es-MX" sz="1050" dirty="0">
+                  <a:solidFill>
+                    <a:schemeClr val="accent2"/>
+                  </a:solidFill>
+                  <a:latin typeface="Proxima Nova" panose="020B0604020202020204" charset="0"/>
+                </a:rPr>
+                <a:t>Regresión logística</a:t>
+              </a:r>
+              <a:endParaRPr lang="es-AR" sz="1050" dirty="0">
+                <a:solidFill>
+                  <a:schemeClr val="accent2"/>
+                </a:solidFill>
+                <a:latin typeface="Proxima Nova" panose="020B0604020202020204" charset="0"/>
+              </a:endParaRPr>
+            </a:p>
+          </p:txBody>
+        </p:sp>
+        <p:sp>
+          <p:nvSpPr>
+            <p:cNvPr id="26" name="Hexágono 25">
+              <a:extLst>
+                <a:ext uri="{FF2B5EF4-FFF2-40B4-BE49-F238E27FC236}">
+                  <a16:creationId xmlns:a16="http://schemas.microsoft.com/office/drawing/2014/main" id="{8B8272A9-08DB-4DF0-B285-A5A0125E7E9B}"/>
+                </a:ext>
+              </a:extLst>
+            </p:cNvPr>
+            <p:cNvSpPr/>
+            <p:nvPr/>
+          </p:nvSpPr>
+          <p:spPr>
+            <a:xfrm>
+              <a:off x="5594499" y="3939723"/>
+              <a:ext cx="1087946" cy="720000"/>
+            </a:xfrm>
+            <a:prstGeom prst="hexagon">
+              <a:avLst/>
+            </a:prstGeom>
+            <a:noFill/>
+            <a:ln w="12700">
+              <a:solidFill>
+                <a:schemeClr val="accent4"/>
+              </a:solidFill>
+            </a:ln>
+          </p:spPr>
+          <p:style>
+            <a:lnRef idx="2">
+              <a:schemeClr val="accent1">
+                <a:shade val="50000"/>
+              </a:schemeClr>
+            </a:lnRef>
+            <a:fillRef idx="1">
+              <a:schemeClr val="accent1"/>
+            </a:fillRef>
+            <a:effectRef idx="0">
+              <a:schemeClr val="accent1"/>
+            </a:effectRef>
+            <a:fontRef idx="minor">
+              <a:schemeClr val="lt1"/>
+            </a:fontRef>
+          </p:style>
+          <p:txBody>
+            <a:bodyPr rtlCol="0" anchor="ctr"/>
+            <a:lstStyle/>
+            <a:p>
+              <a:pPr algn="ctr"/>
+              <a:r>
+                <a:rPr lang="es-MX" sz="1050" dirty="0">
+                  <a:solidFill>
+                    <a:schemeClr val="accent2"/>
+                  </a:solidFill>
+                  <a:latin typeface="Proxima Nova" panose="020B0604020202020204" charset="0"/>
+                </a:rPr>
+                <a:t>LDA/QDA</a:t>
+              </a:r>
+              <a:endParaRPr lang="es-AR" sz="1050" dirty="0">
+                <a:solidFill>
+                  <a:schemeClr val="accent2"/>
+                </a:solidFill>
+                <a:latin typeface="Proxima Nova" panose="020B0604020202020204" charset="0"/>
+              </a:endParaRPr>
+            </a:p>
+          </p:txBody>
+        </p:sp>
+        <p:cxnSp>
+          <p:nvCxnSpPr>
+            <p:cNvPr id="27" name="Conector recto 26">
+              <a:extLst>
+                <a:ext uri="{FF2B5EF4-FFF2-40B4-BE49-F238E27FC236}">
+                  <a16:creationId xmlns:a16="http://schemas.microsoft.com/office/drawing/2014/main" id="{90C3AB3A-27DE-40B3-B141-AE97C7BE7617}"/>
+                </a:ext>
+              </a:extLst>
+            </p:cNvPr>
+            <p:cNvCxnSpPr>
+              <a:cxnSpLocks/>
+            </p:cNvCxnSpPr>
+            <p:nvPr/>
+          </p:nvCxnSpPr>
+          <p:spPr>
+            <a:xfrm flipH="1">
+              <a:off x="2785730" y="3668258"/>
+              <a:ext cx="761942" cy="258700"/>
+            </a:xfrm>
+            <a:prstGeom prst="line">
+              <a:avLst/>
+            </a:prstGeom>
+            <a:ln w="12700">
+              <a:solidFill>
+                <a:schemeClr val="accent4"/>
+              </a:solidFill>
+            </a:ln>
+          </p:spPr>
+          <p:style>
+            <a:lnRef idx="1">
+              <a:schemeClr val="accent1"/>
+            </a:lnRef>
+            <a:fillRef idx="0">
+              <a:schemeClr val="accent1"/>
+            </a:fillRef>
+            <a:effectRef idx="0">
+              <a:schemeClr val="accent1"/>
+            </a:effectRef>
+            <a:fontRef idx="minor">
+              <a:schemeClr val="tx1"/>
+            </a:fontRef>
+          </p:style>
+        </p:cxnSp>
+        <p:cxnSp>
+          <p:nvCxnSpPr>
+            <p:cNvPr id="28" name="Conector recto 27">
+              <a:extLst>
+                <a:ext uri="{FF2B5EF4-FFF2-40B4-BE49-F238E27FC236}">
+                  <a16:creationId xmlns:a16="http://schemas.microsoft.com/office/drawing/2014/main" id="{62E5DB53-B4F6-4F4D-9BA6-8A515FACE311}"/>
+                </a:ext>
+              </a:extLst>
+            </p:cNvPr>
+            <p:cNvCxnSpPr>
+              <a:cxnSpLocks/>
+            </p:cNvCxnSpPr>
+            <p:nvPr/>
+          </p:nvCxnSpPr>
+          <p:spPr>
+            <a:xfrm flipH="1">
+              <a:off x="5009882" y="3666366"/>
+              <a:ext cx="526486" cy="275524"/>
+            </a:xfrm>
+            <a:prstGeom prst="line">
+              <a:avLst/>
+            </a:prstGeom>
+            <a:ln w="12700">
+              <a:solidFill>
+                <a:schemeClr val="accent4"/>
+              </a:solidFill>
+            </a:ln>
+          </p:spPr>
+          <p:style>
+            <a:lnRef idx="1">
+              <a:schemeClr val="accent1"/>
+            </a:lnRef>
+            <a:fillRef idx="0">
+              <a:schemeClr val="accent1"/>
+            </a:fillRef>
+            <a:effectRef idx="0">
+              <a:schemeClr val="accent1"/>
+            </a:effectRef>
+            <a:fontRef idx="minor">
+              <a:schemeClr val="tx1"/>
+            </a:fontRef>
+          </p:style>
+        </p:cxnSp>
+        <p:cxnSp>
+          <p:nvCxnSpPr>
+            <p:cNvPr id="29" name="Conector recto 28">
+              <a:extLst>
+                <a:ext uri="{FF2B5EF4-FFF2-40B4-BE49-F238E27FC236}">
+                  <a16:creationId xmlns:a16="http://schemas.microsoft.com/office/drawing/2014/main" id="{3ABF9333-1C65-4816-AA20-D3B0E1CEF2BB}"/>
+                </a:ext>
+              </a:extLst>
+            </p:cNvPr>
+            <p:cNvCxnSpPr>
+              <a:cxnSpLocks/>
+            </p:cNvCxnSpPr>
+            <p:nvPr/>
+          </p:nvCxnSpPr>
+          <p:spPr>
+            <a:xfrm>
+              <a:off x="5536368" y="3666366"/>
+              <a:ext cx="602104" cy="275524"/>
+            </a:xfrm>
+            <a:prstGeom prst="line">
+              <a:avLst/>
+            </a:prstGeom>
+            <a:ln w="12700">
+              <a:solidFill>
+                <a:schemeClr val="accent4"/>
+              </a:solidFill>
+            </a:ln>
+          </p:spPr>
+          <p:style>
+            <a:lnRef idx="1">
+              <a:schemeClr val="accent1"/>
+            </a:lnRef>
+            <a:fillRef idx="0">
+              <a:schemeClr val="accent1"/>
+            </a:fillRef>
+            <a:effectRef idx="0">
+              <a:schemeClr val="accent1"/>
+            </a:effectRef>
+            <a:fontRef idx="minor">
+              <a:schemeClr val="tx1"/>
+            </a:fontRef>
+          </p:style>
+        </p:cxnSp>
+        <p:sp>
+          <p:nvSpPr>
+            <p:cNvPr id="30" name="Hexágono 29">
+              <a:extLst>
+                <a:ext uri="{FF2B5EF4-FFF2-40B4-BE49-F238E27FC236}">
+                  <a16:creationId xmlns:a16="http://schemas.microsoft.com/office/drawing/2014/main" id="{933A7CEB-177D-4E33-8469-4D7E8A3773AB}"/>
+                </a:ext>
+              </a:extLst>
+            </p:cNvPr>
+            <p:cNvSpPr/>
+            <p:nvPr/>
+          </p:nvSpPr>
+          <p:spPr>
+            <a:xfrm>
+              <a:off x="3348488" y="3939723"/>
+              <a:ext cx="1087946" cy="720000"/>
+            </a:xfrm>
+            <a:prstGeom prst="hexagon">
+              <a:avLst/>
+            </a:prstGeom>
+            <a:noFill/>
+            <a:ln w="12700">
+              <a:solidFill>
+                <a:schemeClr val="accent4"/>
+              </a:solidFill>
+            </a:ln>
+          </p:spPr>
+          <p:style>
+            <a:lnRef idx="2">
+              <a:schemeClr val="accent1">
+                <a:shade val="50000"/>
+              </a:schemeClr>
+            </a:lnRef>
+            <a:fillRef idx="1">
+              <a:schemeClr val="accent1"/>
+            </a:fillRef>
+            <a:effectRef idx="0">
+              <a:schemeClr val="accent1"/>
+            </a:effectRef>
+            <a:fontRef idx="minor">
+              <a:schemeClr val="lt1"/>
+            </a:fontRef>
+          </p:style>
+          <p:txBody>
+            <a:bodyPr rtlCol="0" anchor="ctr"/>
+            <a:lstStyle/>
+            <a:p>
+              <a:pPr algn="ctr"/>
+              <a:r>
+                <a:rPr lang="es-MX" sz="1050" dirty="0" err="1">
+                  <a:solidFill>
+                    <a:schemeClr val="accent2"/>
+                  </a:solidFill>
+                  <a:latin typeface="Proxima Nova" panose="020B0604020202020204" charset="0"/>
+                </a:rPr>
+                <a:t>Naive</a:t>
+              </a:r>
+              <a:r>
+                <a:rPr lang="es-MX" sz="1050" dirty="0">
+                  <a:solidFill>
+                    <a:schemeClr val="accent2"/>
+                  </a:solidFill>
+                  <a:latin typeface="Proxima Nova" panose="020B0604020202020204" charset="0"/>
+                </a:rPr>
+                <a:t> Bayes</a:t>
+              </a:r>
+              <a:endParaRPr lang="es-AR" sz="1050" dirty="0">
+                <a:solidFill>
+                  <a:schemeClr val="accent2"/>
+                </a:solidFill>
+                <a:latin typeface="Proxima Nova" panose="020B0604020202020204" charset="0"/>
+              </a:endParaRPr>
+            </a:p>
+          </p:txBody>
+        </p:sp>
+        <p:cxnSp>
+          <p:nvCxnSpPr>
+            <p:cNvPr id="31" name="Conector recto 30">
+              <a:extLst>
+                <a:ext uri="{FF2B5EF4-FFF2-40B4-BE49-F238E27FC236}">
+                  <a16:creationId xmlns:a16="http://schemas.microsoft.com/office/drawing/2014/main" id="{716DEEB0-0EB5-4DD4-9E30-9D75E1EA9A12}"/>
+                </a:ext>
+              </a:extLst>
+            </p:cNvPr>
+            <p:cNvCxnSpPr>
+              <a:cxnSpLocks/>
+            </p:cNvCxnSpPr>
+            <p:nvPr/>
+          </p:nvCxnSpPr>
+          <p:spPr>
+            <a:xfrm>
+              <a:off x="3547672" y="3668258"/>
+              <a:ext cx="344789" cy="270528"/>
+            </a:xfrm>
+            <a:prstGeom prst="line">
+              <a:avLst/>
+            </a:prstGeom>
+            <a:ln w="12700">
+              <a:solidFill>
+                <a:schemeClr val="accent4"/>
+              </a:solidFill>
+            </a:ln>
+          </p:spPr>
+          <p:style>
+            <a:lnRef idx="1">
+              <a:schemeClr val="accent1"/>
+            </a:lnRef>
+            <a:fillRef idx="0">
+              <a:schemeClr val="accent1"/>
+            </a:fillRef>
+            <a:effectRef idx="0">
+              <a:schemeClr val="accent1"/>
+            </a:effectRef>
+            <a:fontRef idx="minor">
+              <a:schemeClr val="tx1"/>
+            </a:fontRef>
+          </p:style>
+        </p:cxnSp>
+      </p:grpSp>
     </p:spTree>
   </p:cSld>
   <p:clrMapOvr>
@@ -23566,204 +23702,6 @@
       </p:sp>
       <p:sp>
         <p:nvSpPr>
-          <p:cNvPr id="20" name="Hexágono 19">
-            <a:extLst>
-              <a:ext uri="{FF2B5EF4-FFF2-40B4-BE49-F238E27FC236}">
-                <a16:creationId xmlns:a16="http://schemas.microsoft.com/office/drawing/2014/main" id="{C213F2BA-31F1-48E9-92AE-02682E122CBA}"/>
-              </a:ext>
-            </a:extLst>
-          </p:cNvPr>
-          <p:cNvSpPr/>
-          <p:nvPr/>
-        </p:nvSpPr>
-        <p:spPr>
-          <a:xfrm>
-            <a:off x="3003699" y="3935665"/>
-            <a:ext cx="1087946" cy="720000"/>
-          </a:xfrm>
-          <a:prstGeom prst="hexagon">
-            <a:avLst/>
-          </a:prstGeom>
-          <a:noFill/>
-          <a:ln w="12700">
-            <a:solidFill>
-              <a:schemeClr val="accent4"/>
-            </a:solidFill>
-          </a:ln>
-        </p:spPr>
-        <p:style>
-          <a:lnRef idx="2">
-            <a:schemeClr val="accent1">
-              <a:shade val="50000"/>
-            </a:schemeClr>
-          </a:lnRef>
-          <a:fillRef idx="1">
-            <a:schemeClr val="accent1"/>
-          </a:fillRef>
-          <a:effectRef idx="0">
-            <a:schemeClr val="accent1"/>
-          </a:effectRef>
-          <a:fontRef idx="minor">
-            <a:schemeClr val="lt1"/>
-          </a:fontRef>
-        </p:style>
-        <p:txBody>
-          <a:bodyPr rtlCol="0" anchor="ctr"/>
-          <a:lstStyle/>
-          <a:p>
-            <a:pPr algn="ctr"/>
-            <a:r>
-              <a:rPr lang="es-MX" sz="1050" dirty="0">
-                <a:solidFill>
-                  <a:schemeClr val="accent2"/>
-                </a:solidFill>
-                <a:latin typeface="Proxima Nova" panose="020B0604020202020204" charset="0"/>
-              </a:rPr>
-              <a:t>KNN</a:t>
-            </a:r>
-            <a:endParaRPr lang="es-AR" sz="1050" dirty="0">
-              <a:solidFill>
-                <a:schemeClr val="accent2"/>
-              </a:solidFill>
-              <a:latin typeface="Proxima Nova" panose="020B0604020202020204" charset="0"/>
-            </a:endParaRPr>
-          </a:p>
-        </p:txBody>
-      </p:sp>
-      <p:sp>
-        <p:nvSpPr>
-          <p:cNvPr id="21" name="Hexágono 20">
-            <a:extLst>
-              <a:ext uri="{FF2B5EF4-FFF2-40B4-BE49-F238E27FC236}">
-                <a16:creationId xmlns:a16="http://schemas.microsoft.com/office/drawing/2014/main" id="{97216F1F-A4F2-4D04-B1C8-9E2FFD92A4E4}"/>
-              </a:ext>
-            </a:extLst>
-          </p:cNvPr>
-          <p:cNvSpPr/>
-          <p:nvPr/>
-        </p:nvSpPr>
-        <p:spPr>
-          <a:xfrm>
-            <a:off x="4465909" y="3943782"/>
-            <a:ext cx="1087946" cy="720000"/>
-          </a:xfrm>
-          <a:prstGeom prst="hexagon">
-            <a:avLst/>
-          </a:prstGeom>
-          <a:noFill/>
-          <a:ln w="12700">
-            <a:solidFill>
-              <a:schemeClr val="accent4"/>
-            </a:solidFill>
-          </a:ln>
-        </p:spPr>
-        <p:style>
-          <a:lnRef idx="2">
-            <a:schemeClr val="accent1">
-              <a:shade val="50000"/>
-            </a:schemeClr>
-          </a:lnRef>
-          <a:fillRef idx="1">
-            <a:schemeClr val="accent1"/>
-          </a:fillRef>
-          <a:effectRef idx="0">
-            <a:schemeClr val="accent1"/>
-          </a:effectRef>
-          <a:fontRef idx="minor">
-            <a:schemeClr val="lt1"/>
-          </a:fontRef>
-        </p:style>
-        <p:txBody>
-          <a:bodyPr rtlCol="0" anchor="ctr"/>
-          <a:lstStyle/>
-          <a:p>
-            <a:pPr algn="ctr"/>
-            <a:r>
-              <a:rPr lang="es-MX" sz="1050" dirty="0">
-                <a:solidFill>
-                  <a:schemeClr val="accent2"/>
-                </a:solidFill>
-                <a:latin typeface="Proxima Nova" panose="020B0604020202020204" charset="0"/>
-              </a:rPr>
-              <a:t>Regresión logística</a:t>
-            </a:r>
-            <a:endParaRPr lang="es-AR" sz="1050" dirty="0">
-              <a:solidFill>
-                <a:schemeClr val="accent2"/>
-              </a:solidFill>
-              <a:latin typeface="Proxima Nova" panose="020B0604020202020204" charset="0"/>
-            </a:endParaRPr>
-          </a:p>
-        </p:txBody>
-      </p:sp>
-      <p:sp>
-        <p:nvSpPr>
-          <p:cNvPr id="22" name="Hexágono 21">
-            <a:extLst>
-              <a:ext uri="{FF2B5EF4-FFF2-40B4-BE49-F238E27FC236}">
-                <a16:creationId xmlns:a16="http://schemas.microsoft.com/office/drawing/2014/main" id="{9448D5DB-40E2-440C-B311-7317E78E6ED1}"/>
-              </a:ext>
-            </a:extLst>
-          </p:cNvPr>
-          <p:cNvSpPr/>
-          <p:nvPr/>
-        </p:nvSpPr>
-        <p:spPr>
-          <a:xfrm>
-            <a:off x="5594499" y="3943782"/>
-            <a:ext cx="1087946" cy="720000"/>
-          </a:xfrm>
-          <a:prstGeom prst="hexagon">
-            <a:avLst/>
-          </a:prstGeom>
-          <a:noFill/>
-          <a:ln w="12700">
-            <a:solidFill>
-              <a:schemeClr val="accent4"/>
-            </a:solidFill>
-          </a:ln>
-        </p:spPr>
-        <p:style>
-          <a:lnRef idx="2">
-            <a:schemeClr val="accent1">
-              <a:shade val="50000"/>
-            </a:schemeClr>
-          </a:lnRef>
-          <a:fillRef idx="1">
-            <a:schemeClr val="accent1"/>
-          </a:fillRef>
-          <a:effectRef idx="0">
-            <a:schemeClr val="accent1"/>
-          </a:effectRef>
-          <a:fontRef idx="minor">
-            <a:schemeClr val="lt1"/>
-          </a:fontRef>
-        </p:style>
-        <p:txBody>
-          <a:bodyPr rtlCol="0" anchor="ctr"/>
-          <a:lstStyle/>
-          <a:p>
-            <a:pPr algn="ctr"/>
-            <a:r>
-              <a:rPr lang="es-MX" sz="1050" dirty="0">
-                <a:solidFill>
-                  <a:schemeClr val="accent2"/>
-                </a:solidFill>
-                <a:latin typeface="Proxima Nova" panose="020B0604020202020204" charset="0"/>
-              </a:rPr>
-              <a:t>LDA</a:t>
-            </a:r>
-            <a:endParaRPr lang="es-AR" sz="1050" dirty="0">
-              <a:solidFill>
-                <a:schemeClr val="accent2"/>
-              </a:solidFill>
-              <a:latin typeface="Proxima Nova" panose="020B0604020202020204" charset="0"/>
-            </a:endParaRPr>
-          </a:p>
-        </p:txBody>
-      </p:sp>
-      <p:sp>
-        <p:nvSpPr>
           <p:cNvPr id="23" name="Rectángulo: esquinas redondeadas 22">
             <a:extLst>
               <a:ext uri="{FF2B5EF4-FFF2-40B4-BE49-F238E27FC236}">
@@ -24253,138 +24191,6 @@
       </p:cxnSp>
       <p:cxnSp>
         <p:nvCxnSpPr>
-          <p:cNvPr id="52" name="Conector recto 51">
-            <a:extLst>
-              <a:ext uri="{FF2B5EF4-FFF2-40B4-BE49-F238E27FC236}">
-                <a16:creationId xmlns:a16="http://schemas.microsoft.com/office/drawing/2014/main" id="{D05382A2-D7D6-4418-91FA-F06975755EFA}"/>
-              </a:ext>
-            </a:extLst>
-          </p:cNvPr>
-          <p:cNvCxnSpPr>
-            <a:cxnSpLocks/>
-            <a:stCxn id="23" idx="2"/>
-          </p:cNvCxnSpPr>
-          <p:nvPr/>
-        </p:nvCxnSpPr>
-        <p:spPr>
-          <a:xfrm>
-            <a:off x="3547672" y="3668258"/>
-            <a:ext cx="0" cy="252000"/>
-          </a:xfrm>
-          <a:prstGeom prst="line">
-            <a:avLst/>
-          </a:prstGeom>
-          <a:ln w="12700">
-            <a:solidFill>
-              <a:schemeClr val="accent4"/>
-            </a:solidFill>
-          </a:ln>
-        </p:spPr>
-        <p:style>
-          <a:lnRef idx="1">
-            <a:schemeClr val="accent1"/>
-          </a:lnRef>
-          <a:fillRef idx="0">
-            <a:schemeClr val="accent1"/>
-          </a:fillRef>
-          <a:effectRef idx="0">
-            <a:schemeClr val="accent1"/>
-          </a:effectRef>
-          <a:fontRef idx="minor">
-            <a:schemeClr val="tx1"/>
-          </a:fontRef>
-        </p:style>
-      </p:cxnSp>
-      <p:cxnSp>
-        <p:nvCxnSpPr>
-          <p:cNvPr id="55" name="Conector recto 54">
-            <a:extLst>
-              <a:ext uri="{FF2B5EF4-FFF2-40B4-BE49-F238E27FC236}">
-                <a16:creationId xmlns:a16="http://schemas.microsoft.com/office/drawing/2014/main" id="{1C9CA186-BA11-44F3-BB42-E6592CADB14F}"/>
-              </a:ext>
-            </a:extLst>
-          </p:cNvPr>
-          <p:cNvCxnSpPr>
-            <a:cxnSpLocks/>
-            <a:stCxn id="24" idx="2"/>
-          </p:cNvCxnSpPr>
-          <p:nvPr/>
-        </p:nvCxnSpPr>
-        <p:spPr>
-          <a:xfrm flipH="1">
-            <a:off x="5009882" y="3666366"/>
-            <a:ext cx="526486" cy="275524"/>
-          </a:xfrm>
-          <a:prstGeom prst="line">
-            <a:avLst/>
-          </a:prstGeom>
-          <a:ln w="12700">
-            <a:solidFill>
-              <a:schemeClr val="accent4"/>
-            </a:solidFill>
-          </a:ln>
-        </p:spPr>
-        <p:style>
-          <a:lnRef idx="1">
-            <a:schemeClr val="accent1"/>
-          </a:lnRef>
-          <a:fillRef idx="0">
-            <a:schemeClr val="accent1"/>
-          </a:fillRef>
-          <a:effectRef idx="0">
-            <a:schemeClr val="accent1"/>
-          </a:effectRef>
-          <a:fontRef idx="minor">
-            <a:schemeClr val="tx1"/>
-          </a:fontRef>
-        </p:style>
-      </p:cxnSp>
-      <p:cxnSp>
-        <p:nvCxnSpPr>
-          <p:cNvPr id="58" name="Conector recto 57">
-            <a:extLst>
-              <a:ext uri="{FF2B5EF4-FFF2-40B4-BE49-F238E27FC236}">
-                <a16:creationId xmlns:a16="http://schemas.microsoft.com/office/drawing/2014/main" id="{BCF97D6B-32FC-4C6B-B0A5-7FC37875742B}"/>
-              </a:ext>
-            </a:extLst>
-          </p:cNvPr>
-          <p:cNvCxnSpPr>
-            <a:cxnSpLocks/>
-            <a:stCxn id="24" idx="2"/>
-          </p:cNvCxnSpPr>
-          <p:nvPr/>
-        </p:nvCxnSpPr>
-        <p:spPr>
-          <a:xfrm>
-            <a:off x="5536368" y="3666366"/>
-            <a:ext cx="602104" cy="275524"/>
-          </a:xfrm>
-          <a:prstGeom prst="line">
-            <a:avLst/>
-          </a:prstGeom>
-          <a:ln w="12700">
-            <a:solidFill>
-              <a:schemeClr val="accent4"/>
-            </a:solidFill>
-          </a:ln>
-        </p:spPr>
-        <p:style>
-          <a:lnRef idx="1">
-            <a:schemeClr val="accent1"/>
-          </a:lnRef>
-          <a:fillRef idx="0">
-            <a:schemeClr val="accent1"/>
-          </a:fillRef>
-          <a:effectRef idx="0">
-            <a:schemeClr val="accent1"/>
-          </a:effectRef>
-          <a:fontRef idx="minor">
-            <a:schemeClr val="tx1"/>
-          </a:fontRef>
-        </p:style>
-      </p:cxnSp>
-      <p:cxnSp>
-        <p:nvCxnSpPr>
           <p:cNvPr id="60" name="Conector recto 59">
             <a:extLst>
               <a:ext uri="{FF2B5EF4-FFF2-40B4-BE49-F238E27FC236}">
@@ -24470,6 +24276,472 @@
           </a:fontRef>
         </p:style>
       </p:cxnSp>
+      <p:grpSp>
+        <p:nvGrpSpPr>
+          <p:cNvPr id="2" name="Grupo 1">
+            <a:extLst>
+              <a:ext uri="{FF2B5EF4-FFF2-40B4-BE49-F238E27FC236}">
+                <a16:creationId xmlns:a16="http://schemas.microsoft.com/office/drawing/2014/main" id="{922EF3F9-B91F-4166-B320-31CC2D5F0B44}"/>
+              </a:ext>
+            </a:extLst>
+          </p:cNvPr>
+          <p:cNvGrpSpPr/>
+          <p:nvPr/>
+        </p:nvGrpSpPr>
+        <p:grpSpPr>
+          <a:xfrm>
+            <a:off x="2323476" y="3662347"/>
+            <a:ext cx="4451377" cy="993357"/>
+            <a:chOff x="2231068" y="3666366"/>
+            <a:chExt cx="4451377" cy="993357"/>
+          </a:xfrm>
+        </p:grpSpPr>
+        <p:sp>
+          <p:nvSpPr>
+            <p:cNvPr id="31" name="Hexágono 30">
+              <a:extLst>
+                <a:ext uri="{FF2B5EF4-FFF2-40B4-BE49-F238E27FC236}">
+                  <a16:creationId xmlns:a16="http://schemas.microsoft.com/office/drawing/2014/main" id="{8CDE4EA9-DC0F-4DBE-A392-BE4592892E04}"/>
+                </a:ext>
+              </a:extLst>
+            </p:cNvPr>
+            <p:cNvSpPr/>
+            <p:nvPr/>
+          </p:nvSpPr>
+          <p:spPr>
+            <a:xfrm>
+              <a:off x="2231068" y="3939723"/>
+              <a:ext cx="1087946" cy="720000"/>
+            </a:xfrm>
+            <a:prstGeom prst="hexagon">
+              <a:avLst/>
+            </a:prstGeom>
+            <a:noFill/>
+            <a:ln w="12700">
+              <a:solidFill>
+                <a:schemeClr val="accent4"/>
+              </a:solidFill>
+            </a:ln>
+          </p:spPr>
+          <p:style>
+            <a:lnRef idx="2">
+              <a:schemeClr val="accent1">
+                <a:shade val="50000"/>
+              </a:schemeClr>
+            </a:lnRef>
+            <a:fillRef idx="1">
+              <a:schemeClr val="accent1"/>
+            </a:fillRef>
+            <a:effectRef idx="0">
+              <a:schemeClr val="accent1"/>
+            </a:effectRef>
+            <a:fontRef idx="minor">
+              <a:schemeClr val="lt1"/>
+            </a:fontRef>
+          </p:style>
+          <p:txBody>
+            <a:bodyPr rtlCol="0" anchor="ctr"/>
+            <a:lstStyle/>
+            <a:p>
+              <a:pPr algn="ctr"/>
+              <a:r>
+                <a:rPr lang="es-MX" sz="1050">
+                  <a:solidFill>
+                    <a:schemeClr val="accent2"/>
+                  </a:solidFill>
+                  <a:latin typeface="Proxima Nova" panose="020B0604020202020204" charset="0"/>
+                </a:rPr>
+                <a:t>KNN</a:t>
+              </a:r>
+              <a:endParaRPr lang="es-AR" sz="1050" dirty="0">
+                <a:solidFill>
+                  <a:schemeClr val="accent2"/>
+                </a:solidFill>
+                <a:latin typeface="Proxima Nova" panose="020B0604020202020204" charset="0"/>
+              </a:endParaRPr>
+            </a:p>
+          </p:txBody>
+        </p:sp>
+        <p:sp>
+          <p:nvSpPr>
+            <p:cNvPr id="32" name="Hexágono 31">
+              <a:extLst>
+                <a:ext uri="{FF2B5EF4-FFF2-40B4-BE49-F238E27FC236}">
+                  <a16:creationId xmlns:a16="http://schemas.microsoft.com/office/drawing/2014/main" id="{2DDE98BC-CE4D-4D50-A8FD-2EE53BF3A9C5}"/>
+                </a:ext>
+              </a:extLst>
+            </p:cNvPr>
+            <p:cNvSpPr/>
+            <p:nvPr/>
+          </p:nvSpPr>
+          <p:spPr>
+            <a:xfrm>
+              <a:off x="4465909" y="3939723"/>
+              <a:ext cx="1087946" cy="720000"/>
+            </a:xfrm>
+            <a:prstGeom prst="hexagon">
+              <a:avLst/>
+            </a:prstGeom>
+            <a:noFill/>
+            <a:ln w="12700">
+              <a:solidFill>
+                <a:schemeClr val="accent4"/>
+              </a:solidFill>
+            </a:ln>
+          </p:spPr>
+          <p:style>
+            <a:lnRef idx="2">
+              <a:schemeClr val="accent1">
+                <a:shade val="50000"/>
+              </a:schemeClr>
+            </a:lnRef>
+            <a:fillRef idx="1">
+              <a:schemeClr val="accent1"/>
+            </a:fillRef>
+            <a:effectRef idx="0">
+              <a:schemeClr val="accent1"/>
+            </a:effectRef>
+            <a:fontRef idx="minor">
+              <a:schemeClr val="lt1"/>
+            </a:fontRef>
+          </p:style>
+          <p:txBody>
+            <a:bodyPr rtlCol="0" anchor="ctr"/>
+            <a:lstStyle/>
+            <a:p>
+              <a:pPr algn="ctr"/>
+              <a:r>
+                <a:rPr lang="es-MX" sz="1050" dirty="0">
+                  <a:solidFill>
+                    <a:schemeClr val="accent2"/>
+                  </a:solidFill>
+                  <a:latin typeface="Proxima Nova" panose="020B0604020202020204" charset="0"/>
+                </a:rPr>
+                <a:t>Regresión logística</a:t>
+              </a:r>
+              <a:endParaRPr lang="es-AR" sz="1050" dirty="0">
+                <a:solidFill>
+                  <a:schemeClr val="accent2"/>
+                </a:solidFill>
+                <a:latin typeface="Proxima Nova" panose="020B0604020202020204" charset="0"/>
+              </a:endParaRPr>
+            </a:p>
+          </p:txBody>
+        </p:sp>
+        <p:sp>
+          <p:nvSpPr>
+            <p:cNvPr id="34" name="Hexágono 33">
+              <a:extLst>
+                <a:ext uri="{FF2B5EF4-FFF2-40B4-BE49-F238E27FC236}">
+                  <a16:creationId xmlns:a16="http://schemas.microsoft.com/office/drawing/2014/main" id="{3B2E5364-BBE2-46FE-9980-8B549D4CF34F}"/>
+                </a:ext>
+              </a:extLst>
+            </p:cNvPr>
+            <p:cNvSpPr/>
+            <p:nvPr/>
+          </p:nvSpPr>
+          <p:spPr>
+            <a:xfrm>
+              <a:off x="5594499" y="3939723"/>
+              <a:ext cx="1087946" cy="720000"/>
+            </a:xfrm>
+            <a:prstGeom prst="hexagon">
+              <a:avLst/>
+            </a:prstGeom>
+            <a:noFill/>
+            <a:ln w="12700">
+              <a:solidFill>
+                <a:schemeClr val="accent4"/>
+              </a:solidFill>
+            </a:ln>
+          </p:spPr>
+          <p:style>
+            <a:lnRef idx="2">
+              <a:schemeClr val="accent1">
+                <a:shade val="50000"/>
+              </a:schemeClr>
+            </a:lnRef>
+            <a:fillRef idx="1">
+              <a:schemeClr val="accent1"/>
+            </a:fillRef>
+            <a:effectRef idx="0">
+              <a:schemeClr val="accent1"/>
+            </a:effectRef>
+            <a:fontRef idx="minor">
+              <a:schemeClr val="lt1"/>
+            </a:fontRef>
+          </p:style>
+          <p:txBody>
+            <a:bodyPr rtlCol="0" anchor="ctr"/>
+            <a:lstStyle/>
+            <a:p>
+              <a:pPr algn="ctr"/>
+              <a:r>
+                <a:rPr lang="es-MX" sz="1050" dirty="0">
+                  <a:solidFill>
+                    <a:schemeClr val="accent2"/>
+                  </a:solidFill>
+                  <a:latin typeface="Proxima Nova" panose="020B0604020202020204" charset="0"/>
+                </a:rPr>
+                <a:t>LDA/QDA</a:t>
+              </a:r>
+              <a:endParaRPr lang="es-AR" sz="1050" dirty="0">
+                <a:solidFill>
+                  <a:schemeClr val="accent2"/>
+                </a:solidFill>
+                <a:latin typeface="Proxima Nova" panose="020B0604020202020204" charset="0"/>
+              </a:endParaRPr>
+            </a:p>
+          </p:txBody>
+        </p:sp>
+        <p:cxnSp>
+          <p:nvCxnSpPr>
+            <p:cNvPr id="35" name="Conector recto 34">
+              <a:extLst>
+                <a:ext uri="{FF2B5EF4-FFF2-40B4-BE49-F238E27FC236}">
+                  <a16:creationId xmlns:a16="http://schemas.microsoft.com/office/drawing/2014/main" id="{CF4D68AB-849E-4960-AEA7-29EAA247BAAC}"/>
+                </a:ext>
+              </a:extLst>
+            </p:cNvPr>
+            <p:cNvCxnSpPr>
+              <a:cxnSpLocks/>
+            </p:cNvCxnSpPr>
+            <p:nvPr/>
+          </p:nvCxnSpPr>
+          <p:spPr>
+            <a:xfrm flipH="1">
+              <a:off x="2785730" y="3668258"/>
+              <a:ext cx="761942" cy="258700"/>
+            </a:xfrm>
+            <a:prstGeom prst="line">
+              <a:avLst/>
+            </a:prstGeom>
+            <a:ln w="12700">
+              <a:solidFill>
+                <a:schemeClr val="accent4"/>
+              </a:solidFill>
+            </a:ln>
+          </p:spPr>
+          <p:style>
+            <a:lnRef idx="1">
+              <a:schemeClr val="accent1"/>
+            </a:lnRef>
+            <a:fillRef idx="0">
+              <a:schemeClr val="accent1"/>
+            </a:fillRef>
+            <a:effectRef idx="0">
+              <a:schemeClr val="accent1"/>
+            </a:effectRef>
+            <a:fontRef idx="minor">
+              <a:schemeClr val="tx1"/>
+            </a:fontRef>
+          </p:style>
+        </p:cxnSp>
+        <p:cxnSp>
+          <p:nvCxnSpPr>
+            <p:cNvPr id="37" name="Conector recto 36">
+              <a:extLst>
+                <a:ext uri="{FF2B5EF4-FFF2-40B4-BE49-F238E27FC236}">
+                  <a16:creationId xmlns:a16="http://schemas.microsoft.com/office/drawing/2014/main" id="{3AB9803C-83AF-44A4-BDAD-31E4C5DC0E09}"/>
+                </a:ext>
+              </a:extLst>
+            </p:cNvPr>
+            <p:cNvCxnSpPr>
+              <a:cxnSpLocks/>
+            </p:cNvCxnSpPr>
+            <p:nvPr/>
+          </p:nvCxnSpPr>
+          <p:spPr>
+            <a:xfrm flipH="1">
+              <a:off x="5009882" y="3666366"/>
+              <a:ext cx="526486" cy="275524"/>
+            </a:xfrm>
+            <a:prstGeom prst="line">
+              <a:avLst/>
+            </a:prstGeom>
+            <a:ln w="12700">
+              <a:solidFill>
+                <a:schemeClr val="accent4"/>
+              </a:solidFill>
+            </a:ln>
+          </p:spPr>
+          <p:style>
+            <a:lnRef idx="1">
+              <a:schemeClr val="accent1"/>
+            </a:lnRef>
+            <a:fillRef idx="0">
+              <a:schemeClr val="accent1"/>
+            </a:fillRef>
+            <a:effectRef idx="0">
+              <a:schemeClr val="accent1"/>
+            </a:effectRef>
+            <a:fontRef idx="minor">
+              <a:schemeClr val="tx1"/>
+            </a:fontRef>
+          </p:style>
+        </p:cxnSp>
+        <p:cxnSp>
+          <p:nvCxnSpPr>
+            <p:cNvPr id="38" name="Conector recto 37">
+              <a:extLst>
+                <a:ext uri="{FF2B5EF4-FFF2-40B4-BE49-F238E27FC236}">
+                  <a16:creationId xmlns:a16="http://schemas.microsoft.com/office/drawing/2014/main" id="{32A1B75D-BC3D-44B1-8169-2E3870CF89EE}"/>
+                </a:ext>
+              </a:extLst>
+            </p:cNvPr>
+            <p:cNvCxnSpPr>
+              <a:cxnSpLocks/>
+            </p:cNvCxnSpPr>
+            <p:nvPr/>
+          </p:nvCxnSpPr>
+          <p:spPr>
+            <a:xfrm>
+              <a:off x="5536368" y="3666366"/>
+              <a:ext cx="602104" cy="275524"/>
+            </a:xfrm>
+            <a:prstGeom prst="line">
+              <a:avLst/>
+            </a:prstGeom>
+            <a:ln w="12700">
+              <a:solidFill>
+                <a:schemeClr val="accent4"/>
+              </a:solidFill>
+            </a:ln>
+          </p:spPr>
+          <p:style>
+            <a:lnRef idx="1">
+              <a:schemeClr val="accent1"/>
+            </a:lnRef>
+            <a:fillRef idx="0">
+              <a:schemeClr val="accent1"/>
+            </a:fillRef>
+            <a:effectRef idx="0">
+              <a:schemeClr val="accent1"/>
+            </a:effectRef>
+            <a:fontRef idx="minor">
+              <a:schemeClr val="tx1"/>
+            </a:fontRef>
+          </p:style>
+        </p:cxnSp>
+        <p:sp>
+          <p:nvSpPr>
+            <p:cNvPr id="40" name="Hexágono 39">
+              <a:extLst>
+                <a:ext uri="{FF2B5EF4-FFF2-40B4-BE49-F238E27FC236}">
+                  <a16:creationId xmlns:a16="http://schemas.microsoft.com/office/drawing/2014/main" id="{14FC8F61-2BED-46FC-9FA3-67A3C59C5582}"/>
+                </a:ext>
+              </a:extLst>
+            </p:cNvPr>
+            <p:cNvSpPr/>
+            <p:nvPr/>
+          </p:nvSpPr>
+          <p:spPr>
+            <a:xfrm>
+              <a:off x="3348488" y="3939723"/>
+              <a:ext cx="1087946" cy="720000"/>
+            </a:xfrm>
+            <a:prstGeom prst="hexagon">
+              <a:avLst/>
+            </a:prstGeom>
+            <a:noFill/>
+            <a:ln w="12700">
+              <a:solidFill>
+                <a:schemeClr val="accent4"/>
+              </a:solidFill>
+            </a:ln>
+          </p:spPr>
+          <p:style>
+            <a:lnRef idx="2">
+              <a:schemeClr val="accent1">
+                <a:shade val="50000"/>
+              </a:schemeClr>
+            </a:lnRef>
+            <a:fillRef idx="1">
+              <a:schemeClr val="accent1"/>
+            </a:fillRef>
+            <a:effectRef idx="0">
+              <a:schemeClr val="accent1"/>
+            </a:effectRef>
+            <a:fontRef idx="minor">
+              <a:schemeClr val="lt1"/>
+            </a:fontRef>
+          </p:style>
+          <p:txBody>
+            <a:bodyPr rtlCol="0" anchor="ctr"/>
+            <a:lstStyle/>
+            <a:p>
+              <a:pPr algn="ctr"/>
+              <a:r>
+                <a:rPr lang="es-MX" sz="1050" dirty="0" err="1">
+                  <a:solidFill>
+                    <a:schemeClr val="accent2"/>
+                  </a:solidFill>
+                  <a:latin typeface="Proxima Nova" panose="020B0604020202020204" charset="0"/>
+                </a:rPr>
+                <a:t>Naive</a:t>
+              </a:r>
+              <a:r>
+                <a:rPr lang="es-MX" sz="1050" dirty="0">
+                  <a:solidFill>
+                    <a:schemeClr val="accent2"/>
+                  </a:solidFill>
+                  <a:latin typeface="Proxima Nova" panose="020B0604020202020204" charset="0"/>
+                </a:rPr>
+                <a:t> Bayes</a:t>
+              </a:r>
+              <a:endParaRPr lang="es-AR" sz="1050" dirty="0">
+                <a:solidFill>
+                  <a:schemeClr val="accent2"/>
+                </a:solidFill>
+                <a:latin typeface="Proxima Nova" panose="020B0604020202020204" charset="0"/>
+              </a:endParaRPr>
+            </a:p>
+          </p:txBody>
+        </p:sp>
+        <p:cxnSp>
+          <p:nvCxnSpPr>
+            <p:cNvPr id="41" name="Conector recto 40">
+              <a:extLst>
+                <a:ext uri="{FF2B5EF4-FFF2-40B4-BE49-F238E27FC236}">
+                  <a16:creationId xmlns:a16="http://schemas.microsoft.com/office/drawing/2014/main" id="{948FCC63-481E-4E1F-B00C-7CCCE06E24E9}"/>
+                </a:ext>
+              </a:extLst>
+            </p:cNvPr>
+            <p:cNvCxnSpPr>
+              <a:cxnSpLocks/>
+            </p:cNvCxnSpPr>
+            <p:nvPr/>
+          </p:nvCxnSpPr>
+          <p:spPr>
+            <a:xfrm>
+              <a:off x="3547672" y="3668258"/>
+              <a:ext cx="344789" cy="270528"/>
+            </a:xfrm>
+            <a:prstGeom prst="line">
+              <a:avLst/>
+            </a:prstGeom>
+            <a:ln w="12700">
+              <a:solidFill>
+                <a:schemeClr val="accent4"/>
+              </a:solidFill>
+            </a:ln>
+          </p:spPr>
+          <p:style>
+            <a:lnRef idx="1">
+              <a:schemeClr val="accent1"/>
+            </a:lnRef>
+            <a:fillRef idx="0">
+              <a:schemeClr val="accent1"/>
+            </a:fillRef>
+            <a:effectRef idx="0">
+              <a:schemeClr val="accent1"/>
+            </a:effectRef>
+            <a:fontRef idx="minor">
+              <a:schemeClr val="tx1"/>
+            </a:fontRef>
+          </p:style>
+        </p:cxnSp>
+      </p:grpSp>
     </p:spTree>
     <p:extLst>
       <p:ext uri="{BB962C8B-B14F-4D97-AF65-F5344CB8AC3E}">

--- a/clase3/teorica_3.pptx
+++ b/clase3/teorica_3.pptx
@@ -9920,33 +9920,6 @@
           </a:p>
         </p:txBody>
       </p:sp>
-      <p:pic>
-        <p:nvPicPr>
-          <p:cNvPr id="61" name="Google Shape;61;p13"/>
-          <p:cNvPicPr preferRelativeResize="0"/>
-          <p:nvPr/>
-        </p:nvPicPr>
-        <p:blipFill rotWithShape="1">
-          <a:blip r:embed="rId3">
-            <a:alphaModFix/>
-          </a:blip>
-          <a:srcRect l="15544" t="36940" r="15948" b="37818"/>
-          <a:stretch/>
-        </p:blipFill>
-        <p:spPr>
-          <a:xfrm>
-            <a:off x="7195950" y="284375"/>
-            <a:ext cx="1684874" cy="465550"/>
-          </a:xfrm>
-          <a:prstGeom prst="rect">
-            <a:avLst/>
-          </a:prstGeom>
-          <a:noFill/>
-          <a:ln>
-            <a:noFill/>
-          </a:ln>
-        </p:spPr>
-      </p:pic>
     </p:spTree>
   </p:cSld>
   <p:clrMapOvr>

--- a/clase3/teorica_3.pptx
+++ b/clase3/teorica_3.pptx
@@ -13365,8 +13365,8 @@
           </a:p>
         </p:txBody>
       </p:sp>
-      <mc:AlternateContent xmlns:mc="http://schemas.openxmlformats.org/markup-compatibility/2006" xmlns:a14="http://schemas.microsoft.com/office/drawing/2010/main">
-        <mc:Choice Requires="a14">
+      <mc:AlternateContent xmlns:mc="http://schemas.openxmlformats.org/markup-compatibility/2006">
+        <mc:Choice xmlns:a14="http://schemas.microsoft.com/office/drawing/2010/main" Requires="a14">
           <p:sp>
             <p:nvSpPr>
               <p:cNvPr id="6" name="Google Shape;182;p31">
@@ -13394,7 +13394,7 @@
             </p:spPr>
             <p:txBody>
               <a:bodyPr spcFirstLastPara="1" wrap="square" lIns="91425" tIns="91425" rIns="91425" bIns="91425" anchor="t" anchorCtr="0">
-                <a:normAutofit lnSpcReduction="10000"/>
+                <a:normAutofit/>
               </a:bodyPr>
               <a:lstStyle/>
               <a:p>
@@ -13407,40 +13407,7 @@
                 </a:pPr>
                 <a:r>
                   <a:rPr lang="es-MX" dirty="0"/>
-                  <a:t>Incorporar predictores cualitativos es como “segmentar”: calcular la regresión en las distintas categorías. El beta de la otra variable (</a:t>
-                </a:r>
-                <a14:m>
-                  <m:oMath xmlns:m="http://schemas.openxmlformats.org/officeDocument/2006/math">
-                    <m:sSub>
-                      <m:sSubPr>
-                        <m:ctrlPr>
-                          <a:rPr lang="es-MX" b="0" i="1" smtClean="0">
-                            <a:latin typeface="Cambria Math" panose="02040503050406030204" pitchFamily="18" charset="0"/>
-                          </a:rPr>
-                        </m:ctrlPr>
-                      </m:sSubPr>
-                      <m:e>
-                        <m:r>
-                          <a:rPr lang="es-MX" b="0" i="1" smtClean="0">
-                            <a:latin typeface="Cambria Math" panose="02040503050406030204" pitchFamily="18" charset="0"/>
-                          </a:rPr>
-                          <m:t>𝛽</m:t>
-                        </m:r>
-                      </m:e>
-                      <m:sub>
-                        <m:r>
-                          <a:rPr lang="es-MX" b="0" i="1" smtClean="0">
-                            <a:latin typeface="Cambria Math" panose="02040503050406030204" pitchFamily="18" charset="0"/>
-                          </a:rPr>
-                          <m:t>1</m:t>
-                        </m:r>
-                      </m:sub>
-                    </m:sSub>
-                  </m:oMath>
-                </a14:m>
-                <a:r>
-                  <a:rPr lang="es-MX" dirty="0"/>
-                  <a:t>, horas) es el promedio de los betas en cada categoría.</a:t>
+                  <a:t>Incorporar predictores cualitativos es como “segmentar”: calcular la regresión en las distintas categorías. </a:t>
                 </a:r>
               </a:p>
               <a:p>
@@ -13515,7 +13482,7 @@
             </p:txBody>
           </p:sp>
         </mc:Choice>
-        <mc:Fallback xmlns="">
+        <mc:Fallback>
           <p:sp>
             <p:nvSpPr>
               <p:cNvPr id="6" name="Google Shape;182;p31">
@@ -13543,7 +13510,7 @@
               <a:blipFill>
                 <a:blip r:embed="rId3"/>
                 <a:stretch>
-                  <a:fillRect l="-829" r="-1519"/>
+                  <a:fillRect l="-829" r="-1657"/>
                 </a:stretch>
               </a:blipFill>
             </p:spPr>
@@ -17939,6 +17906,60 @@
           </p:sp>
         </mc:Fallback>
       </mc:AlternateContent>
+      <p:sp>
+        <p:nvSpPr>
+          <p:cNvPr id="2" name="Rectángulo: esquinas redondeadas 1">
+            <a:extLst>
+              <a:ext uri="{FF2B5EF4-FFF2-40B4-BE49-F238E27FC236}">
+                <a16:creationId xmlns:a16="http://schemas.microsoft.com/office/drawing/2014/main" id="{86FAA347-D1FD-4521-8A6E-74F1E0ADFEDA}"/>
+              </a:ext>
+            </a:extLst>
+          </p:cNvPr>
+          <p:cNvSpPr/>
+          <p:nvPr/>
+        </p:nvSpPr>
+        <p:spPr>
+          <a:xfrm>
+            <a:off x="5456420" y="445025"/>
+            <a:ext cx="1094282" cy="634267"/>
+          </a:xfrm>
+          <a:prstGeom prst="roundRect">
+            <a:avLst/>
+          </a:prstGeom>
+          <a:solidFill>
+            <a:srgbClr val="63D297">
+              <a:alpha val="20000"/>
+            </a:srgbClr>
+          </a:solidFill>
+          <a:ln>
+            <a:noFill/>
+          </a:ln>
+        </p:spPr>
+        <p:style>
+          <a:lnRef idx="2">
+            <a:schemeClr val="accent1">
+              <a:shade val="50000"/>
+            </a:schemeClr>
+          </a:lnRef>
+          <a:fillRef idx="1">
+            <a:schemeClr val="accent1"/>
+          </a:fillRef>
+          <a:effectRef idx="0">
+            <a:schemeClr val="accent1"/>
+          </a:effectRef>
+          <a:fontRef idx="minor">
+            <a:schemeClr val="lt1"/>
+          </a:fontRef>
+        </p:style>
+        <p:txBody>
+          <a:bodyPr rtlCol="0" anchor="ctr"/>
+          <a:lstStyle/>
+          <a:p>
+            <a:pPr algn="ctr"/>
+            <a:endParaRPr lang="es-AR"/>
+          </a:p>
+        </p:txBody>
+      </p:sp>
     </p:spTree>
   </p:cSld>
   <p:clrMapOvr>
@@ -18042,8 +18063,8 @@
           </a:p>
         </p:txBody>
       </p:sp>
-      <mc:AlternateContent xmlns:mc="http://schemas.openxmlformats.org/markup-compatibility/2006" xmlns:a14="http://schemas.microsoft.com/office/drawing/2010/main">
-        <mc:Choice Requires="a14">
+      <mc:AlternateContent xmlns:mc="http://schemas.openxmlformats.org/markup-compatibility/2006">
+        <mc:Choice xmlns:a14="http://schemas.microsoft.com/office/drawing/2010/main" Requires="a14">
           <p:sp>
             <p:nvSpPr>
               <p:cNvPr id="6" name="Google Shape;182;p31">
@@ -18745,7 +18766,7 @@
                 </a:pPr>
                 <a:r>
                   <a:rPr lang="es-MX" dirty="0"/>
-                  <a:t>Con variables continuas es idéntico.</a:t>
+                  <a:t>Con variables continuas es análogo.</a:t>
                 </a:r>
               </a:p>
               <a:p>
@@ -18764,7 +18785,7 @@
             </p:txBody>
           </p:sp>
         </mc:Choice>
-        <mc:Fallback xmlns="">
+        <mc:Fallback>
           <p:sp>
             <p:nvSpPr>
               <p:cNvPr id="6" name="Google Shape;182;p31">
@@ -20634,23 +20655,7 @@
             </a:r>
             <a:r>
               <a:rPr lang="es-MX" dirty="0"/>
-              <a:t> factor), que mide </a:t>
-            </a:r>
-            <a:r>
-              <a:rPr lang="es-MX" dirty="0" err="1"/>
-              <a:t>ué</a:t>
-            </a:r>
-            <a:r>
-              <a:rPr lang="es-MX" dirty="0"/>
-              <a:t> medida se incrementa la variabilidad de cada coeficiente estimado como consecuencia de la multicolinealidad. Se considera </a:t>
-            </a:r>
-            <a:r>
-              <a:rPr lang="es-MX" dirty="0" err="1"/>
-              <a:t>poblemático</a:t>
-            </a:r>
-            <a:r>
-              <a:rPr lang="es-MX" dirty="0"/>
-              <a:t> si es mayor a 5 o 10.</a:t>
+              <a:t> factor), que mide en qué medida se incrementa la variabilidad de cada coeficiente estimado como consecuencia de la multicolinealidad. Se considera problemático si es mayor a 5 o 10.</a:t>
             </a:r>
           </a:p>
           <a:p>
@@ -20996,8 +21001,8 @@
           <a:chExt cx="0" cy="0"/>
         </a:xfrm>
       </p:grpSpPr>
-      <mc:AlternateContent xmlns:mc="http://schemas.openxmlformats.org/markup-compatibility/2006" xmlns:a14="http://schemas.microsoft.com/office/drawing/2010/main">
-        <mc:Choice Requires="a14">
+      <mc:AlternateContent xmlns:mc="http://schemas.openxmlformats.org/markup-compatibility/2006">
+        <mc:Choice xmlns:a14="http://schemas.microsoft.com/office/drawing/2010/main" Requires="a14">
           <p:sp>
             <p:nvSpPr>
               <p:cNvPr id="6" name="Google Shape;182;p31">
@@ -21205,13 +21210,19 @@
                         <a:rPr lang="es-MX" b="0" i="1" smtClean="0">
                           <a:latin typeface="Cambria Math" panose="02040503050406030204" pitchFamily="18" charset="0"/>
                         </a:rPr>
-                        <m:t>𝑎𝑑𝑗</m:t>
+                        <m:t>𝑎𝑗𝑢</m:t>
                       </m:r>
                       <m:r>
                         <a:rPr lang="es-MX" b="0" i="1" smtClean="0">
                           <a:latin typeface="Cambria Math" panose="02040503050406030204" pitchFamily="18" charset="0"/>
                         </a:rPr>
-                        <m:t>. =1−</m:t>
+                        <m:t>𝑠𝑡𝑎𝑑𝑜</m:t>
+                      </m:r>
+                      <m:r>
+                        <a:rPr lang="es-MX" b="0" i="1" smtClean="0">
+                          <a:latin typeface="Cambria Math" panose="02040503050406030204" pitchFamily="18" charset="0"/>
+                        </a:rPr>
+                        <m:t>=1−</m:t>
                       </m:r>
                       <m:f>
                         <m:fPr>
@@ -21382,7 +21393,7 @@
                 </a:pPr>
                 <a:r>
                   <a:rPr lang="es-MX" dirty="0"/>
-                  <a:t>Así, el indicador solo crece si la incorporación de variables se compensa con una caída lo suficientemente alto de la variabilidad no explicada.</a:t>
+                  <a:t>Así, el indicador solo crece si la incorporación de variables se compensa con una caída lo suficientemente alta de la variabilidad no explicada.</a:t>
                 </a:r>
               </a:p>
               <a:p>
@@ -21398,7 +21409,7 @@
             </p:txBody>
           </p:sp>
         </mc:Choice>
-        <mc:Fallback xmlns="">
+        <mc:Fallback>
           <p:sp>
             <p:nvSpPr>
               <p:cNvPr id="6" name="Google Shape;182;p31">
